--- a/slide1.pptx
+++ b/slide1.pptx
@@ -5,10 +5,10 @@
     <p:sldMasterId id="2147483648" r:id="rId1"/>
   </p:sldMasterIdLst>
   <p:notesMasterIdLst>
-    <p:notesMasterId r:id="rId26"/>
+    <p:notesMasterId r:id="rId28"/>
   </p:notesMasterIdLst>
   <p:handoutMasterIdLst>
-    <p:handoutMasterId r:id="rId27"/>
+    <p:handoutMasterId r:id="rId29"/>
   </p:handoutMasterIdLst>
   <p:sldIdLst>
     <p:sldId id="277" r:id="rId2"/>
@@ -19,22 +19,24 @@
     <p:sldId id="380" r:id="rId7"/>
     <p:sldId id="387" r:id="rId8"/>
     <p:sldId id="394" r:id="rId9"/>
-    <p:sldId id="395" r:id="rId10"/>
-    <p:sldId id="396" r:id="rId11"/>
-    <p:sldId id="385" r:id="rId12"/>
-    <p:sldId id="388" r:id="rId13"/>
-    <p:sldId id="381" r:id="rId14"/>
-    <p:sldId id="389" r:id="rId15"/>
-    <p:sldId id="376" r:id="rId16"/>
-    <p:sldId id="390" r:id="rId17"/>
-    <p:sldId id="384" r:id="rId18"/>
-    <p:sldId id="377" r:id="rId19"/>
-    <p:sldId id="391" r:id="rId20"/>
-    <p:sldId id="392" r:id="rId21"/>
-    <p:sldId id="393" r:id="rId22"/>
-    <p:sldId id="382" r:id="rId23"/>
-    <p:sldId id="383" r:id="rId24"/>
-    <p:sldId id="293" r:id="rId25"/>
+    <p:sldId id="399" r:id="rId10"/>
+    <p:sldId id="395" r:id="rId11"/>
+    <p:sldId id="397" r:id="rId12"/>
+    <p:sldId id="396" r:id="rId13"/>
+    <p:sldId id="385" r:id="rId14"/>
+    <p:sldId id="388" r:id="rId15"/>
+    <p:sldId id="381" r:id="rId16"/>
+    <p:sldId id="389" r:id="rId17"/>
+    <p:sldId id="376" r:id="rId18"/>
+    <p:sldId id="390" r:id="rId19"/>
+    <p:sldId id="384" r:id="rId20"/>
+    <p:sldId id="377" r:id="rId21"/>
+    <p:sldId id="391" r:id="rId22"/>
+    <p:sldId id="392" r:id="rId23"/>
+    <p:sldId id="393" r:id="rId24"/>
+    <p:sldId id="382" r:id="rId25"/>
+    <p:sldId id="383" r:id="rId26"/>
+    <p:sldId id="293" r:id="rId27"/>
   </p:sldIdLst>
   <p:sldSz cx="12192000" cy="6858000"/>
   <p:notesSz cx="6858000" cy="9144000"/>
@@ -385,7 +387,7 @@
           <a:p>
             <a:fld id="{15A49F08-9100-4AF5-BC0A-FC6A093BE3CC}" type="datetimeFigureOut">
               <a:rPr lang="ko-KR" altLang="en-US" smtClean="0"/>
-              <a:t>2022. 12. 9.</a:t>
+              <a:t>2022-12-11</a:t>
             </a:fld>
             <a:endParaRPr lang="ko-KR" altLang="en-US"/>
           </a:p>
@@ -3958,8 +3960,8 @@
         </p:nvSpPr>
         <p:spPr>
           <a:xfrm>
-            <a:off x="977522" y="1447438"/>
-            <a:ext cx="3772898" cy="2862322"/>
+            <a:off x="977521" y="1680321"/>
+            <a:ext cx="3463849" cy="1477328"/>
           </a:xfrm>
           <a:prstGeom prst="rect">
             <a:avLst/>
@@ -3991,817 +3993,18 @@
               <a:buChar char="-"/>
             </a:pPr>
             <a:r>
-              <a:rPr lang="en-US" altLang="ko-KR" sz="1800" dirty="0" err="1">
-                <a:solidFill>
-                  <a:srgbClr val="1F2025"/>
-                </a:solidFill>
-              </a:rPr>
-              <a:t>Giảm</a:t>
-            </a:r>
-            <a:r>
-              <a:rPr lang="en-US" altLang="ko-KR" sz="1800" dirty="0">
-                <a:solidFill>
-                  <a:srgbClr val="1F2025"/>
-                </a:solidFill>
-              </a:rPr>
-              <a:t> </a:t>
-            </a:r>
-            <a:r>
-              <a:rPr lang="en-US" altLang="ko-KR" sz="1800" dirty="0" err="1">
-                <a:solidFill>
-                  <a:srgbClr val="1F2025"/>
-                </a:solidFill>
-              </a:rPr>
-              <a:t>số</a:t>
-            </a:r>
-            <a:r>
-              <a:rPr lang="en-US" altLang="ko-KR" sz="1800" dirty="0">
-                <a:solidFill>
-                  <a:srgbClr val="1F2025"/>
-                </a:solidFill>
-              </a:rPr>
-              <a:t> </a:t>
-            </a:r>
-            <a:r>
-              <a:rPr lang="en-US" altLang="ko-KR" sz="1800" dirty="0" err="1">
-                <a:solidFill>
-                  <a:srgbClr val="1F2025"/>
-                </a:solidFill>
-              </a:rPr>
-              <a:t>chiều</a:t>
-            </a:r>
-            <a:r>
-              <a:rPr lang="en-US" altLang="ko-KR" sz="1800" dirty="0">
-                <a:solidFill>
-                  <a:srgbClr val="1F2025"/>
-                </a:solidFill>
-              </a:rPr>
-              <a:t> </a:t>
-            </a:r>
-            <a:r>
-              <a:rPr lang="en-US" altLang="ko-KR" sz="1800" dirty="0" err="1">
-                <a:solidFill>
-                  <a:srgbClr val="1F2025"/>
-                </a:solidFill>
-              </a:rPr>
-              <a:t>cần</a:t>
-            </a:r>
-            <a:r>
-              <a:rPr lang="en-US" altLang="ko-KR" sz="1800" dirty="0">
-                <a:solidFill>
-                  <a:srgbClr val="1F2025"/>
-                </a:solidFill>
-              </a:rPr>
-              <a:t> </a:t>
-            </a:r>
-            <a:r>
-              <a:rPr lang="en-US" altLang="ko-KR" sz="1800" dirty="0" err="1">
-                <a:solidFill>
-                  <a:srgbClr val="1F2025"/>
-                </a:solidFill>
-              </a:rPr>
-              <a:t>thiết</a:t>
-            </a:r>
-            <a:r>
-              <a:rPr lang="en-US" altLang="ko-KR" sz="1800" dirty="0">
-                <a:solidFill>
-                  <a:srgbClr val="1F2025"/>
-                </a:solidFill>
-              </a:rPr>
-              <a:t> </a:t>
-            </a:r>
-            <a:r>
-              <a:rPr lang="en-US" altLang="ko-KR" sz="1800" dirty="0" err="1">
-                <a:solidFill>
-                  <a:srgbClr val="1F2025"/>
-                </a:solidFill>
-              </a:rPr>
-              <a:t>để</a:t>
-            </a:r>
-            <a:r>
-              <a:rPr lang="en-US" altLang="ko-KR" sz="1800" dirty="0">
-                <a:solidFill>
-                  <a:srgbClr val="1F2025"/>
-                </a:solidFill>
-              </a:rPr>
-              <a:t> </a:t>
-            </a:r>
-            <a:r>
-              <a:rPr lang="en-US" altLang="ko-KR" sz="1800" dirty="0" err="1">
-                <a:solidFill>
-                  <a:srgbClr val="1F2025"/>
-                </a:solidFill>
-              </a:rPr>
-              <a:t>biểu</a:t>
-            </a:r>
-            <a:r>
-              <a:rPr lang="en-US" altLang="ko-KR" sz="1800" dirty="0">
-                <a:solidFill>
-                  <a:srgbClr val="1F2025"/>
-                </a:solidFill>
-              </a:rPr>
-              <a:t> </a:t>
-            </a:r>
-            <a:r>
-              <a:rPr lang="en-US" altLang="ko-KR" sz="1800" dirty="0" err="1">
-                <a:solidFill>
-                  <a:srgbClr val="1F2025"/>
-                </a:solidFill>
-              </a:rPr>
-              <a:t>diễn</a:t>
-            </a:r>
-            <a:r>
-              <a:rPr lang="en-US" altLang="ko-KR" sz="1800" dirty="0">
-                <a:solidFill>
-                  <a:srgbClr val="1F2025"/>
-                </a:solidFill>
-              </a:rPr>
-              <a:t> </a:t>
-            </a:r>
-            <a:r>
-              <a:rPr lang="en-US" altLang="ko-KR" sz="1800" dirty="0" err="1">
-                <a:solidFill>
-                  <a:srgbClr val="1F2025"/>
-                </a:solidFill>
-              </a:rPr>
-              <a:t>từ</a:t>
-            </a:r>
-            <a:r>
-              <a:rPr lang="en-US" altLang="ko-KR" sz="1800" dirty="0">
-                <a:solidFill>
-                  <a:srgbClr val="1F2025"/>
-                </a:solidFill>
-              </a:rPr>
-              <a:t>.</a:t>
-            </a:r>
-          </a:p>
-          <a:p>
-            <a:pPr marL="285750" indent="-285750">
-              <a:buFontTx/>
-              <a:buChar char="-"/>
-            </a:pPr>
-            <a:r>
-              <a:rPr lang="en-US" altLang="ko-KR" sz="1800" dirty="0" err="1">
-                <a:solidFill>
-                  <a:srgbClr val="1F2025"/>
-                </a:solidFill>
-              </a:rPr>
-              <a:t>Là</a:t>
-            </a:r>
-            <a:r>
-              <a:rPr lang="en-US" altLang="ko-KR" sz="1800" dirty="0">
-                <a:solidFill>
-                  <a:srgbClr val="1F2025"/>
-                </a:solidFill>
-              </a:rPr>
-              <a:t> </a:t>
-            </a:r>
-            <a:r>
-              <a:rPr lang="en-US" altLang="ko-KR" sz="1800" dirty="0" err="1">
-                <a:solidFill>
-                  <a:srgbClr val="1F2025"/>
-                </a:solidFill>
-              </a:rPr>
-              <a:t>một</a:t>
-            </a:r>
-            <a:r>
-              <a:rPr lang="en-US" altLang="ko-KR" sz="1800" dirty="0">
-                <a:solidFill>
-                  <a:srgbClr val="1F2025"/>
-                </a:solidFill>
-              </a:rPr>
-              <a:t> </a:t>
-            </a:r>
-            <a:r>
-              <a:rPr lang="en-US" altLang="ko-KR" sz="1800" dirty="0" err="1">
-                <a:solidFill>
-                  <a:srgbClr val="1F2025"/>
-                </a:solidFill>
-              </a:rPr>
-              <a:t>không</a:t>
-            </a:r>
-            <a:r>
-              <a:rPr lang="en-US" altLang="ko-KR" sz="1800" dirty="0">
-                <a:solidFill>
-                  <a:srgbClr val="1F2025"/>
-                </a:solidFill>
-              </a:rPr>
-              <a:t> </a:t>
-            </a:r>
-            <a:r>
-              <a:rPr lang="en-US" altLang="ko-KR" sz="1800" dirty="0" err="1">
-                <a:solidFill>
-                  <a:srgbClr val="1F2025"/>
-                </a:solidFill>
-              </a:rPr>
-              <a:t>gian</a:t>
-            </a:r>
-            <a:r>
-              <a:rPr lang="en-US" altLang="ko-KR" sz="1800" dirty="0">
-                <a:solidFill>
-                  <a:srgbClr val="1F2025"/>
-                </a:solidFill>
-              </a:rPr>
-              <a:t> vector </a:t>
-            </a:r>
-            <a:r>
-              <a:rPr lang="en-US" altLang="ko-KR" sz="1800" dirty="0" err="1">
-                <a:solidFill>
-                  <a:srgbClr val="1F2025"/>
-                </a:solidFill>
-              </a:rPr>
-              <a:t>biểu</a:t>
-            </a:r>
-            <a:r>
-              <a:rPr lang="en-US" altLang="ko-KR" sz="1800" dirty="0">
-                <a:solidFill>
-                  <a:srgbClr val="1F2025"/>
-                </a:solidFill>
-              </a:rPr>
-              <a:t> </a:t>
-            </a:r>
-            <a:r>
-              <a:rPr lang="en-US" altLang="ko-KR" sz="1800" dirty="0" err="1">
-                <a:solidFill>
-                  <a:srgbClr val="1F2025"/>
-                </a:solidFill>
-              </a:rPr>
-              <a:t>diễn</a:t>
-            </a:r>
-            <a:r>
-              <a:rPr lang="en-US" altLang="ko-KR" sz="1800" dirty="0">
-                <a:solidFill>
-                  <a:srgbClr val="1F2025"/>
-                </a:solidFill>
-              </a:rPr>
-              <a:t> </a:t>
-            </a:r>
-            <a:r>
-              <a:rPr lang="en-US" altLang="ko-KR" sz="1800" dirty="0" err="1">
-                <a:solidFill>
-                  <a:srgbClr val="1F2025"/>
-                </a:solidFill>
-              </a:rPr>
-              <a:t>từ</a:t>
-            </a:r>
-            <a:r>
-              <a:rPr lang="en-US" altLang="ko-KR" sz="1800" dirty="0">
-                <a:solidFill>
-                  <a:srgbClr val="1F2025"/>
-                </a:solidFill>
-              </a:rPr>
-              <a:t> </a:t>
-            </a:r>
-            <a:r>
-              <a:rPr lang="en-US" altLang="ko-KR" sz="1800" dirty="0" err="1">
-                <a:solidFill>
-                  <a:srgbClr val="1F2025"/>
-                </a:solidFill>
-              </a:rPr>
-              <a:t>dựa</a:t>
-            </a:r>
-            <a:r>
-              <a:rPr lang="en-US" altLang="ko-KR" sz="1800" dirty="0">
-                <a:solidFill>
-                  <a:srgbClr val="1F2025"/>
-                </a:solidFill>
-              </a:rPr>
-              <a:t> </a:t>
-            </a:r>
-            <a:r>
-              <a:rPr lang="en-US" altLang="ko-KR" sz="1800" dirty="0" err="1">
-                <a:solidFill>
-                  <a:srgbClr val="1F2025"/>
-                </a:solidFill>
-              </a:rPr>
-              <a:t>trên</a:t>
-            </a:r>
-            <a:r>
-              <a:rPr lang="en-US" altLang="ko-KR" sz="1800" dirty="0">
-                <a:solidFill>
-                  <a:srgbClr val="1F2025"/>
-                </a:solidFill>
-              </a:rPr>
-              <a:t> </a:t>
-            </a:r>
-            <a:r>
-              <a:rPr lang="en-US" altLang="ko-KR" sz="1800" dirty="0" err="1">
-                <a:solidFill>
-                  <a:srgbClr val="1F2025"/>
-                </a:solidFill>
-              </a:rPr>
-              <a:t>ngữ</a:t>
-            </a:r>
-            <a:r>
-              <a:rPr lang="en-US" altLang="ko-KR" sz="1800" dirty="0">
-                <a:solidFill>
-                  <a:srgbClr val="1F2025"/>
-                </a:solidFill>
-              </a:rPr>
-              <a:t> </a:t>
-            </a:r>
-            <a:r>
-              <a:rPr lang="en-US" altLang="ko-KR" sz="1800" dirty="0" err="1">
-                <a:solidFill>
-                  <a:srgbClr val="1F2025"/>
-                </a:solidFill>
-              </a:rPr>
-              <a:t>cảnh</a:t>
-            </a:r>
-            <a:r>
-              <a:rPr lang="en-US" altLang="ko-KR" sz="1800" dirty="0">
-                <a:solidFill>
-                  <a:srgbClr val="1F2025"/>
-                </a:solidFill>
-              </a:rPr>
-              <a:t>, </a:t>
-            </a:r>
-            <a:r>
-              <a:rPr lang="en-US" altLang="ko-KR" sz="1800" dirty="0" err="1">
-                <a:solidFill>
-                  <a:srgbClr val="1F2025"/>
-                </a:solidFill>
-              </a:rPr>
-              <a:t>ý</a:t>
-            </a:r>
-            <a:r>
-              <a:rPr lang="en-US" altLang="ko-KR" sz="1800" dirty="0">
-                <a:solidFill>
-                  <a:srgbClr val="1F2025"/>
-                </a:solidFill>
-              </a:rPr>
-              <a:t> </a:t>
-            </a:r>
-            <a:r>
-              <a:rPr lang="en-US" altLang="ko-KR" sz="1800" dirty="0" err="1">
-                <a:solidFill>
-                  <a:srgbClr val="1F2025"/>
-                </a:solidFill>
-              </a:rPr>
-              <a:t>nghĩa</a:t>
-            </a:r>
-            <a:r>
-              <a:rPr lang="en-US" altLang="ko-KR" sz="1800" dirty="0">
-                <a:solidFill>
-                  <a:srgbClr val="1F2025"/>
-                </a:solidFill>
-              </a:rPr>
-              <a:t> </a:t>
-            </a:r>
-            <a:r>
-              <a:rPr lang="en-US" altLang="ko-KR" sz="1800" dirty="0" err="1">
-                <a:solidFill>
-                  <a:srgbClr val="1F2025"/>
-                </a:solidFill>
-              </a:rPr>
-              <a:t>và</a:t>
-            </a:r>
-            <a:r>
-              <a:rPr lang="en-US" altLang="ko-KR" sz="1800" dirty="0">
-                <a:solidFill>
-                  <a:srgbClr val="1F2025"/>
-                </a:solidFill>
-              </a:rPr>
-              <a:t> </a:t>
-            </a:r>
-            <a:r>
-              <a:rPr lang="en-US" altLang="ko-KR" sz="1800" dirty="0" err="1">
-                <a:solidFill>
-                  <a:srgbClr val="1F2025"/>
-                </a:solidFill>
-              </a:rPr>
-              <a:t>vai</a:t>
-            </a:r>
-            <a:r>
-              <a:rPr lang="en-US" altLang="ko-KR" sz="1800" dirty="0">
-                <a:solidFill>
-                  <a:srgbClr val="1F2025"/>
-                </a:solidFill>
-              </a:rPr>
-              <a:t> </a:t>
-            </a:r>
-            <a:r>
-              <a:rPr lang="en-US" altLang="ko-KR" sz="1800" dirty="0" err="1">
-                <a:solidFill>
-                  <a:srgbClr val="1F2025"/>
-                </a:solidFill>
-              </a:rPr>
-              <a:t>trò</a:t>
-            </a:r>
-            <a:r>
-              <a:rPr lang="en-US" altLang="ko-KR" sz="1800" dirty="0">
-                <a:solidFill>
-                  <a:srgbClr val="1F2025"/>
-                </a:solidFill>
-              </a:rPr>
-              <a:t> </a:t>
-            </a:r>
-            <a:r>
-              <a:rPr lang="en-US" altLang="ko-KR" sz="1800" dirty="0" err="1">
-                <a:solidFill>
-                  <a:srgbClr val="1F2025"/>
-                </a:solidFill>
-              </a:rPr>
-              <a:t>của</a:t>
-            </a:r>
-            <a:r>
-              <a:rPr lang="en-US" altLang="ko-KR" sz="1800" dirty="0">
-                <a:solidFill>
-                  <a:srgbClr val="1F2025"/>
-                </a:solidFill>
-              </a:rPr>
-              <a:t> </a:t>
-            </a:r>
-            <a:r>
-              <a:rPr lang="en-US" altLang="ko-KR" sz="1800" dirty="0" err="1">
-                <a:solidFill>
-                  <a:srgbClr val="1F2025"/>
-                </a:solidFill>
-              </a:rPr>
-              <a:t>các</a:t>
-            </a:r>
-            <a:r>
-              <a:rPr lang="en-US" altLang="ko-KR" sz="1800" dirty="0">
-                <a:solidFill>
-                  <a:srgbClr val="1F2025"/>
-                </a:solidFill>
-              </a:rPr>
-              <a:t> </a:t>
-            </a:r>
-            <a:r>
-              <a:rPr lang="en-US" altLang="ko-KR" sz="1800" dirty="0" err="1">
-                <a:solidFill>
-                  <a:srgbClr val="1F2025"/>
-                </a:solidFill>
-              </a:rPr>
-              <a:t>từ</a:t>
-            </a:r>
-            <a:r>
-              <a:rPr lang="en-US" altLang="ko-KR" sz="1800" dirty="0">
-                <a:solidFill>
-                  <a:srgbClr val="1F2025"/>
-                </a:solidFill>
-              </a:rPr>
-              <a:t> </a:t>
-            </a:r>
-            <a:r>
-              <a:rPr lang="en-US" altLang="ko-KR" sz="1800" dirty="0" err="1">
-                <a:solidFill>
-                  <a:srgbClr val="1F2025"/>
-                </a:solidFill>
-              </a:rPr>
-              <a:t>đó</a:t>
-            </a:r>
-            <a:r>
-              <a:rPr lang="en-US" altLang="ko-KR" sz="1800" dirty="0">
-                <a:solidFill>
-                  <a:srgbClr val="1F2025"/>
-                </a:solidFill>
-              </a:rPr>
-              <a:t> </a:t>
-            </a:r>
-            <a:r>
-              <a:rPr lang="en-US" altLang="ko-KR" sz="1800" dirty="0" err="1">
-                <a:solidFill>
-                  <a:srgbClr val="1F2025"/>
-                </a:solidFill>
-              </a:rPr>
-              <a:t>trong</a:t>
-            </a:r>
-            <a:r>
-              <a:rPr lang="en-US" altLang="ko-KR" sz="1800" dirty="0">
-                <a:solidFill>
-                  <a:srgbClr val="1F2025"/>
-                </a:solidFill>
-              </a:rPr>
-              <a:t> </a:t>
-            </a:r>
-            <a:r>
-              <a:rPr lang="en-US" altLang="ko-KR" sz="1800" dirty="0" err="1">
-                <a:solidFill>
-                  <a:srgbClr val="1F2025"/>
-                </a:solidFill>
-              </a:rPr>
-              <a:t>dữ</a:t>
-            </a:r>
-            <a:r>
-              <a:rPr lang="en-US" altLang="ko-KR" sz="1800" dirty="0">
-                <a:solidFill>
-                  <a:srgbClr val="1F2025"/>
-                </a:solidFill>
-              </a:rPr>
-              <a:t> </a:t>
-            </a:r>
-            <a:r>
-              <a:rPr lang="en-US" altLang="ko-KR" sz="1800" dirty="0" err="1">
-                <a:solidFill>
-                  <a:srgbClr val="1F2025"/>
-                </a:solidFill>
-              </a:rPr>
-              <a:t>liệu</a:t>
-            </a:r>
-            <a:r>
-              <a:rPr lang="en-US" altLang="ko-KR" sz="1800" dirty="0">
-                <a:solidFill>
-                  <a:srgbClr val="1F2025"/>
-                </a:solidFill>
-              </a:rPr>
-              <a:t> </a:t>
-            </a:r>
-            <a:r>
-              <a:rPr lang="en-US" altLang="ko-KR" sz="1800" dirty="0" err="1">
-                <a:solidFill>
-                  <a:srgbClr val="1F2025"/>
-                </a:solidFill>
-              </a:rPr>
-              <a:t>ngôn</a:t>
-            </a:r>
-            <a:r>
-              <a:rPr lang="en-US" altLang="ko-KR" sz="1800" dirty="0">
-                <a:solidFill>
-                  <a:srgbClr val="1F2025"/>
-                </a:solidFill>
-              </a:rPr>
-              <a:t> </a:t>
-            </a:r>
-            <a:r>
-              <a:rPr lang="en-US" altLang="ko-KR" sz="1800" dirty="0" err="1">
-                <a:solidFill>
-                  <a:srgbClr val="1F2025"/>
-                </a:solidFill>
-              </a:rPr>
-              <a:t>ngữ</a:t>
-            </a:r>
-            <a:r>
-              <a:rPr lang="en-US" altLang="ko-KR" sz="1800" dirty="0">
-                <a:solidFill>
-                  <a:srgbClr val="1F2025"/>
-                </a:solidFill>
-              </a:rPr>
-              <a:t>.</a:t>
-            </a:r>
-          </a:p>
-          <a:p>
-            <a:pPr marL="285750" indent="-285750">
-              <a:buFontTx/>
-              <a:buChar char="-"/>
-            </a:pPr>
-            <a:r>
-              <a:rPr lang="en-US" altLang="ko-KR" sz="1800" dirty="0" err="1">
-                <a:solidFill>
-                  <a:srgbClr val="1F2025"/>
-                </a:solidFill>
-              </a:rPr>
-              <a:t>Trong</a:t>
-            </a:r>
-            <a:r>
-              <a:rPr lang="en-US" altLang="ko-KR" sz="1800" dirty="0">
-                <a:solidFill>
-                  <a:srgbClr val="1F2025"/>
-                </a:solidFill>
-              </a:rPr>
-              <a:t> </a:t>
-            </a:r>
-            <a:r>
-              <a:rPr lang="en-US" altLang="ko-KR" sz="1800" dirty="0" err="1">
-                <a:solidFill>
-                  <a:srgbClr val="1F2025"/>
-                </a:solidFill>
-              </a:rPr>
-              <a:t>không</a:t>
-            </a:r>
-            <a:r>
-              <a:rPr lang="en-US" altLang="ko-KR" sz="1800" dirty="0">
-                <a:solidFill>
-                  <a:srgbClr val="1F2025"/>
-                </a:solidFill>
-              </a:rPr>
-              <a:t> </a:t>
-            </a:r>
-            <a:r>
-              <a:rPr lang="en-US" altLang="ko-KR" sz="1800" dirty="0" err="1">
-                <a:solidFill>
-                  <a:srgbClr val="1F2025"/>
-                </a:solidFill>
-              </a:rPr>
-              <a:t>gian</a:t>
-            </a:r>
-            <a:r>
-              <a:rPr lang="en-US" altLang="ko-KR" sz="1800" dirty="0">
-                <a:solidFill>
-                  <a:srgbClr val="1F2025"/>
-                </a:solidFill>
-              </a:rPr>
-              <a:t> embedding, vector </a:t>
-            </a:r>
-            <a:r>
-              <a:rPr lang="en-US" altLang="ko-KR" sz="1800" dirty="0" err="1">
-                <a:solidFill>
-                  <a:srgbClr val="1F2025"/>
-                </a:solidFill>
-              </a:rPr>
-              <a:t>của</a:t>
-            </a:r>
-            <a:r>
-              <a:rPr lang="en-US" altLang="ko-KR" sz="1800" dirty="0">
-                <a:solidFill>
-                  <a:srgbClr val="1F2025"/>
-                </a:solidFill>
-              </a:rPr>
-              <a:t> </a:t>
-            </a:r>
-            <a:r>
-              <a:rPr lang="en-US" altLang="ko-KR" sz="1800" dirty="0" err="1">
-                <a:solidFill>
-                  <a:srgbClr val="1F2025"/>
-                </a:solidFill>
-              </a:rPr>
-              <a:t>các</a:t>
-            </a:r>
-            <a:r>
-              <a:rPr lang="en-US" altLang="ko-KR" sz="1800" dirty="0">
-                <a:solidFill>
-                  <a:srgbClr val="1F2025"/>
-                </a:solidFill>
-              </a:rPr>
-              <a:t> </a:t>
-            </a:r>
-            <a:r>
-              <a:rPr lang="en-US" altLang="ko-KR" sz="1800" dirty="0" err="1">
-                <a:solidFill>
-                  <a:srgbClr val="1F2025"/>
-                </a:solidFill>
-              </a:rPr>
-              <a:t>từ</a:t>
-            </a:r>
-            <a:r>
-              <a:rPr lang="en-US" altLang="ko-KR" sz="1800" dirty="0">
-                <a:solidFill>
-                  <a:srgbClr val="1F2025"/>
-                </a:solidFill>
-              </a:rPr>
-              <a:t> </a:t>
-            </a:r>
-            <a:r>
-              <a:rPr lang="en-US" altLang="ko-KR" sz="1800" dirty="0" err="1">
-                <a:solidFill>
-                  <a:srgbClr val="1F2025"/>
-                </a:solidFill>
-              </a:rPr>
-              <a:t>có</a:t>
-            </a:r>
-            <a:r>
-              <a:rPr lang="en-US" altLang="ko-KR" sz="1800" dirty="0">
-                <a:solidFill>
-                  <a:srgbClr val="1F2025"/>
-                </a:solidFill>
-              </a:rPr>
-              <a:t> </a:t>
-            </a:r>
-            <a:r>
-              <a:rPr lang="en-US" altLang="ko-KR" sz="1800" dirty="0" err="1">
-                <a:solidFill>
-                  <a:srgbClr val="1F2025"/>
-                </a:solidFill>
-              </a:rPr>
-              <a:t>nghĩa</a:t>
-            </a:r>
-            <a:r>
-              <a:rPr lang="en-US" altLang="ko-KR" sz="1800" dirty="0">
-                <a:solidFill>
-                  <a:srgbClr val="1F2025"/>
-                </a:solidFill>
-              </a:rPr>
-              <a:t> </a:t>
-            </a:r>
-            <a:r>
-              <a:rPr lang="en-US" altLang="ko-KR" sz="1800" dirty="0" err="1">
-                <a:solidFill>
-                  <a:srgbClr val="1F2025"/>
-                </a:solidFill>
-              </a:rPr>
-              <a:t>tương</a:t>
-            </a:r>
-            <a:r>
-              <a:rPr lang="en-US" altLang="ko-KR" sz="1800" dirty="0">
-                <a:solidFill>
-                  <a:srgbClr val="1F2025"/>
-                </a:solidFill>
-              </a:rPr>
-              <a:t> </a:t>
-            </a:r>
-            <a:r>
-              <a:rPr lang="en-US" altLang="ko-KR" sz="1800" dirty="0" err="1">
-                <a:solidFill>
-                  <a:srgbClr val="1F2025"/>
-                </a:solidFill>
-              </a:rPr>
-              <a:t>đồng</a:t>
-            </a:r>
-            <a:r>
-              <a:rPr lang="en-US" altLang="ko-KR" sz="1800" dirty="0">
-                <a:solidFill>
-                  <a:srgbClr val="1F2025"/>
-                </a:solidFill>
-              </a:rPr>
-              <a:t> </a:t>
-            </a:r>
-            <a:r>
-              <a:rPr lang="en-US" altLang="ko-KR" sz="1800" dirty="0" err="1">
-                <a:solidFill>
-                  <a:srgbClr val="1F2025"/>
-                </a:solidFill>
-              </a:rPr>
-              <a:t>nhau</a:t>
-            </a:r>
-            <a:r>
-              <a:rPr lang="en-US" altLang="ko-KR" sz="1800" dirty="0">
-                <a:solidFill>
-                  <a:srgbClr val="1F2025"/>
-                </a:solidFill>
-              </a:rPr>
-              <a:t> </a:t>
-            </a:r>
-            <a:r>
-              <a:rPr lang="en-US" altLang="ko-KR" sz="1800" dirty="0" err="1">
-                <a:solidFill>
-                  <a:srgbClr val="1F2025"/>
-                </a:solidFill>
-              </a:rPr>
-              <a:t>thì</a:t>
-            </a:r>
-            <a:r>
-              <a:rPr lang="en-US" altLang="ko-KR" sz="1800" dirty="0">
-                <a:solidFill>
-                  <a:srgbClr val="1F2025"/>
-                </a:solidFill>
-              </a:rPr>
-              <a:t> </a:t>
-            </a:r>
-            <a:r>
-              <a:rPr lang="en-US" altLang="ko-KR" sz="1800" dirty="0" err="1">
-                <a:solidFill>
-                  <a:srgbClr val="1F2025"/>
-                </a:solidFill>
-              </a:rPr>
-              <a:t>sẽ</a:t>
-            </a:r>
-            <a:r>
-              <a:rPr lang="en-US" altLang="ko-KR" sz="1800" dirty="0">
-                <a:solidFill>
-                  <a:srgbClr val="1F2025"/>
-                </a:solidFill>
-              </a:rPr>
-              <a:t> </a:t>
-            </a:r>
-            <a:r>
-              <a:rPr lang="en-US" altLang="ko-KR" sz="1800" dirty="0" err="1">
-                <a:solidFill>
-                  <a:srgbClr val="1F2025"/>
-                </a:solidFill>
-              </a:rPr>
-              <a:t>nằm</a:t>
-            </a:r>
-            <a:r>
-              <a:rPr lang="en-US" altLang="ko-KR" sz="1800" dirty="0">
-                <a:solidFill>
-                  <a:srgbClr val="1F2025"/>
-                </a:solidFill>
-              </a:rPr>
-              <a:t> </a:t>
-            </a:r>
-            <a:r>
-              <a:rPr lang="en-US" altLang="ko-KR" sz="1800" dirty="0" err="1">
-                <a:solidFill>
-                  <a:srgbClr val="1F2025"/>
-                </a:solidFill>
-              </a:rPr>
-              <a:t>gần</a:t>
-            </a:r>
-            <a:r>
-              <a:rPr lang="en-US" altLang="ko-KR" sz="1800" dirty="0">
-                <a:solidFill>
-                  <a:srgbClr val="1F2025"/>
-                </a:solidFill>
-              </a:rPr>
-              <a:t> </a:t>
-            </a:r>
-            <a:r>
-              <a:rPr lang="en-US" altLang="ko-KR" sz="1800" dirty="0" err="1">
-                <a:solidFill>
-                  <a:srgbClr val="1F2025"/>
-                </a:solidFill>
-              </a:rPr>
-              <a:t>nhau</a:t>
-            </a:r>
-            <a:r>
-              <a:rPr lang="en-US" altLang="ko-KR" sz="1800" dirty="0">
-                <a:solidFill>
-                  <a:srgbClr val="1F2025"/>
-                </a:solidFill>
-              </a:rPr>
-              <a:t>.</a:t>
-            </a:r>
+              <a:rPr lang="en-US" altLang="ko-KR" sz="1800">
+                <a:solidFill>
+                  <a:srgbClr val="1F2025"/>
+                </a:solidFill>
+              </a:rPr>
+              <a:t>Self attention là cơ chế tập trung mà dựa trên mối liên hệ của từ đang xét đến các từ khác trong chính câu đó.</a:t>
+            </a:r>
+            <a:endParaRPr lang="en-US" altLang="ko-KR" sz="1800" dirty="0">
+              <a:solidFill>
+                <a:srgbClr val="1F2025"/>
+              </a:solidFill>
+            </a:endParaRPr>
           </a:p>
           <a:p>
             <a:pPr marL="285750" indent="-285750">
@@ -4924,14 +4127,14 @@
           <a:lstStyle/>
           <a:p>
             <a:r>
-              <a:rPr lang="vi-VN" altLang="ko-KR" dirty="0">
+              <a:rPr lang="en-US" altLang="ko-KR">
                 <a:solidFill>
                   <a:srgbClr val="1F2025"/>
                 </a:solidFill>
                 <a:latin typeface="Calibri" panose="020F0502020204030204" pitchFamily="34" charset="0"/>
                 <a:cs typeface="Calibri" panose="020F0502020204030204" pitchFamily="34" charset="0"/>
               </a:rPr>
-              <a:t>DECODER</a:t>
+              <a:t>SELF ATTENTION</a:t>
             </a:r>
             <a:endParaRPr lang="ko-KR" altLang="en-US" dirty="0">
               <a:solidFill>
@@ -4943,10 +4146,70 @@
           </a:p>
         </p:txBody>
       </p:sp>
+      <p:pic>
+        <p:nvPicPr>
+          <p:cNvPr id="5" name="Picture 4">
+            <a:extLst>
+              <a:ext uri="{FF2B5EF4-FFF2-40B4-BE49-F238E27FC236}">
+                <a16:creationId xmlns:a16="http://schemas.microsoft.com/office/drawing/2014/main" id="{6EE90ECD-62A5-40B9-BF68-F8179F370421}"/>
+              </a:ext>
+            </a:extLst>
+          </p:cNvPr>
+          <p:cNvPicPr>
+            <a:picLocks noChangeAspect="1"/>
+          </p:cNvPicPr>
+          <p:nvPr/>
+        </p:nvPicPr>
+        <p:blipFill>
+          <a:blip r:embed="rId4"/>
+          <a:stretch>
+            <a:fillRect/>
+          </a:stretch>
+        </p:blipFill>
+        <p:spPr>
+          <a:xfrm rot="5400000">
+            <a:off x="3978453" y="1715702"/>
+            <a:ext cx="5330714" cy="2681995"/>
+          </a:xfrm>
+          <a:prstGeom prst="rect">
+            <a:avLst/>
+          </a:prstGeom>
+        </p:spPr>
+      </p:pic>
+      <p:pic>
+        <p:nvPicPr>
+          <p:cNvPr id="10" name="Picture 9">
+            <a:extLst>
+              <a:ext uri="{FF2B5EF4-FFF2-40B4-BE49-F238E27FC236}">
+                <a16:creationId xmlns:a16="http://schemas.microsoft.com/office/drawing/2014/main" id="{61F6BAC8-6EB8-4F0A-AF38-AF767ABF48BE}"/>
+              </a:ext>
+            </a:extLst>
+          </p:cNvPr>
+          <p:cNvPicPr>
+            <a:picLocks noChangeAspect="1"/>
+          </p:cNvPicPr>
+          <p:nvPr/>
+        </p:nvPicPr>
+        <p:blipFill>
+          <a:blip r:embed="rId5"/>
+          <a:stretch>
+            <a:fillRect/>
+          </a:stretch>
+        </p:blipFill>
+        <p:spPr>
+          <a:xfrm>
+            <a:off x="8617792" y="1363297"/>
+            <a:ext cx="2495550" cy="3143250"/>
+          </a:xfrm>
+          <a:prstGeom prst="rect">
+            <a:avLst/>
+          </a:prstGeom>
+        </p:spPr>
+      </p:pic>
     </p:spTree>
     <p:extLst>
       <p:ext uri="{BB962C8B-B14F-4D97-AF65-F5344CB8AC3E}">
-        <p14:creationId xmlns:p14="http://schemas.microsoft.com/office/powerpoint/2010/main" val="1123020763"/>
+        <p14:creationId xmlns:p14="http://schemas.microsoft.com/office/powerpoint/2010/main" val="1568784399"/>
       </p:ext>
     </p:extLst>
   </p:cSld>
@@ -5002,14 +4265,14 @@
           <a:lstStyle/>
           <a:p>
             <a:r>
-              <a:rPr lang="en-US" altLang="ko-KR" sz="2400" b="1">
+              <a:rPr lang="en-US" altLang="ko-KR" sz="2400" b="1" dirty="0">
                 <a:solidFill>
                   <a:srgbClr val="1F2025"/>
                 </a:solidFill>
                 <a:latin typeface="+mj-lt"/>
                 <a:cs typeface="Arial" panose="020B0604020202020204" pitchFamily="34" charset="0"/>
               </a:rPr>
-              <a:t>VISION TRANSFORMER</a:t>
+              <a:t>TRANSFORMER</a:t>
             </a:r>
             <a:endParaRPr lang="ko-KR" altLang="en-US" sz="2400" b="1" dirty="0">
               <a:solidFill>
@@ -5035,8 +4298,8 @@
         </p:nvSpPr>
         <p:spPr>
           <a:xfrm>
-            <a:off x="487881" y="1596414"/>
-            <a:ext cx="3682903" cy="3139321"/>
+            <a:off x="977522" y="1447438"/>
+            <a:ext cx="2708070" cy="4524315"/>
           </a:xfrm>
           <a:prstGeom prst="rect">
             <a:avLst/>
@@ -5063,7 +4326,7 @@
             </a:lvl1pPr>
           </a:lstStyle>
           <a:p>
-            <a:pPr marL="171450" indent="-171450">
+            <a:pPr marL="285750" indent="-285750">
               <a:buFontTx/>
               <a:buChar char="-"/>
             </a:pPr>
@@ -5072,26 +4335,79 @@
                 <a:solidFill>
                   <a:srgbClr val="1F2025"/>
                 </a:solidFill>
-              </a:rPr>
-              <a:t>Ra mắt tháng 10/2020</a:t>
-            </a:r>
-          </a:p>
-          <a:p>
-            <a:pPr marL="171450" indent="-171450">
+                <a:latin typeface="Calibri (Body)"/>
+              </a:rPr>
+              <a:t>Multi-head </a:t>
+            </a:r>
+            <a:r>
+              <a:rPr lang="en-US" altLang="ko-KR" sz="1800" dirty="0" err="1">
+                <a:solidFill>
+                  <a:srgbClr val="1F2025"/>
+                </a:solidFill>
+                <a:latin typeface="Calibri (Body)"/>
+              </a:rPr>
+              <a:t>attention là một cách thực hiện việc </a:t>
+            </a:r>
+            <a:r>
+              <a:rPr lang="en-US" altLang="ko-KR" sz="1800" err="1">
+                <a:solidFill>
+                  <a:srgbClr val="1F2025"/>
+                </a:solidFill>
+                <a:latin typeface="Calibri (Body)"/>
+              </a:rPr>
+              <a:t>tính </a:t>
+            </a:r>
+            <a:r>
+              <a:rPr lang="en-US" altLang="ko-KR" sz="1800">
+                <a:solidFill>
+                  <a:srgbClr val="1F2025"/>
+                </a:solidFill>
+                <a:latin typeface="Calibri (Body)"/>
+              </a:rPr>
+              <a:t>toán self </a:t>
+            </a:r>
+            <a:r>
+              <a:rPr lang="en-US" altLang="ko-KR" sz="1800" dirty="0" err="1">
+                <a:solidFill>
+                  <a:srgbClr val="1F2025"/>
+                </a:solidFill>
+                <a:latin typeface="Calibri (Body)"/>
+              </a:rPr>
+              <a:t>attention theo cơ chế song </a:t>
+            </a:r>
+            <a:r>
+              <a:rPr lang="en-US" altLang="ko-KR" sz="1800" err="1">
+                <a:solidFill>
+                  <a:srgbClr val="1F2025"/>
+                </a:solidFill>
+                <a:latin typeface="Calibri (Body)"/>
+              </a:rPr>
+              <a:t>song</a:t>
+            </a:r>
+            <a:r>
+              <a:rPr lang="en-US" altLang="ko-KR" sz="1800">
+                <a:solidFill>
+                  <a:srgbClr val="1F2025"/>
+                </a:solidFill>
+                <a:latin typeface="Calibri (Body)"/>
+              </a:rPr>
+              <a:t>.</a:t>
+            </a:r>
+          </a:p>
+          <a:p>
+            <a:pPr marL="285750" indent="-285750">
               <a:buFontTx/>
               <a:buChar char="-"/>
             </a:pPr>
-            <a:r>
-              <a:rPr lang="en-US" altLang="ko-KR" sz="1800">
-                <a:solidFill>
-                  <a:srgbClr val="1F2025"/>
-                </a:solidFill>
-              </a:rPr>
-              <a:t>Là biến thể của Transformer ứng dụng cho các bài toán về thị giác máy tính.</a:t>
-            </a:r>
-          </a:p>
-          <a:p>
-            <a:pPr marL="171450" indent="-171450">
+            <a:endParaRPr lang="en-US" altLang="ko-KR" sz="1800">
+              <a:solidFill>
+                <a:srgbClr val="1F2025"/>
+              </a:solidFill>
+              <a:latin typeface="Calibri (Body)"/>
+            </a:endParaRPr>
+          </a:p>
+          <a:p>
+            <a:pPr marL="285750" indent="-285750">
               <a:buFontTx/>
               <a:buChar char="-"/>
             </a:pPr>
@@ -5100,76 +4416,43 @@
                 <a:solidFill>
                   <a:srgbClr val="1F2025"/>
                 </a:solidFill>
-              </a:rPr>
-              <a:t>Kiến trúc đ</a:t>
-            </a:r>
-            <a:r>
-              <a:rPr lang="vi-VN" altLang="ko-KR" sz="1800">
-                <a:solidFill>
-                  <a:srgbClr val="1F2025"/>
-                </a:solidFill>
-              </a:rPr>
-              <a:t>ơ</a:t>
-            </a:r>
-            <a:r>
-              <a:rPr lang="en-US" altLang="ko-KR" sz="1800">
-                <a:solidFill>
-                  <a:srgbClr val="1F2025"/>
-                </a:solidFill>
-              </a:rPr>
-              <a:t>n giản h</a:t>
-            </a:r>
-            <a:r>
-              <a:rPr lang="vi-VN" altLang="ko-KR" sz="1800">
-                <a:solidFill>
-                  <a:srgbClr val="1F2025"/>
-                </a:solidFill>
-              </a:rPr>
-              <a:t>ơ</a:t>
-            </a:r>
-            <a:r>
-              <a:rPr lang="en-US" altLang="ko-KR" sz="1800">
-                <a:solidFill>
-                  <a:srgbClr val="1F2025"/>
-                </a:solidFill>
-              </a:rPr>
-              <a:t>n các mạng CNN, tốn ít tài nguyên h</a:t>
-            </a:r>
-            <a:r>
-              <a:rPr lang="vi-VN" altLang="ko-KR" sz="1800">
-                <a:solidFill>
-                  <a:srgbClr val="1F2025"/>
-                </a:solidFill>
-              </a:rPr>
-              <a:t>ơ</a:t>
-            </a:r>
-            <a:r>
-              <a:rPr lang="en-US" altLang="ko-KR" sz="1800">
-                <a:solidFill>
-                  <a:srgbClr val="1F2025"/>
-                </a:solidFill>
-              </a:rPr>
-              <a:t>n khi huấn luyện.</a:t>
-            </a:r>
-          </a:p>
-          <a:p>
-            <a:pPr marL="171450" indent="-171450">
+                <a:latin typeface="Calibri (Body)"/>
+              </a:rPr>
+              <a:t>Mỗi head là 1 self attention với cùng input, chỉ khác nhau ma trận trọng số.</a:t>
+            </a:r>
+          </a:p>
+          <a:p>
+            <a:pPr marL="285750" indent="-285750">
               <a:buFontTx/>
               <a:buChar char="-"/>
             </a:pPr>
+            <a:endParaRPr lang="en-US" altLang="ko-KR" sz="1800">
+              <a:solidFill>
+                <a:srgbClr val="1F2025"/>
+              </a:solidFill>
+              <a:latin typeface="Calibri (Body)"/>
+            </a:endParaRPr>
+          </a:p>
+          <a:p>
+            <a:pPr marL="285750" indent="-285750">
+              <a:buFontTx/>
+              <a:buChar char="-"/>
+            </a:pPr>
             <a:r>
               <a:rPr lang="en-US" altLang="ko-KR" sz="1800">
                 <a:solidFill>
                   <a:srgbClr val="1F2025"/>
                 </a:solidFill>
-              </a:rPr>
-              <a:t>Đạt kết quả t</a:t>
+                <a:latin typeface="Calibri (Body)"/>
+              </a:rPr>
+              <a:t>Mỗi một head attention sẽ học đ</a:t>
             </a:r>
             <a:r>
               <a:rPr lang="vi-VN" altLang="ko-KR" sz="1800">
                 <a:solidFill>
                   <a:srgbClr val="1F2025"/>
                 </a:solidFill>
+                <a:latin typeface="Calibri (Body)"/>
               </a:rPr>
               <a:t>ư</a:t>
             </a:r>
@@ -5178,28 +4461,13 @@
                 <a:solidFill>
                   <a:srgbClr val="1F2025"/>
                 </a:solidFill>
-              </a:rPr>
-              <a:t>ơng đư</a:t>
-            </a:r>
-            <a:r>
-              <a:rPr lang="vi-VN" altLang="ko-KR" sz="1800">
-                <a:solidFill>
-                  <a:srgbClr val="1F2025"/>
-                </a:solidFill>
-              </a:rPr>
-              <a:t>ơ</a:t>
-            </a:r>
-            <a:r>
-              <a:rPr lang="en-US" altLang="ko-KR" sz="1800">
-                <a:solidFill>
-                  <a:srgbClr val="1F2025"/>
-                </a:solidFill>
-              </a:rPr>
-              <a:t>ng với các mạng CNN SOTA khác tại thời điểm ra mắt.</a:t>
-            </a:r>
-          </a:p>
-          <a:p>
-            <a:pPr marL="171450" indent="-171450">
+                <a:latin typeface="Calibri (Body)"/>
+              </a:rPr>
+              <a:t>ợc những thông tin khác nhau về ngữ cảnh, mối liên hệ giữa các từ.</a:t>
+            </a:r>
+          </a:p>
+          <a:p>
+            <a:pPr marL="285750" indent="-285750">
               <a:buFontTx/>
               <a:buChar char="-"/>
             </a:pPr>
@@ -5207,6 +4475,7 @@
               <a:solidFill>
                 <a:srgbClr val="1F2025"/>
               </a:solidFill>
+              <a:latin typeface="Calibri (Body)"/>
             </a:endParaRPr>
           </a:p>
         </p:txBody>
@@ -5290,12 +4559,60 @@
           </a:prstGeom>
         </p:spPr>
       </p:pic>
+      <p:sp>
+        <p:nvSpPr>
+          <p:cNvPr id="4" name="TextBox 3">
+            <a:extLst>
+              <a:ext uri="{FF2B5EF4-FFF2-40B4-BE49-F238E27FC236}">
+                <a16:creationId xmlns:a16="http://schemas.microsoft.com/office/drawing/2014/main" id="{D8F91711-CAFD-776A-5977-7294952FDCA4}"/>
+              </a:ext>
+            </a:extLst>
+          </p:cNvPr>
+          <p:cNvSpPr txBox="1"/>
+          <p:nvPr/>
+        </p:nvSpPr>
+        <p:spPr>
+          <a:xfrm>
+            <a:off x="977521" y="888487"/>
+            <a:ext cx="5317883" cy="369332"/>
+          </a:xfrm>
+          <a:prstGeom prst="rect">
+            <a:avLst/>
+          </a:prstGeom>
+          <a:noFill/>
+        </p:spPr>
+        <p:txBody>
+          <a:bodyPr wrap="square" rtlCol="0">
+            <a:spAutoFit/>
+          </a:bodyPr>
+          <a:lstStyle/>
+          <a:p>
+            <a:r>
+              <a:rPr lang="vi-VN" altLang="ko-KR" dirty="0">
+                <a:solidFill>
+                  <a:srgbClr val="1F2025"/>
+                </a:solidFill>
+                <a:latin typeface="Calibri" panose="020F0502020204030204" pitchFamily="34" charset="0"/>
+                <a:cs typeface="Calibri" panose="020F0502020204030204" pitchFamily="34" charset="0"/>
+              </a:rPr>
+              <a:t>MULTI-HEAD ATTENTION</a:t>
+            </a:r>
+            <a:endParaRPr lang="ko-KR" altLang="en-US" dirty="0">
+              <a:solidFill>
+                <a:srgbClr val="1F2025"/>
+              </a:solidFill>
+              <a:latin typeface="Calibri" panose="020F0502020204030204" pitchFamily="34" charset="0"/>
+              <a:cs typeface="Calibri" panose="020F0502020204030204" pitchFamily="34" charset="0"/>
+            </a:endParaRPr>
+          </a:p>
+        </p:txBody>
+      </p:sp>
       <p:pic>
         <p:nvPicPr>
-          <p:cNvPr id="4" name="Picture 3">
-            <a:extLst>
-              <a:ext uri="{FF2B5EF4-FFF2-40B4-BE49-F238E27FC236}">
-                <a16:creationId xmlns:a16="http://schemas.microsoft.com/office/drawing/2014/main" id="{D27C7F96-7F2A-46ED-A9B7-15BDFBD0E28F}"/>
+          <p:cNvPr id="7" name="Picture 6">
+            <a:extLst>
+              <a:ext uri="{FF2B5EF4-FFF2-40B4-BE49-F238E27FC236}">
+                <a16:creationId xmlns:a16="http://schemas.microsoft.com/office/drawing/2014/main" id="{30BB715A-5F31-4F15-A58A-F046D2E94DBD}"/>
               </a:ext>
             </a:extLst>
           </p:cNvPr>
@@ -5305,15 +4622,51 @@
           <p:nvPr/>
         </p:nvPicPr>
         <p:blipFill>
-          <a:blip r:embed="rId4"/>
+          <a:blip r:embed="rId4">
+            <a:extLst>
+              <a:ext uri="{28A0092B-C50C-407E-A947-70E740481C1C}">
+                <a14:useLocalDpi xmlns:a14="http://schemas.microsoft.com/office/drawing/2010/main" val="0"/>
+              </a:ext>
+            </a:extLst>
+          </a:blip>
           <a:stretch>
             <a:fillRect/>
           </a:stretch>
         </p:blipFill>
         <p:spPr>
           <a:xfrm>
-            <a:off x="4591100" y="1027843"/>
-            <a:ext cx="7469835" cy="3934161"/>
+            <a:off x="3917709" y="1680321"/>
+            <a:ext cx="2289427" cy="3111273"/>
+          </a:xfrm>
+          <a:prstGeom prst="rect">
+            <a:avLst/>
+          </a:prstGeom>
+        </p:spPr>
+      </p:pic>
+      <p:pic>
+        <p:nvPicPr>
+          <p:cNvPr id="6" name="Picture 5">
+            <a:extLst>
+              <a:ext uri="{FF2B5EF4-FFF2-40B4-BE49-F238E27FC236}">
+                <a16:creationId xmlns:a16="http://schemas.microsoft.com/office/drawing/2014/main" id="{736DA09A-8FF6-4924-8C7A-89CC480D761D}"/>
+              </a:ext>
+            </a:extLst>
+          </p:cNvPr>
+          <p:cNvPicPr>
+            <a:picLocks noChangeAspect="1"/>
+          </p:cNvPicPr>
+          <p:nvPr/>
+        </p:nvPicPr>
+        <p:blipFill>
+          <a:blip r:embed="rId5"/>
+          <a:stretch>
+            <a:fillRect/>
+          </a:stretch>
+        </p:blipFill>
+        <p:spPr>
+          <a:xfrm>
+            <a:off x="6412920" y="1680321"/>
+            <a:ext cx="5436180" cy="2994640"/>
           </a:xfrm>
           <a:prstGeom prst="rect">
             <a:avLst/>
@@ -5323,7 +4676,7 @@
     </p:spTree>
     <p:extLst>
       <p:ext uri="{BB962C8B-B14F-4D97-AF65-F5344CB8AC3E}">
-        <p14:creationId xmlns:p14="http://schemas.microsoft.com/office/powerpoint/2010/main" val="3018345107"/>
+        <p14:creationId xmlns:p14="http://schemas.microsoft.com/office/powerpoint/2010/main" val="2068383419"/>
       </p:ext>
     </p:extLst>
   </p:cSld>
@@ -5379,14 +4732,14 @@
           <a:lstStyle/>
           <a:p>
             <a:r>
-              <a:rPr lang="en-US" altLang="ko-KR" sz="2400" b="1">
+              <a:rPr lang="en-US" altLang="ko-KR" sz="2400" b="1" dirty="0">
                 <a:solidFill>
                   <a:srgbClr val="1F2025"/>
                 </a:solidFill>
                 <a:latin typeface="+mj-lt"/>
                 <a:cs typeface="Arial" panose="020B0604020202020204" pitchFamily="34" charset="0"/>
               </a:rPr>
-              <a:t>VISION TRANSFORMER</a:t>
+              <a:t>TRANSFORMER</a:t>
             </a:r>
             <a:endParaRPr lang="ko-KR" altLang="en-US" sz="2400" b="1" dirty="0">
               <a:solidFill>
@@ -5412,8 +4765,8 @@
         </p:nvSpPr>
         <p:spPr>
           <a:xfrm>
-            <a:off x="487881" y="1596414"/>
-            <a:ext cx="7900339" cy="923330"/>
+            <a:off x="977522" y="1447438"/>
+            <a:ext cx="3772898" cy="2031325"/>
           </a:xfrm>
           <a:prstGeom prst="rect">
             <a:avLst/>
@@ -5440,7 +4793,7 @@
             </a:lvl1pPr>
           </a:lstStyle>
           <a:p>
-            <a:pPr marL="171450" indent="-171450">
+            <a:pPr marL="285750" indent="-285750">
               <a:buFontTx/>
               <a:buChar char="-"/>
             </a:pPr>
@@ -5450,11 +4803,11 @@
                   <a:srgbClr val="1F2025"/>
                 </a:solidFill>
               </a:rPr>
-              <a:t>Patches.</a:t>
-            </a:r>
-          </a:p>
-          <a:p>
-            <a:pPr marL="171450" indent="-171450">
+              <a:t>Add là Skip Connection.</a:t>
+            </a:r>
+          </a:p>
+          <a:p>
+            <a:pPr marL="285750" indent="-285750">
               <a:buFontTx/>
               <a:buChar char="-"/>
             </a:pPr>
@@ -5464,11 +4817,30 @@
                   <a:srgbClr val="1F2025"/>
                 </a:solidFill>
               </a:rPr>
-              <a:t>Linear embedding.</a:t>
-            </a:r>
-          </a:p>
-          <a:p>
-            <a:pPr marL="171450" indent="-171450">
+              <a:t>Norm là Layer Normalization.</a:t>
+            </a:r>
+          </a:p>
+          <a:p>
+            <a:pPr marL="285750" indent="-285750">
+              <a:buFontTx/>
+              <a:buChar char="-"/>
+            </a:pPr>
+            <a:r>
+              <a:rPr lang="en-US" altLang="ko-KR" sz="1800">
+                <a:solidFill>
+                  <a:srgbClr val="1F2025"/>
+                </a:solidFill>
+              </a:rPr>
+              <a:t>Hai phương pháp này giúp mô hình ổn định trong quá trình huấn luyện và giúp xây dựng được mô hình sâu hơn.</a:t>
+            </a:r>
+            <a:endParaRPr lang="en-US" altLang="ko-KR" sz="1800" dirty="0">
+              <a:solidFill>
+                <a:srgbClr val="1F2025"/>
+              </a:solidFill>
+            </a:endParaRPr>
+          </a:p>
+          <a:p>
+            <a:pPr marL="285750" indent="-285750">
               <a:buFontTx/>
               <a:buChar char="-"/>
             </a:pPr>
@@ -5559,10 +4931,124 @@
           </a:prstGeom>
         </p:spPr>
       </p:pic>
+      <p:sp>
+        <p:nvSpPr>
+          <p:cNvPr id="4" name="TextBox 3">
+            <a:extLst>
+              <a:ext uri="{FF2B5EF4-FFF2-40B4-BE49-F238E27FC236}">
+                <a16:creationId xmlns:a16="http://schemas.microsoft.com/office/drawing/2014/main" id="{D8F91711-CAFD-776A-5977-7294952FDCA4}"/>
+              </a:ext>
+            </a:extLst>
+          </p:cNvPr>
+          <p:cNvSpPr txBox="1"/>
+          <p:nvPr/>
+        </p:nvSpPr>
+        <p:spPr>
+          <a:xfrm>
+            <a:off x="977521" y="888487"/>
+            <a:ext cx="5317883" cy="369332"/>
+          </a:xfrm>
+          <a:prstGeom prst="rect">
+            <a:avLst/>
+          </a:prstGeom>
+          <a:noFill/>
+        </p:spPr>
+        <p:txBody>
+          <a:bodyPr wrap="square" rtlCol="0">
+            <a:spAutoFit/>
+          </a:bodyPr>
+          <a:lstStyle/>
+          <a:p>
+            <a:r>
+              <a:rPr lang="en-US" altLang="ko-KR">
+                <a:solidFill>
+                  <a:srgbClr val="1F2025"/>
+                </a:solidFill>
+                <a:latin typeface="Calibri" panose="020F0502020204030204" pitchFamily="34" charset="0"/>
+                <a:cs typeface="Calibri" panose="020F0502020204030204" pitchFamily="34" charset="0"/>
+              </a:rPr>
+              <a:t>ADD &amp; NORM</a:t>
+            </a:r>
+            <a:endParaRPr lang="ko-KR" altLang="en-US" dirty="0">
+              <a:solidFill>
+                <a:srgbClr val="1F2025"/>
+              </a:solidFill>
+              <a:latin typeface="Calibri" panose="020F0502020204030204" pitchFamily="34" charset="0"/>
+              <a:cs typeface="Calibri" panose="020F0502020204030204" pitchFamily="34" charset="0"/>
+            </a:endParaRPr>
+          </a:p>
+        </p:txBody>
+      </p:sp>
+      <p:pic>
+        <p:nvPicPr>
+          <p:cNvPr id="6" name="Picture 5">
+            <a:extLst>
+              <a:ext uri="{FF2B5EF4-FFF2-40B4-BE49-F238E27FC236}">
+                <a16:creationId xmlns:a16="http://schemas.microsoft.com/office/drawing/2014/main" id="{E5CC43A9-15B5-4BE8-ABC6-865A33D2D1DF}"/>
+              </a:ext>
+            </a:extLst>
+          </p:cNvPr>
+          <p:cNvPicPr>
+            <a:picLocks noChangeAspect="1"/>
+          </p:cNvPicPr>
+          <p:nvPr/>
+        </p:nvPicPr>
+        <p:blipFill>
+          <a:blip r:embed="rId4">
+            <a:extLst>
+              <a:ext uri="{28A0092B-C50C-407E-A947-70E740481C1C}">
+                <a14:useLocalDpi xmlns:a14="http://schemas.microsoft.com/office/drawing/2010/main" val="0"/>
+              </a:ext>
+            </a:extLst>
+          </a:blip>
+          <a:stretch>
+            <a:fillRect/>
+          </a:stretch>
+        </p:blipFill>
+        <p:spPr>
+          <a:xfrm>
+            <a:off x="6295404" y="661885"/>
+            <a:ext cx="3979813" cy="2268066"/>
+          </a:xfrm>
+          <a:prstGeom prst="rect">
+            <a:avLst/>
+          </a:prstGeom>
+        </p:spPr>
+      </p:pic>
+      <p:pic>
+        <p:nvPicPr>
+          <p:cNvPr id="7" name="Picture 6">
+            <a:extLst>
+              <a:ext uri="{FF2B5EF4-FFF2-40B4-BE49-F238E27FC236}">
+                <a16:creationId xmlns:a16="http://schemas.microsoft.com/office/drawing/2014/main" id="{84BCB9DB-9DFA-4290-862E-C230022BF3F3}"/>
+              </a:ext>
+            </a:extLst>
+          </p:cNvPr>
+          <p:cNvPicPr>
+            <a:picLocks noChangeAspect="1"/>
+          </p:cNvPicPr>
+          <p:nvPr/>
+        </p:nvPicPr>
+        <p:blipFill>
+          <a:blip r:embed="rId5"/>
+          <a:stretch>
+            <a:fillRect/>
+          </a:stretch>
+        </p:blipFill>
+        <p:spPr>
+          <a:xfrm>
+            <a:off x="6484267" y="3429000"/>
+            <a:ext cx="3790950" cy="2133600"/>
+          </a:xfrm>
+          <a:prstGeom prst="rect">
+            <a:avLst/>
+          </a:prstGeom>
+        </p:spPr>
+      </p:pic>
     </p:spTree>
     <p:extLst>
       <p:ext uri="{BB962C8B-B14F-4D97-AF65-F5344CB8AC3E}">
-        <p14:creationId xmlns:p14="http://schemas.microsoft.com/office/powerpoint/2010/main" val="1732409390"/>
+        <p14:creationId xmlns:p14="http://schemas.microsoft.com/office/powerpoint/2010/main" val="1123020763"/>
       </p:ext>
     </p:extLst>
   </p:cSld>
@@ -5625,7 +5111,7 @@
                 <a:latin typeface="+mj-lt"/>
                 <a:cs typeface="Arial" panose="020B0604020202020204" pitchFamily="34" charset="0"/>
               </a:rPr>
-              <a:t>SWIN TRANSFORMER V1</a:t>
+              <a:t>VISION TRANSFORMER</a:t>
             </a:r>
             <a:endParaRPr lang="ko-KR" altLang="en-US" sz="2400" b="1" dirty="0">
               <a:solidFill>
@@ -5651,8 +5137,8 @@
         </p:nvSpPr>
         <p:spPr>
           <a:xfrm>
-            <a:off x="435356" y="5079117"/>
-            <a:ext cx="4799117" cy="923330"/>
+            <a:off x="487881" y="1596414"/>
+            <a:ext cx="3682903" cy="3139321"/>
           </a:xfrm>
           <a:prstGeom prst="rect">
             <a:avLst/>
@@ -5689,7 +5175,7 @@
                   <a:srgbClr val="1F2025"/>
                 </a:solidFill>
               </a:rPr>
-              <a:t>Ra mắt tháng 3/2021.</a:t>
+              <a:t>Ra mắt tháng 10/2020</a:t>
             </a:r>
           </a:p>
           <a:p>
@@ -5703,7 +5189,21 @@
                   <a:srgbClr val="1F2025"/>
                 </a:solidFill>
               </a:rPr>
-              <a:t>Cải tiến có thừa kế các ý t</a:t>
+              <a:t>Là biến thể của Transformer ứng dụng cho các bài toán về thị giác máy tính.</a:t>
+            </a:r>
+          </a:p>
+          <a:p>
+            <a:pPr marL="171450" indent="-171450">
+              <a:buFontTx/>
+              <a:buChar char="-"/>
+            </a:pPr>
+            <a:r>
+              <a:rPr lang="en-US" altLang="ko-KR" sz="1800">
+                <a:solidFill>
+                  <a:srgbClr val="1F2025"/>
+                </a:solidFill>
+              </a:rPr>
+              <a:t>Kiến trúc đ</a:t>
             </a:r>
             <a:r>
               <a:rPr lang="vi-VN" altLang="ko-KR" sz="1800">
@@ -5711,7 +5211,7 @@
                   <a:srgbClr val="1F2025"/>
                 </a:solidFill>
               </a:rPr>
-              <a:t>ư</a:t>
+              <a:t>ơ</a:t>
             </a:r>
             <a:r>
               <a:rPr lang="en-US" altLang="ko-KR" sz="1800">
@@ -5719,7 +5219,37 @@
                   <a:srgbClr val="1F2025"/>
                 </a:solidFill>
               </a:rPr>
-              <a:t>ởng từ ViT.</a:t>
+              <a:t>n giản h</a:t>
+            </a:r>
+            <a:r>
+              <a:rPr lang="vi-VN" altLang="ko-KR" sz="1800">
+                <a:solidFill>
+                  <a:srgbClr val="1F2025"/>
+                </a:solidFill>
+              </a:rPr>
+              <a:t>ơ</a:t>
+            </a:r>
+            <a:r>
+              <a:rPr lang="en-US" altLang="ko-KR" sz="1800">
+                <a:solidFill>
+                  <a:srgbClr val="1F2025"/>
+                </a:solidFill>
+              </a:rPr>
+              <a:t>n các mạng CNN, tốn ít tài nguyên hơn khi huấn luyện.</a:t>
+            </a:r>
+          </a:p>
+          <a:p>
+            <a:pPr marL="171450" indent="-171450">
+              <a:buFontTx/>
+              <a:buChar char="-"/>
+            </a:pPr>
+            <a:r>
+              <a:rPr lang="en-US" altLang="ko-KR" sz="1800">
+                <a:solidFill>
+                  <a:srgbClr val="1F2025"/>
+                </a:solidFill>
+              </a:rPr>
+              <a:t>Đạt kết quả tương đương với các mạng CNN SOTA khác tại thời điểm ra mắt.</a:t>
             </a:r>
           </a:p>
           <a:p>
@@ -5819,7 +5349,7 @@
           <p:cNvPr id="4" name="Picture 3">
             <a:extLst>
               <a:ext uri="{FF2B5EF4-FFF2-40B4-BE49-F238E27FC236}">
-                <a16:creationId xmlns:a16="http://schemas.microsoft.com/office/drawing/2014/main" id="{70808757-4523-4701-9A19-7A588FA5A931}"/>
+                <a16:creationId xmlns:a16="http://schemas.microsoft.com/office/drawing/2014/main" id="{D27C7F96-7F2A-46ED-A9B7-15BDFBD0E28F}"/>
               </a:ext>
             </a:extLst>
           </p:cNvPr>
@@ -5836,8 +5366,8 @@
         </p:blipFill>
         <p:spPr>
           <a:xfrm>
-            <a:off x="530271" y="927650"/>
-            <a:ext cx="11318829" cy="3576582"/>
+            <a:off x="4591100" y="1027843"/>
+            <a:ext cx="7469835" cy="3934161"/>
           </a:xfrm>
           <a:prstGeom prst="rect">
             <a:avLst/>
@@ -5847,7 +5377,7 @@
     </p:spTree>
     <p:extLst>
       <p:ext uri="{BB962C8B-B14F-4D97-AF65-F5344CB8AC3E}">
-        <p14:creationId xmlns:p14="http://schemas.microsoft.com/office/powerpoint/2010/main" val="2093296912"/>
+        <p14:creationId xmlns:p14="http://schemas.microsoft.com/office/powerpoint/2010/main" val="3018345107"/>
       </p:ext>
     </p:extLst>
   </p:cSld>
@@ -5910,7 +5440,7 @@
                 <a:latin typeface="+mj-lt"/>
                 <a:cs typeface="Arial" panose="020B0604020202020204" pitchFamily="34" charset="0"/>
               </a:rPr>
-              <a:t>SWIN TRANSFORMER V1</a:t>
+              <a:t>VISION TRANSFORMER</a:t>
             </a:r>
             <a:endParaRPr lang="ko-KR" altLang="en-US" sz="2400" b="1" dirty="0">
               <a:solidFill>
@@ -5936,8 +5466,8 @@
         </p:nvSpPr>
         <p:spPr>
           <a:xfrm>
-            <a:off x="388703" y="1813403"/>
-            <a:ext cx="4799117" cy="1200329"/>
+            <a:off x="977521" y="1452788"/>
+            <a:ext cx="7900339" cy="923330"/>
           </a:xfrm>
           <a:prstGeom prst="rect">
             <a:avLst/>
@@ -5974,7 +5504,7 @@
                   <a:srgbClr val="1F2025"/>
                 </a:solidFill>
               </a:rPr>
-              <a:t>Shifted Window</a:t>
+              <a:t>Chia bức ảnh thành 16x16 ô.</a:t>
             </a:r>
           </a:p>
           <a:p>
@@ -5988,21 +5518,7 @@
                   <a:srgbClr val="1F2025"/>
                 </a:solidFill>
               </a:rPr>
-              <a:t>Swin Transformer Block</a:t>
-            </a:r>
-          </a:p>
-          <a:p>
-            <a:pPr marL="171450" indent="-171450">
-              <a:buFontTx/>
-              <a:buChar char="-"/>
-            </a:pPr>
-            <a:r>
-              <a:rPr lang="en-US" altLang="ko-KR" sz="1800">
-                <a:solidFill>
-                  <a:srgbClr val="1F2025"/>
-                </a:solidFill>
-              </a:rPr>
-              <a:t>Shifted Window based Self-Attention</a:t>
+              <a:t>Mỗi ô là 1 patch, tương ứng 1 từ trong Transformer.</a:t>
             </a:r>
           </a:p>
           <a:p>
@@ -6097,70 +5613,58 @@
           </a:prstGeom>
         </p:spPr>
       </p:pic>
-      <p:pic>
-        <p:nvPicPr>
-          <p:cNvPr id="5" name="Picture 4">
-            <a:extLst>
-              <a:ext uri="{FF2B5EF4-FFF2-40B4-BE49-F238E27FC236}">
-                <a16:creationId xmlns:a16="http://schemas.microsoft.com/office/drawing/2014/main" id="{1D689946-F1FF-44EF-96B2-C71C18C4F1CF}"/>
-              </a:ext>
-            </a:extLst>
-          </p:cNvPr>
-          <p:cNvPicPr>
-            <a:picLocks noChangeAspect="1"/>
-          </p:cNvPicPr>
+      <p:sp>
+        <p:nvSpPr>
+          <p:cNvPr id="6" name="TextBox 5">
+            <a:extLst>
+              <a:ext uri="{FF2B5EF4-FFF2-40B4-BE49-F238E27FC236}">
+                <a16:creationId xmlns:a16="http://schemas.microsoft.com/office/drawing/2014/main" id="{4F60B7A2-B232-4BE3-BE08-DE29AF3787C0}"/>
+              </a:ext>
+            </a:extLst>
+          </p:cNvPr>
+          <p:cNvSpPr txBox="1"/>
           <p:nvPr/>
-        </p:nvPicPr>
-        <p:blipFill>
-          <a:blip r:embed="rId4"/>
-          <a:stretch>
-            <a:fillRect/>
-          </a:stretch>
-        </p:blipFill>
-        <p:spPr>
-          <a:xfrm>
-            <a:off x="5896598" y="465985"/>
-            <a:ext cx="4429125" cy="2647950"/>
-          </a:xfrm>
-          <a:prstGeom prst="rect">
-            <a:avLst/>
-          </a:prstGeom>
-        </p:spPr>
-      </p:pic>
-      <p:pic>
-        <p:nvPicPr>
-          <p:cNvPr id="6" name="Picture 5">
-            <a:extLst>
-              <a:ext uri="{FF2B5EF4-FFF2-40B4-BE49-F238E27FC236}">
-                <a16:creationId xmlns:a16="http://schemas.microsoft.com/office/drawing/2014/main" id="{BEF9F38E-199C-41AE-9A89-477CD931F49C}"/>
-              </a:ext>
-            </a:extLst>
-          </p:cNvPr>
-          <p:cNvPicPr>
-            <a:picLocks noChangeAspect="1"/>
-          </p:cNvPicPr>
-          <p:nvPr/>
-        </p:nvPicPr>
-        <p:blipFill>
-          <a:blip r:embed="rId5"/>
-          <a:stretch>
-            <a:fillRect/>
-          </a:stretch>
-        </p:blipFill>
-        <p:spPr>
-          <a:xfrm>
-            <a:off x="6096000" y="3811480"/>
-            <a:ext cx="4467225" cy="1828800"/>
-          </a:xfrm>
-          <a:prstGeom prst="rect">
-            <a:avLst/>
-          </a:prstGeom>
-        </p:spPr>
-      </p:pic>
+        </p:nvSpPr>
+        <p:spPr>
+          <a:xfrm>
+            <a:off x="977521" y="888487"/>
+            <a:ext cx="5317883" cy="369332"/>
+          </a:xfrm>
+          <a:prstGeom prst="rect">
+            <a:avLst/>
+          </a:prstGeom>
+          <a:noFill/>
+        </p:spPr>
+        <p:txBody>
+          <a:bodyPr wrap="square" rtlCol="0">
+            <a:spAutoFit/>
+          </a:bodyPr>
+          <a:lstStyle/>
+          <a:p>
+            <a:r>
+              <a:rPr lang="en-US" altLang="ko-KR">
+                <a:solidFill>
+                  <a:srgbClr val="1F2025"/>
+                </a:solidFill>
+                <a:latin typeface="Calibri" panose="020F0502020204030204" pitchFamily="34" charset="0"/>
+                <a:cs typeface="Calibri" panose="020F0502020204030204" pitchFamily="34" charset="0"/>
+              </a:rPr>
+              <a:t>PATCHES &amp; CLASSIFICATION EMBEDDING</a:t>
+            </a:r>
+            <a:endParaRPr lang="ko-KR" altLang="en-US" dirty="0">
+              <a:solidFill>
+                <a:srgbClr val="1F2025"/>
+              </a:solidFill>
+              <a:latin typeface="Calibri" panose="020F0502020204030204" pitchFamily="34" charset="0"/>
+              <a:cs typeface="Calibri" panose="020F0502020204030204" pitchFamily="34" charset="0"/>
+            </a:endParaRPr>
+          </a:p>
+        </p:txBody>
+      </p:sp>
     </p:spTree>
     <p:extLst>
       <p:ext uri="{BB962C8B-B14F-4D97-AF65-F5344CB8AC3E}">
-        <p14:creationId xmlns:p14="http://schemas.microsoft.com/office/powerpoint/2010/main" val="647424283"/>
+        <p14:creationId xmlns:p14="http://schemas.microsoft.com/office/powerpoint/2010/main" val="1732409390"/>
       </p:ext>
     </p:extLst>
   </p:cSld>
@@ -6171,7 +5675,7 @@
 </file>
 
 <file path=ppt/slides/slide15.xml><?xml version="1.0" encoding="utf-8"?>
-<p:sld xmlns:a="http://schemas.openxmlformats.org/drawingml/2006/main" xmlns:r="http://schemas.openxmlformats.org/officeDocument/2006/relationships" xmlns:p="http://schemas.openxmlformats.org/presentationml/2006/main" showMasterSp="0">
+<p:sld xmlns:a="http://schemas.openxmlformats.org/drawingml/2006/main" xmlns:r="http://schemas.openxmlformats.org/officeDocument/2006/relationships" xmlns:p="http://schemas.openxmlformats.org/presentationml/2006/main">
   <p:cSld>
     <p:spTree>
       <p:nvGrpSpPr>
@@ -6192,7 +5696,7 @@
           <p:cNvPr id="2" name="TextBox 1">
             <a:extLst>
               <a:ext uri="{FF2B5EF4-FFF2-40B4-BE49-F238E27FC236}">
-                <a16:creationId xmlns:a16="http://schemas.microsoft.com/office/drawing/2014/main" id="{D142F346-FC6A-493B-995E-DB2FC357CBE3}"/>
+                <a16:creationId xmlns:a16="http://schemas.microsoft.com/office/drawing/2014/main" id="{4ECC80F9-88DA-415C-B69B-55F6C7756629}"/>
               </a:ext>
             </a:extLst>
           </p:cNvPr>
@@ -6201,8 +5705,8 @@
         </p:nvSpPr>
         <p:spPr>
           <a:xfrm>
-            <a:off x="3336212" y="2782669"/>
-            <a:ext cx="5519576" cy="646331"/>
+            <a:off x="578715" y="465985"/>
+            <a:ext cx="5317883" cy="461665"/>
           </a:xfrm>
           <a:prstGeom prst="rect">
             <a:avLst/>
@@ -6215,38 +5719,17 @@
           </a:bodyPr>
           <a:lstStyle/>
           <a:p>
-            <a:pPr algn="ctr"/>
-            <a:r>
-              <a:rPr lang="en-US" altLang="ko-KR" sz="3600" b="1">
+            <a:r>
+              <a:rPr lang="en-US" altLang="ko-KR" sz="2400" b="1">
                 <a:solidFill>
                   <a:srgbClr val="1F2025"/>
                 </a:solidFill>
                 <a:latin typeface="+mj-lt"/>
                 <a:cs typeface="Arial" panose="020B0604020202020204" pitchFamily="34" charset="0"/>
               </a:rPr>
-              <a:t>III</a:t>
-            </a:r>
-            <a:r>
-              <a:rPr lang="vi-VN" altLang="ko-KR" sz="3600" b="1">
-                <a:solidFill>
-                  <a:srgbClr val="1F2025"/>
-                </a:solidFill>
-                <a:latin typeface="+mj-lt"/>
-                <a:cs typeface="Arial" panose="020B0604020202020204" pitchFamily="34" charset="0"/>
-              </a:rPr>
-              <a:t>. </a:t>
-            </a:r>
-            <a:r>
-              <a:rPr lang="en-US" altLang="ko-KR" sz="3600" b="1">
-                <a:solidFill>
-                  <a:srgbClr val="1F2025"/>
-                </a:solidFill>
-                <a:latin typeface="+mj-lt"/>
-                <a:cs typeface="Arial" panose="020B0604020202020204" pitchFamily="34" charset="0"/>
-              </a:rPr>
-              <a:t>KIẾN TRÚC TỔNG QUAN</a:t>
-            </a:r>
-            <a:endParaRPr lang="ko-KR" altLang="en-US" sz="3600" b="1" dirty="0">
+              <a:t>SWIN TRANSFORMER V1</a:t>
+            </a:r>
+            <a:endParaRPr lang="ko-KR" altLang="en-US" sz="2400" b="1" dirty="0">
               <a:solidFill>
                 <a:srgbClr val="1F2025"/>
               </a:solidFill>
@@ -6256,12 +5739,153 @@
           </a:p>
         </p:txBody>
       </p:sp>
+      <p:sp>
+        <p:nvSpPr>
+          <p:cNvPr id="3" name="TextBox 2">
+            <a:extLst>
+              <a:ext uri="{FF2B5EF4-FFF2-40B4-BE49-F238E27FC236}">
+                <a16:creationId xmlns:a16="http://schemas.microsoft.com/office/drawing/2014/main" id="{4A5778BD-E06C-4169-AA97-F60816239A15}"/>
+              </a:ext>
+            </a:extLst>
+          </p:cNvPr>
+          <p:cNvSpPr txBox="1"/>
+          <p:nvPr/>
+        </p:nvSpPr>
+        <p:spPr>
+          <a:xfrm>
+            <a:off x="435356" y="5079117"/>
+            <a:ext cx="4799117" cy="923330"/>
+          </a:xfrm>
+          <a:prstGeom prst="rect">
+            <a:avLst/>
+          </a:prstGeom>
+          <a:noFill/>
+        </p:spPr>
+        <p:txBody>
+          <a:bodyPr wrap="square" rtlCol="0">
+            <a:spAutoFit/>
+          </a:bodyPr>
+          <a:lstStyle>
+            <a:defPPr>
+              <a:defRPr lang="ko-KR"/>
+            </a:defPPr>
+            <a:lvl1pPr>
+              <a:defRPr sz="1100">
+                <a:solidFill>
+                  <a:schemeClr val="tx1">
+                    <a:lumMod val="75000"/>
+                    <a:lumOff val="25000"/>
+                  </a:schemeClr>
+                </a:solidFill>
+              </a:defRPr>
+            </a:lvl1pPr>
+          </a:lstStyle>
+          <a:p>
+            <a:pPr marL="171450" indent="-171450">
+              <a:buFontTx/>
+              <a:buChar char="-"/>
+            </a:pPr>
+            <a:r>
+              <a:rPr lang="en-US" altLang="ko-KR" sz="1800">
+                <a:solidFill>
+                  <a:srgbClr val="1F2025"/>
+                </a:solidFill>
+              </a:rPr>
+              <a:t>Ra mắt tháng 3/2021.</a:t>
+            </a:r>
+          </a:p>
+          <a:p>
+            <a:pPr marL="171450" indent="-171450">
+              <a:buFontTx/>
+              <a:buChar char="-"/>
+            </a:pPr>
+            <a:r>
+              <a:rPr lang="en-US" altLang="ko-KR" sz="1800">
+                <a:solidFill>
+                  <a:srgbClr val="1F2025"/>
+                </a:solidFill>
+              </a:rPr>
+              <a:t>Cải tiến có thừa kế các ý t</a:t>
+            </a:r>
+            <a:r>
+              <a:rPr lang="vi-VN" altLang="ko-KR" sz="1800">
+                <a:solidFill>
+                  <a:srgbClr val="1F2025"/>
+                </a:solidFill>
+              </a:rPr>
+              <a:t>ư</a:t>
+            </a:r>
+            <a:r>
+              <a:rPr lang="en-US" altLang="ko-KR" sz="1800">
+                <a:solidFill>
+                  <a:srgbClr val="1F2025"/>
+                </a:solidFill>
+              </a:rPr>
+              <a:t>ởng từ ViT.</a:t>
+            </a:r>
+          </a:p>
+          <a:p>
+            <a:pPr marL="171450" indent="-171450">
+              <a:buFontTx/>
+              <a:buChar char="-"/>
+            </a:pPr>
+            <a:endParaRPr lang="en-US" altLang="ko-KR" sz="1800" dirty="0">
+              <a:solidFill>
+                <a:srgbClr val="1F2025"/>
+              </a:solidFill>
+            </a:endParaRPr>
+          </a:p>
+        </p:txBody>
+      </p:sp>
+      <p:sp>
+        <p:nvSpPr>
+          <p:cNvPr id="16" name="직사각형 15">
+            <a:extLst>
+              <a:ext uri="{FF2B5EF4-FFF2-40B4-BE49-F238E27FC236}">
+                <a16:creationId xmlns:a16="http://schemas.microsoft.com/office/drawing/2014/main" id="{B73FE535-94A1-4E5D-B190-1D99674EF915}"/>
+              </a:ext>
+            </a:extLst>
+          </p:cNvPr>
+          <p:cNvSpPr/>
+          <p:nvPr/>
+        </p:nvSpPr>
+        <p:spPr>
+          <a:xfrm>
+            <a:off x="0" y="6206532"/>
+            <a:ext cx="12192000" cy="651468"/>
+          </a:xfrm>
+          <a:prstGeom prst="rect">
+            <a:avLst/>
+          </a:prstGeom>
+          <a:solidFill>
+            <a:srgbClr val="1F2025"/>
+          </a:solidFill>
+          <a:ln w="9525" cap="flat">
+            <a:noFill/>
+            <a:prstDash val="solid"/>
+            <a:miter/>
+          </a:ln>
+        </p:spPr>
+        <p:txBody>
+          <a:bodyPr rot="0" spcFirstLastPara="0" vertOverflow="overflow" horzOverflow="overflow" vert="horz" wrap="square" lIns="91440" tIns="45720" rIns="91440" bIns="45720" numCol="1" spcCol="0" rtlCol="0" fromWordArt="0" anchor="ctr" anchorCtr="0" forceAA="0" compatLnSpc="1">
+            <a:prstTxWarp prst="textNoShape">
+              <a:avLst/>
+            </a:prstTxWarp>
+            <a:noAutofit/>
+          </a:bodyPr>
+          <a:lstStyle/>
+          <a:p>
+            <a:pPr algn="l"/>
+            <a:endParaRPr lang="ko-KR" altLang="en-US"/>
+          </a:p>
+        </p:txBody>
+      </p:sp>
       <p:pic>
         <p:nvPicPr>
-          <p:cNvPr id="7" name="그래픽 6">
-            <a:extLst>
-              <a:ext uri="{FF2B5EF4-FFF2-40B4-BE49-F238E27FC236}">
-                <a16:creationId xmlns:a16="http://schemas.microsoft.com/office/drawing/2014/main" id="{174595B1-92CE-44ED-97FE-F6A897FE48EF}"/>
+          <p:cNvPr id="17" name="그래픽 16">
+            <a:extLst>
+              <a:ext uri="{FF2B5EF4-FFF2-40B4-BE49-F238E27FC236}">
+                <a16:creationId xmlns:a16="http://schemas.microsoft.com/office/drawing/2014/main" id="{7A988829-597B-495C-9112-A39D40EF9F77}"/>
               </a:ext>
             </a:extLst>
           </p:cNvPr>
@@ -6284,8 +5908,38 @@
         </p:blipFill>
         <p:spPr>
           <a:xfrm>
-            <a:off x="272402" y="217015"/>
-            <a:ext cx="834391" cy="488942"/>
+            <a:off x="11222584" y="6348701"/>
+            <a:ext cx="626516" cy="367130"/>
+          </a:xfrm>
+          <a:prstGeom prst="rect">
+            <a:avLst/>
+          </a:prstGeom>
+        </p:spPr>
+      </p:pic>
+      <p:pic>
+        <p:nvPicPr>
+          <p:cNvPr id="4" name="Picture 3">
+            <a:extLst>
+              <a:ext uri="{FF2B5EF4-FFF2-40B4-BE49-F238E27FC236}">
+                <a16:creationId xmlns:a16="http://schemas.microsoft.com/office/drawing/2014/main" id="{70808757-4523-4701-9A19-7A588FA5A931}"/>
+              </a:ext>
+            </a:extLst>
+          </p:cNvPr>
+          <p:cNvPicPr>
+            <a:picLocks noChangeAspect="1"/>
+          </p:cNvPicPr>
+          <p:nvPr/>
+        </p:nvPicPr>
+        <p:blipFill>
+          <a:blip r:embed="rId4"/>
+          <a:stretch>
+            <a:fillRect/>
+          </a:stretch>
+        </p:blipFill>
+        <p:spPr>
+          <a:xfrm>
+            <a:off x="530271" y="927650"/>
+            <a:ext cx="11318829" cy="3576582"/>
           </a:xfrm>
           <a:prstGeom prst="rect">
             <a:avLst/>
@@ -6295,7 +5949,7 @@
     </p:spTree>
     <p:extLst>
       <p:ext uri="{BB962C8B-B14F-4D97-AF65-F5344CB8AC3E}">
-        <p14:creationId xmlns:p14="http://schemas.microsoft.com/office/powerpoint/2010/main" val="2428148938"/>
+        <p14:creationId xmlns:p14="http://schemas.microsoft.com/office/powerpoint/2010/main" val="2093296912"/>
       </p:ext>
     </p:extLst>
   </p:cSld>
@@ -6351,16 +6005,16 @@
           <a:lstStyle/>
           <a:p>
             <a:r>
-              <a:rPr lang="en-US" altLang="ko-KR" sz="2400">
+              <a:rPr lang="en-US" altLang="ko-KR" sz="2400" b="1">
                 <a:solidFill>
                   <a:srgbClr val="1F2025"/>
                 </a:solidFill>
                 <a:latin typeface="+mj-lt"/>
                 <a:cs typeface="Arial" panose="020B0604020202020204" pitchFamily="34" charset="0"/>
               </a:rPr>
-              <a:t>SWIN TRANSFORMER V2</a:t>
-            </a:r>
-            <a:endParaRPr lang="ko-KR" altLang="en-US" sz="2400" dirty="0">
+              <a:t>SWIN TRANSFORMER V1</a:t>
+            </a:r>
+            <a:endParaRPr lang="ko-KR" altLang="en-US" sz="2400" b="1" dirty="0">
               <a:solidFill>
                 <a:srgbClr val="1F2025"/>
               </a:solidFill>
@@ -6385,7 +6039,7 @@
         <p:spPr>
           <a:xfrm>
             <a:off x="388703" y="1813403"/>
-            <a:ext cx="4799117" cy="2585323"/>
+            <a:ext cx="4799117" cy="1200329"/>
           </a:xfrm>
           <a:prstGeom prst="rect">
             <a:avLst/>
@@ -6422,7 +6076,7 @@
                   <a:srgbClr val="1F2025"/>
                 </a:solidFill>
               </a:rPr>
-              <a:t>Được giới thiệu tháng 11/2021.</a:t>
+              <a:t>Shifted Window</a:t>
             </a:r>
           </a:p>
           <a:p>
@@ -6436,23 +6090,7 @@
                   <a:srgbClr val="1F2025"/>
                 </a:solidFill>
               </a:rPr>
-              <a:t>Dựa trên kiến trúc của Swin Transformer V1, có thêm một số cải tiến để cải thiện hiệu năng cũng nh</a:t>
-            </a:r>
-            <a:r>
-              <a:rPr lang="vi-VN" altLang="ko-KR" sz="1800">
-                <a:solidFill>
-                  <a:srgbClr val="1F2025"/>
-                </a:solidFill>
-              </a:rPr>
-              <a:t>ư</a:t>
-            </a:r>
-            <a:r>
-              <a:rPr lang="en-US" altLang="ko-KR" sz="1800">
-                <a:solidFill>
-                  <a:srgbClr val="1F2025"/>
-                </a:solidFill>
-              </a:rPr>
-              <a:t> độ phân giải đầu vào.</a:t>
+              <a:t>Swin Transformer Block</a:t>
             </a:r>
           </a:p>
           <a:p>
@@ -6466,21 +6104,7 @@
                   <a:srgbClr val="1F2025"/>
                 </a:solidFill>
               </a:rPr>
-              <a:t>Mô hình lên tới 3 tỷ tham số, huấn luyện với độ phân giải lên tới 1536x1536 pixels.</a:t>
-            </a:r>
-          </a:p>
-          <a:p>
-            <a:pPr marL="171450" indent="-171450">
-              <a:buFontTx/>
-              <a:buChar char="-"/>
-            </a:pPr>
-            <a:r>
-              <a:rPr lang="en-US" altLang="ko-KR" sz="1800">
-                <a:solidFill>
-                  <a:srgbClr val="1F2025"/>
-                </a:solidFill>
-              </a:rPr>
-              <a:t>Thiết lập SOTA trên các thang đo đại diện cho các bài toán về thị giác máy tính.</a:t>
+              <a:t>Shifted Window based Self-Attention</a:t>
             </a:r>
           </a:p>
           <a:p>
@@ -6577,10 +6201,10 @@
       </p:pic>
       <p:pic>
         <p:nvPicPr>
-          <p:cNvPr id="4" name="Picture 3">
-            <a:extLst>
-              <a:ext uri="{FF2B5EF4-FFF2-40B4-BE49-F238E27FC236}">
-                <a16:creationId xmlns:a16="http://schemas.microsoft.com/office/drawing/2014/main" id="{4180287D-0413-4A11-9FC5-C6A843A853A5}"/>
+          <p:cNvPr id="5" name="Picture 4">
+            <a:extLst>
+              <a:ext uri="{FF2B5EF4-FFF2-40B4-BE49-F238E27FC236}">
+                <a16:creationId xmlns:a16="http://schemas.microsoft.com/office/drawing/2014/main" id="{1D689946-F1FF-44EF-96B2-C71C18C4F1CF}"/>
               </a:ext>
             </a:extLst>
           </p:cNvPr>
@@ -6597,8 +6221,38 @@
         </p:blipFill>
         <p:spPr>
           <a:xfrm>
-            <a:off x="5705281" y="706092"/>
-            <a:ext cx="5372100" cy="5000625"/>
+            <a:off x="5896598" y="465985"/>
+            <a:ext cx="4429125" cy="2647950"/>
+          </a:xfrm>
+          <a:prstGeom prst="rect">
+            <a:avLst/>
+          </a:prstGeom>
+        </p:spPr>
+      </p:pic>
+      <p:pic>
+        <p:nvPicPr>
+          <p:cNvPr id="6" name="Picture 5">
+            <a:extLst>
+              <a:ext uri="{FF2B5EF4-FFF2-40B4-BE49-F238E27FC236}">
+                <a16:creationId xmlns:a16="http://schemas.microsoft.com/office/drawing/2014/main" id="{BEF9F38E-199C-41AE-9A89-477CD931F49C}"/>
+              </a:ext>
+            </a:extLst>
+          </p:cNvPr>
+          <p:cNvPicPr>
+            <a:picLocks noChangeAspect="1"/>
+          </p:cNvPicPr>
+          <p:nvPr/>
+        </p:nvPicPr>
+        <p:blipFill>
+          <a:blip r:embed="rId5"/>
+          <a:stretch>
+            <a:fillRect/>
+          </a:stretch>
+        </p:blipFill>
+        <p:spPr>
+          <a:xfrm>
+            <a:off x="6096000" y="3811480"/>
+            <a:ext cx="4467225" cy="1828800"/>
           </a:xfrm>
           <a:prstGeom prst="rect">
             <a:avLst/>
@@ -6608,7 +6262,7 @@
     </p:spTree>
     <p:extLst>
       <p:ext uri="{BB962C8B-B14F-4D97-AF65-F5344CB8AC3E}">
-        <p14:creationId xmlns:p14="http://schemas.microsoft.com/office/powerpoint/2010/main" val="829733736"/>
+        <p14:creationId xmlns:p14="http://schemas.microsoft.com/office/powerpoint/2010/main" val="647424283"/>
       </p:ext>
     </p:extLst>
   </p:cSld>
@@ -6619,6 +6273,141 @@
 </file>
 
 <file path=ppt/slides/slide17.xml><?xml version="1.0" encoding="utf-8"?>
+<p:sld xmlns:a="http://schemas.openxmlformats.org/drawingml/2006/main" xmlns:r="http://schemas.openxmlformats.org/officeDocument/2006/relationships" xmlns:p="http://schemas.openxmlformats.org/presentationml/2006/main" showMasterSp="0">
+  <p:cSld>
+    <p:spTree>
+      <p:nvGrpSpPr>
+        <p:cNvPr id="1" name=""/>
+        <p:cNvGrpSpPr/>
+        <p:nvPr/>
+      </p:nvGrpSpPr>
+      <p:grpSpPr>
+        <a:xfrm>
+          <a:off x="0" y="0"/>
+          <a:ext cx="0" cy="0"/>
+          <a:chOff x="0" y="0"/>
+          <a:chExt cx="0" cy="0"/>
+        </a:xfrm>
+      </p:grpSpPr>
+      <p:sp>
+        <p:nvSpPr>
+          <p:cNvPr id="2" name="TextBox 1">
+            <a:extLst>
+              <a:ext uri="{FF2B5EF4-FFF2-40B4-BE49-F238E27FC236}">
+                <a16:creationId xmlns:a16="http://schemas.microsoft.com/office/drawing/2014/main" id="{D142F346-FC6A-493B-995E-DB2FC357CBE3}"/>
+              </a:ext>
+            </a:extLst>
+          </p:cNvPr>
+          <p:cNvSpPr txBox="1"/>
+          <p:nvPr/>
+        </p:nvSpPr>
+        <p:spPr>
+          <a:xfrm>
+            <a:off x="3336212" y="2782669"/>
+            <a:ext cx="5519576" cy="646331"/>
+          </a:xfrm>
+          <a:prstGeom prst="rect">
+            <a:avLst/>
+          </a:prstGeom>
+          <a:noFill/>
+        </p:spPr>
+        <p:txBody>
+          <a:bodyPr wrap="square" rtlCol="0">
+            <a:spAutoFit/>
+          </a:bodyPr>
+          <a:lstStyle/>
+          <a:p>
+            <a:pPr algn="ctr"/>
+            <a:r>
+              <a:rPr lang="en-US" altLang="ko-KR" sz="3600" b="1">
+                <a:solidFill>
+                  <a:srgbClr val="1F2025"/>
+                </a:solidFill>
+                <a:latin typeface="+mj-lt"/>
+                <a:cs typeface="Arial" panose="020B0604020202020204" pitchFamily="34" charset="0"/>
+              </a:rPr>
+              <a:t>III</a:t>
+            </a:r>
+            <a:r>
+              <a:rPr lang="vi-VN" altLang="ko-KR" sz="3600" b="1">
+                <a:solidFill>
+                  <a:srgbClr val="1F2025"/>
+                </a:solidFill>
+                <a:latin typeface="+mj-lt"/>
+                <a:cs typeface="Arial" panose="020B0604020202020204" pitchFamily="34" charset="0"/>
+              </a:rPr>
+              <a:t>. </a:t>
+            </a:r>
+            <a:r>
+              <a:rPr lang="en-US" altLang="ko-KR" sz="3600" b="1">
+                <a:solidFill>
+                  <a:srgbClr val="1F2025"/>
+                </a:solidFill>
+                <a:latin typeface="+mj-lt"/>
+                <a:cs typeface="Arial" panose="020B0604020202020204" pitchFamily="34" charset="0"/>
+              </a:rPr>
+              <a:t>KIẾN TRÚC TỔNG QUAN</a:t>
+            </a:r>
+            <a:endParaRPr lang="ko-KR" altLang="en-US" sz="3600" b="1" dirty="0">
+              <a:solidFill>
+                <a:srgbClr val="1F2025"/>
+              </a:solidFill>
+              <a:latin typeface="+mj-lt"/>
+              <a:cs typeface="Arial" panose="020B0604020202020204" pitchFamily="34" charset="0"/>
+            </a:endParaRPr>
+          </a:p>
+        </p:txBody>
+      </p:sp>
+      <p:pic>
+        <p:nvPicPr>
+          <p:cNvPr id="7" name="그래픽 6">
+            <a:extLst>
+              <a:ext uri="{FF2B5EF4-FFF2-40B4-BE49-F238E27FC236}">
+                <a16:creationId xmlns:a16="http://schemas.microsoft.com/office/drawing/2014/main" id="{174595B1-92CE-44ED-97FE-F6A897FE48EF}"/>
+              </a:ext>
+            </a:extLst>
+          </p:cNvPr>
+          <p:cNvPicPr>
+            <a:picLocks noChangeAspect="1"/>
+          </p:cNvPicPr>
+          <p:nvPr/>
+        </p:nvPicPr>
+        <p:blipFill>
+          <a:blip r:embed="rId2">
+            <a:extLst>
+              <a:ext uri="{96DAC541-7B7A-43D3-8B79-37D633B846F1}">
+                <asvg:svgBlip xmlns:asvg="http://schemas.microsoft.com/office/drawing/2016/SVG/main" r:embed="rId3"/>
+              </a:ext>
+            </a:extLst>
+          </a:blip>
+          <a:stretch>
+            <a:fillRect/>
+          </a:stretch>
+        </p:blipFill>
+        <p:spPr>
+          <a:xfrm>
+            <a:off x="272402" y="217015"/>
+            <a:ext cx="834391" cy="488942"/>
+          </a:xfrm>
+          <a:prstGeom prst="rect">
+            <a:avLst/>
+          </a:prstGeom>
+        </p:spPr>
+      </p:pic>
+    </p:spTree>
+    <p:extLst>
+      <p:ext uri="{BB962C8B-B14F-4D97-AF65-F5344CB8AC3E}">
+        <p14:creationId xmlns:p14="http://schemas.microsoft.com/office/powerpoint/2010/main" val="2428148938"/>
+      </p:ext>
+    </p:extLst>
+  </p:cSld>
+  <p:clrMapOvr>
+    <a:masterClrMapping/>
+  </p:clrMapOvr>
+</p:sld>
+</file>
+
+<file path=ppt/slides/slide18.xml><?xml version="1.0" encoding="utf-8"?>
 <p:sld xmlns:a="http://schemas.openxmlformats.org/drawingml/2006/main" xmlns:r="http://schemas.openxmlformats.org/officeDocument/2006/relationships" xmlns:p="http://schemas.openxmlformats.org/presentationml/2006/main">
   <p:cSld>
     <p:spTree>
@@ -6640,7 +6429,7 @@
           <p:cNvPr id="2" name="TextBox 1">
             <a:extLst>
               <a:ext uri="{FF2B5EF4-FFF2-40B4-BE49-F238E27FC236}">
-                <a16:creationId xmlns:a16="http://schemas.microsoft.com/office/drawing/2014/main" id="{D142F346-FC6A-493B-995E-DB2FC357CBE3}"/>
+                <a16:creationId xmlns:a16="http://schemas.microsoft.com/office/drawing/2014/main" id="{4ECC80F9-88DA-415C-B69B-55F6C7756629}"/>
               </a:ext>
             </a:extLst>
           </p:cNvPr>
@@ -6649,8 +6438,8 @@
         </p:nvSpPr>
         <p:spPr>
           <a:xfrm>
-            <a:off x="3708400" y="2759168"/>
-            <a:ext cx="4775200" cy="1200329"/>
+            <a:off x="578715" y="465985"/>
+            <a:ext cx="5317883" cy="461665"/>
           </a:xfrm>
           <a:prstGeom prst="rect">
             <a:avLst/>
@@ -6663,182 +6452,17 @@
           </a:bodyPr>
           <a:lstStyle/>
           <a:p>
-            <a:pPr algn="ctr"/>
-            <a:r>
-              <a:rPr lang="vi-VN" altLang="ko-KR" sz="3600" b="1">
-                <a:solidFill>
-                  <a:srgbClr val="1F2025"/>
-                </a:solidFill>
-                <a:latin typeface="Calibri" panose="020F0502020204030204" pitchFamily="34" charset="0"/>
-                <a:cs typeface="Calibri" panose="020F0502020204030204" pitchFamily="34" charset="0"/>
-              </a:rPr>
-              <a:t>I</a:t>
-            </a:r>
-            <a:r>
-              <a:rPr lang="en-US" altLang="ko-KR" sz="3600" b="1">
-                <a:solidFill>
-                  <a:srgbClr val="1F2025"/>
-                </a:solidFill>
-                <a:latin typeface="Calibri" panose="020F0502020204030204" pitchFamily="34" charset="0"/>
-                <a:cs typeface="Calibri" panose="020F0502020204030204" pitchFamily="34" charset="0"/>
-              </a:rPr>
-              <a:t>V</a:t>
-            </a:r>
-            <a:r>
-              <a:rPr lang="vi-VN" altLang="ko-KR" sz="3600" b="1">
-                <a:solidFill>
-                  <a:srgbClr val="1F2025"/>
-                </a:solidFill>
-                <a:latin typeface="Calibri" panose="020F0502020204030204" pitchFamily="34" charset="0"/>
-                <a:cs typeface="Calibri" panose="020F0502020204030204" pitchFamily="34" charset="0"/>
-              </a:rPr>
-              <a:t>. CÁC </a:t>
-            </a:r>
-            <a:r>
-              <a:rPr lang="en-US" altLang="ko-KR" sz="3600" b="1">
-                <a:solidFill>
-                  <a:srgbClr val="1F2025"/>
-                </a:solidFill>
-                <a:latin typeface="Calibri" panose="020F0502020204030204" pitchFamily="34" charset="0"/>
-                <a:cs typeface="Calibri" panose="020F0502020204030204" pitchFamily="34" charset="0"/>
-              </a:rPr>
-              <a:t>KỸ THUẬT MỚI Đ</a:t>
-            </a:r>
-            <a:r>
-              <a:rPr lang="vi-VN" altLang="ko-KR" sz="3600" b="1">
-                <a:solidFill>
-                  <a:srgbClr val="1F2025"/>
-                </a:solidFill>
-                <a:latin typeface="Calibri" panose="020F0502020204030204" pitchFamily="34" charset="0"/>
-                <a:cs typeface="Calibri" panose="020F0502020204030204" pitchFamily="34" charset="0"/>
-              </a:rPr>
-              <a:t>Ư</a:t>
-            </a:r>
-            <a:r>
-              <a:rPr lang="en-US" altLang="ko-KR" sz="3600" b="1">
-                <a:solidFill>
-                  <a:srgbClr val="1F2025"/>
-                </a:solidFill>
-                <a:latin typeface="Calibri" panose="020F0502020204030204" pitchFamily="34" charset="0"/>
-                <a:cs typeface="Calibri" panose="020F0502020204030204" pitchFamily="34" charset="0"/>
-              </a:rPr>
-              <a:t>ỢC ĐỀ XUẤT</a:t>
-            </a:r>
-            <a:endParaRPr lang="ko-KR" altLang="en-US" sz="3600" b="1" dirty="0">
-              <a:solidFill>
-                <a:srgbClr val="1F2025"/>
-              </a:solidFill>
-              <a:latin typeface="Calibri" panose="020F0502020204030204" pitchFamily="34" charset="0"/>
-              <a:cs typeface="Calibri" panose="020F0502020204030204" pitchFamily="34" charset="0"/>
-            </a:endParaRPr>
-          </a:p>
-        </p:txBody>
-      </p:sp>
-      <p:pic>
-        <p:nvPicPr>
-          <p:cNvPr id="7" name="그래픽 6">
-            <a:extLst>
-              <a:ext uri="{FF2B5EF4-FFF2-40B4-BE49-F238E27FC236}">
-                <a16:creationId xmlns:a16="http://schemas.microsoft.com/office/drawing/2014/main" id="{174595B1-92CE-44ED-97FE-F6A897FE48EF}"/>
-              </a:ext>
-            </a:extLst>
-          </p:cNvPr>
-          <p:cNvPicPr>
-            <a:picLocks noChangeAspect="1"/>
-          </p:cNvPicPr>
-          <p:nvPr/>
-        </p:nvPicPr>
-        <p:blipFill>
-          <a:blip r:embed="rId2">
-            <a:extLst>
-              <a:ext uri="{96DAC541-7B7A-43D3-8B79-37D633B846F1}">
-                <asvg:svgBlip xmlns:asvg="http://schemas.microsoft.com/office/drawing/2016/SVG/main" r:embed="rId3"/>
-              </a:ext>
-            </a:extLst>
-          </a:blip>
-          <a:stretch>
-            <a:fillRect/>
-          </a:stretch>
-        </p:blipFill>
-        <p:spPr>
-          <a:xfrm>
-            <a:off x="272402" y="217015"/>
-            <a:ext cx="834391" cy="488942"/>
-          </a:xfrm>
-          <a:prstGeom prst="rect">
-            <a:avLst/>
-          </a:prstGeom>
-        </p:spPr>
-      </p:pic>
-    </p:spTree>
-    <p:extLst>
-      <p:ext uri="{BB962C8B-B14F-4D97-AF65-F5344CB8AC3E}">
-        <p14:creationId xmlns:p14="http://schemas.microsoft.com/office/powerpoint/2010/main" val="4267959614"/>
-      </p:ext>
-    </p:extLst>
-  </p:cSld>
-  <p:clrMapOvr>
-    <a:masterClrMapping/>
-  </p:clrMapOvr>
-</p:sld>
-</file>
-
-<file path=ppt/slides/slide18.xml><?xml version="1.0" encoding="utf-8"?>
-<p:sld xmlns:a="http://schemas.openxmlformats.org/drawingml/2006/main" xmlns:r="http://schemas.openxmlformats.org/officeDocument/2006/relationships" xmlns:p="http://schemas.openxmlformats.org/presentationml/2006/main" showMasterSp="0">
-  <p:cSld>
-    <p:spTree>
-      <p:nvGrpSpPr>
-        <p:cNvPr id="1" name=""/>
-        <p:cNvGrpSpPr/>
-        <p:nvPr/>
-      </p:nvGrpSpPr>
-      <p:grpSpPr>
-        <a:xfrm>
-          <a:off x="0" y="0"/>
-          <a:ext cx="0" cy="0"/>
-          <a:chOff x="0" y="0"/>
-          <a:chExt cx="0" cy="0"/>
-        </a:xfrm>
-      </p:grpSpPr>
-      <p:sp>
-        <p:nvSpPr>
-          <p:cNvPr id="2" name="TextBox 1">
-            <a:extLst>
-              <a:ext uri="{FF2B5EF4-FFF2-40B4-BE49-F238E27FC236}">
-                <a16:creationId xmlns:a16="http://schemas.microsoft.com/office/drawing/2014/main" id="{4ECC80F9-88DA-415C-B69B-55F6C7756629}"/>
-              </a:ext>
-            </a:extLst>
-          </p:cNvPr>
-          <p:cNvSpPr txBox="1"/>
-          <p:nvPr/>
-        </p:nvSpPr>
-        <p:spPr>
-          <a:xfrm>
-            <a:off x="578715" y="482981"/>
-            <a:ext cx="5317883" cy="461665"/>
-          </a:xfrm>
-          <a:prstGeom prst="rect">
-            <a:avLst/>
-          </a:prstGeom>
-          <a:noFill/>
-        </p:spPr>
-        <p:txBody>
-          <a:bodyPr wrap="square" rtlCol="0">
-            <a:spAutoFit/>
-          </a:bodyPr>
-          <a:lstStyle/>
-          <a:p>
-            <a:r>
-              <a:rPr lang="en-US" altLang="ko-KR" sz="2400" b="1">
+            <a:r>
+              <a:rPr lang="en-US" altLang="ko-KR" sz="2400">
                 <a:solidFill>
                   <a:srgbClr val="1F2025"/>
                 </a:solidFill>
                 <a:latin typeface="+mj-lt"/>
                 <a:cs typeface="Arial" panose="020B0604020202020204" pitchFamily="34" charset="0"/>
               </a:rPr>
-              <a:t>MỞ RỘNG NĂNG LỰC MÔ HÌNH</a:t>
-            </a:r>
-            <a:endParaRPr lang="ko-KR" altLang="en-US" sz="2400" b="1" dirty="0">
+              <a:t>SWIN TRANSFORMER V2</a:t>
+            </a:r>
+            <a:endParaRPr lang="ko-KR" altLang="en-US" sz="2400" dirty="0">
               <a:solidFill>
                 <a:srgbClr val="1F2025"/>
               </a:solidFill>
@@ -6862,8 +6486,8 @@
         </p:nvSpPr>
         <p:spPr>
           <a:xfrm>
-            <a:off x="920547" y="2233280"/>
-            <a:ext cx="4677820" cy="923330"/>
+            <a:off x="388703" y="1813403"/>
+            <a:ext cx="4799117" cy="2585323"/>
           </a:xfrm>
           <a:prstGeom prst="rect">
             <a:avLst/>
@@ -6890,7 +6514,7 @@
             </a:lvl1pPr>
           </a:lstStyle>
           <a:p>
-            <a:pPr marL="285750" indent="-285750">
+            <a:pPr marL="171450" indent="-171450">
               <a:buFontTx/>
               <a:buChar char="-"/>
             </a:pPr>
@@ -6900,11 +6524,11 @@
                   <a:srgbClr val="1F2025"/>
                 </a:solidFill>
               </a:rPr>
-              <a:t>Post normalization</a:t>
-            </a:r>
-          </a:p>
-          <a:p>
-            <a:pPr marL="285750" indent="-285750">
+              <a:t>Được giới thiệu tháng 11/2021.</a:t>
+            </a:r>
+          </a:p>
+          <a:p>
+            <a:pPr marL="171450" indent="-171450">
               <a:buFontTx/>
               <a:buChar char="-"/>
             </a:pPr>
@@ -6914,11 +6538,55 @@
                   <a:srgbClr val="1F2025"/>
                 </a:solidFill>
               </a:rPr>
-              <a:t>Scaled cosine attention</a:t>
-            </a:r>
-          </a:p>
-          <a:p>
-            <a:pPr marL="285750" indent="-285750">
+              <a:t>Dựa trên kiến trúc của Swin Transformer V1, có thêm một số cải tiến để cải thiện hiệu năng cũng nh</a:t>
+            </a:r>
+            <a:r>
+              <a:rPr lang="vi-VN" altLang="ko-KR" sz="1800">
+                <a:solidFill>
+                  <a:srgbClr val="1F2025"/>
+                </a:solidFill>
+              </a:rPr>
+              <a:t>ư</a:t>
+            </a:r>
+            <a:r>
+              <a:rPr lang="en-US" altLang="ko-KR" sz="1800">
+                <a:solidFill>
+                  <a:srgbClr val="1F2025"/>
+                </a:solidFill>
+              </a:rPr>
+              <a:t> độ phân giải đầu vào.</a:t>
+            </a:r>
+          </a:p>
+          <a:p>
+            <a:pPr marL="171450" indent="-171450">
+              <a:buFontTx/>
+              <a:buChar char="-"/>
+            </a:pPr>
+            <a:r>
+              <a:rPr lang="en-US" altLang="ko-KR" sz="1800">
+                <a:solidFill>
+                  <a:srgbClr val="1F2025"/>
+                </a:solidFill>
+              </a:rPr>
+              <a:t>Mô hình lên tới 3 tỷ tham số, huấn luyện với độ phân giải lên tới 1536x1536 pixels.</a:t>
+            </a:r>
+          </a:p>
+          <a:p>
+            <a:pPr marL="171450" indent="-171450">
+              <a:buFontTx/>
+              <a:buChar char="-"/>
+            </a:pPr>
+            <a:r>
+              <a:rPr lang="en-US" altLang="ko-KR" sz="1800">
+                <a:solidFill>
+                  <a:srgbClr val="1F2025"/>
+                </a:solidFill>
+              </a:rPr>
+              <a:t>Thiết lập SOTA trên các thang đo đại diện cho các bài toán về thị giác máy tính.</a:t>
+            </a:r>
+          </a:p>
+          <a:p>
+            <a:pPr marL="171450" indent="-171450">
               <a:buFontTx/>
               <a:buChar char="-"/>
             </a:pPr>
@@ -7009,10 +6677,40 @@
           </a:prstGeom>
         </p:spPr>
       </p:pic>
+      <p:pic>
+        <p:nvPicPr>
+          <p:cNvPr id="4" name="Picture 3">
+            <a:extLst>
+              <a:ext uri="{FF2B5EF4-FFF2-40B4-BE49-F238E27FC236}">
+                <a16:creationId xmlns:a16="http://schemas.microsoft.com/office/drawing/2014/main" id="{4180287D-0413-4A11-9FC5-C6A843A853A5}"/>
+              </a:ext>
+            </a:extLst>
+          </p:cNvPr>
+          <p:cNvPicPr>
+            <a:picLocks noChangeAspect="1"/>
+          </p:cNvPicPr>
+          <p:nvPr/>
+        </p:nvPicPr>
+        <p:blipFill>
+          <a:blip r:embed="rId4"/>
+          <a:stretch>
+            <a:fillRect/>
+          </a:stretch>
+        </p:blipFill>
+        <p:spPr>
+          <a:xfrm>
+            <a:off x="5705281" y="706092"/>
+            <a:ext cx="5372100" cy="5000625"/>
+          </a:xfrm>
+          <a:prstGeom prst="rect">
+            <a:avLst/>
+          </a:prstGeom>
+        </p:spPr>
+      </p:pic>
     </p:spTree>
     <p:extLst>
       <p:ext uri="{BB962C8B-B14F-4D97-AF65-F5344CB8AC3E}">
-        <p14:creationId xmlns:p14="http://schemas.microsoft.com/office/powerpoint/2010/main" val="3780947865"/>
+        <p14:creationId xmlns:p14="http://schemas.microsoft.com/office/powerpoint/2010/main" val="829733736"/>
       </p:ext>
     </p:extLst>
   </p:cSld>
@@ -7044,7 +6742,7 @@
           <p:cNvPr id="2" name="TextBox 1">
             <a:extLst>
               <a:ext uri="{FF2B5EF4-FFF2-40B4-BE49-F238E27FC236}">
-                <a16:creationId xmlns:a16="http://schemas.microsoft.com/office/drawing/2014/main" id="{4ECC80F9-88DA-415C-B69B-55F6C7756629}"/>
+                <a16:creationId xmlns:a16="http://schemas.microsoft.com/office/drawing/2014/main" id="{D142F346-FC6A-493B-995E-DB2FC357CBE3}"/>
               </a:ext>
             </a:extLst>
           </p:cNvPr>
@@ -7053,8 +6751,8 @@
         </p:nvSpPr>
         <p:spPr>
           <a:xfrm>
-            <a:off x="578715" y="482981"/>
-            <a:ext cx="5317883" cy="461665"/>
+            <a:off x="3708400" y="2759168"/>
+            <a:ext cx="4775200" cy="1200329"/>
           </a:xfrm>
           <a:prstGeom prst="rect">
             <a:avLst/>
@@ -7067,157 +6765,83 @@
           </a:bodyPr>
           <a:lstStyle/>
           <a:p>
-            <a:r>
-              <a:rPr lang="en-US" altLang="ko-KR" sz="2400" b="1">
-                <a:solidFill>
-                  <a:srgbClr val="1F2025"/>
-                </a:solidFill>
-                <a:latin typeface="+mj-lt"/>
-                <a:cs typeface="Arial" panose="020B0604020202020204" pitchFamily="34" charset="0"/>
-              </a:rPr>
-              <a:t>MỞ RỘNG ĐỘ PHÂN GIẢI</a:t>
-            </a:r>
-            <a:endParaRPr lang="ko-KR" altLang="en-US" sz="2400" b="1" dirty="0">
+            <a:pPr algn="ctr"/>
+            <a:r>
+              <a:rPr lang="vi-VN" altLang="ko-KR" sz="3600" b="1">
+                <a:solidFill>
+                  <a:srgbClr val="1F2025"/>
+                </a:solidFill>
+                <a:latin typeface="Calibri" panose="020F0502020204030204" pitchFamily="34" charset="0"/>
+                <a:cs typeface="Calibri" panose="020F0502020204030204" pitchFamily="34" charset="0"/>
+              </a:rPr>
+              <a:t>I</a:t>
+            </a:r>
+            <a:r>
+              <a:rPr lang="en-US" altLang="ko-KR" sz="3600" b="1">
+                <a:solidFill>
+                  <a:srgbClr val="1F2025"/>
+                </a:solidFill>
+                <a:latin typeface="Calibri" panose="020F0502020204030204" pitchFamily="34" charset="0"/>
+                <a:cs typeface="Calibri" panose="020F0502020204030204" pitchFamily="34" charset="0"/>
+              </a:rPr>
+              <a:t>V</a:t>
+            </a:r>
+            <a:r>
+              <a:rPr lang="vi-VN" altLang="ko-KR" sz="3600" b="1">
+                <a:solidFill>
+                  <a:srgbClr val="1F2025"/>
+                </a:solidFill>
+                <a:latin typeface="Calibri" panose="020F0502020204030204" pitchFamily="34" charset="0"/>
+                <a:cs typeface="Calibri" panose="020F0502020204030204" pitchFamily="34" charset="0"/>
+              </a:rPr>
+              <a:t>. CÁC </a:t>
+            </a:r>
+            <a:r>
+              <a:rPr lang="en-US" altLang="ko-KR" sz="3600" b="1">
+                <a:solidFill>
+                  <a:srgbClr val="1F2025"/>
+                </a:solidFill>
+                <a:latin typeface="Calibri" panose="020F0502020204030204" pitchFamily="34" charset="0"/>
+                <a:cs typeface="Calibri" panose="020F0502020204030204" pitchFamily="34" charset="0"/>
+              </a:rPr>
+              <a:t>KỸ THUẬT MỚI Đ</a:t>
+            </a:r>
+            <a:r>
+              <a:rPr lang="vi-VN" altLang="ko-KR" sz="3600" b="1">
+                <a:solidFill>
+                  <a:srgbClr val="1F2025"/>
+                </a:solidFill>
+                <a:latin typeface="Calibri" panose="020F0502020204030204" pitchFamily="34" charset="0"/>
+                <a:cs typeface="Calibri" panose="020F0502020204030204" pitchFamily="34" charset="0"/>
+              </a:rPr>
+              <a:t>Ư</a:t>
+            </a:r>
+            <a:r>
+              <a:rPr lang="en-US" altLang="ko-KR" sz="3600" b="1">
+                <a:solidFill>
+                  <a:srgbClr val="1F2025"/>
+                </a:solidFill>
+                <a:latin typeface="Calibri" panose="020F0502020204030204" pitchFamily="34" charset="0"/>
+                <a:cs typeface="Calibri" panose="020F0502020204030204" pitchFamily="34" charset="0"/>
+              </a:rPr>
+              <a:t>ỢC ĐỀ XUẤT</a:t>
+            </a:r>
+            <a:endParaRPr lang="ko-KR" altLang="en-US" sz="3600" b="1" dirty="0">
               <a:solidFill>
                 <a:srgbClr val="1F2025"/>
               </a:solidFill>
-              <a:latin typeface="+mj-lt"/>
-              <a:cs typeface="Arial" panose="020B0604020202020204" pitchFamily="34" charset="0"/>
+              <a:latin typeface="Calibri" panose="020F0502020204030204" pitchFamily="34" charset="0"/>
+              <a:cs typeface="Calibri" panose="020F0502020204030204" pitchFamily="34" charset="0"/>
             </a:endParaRPr>
-          </a:p>
-        </p:txBody>
-      </p:sp>
-      <p:sp>
-        <p:nvSpPr>
-          <p:cNvPr id="3" name="TextBox 2">
-            <a:extLst>
-              <a:ext uri="{FF2B5EF4-FFF2-40B4-BE49-F238E27FC236}">
-                <a16:creationId xmlns:a16="http://schemas.microsoft.com/office/drawing/2014/main" id="{4A5778BD-E06C-4169-AA97-F60816239A15}"/>
-              </a:ext>
-            </a:extLst>
-          </p:cNvPr>
-          <p:cNvSpPr txBox="1"/>
-          <p:nvPr/>
-        </p:nvSpPr>
-        <p:spPr>
-          <a:xfrm>
-            <a:off x="920547" y="2233280"/>
-            <a:ext cx="4677820" cy="923330"/>
-          </a:xfrm>
-          <a:prstGeom prst="rect">
-            <a:avLst/>
-          </a:prstGeom>
-          <a:noFill/>
-        </p:spPr>
-        <p:txBody>
-          <a:bodyPr wrap="square" rtlCol="0">
-            <a:spAutoFit/>
-          </a:bodyPr>
-          <a:lstStyle>
-            <a:defPPr>
-              <a:defRPr lang="ko-KR"/>
-            </a:defPPr>
-            <a:lvl1pPr>
-              <a:defRPr sz="1100">
-                <a:solidFill>
-                  <a:schemeClr val="tx1">
-                    <a:lumMod val="75000"/>
-                    <a:lumOff val="25000"/>
-                  </a:schemeClr>
-                </a:solidFill>
-              </a:defRPr>
-            </a:lvl1pPr>
-          </a:lstStyle>
-          <a:p>
-            <a:pPr marL="285750" indent="-285750">
-              <a:buFontTx/>
-              <a:buChar char="-"/>
-            </a:pPr>
-            <a:r>
-              <a:rPr lang="en-US" altLang="ko-KR" sz="1800">
-                <a:solidFill>
-                  <a:srgbClr val="1F2025"/>
-                </a:solidFill>
-              </a:rPr>
-              <a:t>Continuous relative position bias</a:t>
-            </a:r>
-          </a:p>
-          <a:p>
-            <a:pPr marL="285750" indent="-285750">
-              <a:buFontTx/>
-              <a:buChar char="-"/>
-            </a:pPr>
-            <a:r>
-              <a:rPr lang="en-US" altLang="ko-KR" sz="1800">
-                <a:solidFill>
-                  <a:srgbClr val="1F2025"/>
-                </a:solidFill>
-              </a:rPr>
-              <a:t>Log-spaced coordinates</a:t>
-            </a:r>
-          </a:p>
-          <a:p>
-            <a:pPr marL="285750" indent="-285750">
-              <a:buFontTx/>
-              <a:buChar char="-"/>
-            </a:pPr>
-            <a:endParaRPr lang="en-US" altLang="ko-KR" sz="1800" dirty="0">
-              <a:solidFill>
-                <a:srgbClr val="1F2025"/>
-              </a:solidFill>
-            </a:endParaRPr>
-          </a:p>
-        </p:txBody>
-      </p:sp>
-      <p:sp>
-        <p:nvSpPr>
-          <p:cNvPr id="16" name="직사각형 15">
-            <a:extLst>
-              <a:ext uri="{FF2B5EF4-FFF2-40B4-BE49-F238E27FC236}">
-                <a16:creationId xmlns:a16="http://schemas.microsoft.com/office/drawing/2014/main" id="{B73FE535-94A1-4E5D-B190-1D99674EF915}"/>
-              </a:ext>
-            </a:extLst>
-          </p:cNvPr>
-          <p:cNvSpPr/>
-          <p:nvPr/>
-        </p:nvSpPr>
-        <p:spPr>
-          <a:xfrm>
-            <a:off x="0" y="6206532"/>
-            <a:ext cx="12192000" cy="651468"/>
-          </a:xfrm>
-          <a:prstGeom prst="rect">
-            <a:avLst/>
-          </a:prstGeom>
-          <a:solidFill>
-            <a:srgbClr val="1F2025"/>
-          </a:solidFill>
-          <a:ln w="9525" cap="flat">
-            <a:noFill/>
-            <a:prstDash val="solid"/>
-            <a:miter/>
-          </a:ln>
-        </p:spPr>
-        <p:txBody>
-          <a:bodyPr rot="0" spcFirstLastPara="0" vertOverflow="overflow" horzOverflow="overflow" vert="horz" wrap="square" lIns="91440" tIns="45720" rIns="91440" bIns="45720" numCol="1" spcCol="0" rtlCol="0" fromWordArt="0" anchor="ctr" anchorCtr="0" forceAA="0" compatLnSpc="1">
-            <a:prstTxWarp prst="textNoShape">
-              <a:avLst/>
-            </a:prstTxWarp>
-            <a:noAutofit/>
-          </a:bodyPr>
-          <a:lstStyle/>
-          <a:p>
-            <a:pPr algn="l"/>
-            <a:endParaRPr lang="ko-KR" altLang="en-US"/>
           </a:p>
         </p:txBody>
       </p:sp>
       <p:pic>
         <p:nvPicPr>
-          <p:cNvPr id="17" name="그래픽 16">
-            <a:extLst>
-              <a:ext uri="{FF2B5EF4-FFF2-40B4-BE49-F238E27FC236}">
-                <a16:creationId xmlns:a16="http://schemas.microsoft.com/office/drawing/2014/main" id="{7A988829-597B-495C-9112-A39D40EF9F77}"/>
+          <p:cNvPr id="7" name="그래픽 6">
+            <a:extLst>
+              <a:ext uri="{FF2B5EF4-FFF2-40B4-BE49-F238E27FC236}">
+                <a16:creationId xmlns:a16="http://schemas.microsoft.com/office/drawing/2014/main" id="{174595B1-92CE-44ED-97FE-F6A897FE48EF}"/>
               </a:ext>
             </a:extLst>
           </p:cNvPr>
@@ -7240,8 +6864,8 @@
         </p:blipFill>
         <p:spPr>
           <a:xfrm>
-            <a:off x="11222584" y="6348701"/>
-            <a:ext cx="626516" cy="367130"/>
+            <a:off x="272402" y="217015"/>
+            <a:ext cx="834391" cy="488942"/>
           </a:xfrm>
           <a:prstGeom prst="rect">
             <a:avLst/>
@@ -7251,7 +6875,7 @@
     </p:spTree>
     <p:extLst>
       <p:ext uri="{BB962C8B-B14F-4D97-AF65-F5344CB8AC3E}">
-        <p14:creationId xmlns:p14="http://schemas.microsoft.com/office/powerpoint/2010/main" val="3004168505"/>
+        <p14:creationId xmlns:p14="http://schemas.microsoft.com/office/powerpoint/2010/main" val="4267959614"/>
       </p:ext>
     </p:extLst>
   </p:cSld>
@@ -7698,7 +7322,7 @@
 </file>
 
 <file path=ppt/slides/slide20.xml><?xml version="1.0" encoding="utf-8"?>
-<p:sld xmlns:a="http://schemas.openxmlformats.org/drawingml/2006/main" xmlns:r="http://schemas.openxmlformats.org/officeDocument/2006/relationships" xmlns:p="http://schemas.openxmlformats.org/presentationml/2006/main">
+<p:sld xmlns:a="http://schemas.openxmlformats.org/drawingml/2006/main" xmlns:r="http://schemas.openxmlformats.org/officeDocument/2006/relationships" xmlns:p="http://schemas.openxmlformats.org/presentationml/2006/main" showMasterSp="0">
   <p:cSld>
     <p:spTree>
       <p:nvGrpSpPr>
@@ -7747,14 +7371,16 @@
                 <a:solidFill>
                   <a:srgbClr val="1F2025"/>
                 </a:solidFill>
+                <a:latin typeface="+mj-lt"/>
                 <a:cs typeface="Arial" panose="020B0604020202020204" pitchFamily="34" charset="0"/>
               </a:rPr>
-              <a:t>TIỀN HUẤN LUYỆN TỰ GIÁM SÁT</a:t>
+              <a:t>MỞ RỘNG NĂNG LỰC MÔ HÌNH</a:t>
             </a:r>
             <a:endParaRPr lang="ko-KR" altLang="en-US" sz="2400" b="1" dirty="0">
               <a:solidFill>
                 <a:srgbClr val="1F2025"/>
               </a:solidFill>
+              <a:latin typeface="+mj-lt"/>
               <a:cs typeface="Arial" panose="020B0604020202020204" pitchFamily="34" charset="0"/>
             </a:endParaRPr>
           </a:p>
@@ -7812,7 +7438,7 @@
                   <a:srgbClr val="1F2025"/>
                 </a:solidFill>
               </a:rPr>
-              <a:t>Continuous relative position bias</a:t>
+              <a:t>Post normalization</a:t>
             </a:r>
           </a:p>
           <a:p>
@@ -7826,7 +7452,7 @@
                   <a:srgbClr val="1F2025"/>
                 </a:solidFill>
               </a:rPr>
-              <a:t>Log-spaced coordinates</a:t>
+              <a:t>Scaled cosine attention</a:t>
             </a:r>
           </a:p>
           <a:p>
@@ -7924,7 +7550,7 @@
     </p:spTree>
     <p:extLst>
       <p:ext uri="{BB962C8B-B14F-4D97-AF65-F5344CB8AC3E}">
-        <p14:creationId xmlns:p14="http://schemas.microsoft.com/office/powerpoint/2010/main" val="3832100270"/>
+        <p14:creationId xmlns:p14="http://schemas.microsoft.com/office/powerpoint/2010/main" val="3780947865"/>
       </p:ext>
     </p:extLst>
   </p:cSld>
@@ -7987,7 +7613,7 @@
                 <a:latin typeface="+mj-lt"/>
                 <a:cs typeface="Arial" panose="020B0604020202020204" pitchFamily="34" charset="0"/>
               </a:rPr>
-              <a:t>CÁC KỸ THUẬT TIẾT KIỆM BỘ NHỚ GPU</a:t>
+              <a:t>MỞ RỘNG ĐỘ PHÂN GIẢI</a:t>
             </a:r>
             <a:endParaRPr lang="ko-KR" altLang="en-US" sz="2400" b="1" dirty="0">
               <a:solidFill>
@@ -8163,7 +7789,7 @@
     </p:spTree>
     <p:extLst>
       <p:ext uri="{BB962C8B-B14F-4D97-AF65-F5344CB8AC3E}">
-        <p14:creationId xmlns:p14="http://schemas.microsoft.com/office/powerpoint/2010/main" val="2627091"/>
+        <p14:creationId xmlns:p14="http://schemas.microsoft.com/office/powerpoint/2010/main" val="3004168505"/>
       </p:ext>
     </p:extLst>
   </p:cSld>
@@ -8195,7 +7821,7 @@
           <p:cNvPr id="2" name="TextBox 1">
             <a:extLst>
               <a:ext uri="{FF2B5EF4-FFF2-40B4-BE49-F238E27FC236}">
-                <a16:creationId xmlns:a16="http://schemas.microsoft.com/office/drawing/2014/main" id="{D142F346-FC6A-493B-995E-DB2FC357CBE3}"/>
+                <a16:creationId xmlns:a16="http://schemas.microsoft.com/office/drawing/2014/main" id="{4ECC80F9-88DA-415C-B69B-55F6C7756629}"/>
               </a:ext>
             </a:extLst>
           </p:cNvPr>
@@ -8204,8 +7830,8 @@
         </p:nvSpPr>
         <p:spPr>
           <a:xfrm>
-            <a:off x="3708400" y="2759168"/>
-            <a:ext cx="4775200" cy="1200329"/>
+            <a:off x="578715" y="482981"/>
+            <a:ext cx="5317883" cy="461665"/>
           </a:xfrm>
           <a:prstGeom prst="rect">
             <a:avLst/>
@@ -8218,53 +7844,155 @@
           </a:bodyPr>
           <a:lstStyle/>
           <a:p>
-            <a:pPr algn="ctr"/>
-            <a:r>
-              <a:rPr lang="en-US" altLang="ko-KR" sz="3600" b="1">
-                <a:solidFill>
-                  <a:srgbClr val="1F2025"/>
-                </a:solidFill>
-                <a:latin typeface="+mj-lt"/>
+            <a:r>
+              <a:rPr lang="en-US" altLang="ko-KR" sz="2400" b="1">
+                <a:solidFill>
+                  <a:srgbClr val="1F2025"/>
+                </a:solidFill>
                 <a:cs typeface="Arial" panose="020B0604020202020204" pitchFamily="34" charset="0"/>
               </a:rPr>
-              <a:t>V</a:t>
-            </a:r>
-            <a:r>
-              <a:rPr lang="vi-VN" altLang="ko-KR" sz="3600" b="1">
-                <a:solidFill>
-                  <a:srgbClr val="1F2025"/>
-                </a:solidFill>
-                <a:latin typeface="+mj-lt"/>
-                <a:cs typeface="Arial" panose="020B0604020202020204" pitchFamily="34" charset="0"/>
-              </a:rPr>
-              <a:t>. </a:t>
-            </a:r>
-            <a:r>
-              <a:rPr lang="en-US" altLang="ko-KR" sz="3600" b="1">
-                <a:solidFill>
-                  <a:srgbClr val="1F2025"/>
-                </a:solidFill>
-                <a:latin typeface="+mj-lt"/>
-                <a:cs typeface="Arial" panose="020B0604020202020204" pitchFamily="34" charset="0"/>
-              </a:rPr>
-              <a:t>MỘT SỐ KẾT QUẢ ĐÁNH GIÁ</a:t>
-            </a:r>
-            <a:endParaRPr lang="ko-KR" altLang="en-US" sz="3600" b="1" dirty="0">
+              <a:t>TIỀN HUẤN LUYỆN TỰ GIÁM SÁT</a:t>
+            </a:r>
+            <a:endParaRPr lang="ko-KR" altLang="en-US" sz="2400" b="1" dirty="0">
               <a:solidFill>
                 <a:srgbClr val="1F2025"/>
               </a:solidFill>
-              <a:latin typeface="+mj-lt"/>
               <a:cs typeface="Arial" panose="020B0604020202020204" pitchFamily="34" charset="0"/>
             </a:endParaRPr>
+          </a:p>
+        </p:txBody>
+      </p:sp>
+      <p:sp>
+        <p:nvSpPr>
+          <p:cNvPr id="3" name="TextBox 2">
+            <a:extLst>
+              <a:ext uri="{FF2B5EF4-FFF2-40B4-BE49-F238E27FC236}">
+                <a16:creationId xmlns:a16="http://schemas.microsoft.com/office/drawing/2014/main" id="{4A5778BD-E06C-4169-AA97-F60816239A15}"/>
+              </a:ext>
+            </a:extLst>
+          </p:cNvPr>
+          <p:cNvSpPr txBox="1"/>
+          <p:nvPr/>
+        </p:nvSpPr>
+        <p:spPr>
+          <a:xfrm>
+            <a:off x="920547" y="2233280"/>
+            <a:ext cx="4677820" cy="923330"/>
+          </a:xfrm>
+          <a:prstGeom prst="rect">
+            <a:avLst/>
+          </a:prstGeom>
+          <a:noFill/>
+        </p:spPr>
+        <p:txBody>
+          <a:bodyPr wrap="square" rtlCol="0">
+            <a:spAutoFit/>
+          </a:bodyPr>
+          <a:lstStyle>
+            <a:defPPr>
+              <a:defRPr lang="ko-KR"/>
+            </a:defPPr>
+            <a:lvl1pPr>
+              <a:defRPr sz="1100">
+                <a:solidFill>
+                  <a:schemeClr val="tx1">
+                    <a:lumMod val="75000"/>
+                    <a:lumOff val="25000"/>
+                  </a:schemeClr>
+                </a:solidFill>
+              </a:defRPr>
+            </a:lvl1pPr>
+          </a:lstStyle>
+          <a:p>
+            <a:pPr marL="285750" indent="-285750">
+              <a:buFontTx/>
+              <a:buChar char="-"/>
+            </a:pPr>
+            <a:r>
+              <a:rPr lang="en-US" altLang="ko-KR" sz="1800">
+                <a:solidFill>
+                  <a:srgbClr val="1F2025"/>
+                </a:solidFill>
+              </a:rPr>
+              <a:t>Continuous relative position bias</a:t>
+            </a:r>
+          </a:p>
+          <a:p>
+            <a:pPr marL="285750" indent="-285750">
+              <a:buFontTx/>
+              <a:buChar char="-"/>
+            </a:pPr>
+            <a:r>
+              <a:rPr lang="en-US" altLang="ko-KR" sz="1800">
+                <a:solidFill>
+                  <a:srgbClr val="1F2025"/>
+                </a:solidFill>
+              </a:rPr>
+              <a:t>Log-spaced coordinates</a:t>
+            </a:r>
+          </a:p>
+          <a:p>
+            <a:pPr marL="285750" indent="-285750">
+              <a:buFontTx/>
+              <a:buChar char="-"/>
+            </a:pPr>
+            <a:endParaRPr lang="en-US" altLang="ko-KR" sz="1800" dirty="0">
+              <a:solidFill>
+                <a:srgbClr val="1F2025"/>
+              </a:solidFill>
+            </a:endParaRPr>
+          </a:p>
+        </p:txBody>
+      </p:sp>
+      <p:sp>
+        <p:nvSpPr>
+          <p:cNvPr id="16" name="직사각형 15">
+            <a:extLst>
+              <a:ext uri="{FF2B5EF4-FFF2-40B4-BE49-F238E27FC236}">
+                <a16:creationId xmlns:a16="http://schemas.microsoft.com/office/drawing/2014/main" id="{B73FE535-94A1-4E5D-B190-1D99674EF915}"/>
+              </a:ext>
+            </a:extLst>
+          </p:cNvPr>
+          <p:cNvSpPr/>
+          <p:nvPr/>
+        </p:nvSpPr>
+        <p:spPr>
+          <a:xfrm>
+            <a:off x="0" y="6206532"/>
+            <a:ext cx="12192000" cy="651468"/>
+          </a:xfrm>
+          <a:prstGeom prst="rect">
+            <a:avLst/>
+          </a:prstGeom>
+          <a:solidFill>
+            <a:srgbClr val="1F2025"/>
+          </a:solidFill>
+          <a:ln w="9525" cap="flat">
+            <a:noFill/>
+            <a:prstDash val="solid"/>
+            <a:miter/>
+          </a:ln>
+        </p:spPr>
+        <p:txBody>
+          <a:bodyPr rot="0" spcFirstLastPara="0" vertOverflow="overflow" horzOverflow="overflow" vert="horz" wrap="square" lIns="91440" tIns="45720" rIns="91440" bIns="45720" numCol="1" spcCol="0" rtlCol="0" fromWordArt="0" anchor="ctr" anchorCtr="0" forceAA="0" compatLnSpc="1">
+            <a:prstTxWarp prst="textNoShape">
+              <a:avLst/>
+            </a:prstTxWarp>
+            <a:noAutofit/>
+          </a:bodyPr>
+          <a:lstStyle/>
+          <a:p>
+            <a:pPr algn="l"/>
+            <a:endParaRPr lang="ko-KR" altLang="en-US"/>
           </a:p>
         </p:txBody>
       </p:sp>
       <p:pic>
         <p:nvPicPr>
-          <p:cNvPr id="7" name="그래픽 6">
-            <a:extLst>
-              <a:ext uri="{FF2B5EF4-FFF2-40B4-BE49-F238E27FC236}">
-                <a16:creationId xmlns:a16="http://schemas.microsoft.com/office/drawing/2014/main" id="{174595B1-92CE-44ED-97FE-F6A897FE48EF}"/>
+          <p:cNvPr id="17" name="그래픽 16">
+            <a:extLst>
+              <a:ext uri="{FF2B5EF4-FFF2-40B4-BE49-F238E27FC236}">
+                <a16:creationId xmlns:a16="http://schemas.microsoft.com/office/drawing/2014/main" id="{7A988829-597B-495C-9112-A39D40EF9F77}"/>
               </a:ext>
             </a:extLst>
           </p:cNvPr>
@@ -8287,8 +8015,8 @@
         </p:blipFill>
         <p:spPr>
           <a:xfrm>
-            <a:off x="272402" y="217015"/>
-            <a:ext cx="834391" cy="488942"/>
+            <a:off x="11222584" y="6348701"/>
+            <a:ext cx="626516" cy="367130"/>
           </a:xfrm>
           <a:prstGeom prst="rect">
             <a:avLst/>
@@ -8298,7 +8026,7 @@
     </p:spTree>
     <p:extLst>
       <p:ext uri="{BB962C8B-B14F-4D97-AF65-F5344CB8AC3E}">
-        <p14:creationId xmlns:p14="http://schemas.microsoft.com/office/powerpoint/2010/main" val="2539731867"/>
+        <p14:creationId xmlns:p14="http://schemas.microsoft.com/office/powerpoint/2010/main" val="3832100270"/>
       </p:ext>
     </p:extLst>
   </p:cSld>
@@ -8330,6 +8058,380 @@
           <p:cNvPr id="2" name="TextBox 1">
             <a:extLst>
               <a:ext uri="{FF2B5EF4-FFF2-40B4-BE49-F238E27FC236}">
+                <a16:creationId xmlns:a16="http://schemas.microsoft.com/office/drawing/2014/main" id="{4ECC80F9-88DA-415C-B69B-55F6C7756629}"/>
+              </a:ext>
+            </a:extLst>
+          </p:cNvPr>
+          <p:cNvSpPr txBox="1"/>
+          <p:nvPr/>
+        </p:nvSpPr>
+        <p:spPr>
+          <a:xfrm>
+            <a:off x="578715" y="482981"/>
+            <a:ext cx="5317883" cy="461665"/>
+          </a:xfrm>
+          <a:prstGeom prst="rect">
+            <a:avLst/>
+          </a:prstGeom>
+          <a:noFill/>
+        </p:spPr>
+        <p:txBody>
+          <a:bodyPr wrap="square" rtlCol="0">
+            <a:spAutoFit/>
+          </a:bodyPr>
+          <a:lstStyle/>
+          <a:p>
+            <a:r>
+              <a:rPr lang="en-US" altLang="ko-KR" sz="2400" b="1">
+                <a:solidFill>
+                  <a:srgbClr val="1F2025"/>
+                </a:solidFill>
+                <a:latin typeface="+mj-lt"/>
+                <a:cs typeface="Arial" panose="020B0604020202020204" pitchFamily="34" charset="0"/>
+              </a:rPr>
+              <a:t>CÁC KỸ THUẬT TIẾT KIỆM BỘ NHỚ GPU</a:t>
+            </a:r>
+            <a:endParaRPr lang="ko-KR" altLang="en-US" sz="2400" b="1" dirty="0">
+              <a:solidFill>
+                <a:srgbClr val="1F2025"/>
+              </a:solidFill>
+              <a:latin typeface="+mj-lt"/>
+              <a:cs typeface="Arial" panose="020B0604020202020204" pitchFamily="34" charset="0"/>
+            </a:endParaRPr>
+          </a:p>
+        </p:txBody>
+      </p:sp>
+      <p:sp>
+        <p:nvSpPr>
+          <p:cNvPr id="3" name="TextBox 2">
+            <a:extLst>
+              <a:ext uri="{FF2B5EF4-FFF2-40B4-BE49-F238E27FC236}">
+                <a16:creationId xmlns:a16="http://schemas.microsoft.com/office/drawing/2014/main" id="{4A5778BD-E06C-4169-AA97-F60816239A15}"/>
+              </a:ext>
+            </a:extLst>
+          </p:cNvPr>
+          <p:cNvSpPr txBox="1"/>
+          <p:nvPr/>
+        </p:nvSpPr>
+        <p:spPr>
+          <a:xfrm>
+            <a:off x="920547" y="2233280"/>
+            <a:ext cx="4677820" cy="923330"/>
+          </a:xfrm>
+          <a:prstGeom prst="rect">
+            <a:avLst/>
+          </a:prstGeom>
+          <a:noFill/>
+        </p:spPr>
+        <p:txBody>
+          <a:bodyPr wrap="square" rtlCol="0">
+            <a:spAutoFit/>
+          </a:bodyPr>
+          <a:lstStyle>
+            <a:defPPr>
+              <a:defRPr lang="ko-KR"/>
+            </a:defPPr>
+            <a:lvl1pPr>
+              <a:defRPr sz="1100">
+                <a:solidFill>
+                  <a:schemeClr val="tx1">
+                    <a:lumMod val="75000"/>
+                    <a:lumOff val="25000"/>
+                  </a:schemeClr>
+                </a:solidFill>
+              </a:defRPr>
+            </a:lvl1pPr>
+          </a:lstStyle>
+          <a:p>
+            <a:pPr marL="285750" indent="-285750">
+              <a:buFontTx/>
+              <a:buChar char="-"/>
+            </a:pPr>
+            <a:r>
+              <a:rPr lang="en-US" altLang="ko-KR" sz="1800">
+                <a:solidFill>
+                  <a:srgbClr val="1F2025"/>
+                </a:solidFill>
+              </a:rPr>
+              <a:t>Continuous relative position bias</a:t>
+            </a:r>
+          </a:p>
+          <a:p>
+            <a:pPr marL="285750" indent="-285750">
+              <a:buFontTx/>
+              <a:buChar char="-"/>
+            </a:pPr>
+            <a:r>
+              <a:rPr lang="en-US" altLang="ko-KR" sz="1800">
+                <a:solidFill>
+                  <a:srgbClr val="1F2025"/>
+                </a:solidFill>
+              </a:rPr>
+              <a:t>Log-spaced coordinates</a:t>
+            </a:r>
+          </a:p>
+          <a:p>
+            <a:pPr marL="285750" indent="-285750">
+              <a:buFontTx/>
+              <a:buChar char="-"/>
+            </a:pPr>
+            <a:endParaRPr lang="en-US" altLang="ko-KR" sz="1800" dirty="0">
+              <a:solidFill>
+                <a:srgbClr val="1F2025"/>
+              </a:solidFill>
+            </a:endParaRPr>
+          </a:p>
+        </p:txBody>
+      </p:sp>
+      <p:sp>
+        <p:nvSpPr>
+          <p:cNvPr id="16" name="직사각형 15">
+            <a:extLst>
+              <a:ext uri="{FF2B5EF4-FFF2-40B4-BE49-F238E27FC236}">
+                <a16:creationId xmlns:a16="http://schemas.microsoft.com/office/drawing/2014/main" id="{B73FE535-94A1-4E5D-B190-1D99674EF915}"/>
+              </a:ext>
+            </a:extLst>
+          </p:cNvPr>
+          <p:cNvSpPr/>
+          <p:nvPr/>
+        </p:nvSpPr>
+        <p:spPr>
+          <a:xfrm>
+            <a:off x="0" y="6206532"/>
+            <a:ext cx="12192000" cy="651468"/>
+          </a:xfrm>
+          <a:prstGeom prst="rect">
+            <a:avLst/>
+          </a:prstGeom>
+          <a:solidFill>
+            <a:srgbClr val="1F2025"/>
+          </a:solidFill>
+          <a:ln w="9525" cap="flat">
+            <a:noFill/>
+            <a:prstDash val="solid"/>
+            <a:miter/>
+          </a:ln>
+        </p:spPr>
+        <p:txBody>
+          <a:bodyPr rot="0" spcFirstLastPara="0" vertOverflow="overflow" horzOverflow="overflow" vert="horz" wrap="square" lIns="91440" tIns="45720" rIns="91440" bIns="45720" numCol="1" spcCol="0" rtlCol="0" fromWordArt="0" anchor="ctr" anchorCtr="0" forceAA="0" compatLnSpc="1">
+            <a:prstTxWarp prst="textNoShape">
+              <a:avLst/>
+            </a:prstTxWarp>
+            <a:noAutofit/>
+          </a:bodyPr>
+          <a:lstStyle/>
+          <a:p>
+            <a:pPr algn="l"/>
+            <a:endParaRPr lang="ko-KR" altLang="en-US"/>
+          </a:p>
+        </p:txBody>
+      </p:sp>
+      <p:pic>
+        <p:nvPicPr>
+          <p:cNvPr id="17" name="그래픽 16">
+            <a:extLst>
+              <a:ext uri="{FF2B5EF4-FFF2-40B4-BE49-F238E27FC236}">
+                <a16:creationId xmlns:a16="http://schemas.microsoft.com/office/drawing/2014/main" id="{7A988829-597B-495C-9112-A39D40EF9F77}"/>
+              </a:ext>
+            </a:extLst>
+          </p:cNvPr>
+          <p:cNvPicPr>
+            <a:picLocks noChangeAspect="1"/>
+          </p:cNvPicPr>
+          <p:nvPr/>
+        </p:nvPicPr>
+        <p:blipFill>
+          <a:blip r:embed="rId2">
+            <a:extLst>
+              <a:ext uri="{96DAC541-7B7A-43D3-8B79-37D633B846F1}">
+                <asvg:svgBlip xmlns:asvg="http://schemas.microsoft.com/office/drawing/2016/SVG/main" r:embed="rId3"/>
+              </a:ext>
+            </a:extLst>
+          </a:blip>
+          <a:stretch>
+            <a:fillRect/>
+          </a:stretch>
+        </p:blipFill>
+        <p:spPr>
+          <a:xfrm>
+            <a:off x="11222584" y="6348701"/>
+            <a:ext cx="626516" cy="367130"/>
+          </a:xfrm>
+          <a:prstGeom prst="rect">
+            <a:avLst/>
+          </a:prstGeom>
+        </p:spPr>
+      </p:pic>
+    </p:spTree>
+    <p:extLst>
+      <p:ext uri="{BB962C8B-B14F-4D97-AF65-F5344CB8AC3E}">
+        <p14:creationId xmlns:p14="http://schemas.microsoft.com/office/powerpoint/2010/main" val="2627091"/>
+      </p:ext>
+    </p:extLst>
+  </p:cSld>
+  <p:clrMapOvr>
+    <a:masterClrMapping/>
+  </p:clrMapOvr>
+</p:sld>
+</file>
+
+<file path=ppt/slides/slide24.xml><?xml version="1.0" encoding="utf-8"?>
+<p:sld xmlns:a="http://schemas.openxmlformats.org/drawingml/2006/main" xmlns:r="http://schemas.openxmlformats.org/officeDocument/2006/relationships" xmlns:p="http://schemas.openxmlformats.org/presentationml/2006/main">
+  <p:cSld>
+    <p:spTree>
+      <p:nvGrpSpPr>
+        <p:cNvPr id="1" name=""/>
+        <p:cNvGrpSpPr/>
+        <p:nvPr/>
+      </p:nvGrpSpPr>
+      <p:grpSpPr>
+        <a:xfrm>
+          <a:off x="0" y="0"/>
+          <a:ext cx="0" cy="0"/>
+          <a:chOff x="0" y="0"/>
+          <a:chExt cx="0" cy="0"/>
+        </a:xfrm>
+      </p:grpSpPr>
+      <p:sp>
+        <p:nvSpPr>
+          <p:cNvPr id="2" name="TextBox 1">
+            <a:extLst>
+              <a:ext uri="{FF2B5EF4-FFF2-40B4-BE49-F238E27FC236}">
+                <a16:creationId xmlns:a16="http://schemas.microsoft.com/office/drawing/2014/main" id="{D142F346-FC6A-493B-995E-DB2FC357CBE3}"/>
+              </a:ext>
+            </a:extLst>
+          </p:cNvPr>
+          <p:cNvSpPr txBox="1"/>
+          <p:nvPr/>
+        </p:nvSpPr>
+        <p:spPr>
+          <a:xfrm>
+            <a:off x="3708400" y="2759168"/>
+            <a:ext cx="4775200" cy="1200329"/>
+          </a:xfrm>
+          <a:prstGeom prst="rect">
+            <a:avLst/>
+          </a:prstGeom>
+          <a:noFill/>
+        </p:spPr>
+        <p:txBody>
+          <a:bodyPr wrap="square" rtlCol="0">
+            <a:spAutoFit/>
+          </a:bodyPr>
+          <a:lstStyle/>
+          <a:p>
+            <a:pPr algn="ctr"/>
+            <a:r>
+              <a:rPr lang="en-US" altLang="ko-KR" sz="3600" b="1">
+                <a:solidFill>
+                  <a:srgbClr val="1F2025"/>
+                </a:solidFill>
+                <a:latin typeface="+mj-lt"/>
+                <a:cs typeface="Arial" panose="020B0604020202020204" pitchFamily="34" charset="0"/>
+              </a:rPr>
+              <a:t>V</a:t>
+            </a:r>
+            <a:r>
+              <a:rPr lang="vi-VN" altLang="ko-KR" sz="3600" b="1">
+                <a:solidFill>
+                  <a:srgbClr val="1F2025"/>
+                </a:solidFill>
+                <a:latin typeface="+mj-lt"/>
+                <a:cs typeface="Arial" panose="020B0604020202020204" pitchFamily="34" charset="0"/>
+              </a:rPr>
+              <a:t>. </a:t>
+            </a:r>
+            <a:r>
+              <a:rPr lang="en-US" altLang="ko-KR" sz="3600" b="1">
+                <a:solidFill>
+                  <a:srgbClr val="1F2025"/>
+                </a:solidFill>
+                <a:latin typeface="+mj-lt"/>
+                <a:cs typeface="Arial" panose="020B0604020202020204" pitchFamily="34" charset="0"/>
+              </a:rPr>
+              <a:t>MỘT SỐ KẾT QUẢ ĐÁNH GIÁ</a:t>
+            </a:r>
+            <a:endParaRPr lang="ko-KR" altLang="en-US" sz="3600" b="1" dirty="0">
+              <a:solidFill>
+                <a:srgbClr val="1F2025"/>
+              </a:solidFill>
+              <a:latin typeface="+mj-lt"/>
+              <a:cs typeface="Arial" panose="020B0604020202020204" pitchFamily="34" charset="0"/>
+            </a:endParaRPr>
+          </a:p>
+        </p:txBody>
+      </p:sp>
+      <p:pic>
+        <p:nvPicPr>
+          <p:cNvPr id="7" name="그래픽 6">
+            <a:extLst>
+              <a:ext uri="{FF2B5EF4-FFF2-40B4-BE49-F238E27FC236}">
+                <a16:creationId xmlns:a16="http://schemas.microsoft.com/office/drawing/2014/main" id="{174595B1-92CE-44ED-97FE-F6A897FE48EF}"/>
+              </a:ext>
+            </a:extLst>
+          </p:cNvPr>
+          <p:cNvPicPr>
+            <a:picLocks noChangeAspect="1"/>
+          </p:cNvPicPr>
+          <p:nvPr/>
+        </p:nvPicPr>
+        <p:blipFill>
+          <a:blip r:embed="rId2">
+            <a:extLst>
+              <a:ext uri="{96DAC541-7B7A-43D3-8B79-37D633B846F1}">
+                <asvg:svgBlip xmlns:asvg="http://schemas.microsoft.com/office/drawing/2016/SVG/main" r:embed="rId3"/>
+              </a:ext>
+            </a:extLst>
+          </a:blip>
+          <a:stretch>
+            <a:fillRect/>
+          </a:stretch>
+        </p:blipFill>
+        <p:spPr>
+          <a:xfrm>
+            <a:off x="272402" y="217015"/>
+            <a:ext cx="834391" cy="488942"/>
+          </a:xfrm>
+          <a:prstGeom prst="rect">
+            <a:avLst/>
+          </a:prstGeom>
+        </p:spPr>
+      </p:pic>
+    </p:spTree>
+    <p:extLst>
+      <p:ext uri="{BB962C8B-B14F-4D97-AF65-F5344CB8AC3E}">
+        <p14:creationId xmlns:p14="http://schemas.microsoft.com/office/powerpoint/2010/main" val="2539731867"/>
+      </p:ext>
+    </p:extLst>
+  </p:cSld>
+  <p:clrMapOvr>
+    <a:masterClrMapping/>
+  </p:clrMapOvr>
+</p:sld>
+</file>
+
+<file path=ppt/slides/slide25.xml><?xml version="1.0" encoding="utf-8"?>
+<p:sld xmlns:a="http://schemas.openxmlformats.org/drawingml/2006/main" xmlns:r="http://schemas.openxmlformats.org/officeDocument/2006/relationships" xmlns:p="http://schemas.openxmlformats.org/presentationml/2006/main">
+  <p:cSld>
+    <p:spTree>
+      <p:nvGrpSpPr>
+        <p:cNvPr id="1" name=""/>
+        <p:cNvGrpSpPr/>
+        <p:nvPr/>
+      </p:nvGrpSpPr>
+      <p:grpSpPr>
+        <a:xfrm>
+          <a:off x="0" y="0"/>
+          <a:ext cx="0" cy="0"/>
+          <a:chOff x="0" y="0"/>
+          <a:chExt cx="0" cy="0"/>
+        </a:xfrm>
+      </p:grpSpPr>
+      <p:sp>
+        <p:nvSpPr>
+          <p:cNvPr id="2" name="TextBox 1">
+            <a:extLst>
+              <a:ext uri="{FF2B5EF4-FFF2-40B4-BE49-F238E27FC236}">
                 <a16:creationId xmlns:a16="http://schemas.microsoft.com/office/drawing/2014/main" id="{D142F346-FC6A-493B-995E-DB2FC357CBE3}"/>
               </a:ext>
             </a:extLst>
@@ -8443,7 +8545,7 @@
 </p:sld>
 </file>
 
-<file path=ppt/slides/slide24.xml><?xml version="1.0" encoding="utf-8"?>
+<file path=ppt/slides/slide26.xml><?xml version="1.0" encoding="utf-8"?>
 <p:sld xmlns:a="http://schemas.openxmlformats.org/drawingml/2006/main" xmlns:r="http://schemas.openxmlformats.org/officeDocument/2006/relationships" xmlns:p="http://schemas.openxmlformats.org/presentationml/2006/main" showMasterSp="0">
   <p:cSld>
     <p:spTree>
@@ -9426,8 +9528,8 @@
         </p:nvSpPr>
         <p:spPr>
           <a:xfrm>
-            <a:off x="920547" y="2233280"/>
-            <a:ext cx="3765749" cy="923330"/>
+            <a:off x="920547" y="1782147"/>
+            <a:ext cx="4575184" cy="2585323"/>
           </a:xfrm>
           <a:prstGeom prst="rect">
             <a:avLst/>
@@ -9454,27 +9556,77 @@
             </a:lvl1pPr>
           </a:lstStyle>
           <a:p>
+            <a:pPr marL="285750" indent="-285750">
+              <a:buFontTx/>
+              <a:buChar char="-"/>
+            </a:pPr>
+            <a:r>
+              <a:rPr lang="en-US" altLang="ko-KR" sz="1800">
+                <a:solidFill>
+                  <a:srgbClr val="1F2025"/>
+                </a:solidFill>
+                <a:latin typeface="Calibri" panose="020F0502020204030204" pitchFamily="34" charset="0"/>
+                <a:cs typeface="Calibri" panose="020F0502020204030204" pitchFamily="34" charset="0"/>
+              </a:rPr>
+              <a:t>Ra </a:t>
+            </a:r>
+            <a:r>
+              <a:rPr lang="en-US" altLang="ko-KR" sz="1800" dirty="0" err="1">
+                <a:solidFill>
+                  <a:srgbClr val="1F2025"/>
+                </a:solidFill>
+                <a:latin typeface="Calibri" panose="020F0502020204030204" pitchFamily="34" charset="0"/>
+                <a:cs typeface="Calibri" panose="020F0502020204030204" pitchFamily="34" charset="0"/>
+              </a:rPr>
+              <a:t>mắt</a:t>
+            </a:r>
             <a:r>
               <a:rPr lang="en-US" altLang="ko-KR" sz="1800" dirty="0">
                 <a:solidFill>
                   <a:srgbClr val="1F2025"/>
                 </a:solidFill>
-              </a:rPr>
-              <a:t>Ra </a:t>
+                <a:latin typeface="Calibri" panose="020F0502020204030204" pitchFamily="34" charset="0"/>
+                <a:cs typeface="Calibri" panose="020F0502020204030204" pitchFamily="34" charset="0"/>
+              </a:rPr>
+              <a:t> </a:t>
             </a:r>
             <a:r>
               <a:rPr lang="en-US" altLang="ko-KR" sz="1800" dirty="0" err="1">
                 <a:solidFill>
                   <a:srgbClr val="1F2025"/>
                 </a:solidFill>
-              </a:rPr>
-              <a:t>mắt</a:t>
+                <a:latin typeface="Calibri" panose="020F0502020204030204" pitchFamily="34" charset="0"/>
+                <a:cs typeface="Calibri" panose="020F0502020204030204" pitchFamily="34" charset="0"/>
+              </a:rPr>
+              <a:t>năm</a:t>
             </a:r>
             <a:r>
               <a:rPr lang="en-US" altLang="ko-KR" sz="1800" dirty="0">
                 <a:solidFill>
                   <a:srgbClr val="1F2025"/>
                 </a:solidFill>
+                <a:latin typeface="Calibri" panose="020F0502020204030204" pitchFamily="34" charset="0"/>
+                <a:cs typeface="Calibri" panose="020F0502020204030204" pitchFamily="34" charset="0"/>
+              </a:rPr>
+              <a:t> 2017, ban </a:t>
+            </a:r>
+            <a:r>
+              <a:rPr lang="en-US" altLang="ko-KR" sz="1800" dirty="0" err="1">
+                <a:solidFill>
+                  <a:srgbClr val="1F2025"/>
+                </a:solidFill>
+                <a:latin typeface="Calibri" panose="020F0502020204030204" pitchFamily="34" charset="0"/>
+                <a:cs typeface="Calibri" panose="020F0502020204030204" pitchFamily="34" charset="0"/>
+              </a:rPr>
+              <a:t>đầu</a:t>
+            </a:r>
+            <a:r>
+              <a:rPr lang="en-US" altLang="ko-KR" sz="1800" dirty="0">
+                <a:solidFill>
+                  <a:srgbClr val="1F2025"/>
+                </a:solidFill>
+                <a:latin typeface="Calibri" panose="020F0502020204030204" pitchFamily="34" charset="0"/>
+                <a:cs typeface="Calibri" panose="020F0502020204030204" pitchFamily="34" charset="0"/>
               </a:rPr>
               <a:t> </a:t>
             </a:r>
@@ -9483,30 +9635,38 @@
                 <a:solidFill>
                   <a:srgbClr val="1F2025"/>
                 </a:solidFill>
-              </a:rPr>
-              <a:t>năm</a:t>
+                <a:latin typeface="Calibri" panose="020F0502020204030204" pitchFamily="34" charset="0"/>
+                <a:cs typeface="Calibri" panose="020F0502020204030204" pitchFamily="34" charset="0"/>
+              </a:rPr>
+              <a:t>sử</a:t>
             </a:r>
             <a:r>
               <a:rPr lang="en-US" altLang="ko-KR" sz="1800" dirty="0">
                 <a:solidFill>
                   <a:srgbClr val="1F2025"/>
                 </a:solidFill>
-              </a:rPr>
-              <a:t> 2017, ban </a:t>
+                <a:latin typeface="Calibri" panose="020F0502020204030204" pitchFamily="34" charset="0"/>
+                <a:cs typeface="Calibri" panose="020F0502020204030204" pitchFamily="34" charset="0"/>
+              </a:rPr>
+              <a:t> </a:t>
             </a:r>
             <a:r>
               <a:rPr lang="en-US" altLang="ko-KR" sz="1800" dirty="0" err="1">
                 <a:solidFill>
                   <a:srgbClr val="1F2025"/>
                 </a:solidFill>
-              </a:rPr>
-              <a:t>đầu</a:t>
+                <a:latin typeface="Calibri" panose="020F0502020204030204" pitchFamily="34" charset="0"/>
+                <a:cs typeface="Calibri" panose="020F0502020204030204" pitchFamily="34" charset="0"/>
+              </a:rPr>
+              <a:t>dụng</a:t>
             </a:r>
             <a:r>
               <a:rPr lang="en-US" altLang="ko-KR" sz="1800" dirty="0">
                 <a:solidFill>
                   <a:srgbClr val="1F2025"/>
                 </a:solidFill>
+                <a:latin typeface="Calibri" panose="020F0502020204030204" pitchFamily="34" charset="0"/>
+                <a:cs typeface="Calibri" panose="020F0502020204030204" pitchFamily="34" charset="0"/>
               </a:rPr>
               <a:t> </a:t>
             </a:r>
@@ -9515,14 +9675,18 @@
                 <a:solidFill>
                   <a:srgbClr val="1F2025"/>
                 </a:solidFill>
-              </a:rPr>
-              <a:t>sử</a:t>
+                <a:latin typeface="Calibri" panose="020F0502020204030204" pitchFamily="34" charset="0"/>
+                <a:cs typeface="Calibri" panose="020F0502020204030204" pitchFamily="34" charset="0"/>
+              </a:rPr>
+              <a:t>cho</a:t>
             </a:r>
             <a:r>
               <a:rPr lang="en-US" altLang="ko-KR" sz="1800" dirty="0">
                 <a:solidFill>
                   <a:srgbClr val="1F2025"/>
                 </a:solidFill>
+                <a:latin typeface="Calibri" panose="020F0502020204030204" pitchFamily="34" charset="0"/>
+                <a:cs typeface="Calibri" panose="020F0502020204030204" pitchFamily="34" charset="0"/>
               </a:rPr>
               <a:t> </a:t>
             </a:r>
@@ -9531,14 +9695,18 @@
                 <a:solidFill>
                   <a:srgbClr val="1F2025"/>
                 </a:solidFill>
-              </a:rPr>
-              <a:t>dụng</a:t>
+                <a:latin typeface="Calibri" panose="020F0502020204030204" pitchFamily="34" charset="0"/>
+                <a:cs typeface="Calibri" panose="020F0502020204030204" pitchFamily="34" charset="0"/>
+              </a:rPr>
+              <a:t>xử</a:t>
             </a:r>
             <a:r>
               <a:rPr lang="en-US" altLang="ko-KR" sz="1800" dirty="0">
                 <a:solidFill>
                   <a:srgbClr val="1F2025"/>
                 </a:solidFill>
+                <a:latin typeface="Calibri" panose="020F0502020204030204" pitchFamily="34" charset="0"/>
+                <a:cs typeface="Calibri" panose="020F0502020204030204" pitchFamily="34" charset="0"/>
               </a:rPr>
               <a:t> </a:t>
             </a:r>
@@ -9547,14 +9715,18 @@
                 <a:solidFill>
                   <a:srgbClr val="1F2025"/>
                 </a:solidFill>
-              </a:rPr>
-              <a:t>cho</a:t>
+                <a:latin typeface="Calibri" panose="020F0502020204030204" pitchFamily="34" charset="0"/>
+                <a:cs typeface="Calibri" panose="020F0502020204030204" pitchFamily="34" charset="0"/>
+              </a:rPr>
+              <a:t>lý</a:t>
             </a:r>
             <a:r>
               <a:rPr lang="en-US" altLang="ko-KR" sz="1800" dirty="0">
                 <a:solidFill>
                   <a:srgbClr val="1F2025"/>
                 </a:solidFill>
+                <a:latin typeface="Calibri" panose="020F0502020204030204" pitchFamily="34" charset="0"/>
+                <a:cs typeface="Calibri" panose="020F0502020204030204" pitchFamily="34" charset="0"/>
               </a:rPr>
               <a:t> </a:t>
             </a:r>
@@ -9563,14 +9735,18 @@
                 <a:solidFill>
                   <a:srgbClr val="1F2025"/>
                 </a:solidFill>
-              </a:rPr>
-              <a:t>xử</a:t>
+                <a:latin typeface="Calibri" panose="020F0502020204030204" pitchFamily="34" charset="0"/>
+                <a:cs typeface="Calibri" panose="020F0502020204030204" pitchFamily="34" charset="0"/>
+              </a:rPr>
+              <a:t>ngôn</a:t>
             </a:r>
             <a:r>
               <a:rPr lang="en-US" altLang="ko-KR" sz="1800" dirty="0">
                 <a:solidFill>
                   <a:srgbClr val="1F2025"/>
                 </a:solidFill>
+                <a:latin typeface="Calibri" panose="020F0502020204030204" pitchFamily="34" charset="0"/>
+                <a:cs typeface="Calibri" panose="020F0502020204030204" pitchFamily="34" charset="0"/>
               </a:rPr>
               <a:t> </a:t>
             </a:r>
@@ -9579,14 +9755,18 @@
                 <a:solidFill>
                   <a:srgbClr val="1F2025"/>
                 </a:solidFill>
-              </a:rPr>
-              <a:t>lý</a:t>
+                <a:latin typeface="Calibri" panose="020F0502020204030204" pitchFamily="34" charset="0"/>
+                <a:cs typeface="Calibri" panose="020F0502020204030204" pitchFamily="34" charset="0"/>
+              </a:rPr>
+              <a:t>ngữ</a:t>
             </a:r>
             <a:r>
               <a:rPr lang="en-US" altLang="ko-KR" sz="1800" dirty="0">
                 <a:solidFill>
                   <a:srgbClr val="1F2025"/>
                 </a:solidFill>
+                <a:latin typeface="Calibri" panose="020F0502020204030204" pitchFamily="34" charset="0"/>
+                <a:cs typeface="Calibri" panose="020F0502020204030204" pitchFamily="34" charset="0"/>
               </a:rPr>
               <a:t> </a:t>
             </a:r>
@@ -9595,14 +9775,18 @@
                 <a:solidFill>
                   <a:srgbClr val="1F2025"/>
                 </a:solidFill>
-              </a:rPr>
-              <a:t>ngôn</a:t>
+                <a:latin typeface="Calibri" panose="020F0502020204030204" pitchFamily="34" charset="0"/>
+                <a:cs typeface="Calibri" panose="020F0502020204030204" pitchFamily="34" charset="0"/>
+              </a:rPr>
+              <a:t>tự</a:t>
             </a:r>
             <a:r>
               <a:rPr lang="en-US" altLang="ko-KR" sz="1800" dirty="0">
                 <a:solidFill>
                   <a:srgbClr val="1F2025"/>
                 </a:solidFill>
+                <a:latin typeface="Calibri" panose="020F0502020204030204" pitchFamily="34" charset="0"/>
+                <a:cs typeface="Calibri" panose="020F0502020204030204" pitchFamily="34" charset="0"/>
               </a:rPr>
               <a:t> </a:t>
             </a:r>
@@ -9611,14 +9795,38 @@
                 <a:solidFill>
                   <a:srgbClr val="1F2025"/>
                 </a:solidFill>
-              </a:rPr>
-              <a:t>ngữ</a:t>
+                <a:latin typeface="Calibri" panose="020F0502020204030204" pitchFamily="34" charset="0"/>
+                <a:cs typeface="Calibri" panose="020F0502020204030204" pitchFamily="34" charset="0"/>
+              </a:rPr>
+              <a:t>nhiên</a:t>
             </a:r>
             <a:r>
               <a:rPr lang="en-US" altLang="ko-KR" sz="1800" dirty="0">
                 <a:solidFill>
                   <a:srgbClr val="1F2025"/>
                 </a:solidFill>
+                <a:latin typeface="Calibri" panose="020F0502020204030204" pitchFamily="34" charset="0"/>
+                <a:cs typeface="Calibri" panose="020F0502020204030204" pitchFamily="34" charset="0"/>
+              </a:rPr>
+              <a:t>, </a:t>
+            </a:r>
+            <a:r>
+              <a:rPr lang="en-US" altLang="ko-KR" sz="1800" dirty="0" err="1">
+                <a:solidFill>
+                  <a:srgbClr val="1F2025"/>
+                </a:solidFill>
+                <a:latin typeface="Calibri" panose="020F0502020204030204" pitchFamily="34" charset="0"/>
+                <a:cs typeface="Calibri" panose="020F0502020204030204" pitchFamily="34" charset="0"/>
+              </a:rPr>
+              <a:t>bài</a:t>
+            </a:r>
+            <a:r>
+              <a:rPr lang="en-US" altLang="ko-KR" sz="1800" dirty="0">
+                <a:solidFill>
+                  <a:srgbClr val="1F2025"/>
+                </a:solidFill>
+                <a:latin typeface="Calibri" panose="020F0502020204030204" pitchFamily="34" charset="0"/>
+                <a:cs typeface="Calibri" panose="020F0502020204030204" pitchFamily="34" charset="0"/>
               </a:rPr>
               <a:t> </a:t>
             </a:r>
@@ -9627,64 +9835,189 @@
                 <a:solidFill>
                   <a:srgbClr val="1F2025"/>
                 </a:solidFill>
-              </a:rPr>
-              <a:t>tự</a:t>
+                <a:latin typeface="Calibri" panose="020F0502020204030204" pitchFamily="34" charset="0"/>
+                <a:cs typeface="Calibri" panose="020F0502020204030204" pitchFamily="34" charset="0"/>
+              </a:rPr>
+              <a:t>toán</a:t>
             </a:r>
             <a:r>
               <a:rPr lang="en-US" altLang="ko-KR" sz="1800" dirty="0">
                 <a:solidFill>
                   <a:srgbClr val="1F2025"/>
                 </a:solidFill>
+                <a:latin typeface="Calibri" panose="020F0502020204030204" pitchFamily="34" charset="0"/>
+                <a:cs typeface="Calibri" panose="020F0502020204030204" pitchFamily="34" charset="0"/>
               </a:rPr>
               <a:t> </a:t>
             </a:r>
             <a:r>
-              <a:rPr lang="en-US" altLang="ko-KR" sz="1800" dirty="0" err="1">
-                <a:solidFill>
-                  <a:srgbClr val="1F2025"/>
-                </a:solidFill>
-              </a:rPr>
-              <a:t>nhiên</a:t>
-            </a:r>
-            <a:r>
-              <a:rPr lang="en-US" altLang="ko-KR" sz="1800" dirty="0">
-                <a:solidFill>
-                  <a:srgbClr val="1F2025"/>
-                </a:solidFill>
-              </a:rPr>
-              <a:t>, </a:t>
-            </a:r>
-            <a:r>
-              <a:rPr lang="en-US" altLang="ko-KR" sz="1800" dirty="0" err="1">
-                <a:solidFill>
-                  <a:srgbClr val="1F2025"/>
-                </a:solidFill>
-              </a:rPr>
-              <a:t>bài</a:t>
-            </a:r>
-            <a:r>
-              <a:rPr lang="en-US" altLang="ko-KR" sz="1800" dirty="0">
-                <a:solidFill>
-                  <a:srgbClr val="1F2025"/>
-                </a:solidFill>
-              </a:rPr>
-              <a:t> </a:t>
-            </a:r>
-            <a:r>
-              <a:rPr lang="en-US" altLang="ko-KR" sz="1800" dirty="0" err="1">
-                <a:solidFill>
-                  <a:srgbClr val="1F2025"/>
-                </a:solidFill>
-              </a:rPr>
-              <a:t>toán</a:t>
-            </a:r>
-            <a:r>
-              <a:rPr lang="en-US" altLang="ko-KR" sz="1800" dirty="0">
-                <a:solidFill>
-                  <a:srgbClr val="1F2025"/>
-                </a:solidFill>
-              </a:rPr>
-              <a:t> Machine Translation</a:t>
+              <a:rPr lang="en-US" altLang="ko-KR" sz="1800">
+                <a:solidFill>
+                  <a:srgbClr val="1F2025"/>
+                </a:solidFill>
+                <a:latin typeface="Calibri" panose="020F0502020204030204" pitchFamily="34" charset="0"/>
+                <a:cs typeface="Calibri" panose="020F0502020204030204" pitchFamily="34" charset="0"/>
+              </a:rPr>
+              <a:t>Machine Translation.</a:t>
+            </a:r>
+            <a:endParaRPr lang="en-US" altLang="ko-KR" sz="1800" dirty="0">
+              <a:solidFill>
+                <a:srgbClr val="1F2025"/>
+              </a:solidFill>
+              <a:latin typeface="Calibri" panose="020F0502020204030204" pitchFamily="34" charset="0"/>
+              <a:cs typeface="Calibri" panose="020F0502020204030204" pitchFamily="34" charset="0"/>
+            </a:endParaRPr>
+          </a:p>
+          <a:p>
+            <a:pPr marL="285750" indent="-285750">
+              <a:buFontTx/>
+              <a:buChar char="-"/>
+            </a:pPr>
+            <a:r>
+              <a:rPr lang="en-US" altLang="ko-KR" sz="1800">
+                <a:solidFill>
+                  <a:srgbClr val="1F2025"/>
+                </a:solidFill>
+                <a:latin typeface="Calibri" panose="020F0502020204030204" pitchFamily="34" charset="0"/>
+                <a:cs typeface="Calibri" panose="020F0502020204030204" pitchFamily="34" charset="0"/>
+              </a:rPr>
+              <a:t>Vượt trội cho với các ph</a:t>
+            </a:r>
+            <a:r>
+              <a:rPr lang="vi-VN" altLang="ko-KR" sz="1800">
+                <a:solidFill>
+                  <a:srgbClr val="1F2025"/>
+                </a:solidFill>
+                <a:latin typeface="Calibri" panose="020F0502020204030204" pitchFamily="34" charset="0"/>
+                <a:cs typeface="Calibri" panose="020F0502020204030204" pitchFamily="34" charset="0"/>
+              </a:rPr>
+              <a:t>ư</a:t>
+            </a:r>
+            <a:r>
+              <a:rPr lang="en-US" altLang="ko-KR" sz="1800">
+                <a:solidFill>
+                  <a:srgbClr val="1F2025"/>
+                </a:solidFill>
+                <a:latin typeface="Calibri" panose="020F0502020204030204" pitchFamily="34" charset="0"/>
+                <a:cs typeface="Calibri" panose="020F0502020204030204" pitchFamily="34" charset="0"/>
+              </a:rPr>
+              <a:t>ơng pháp tr</a:t>
+            </a:r>
+            <a:r>
+              <a:rPr lang="vi-VN" altLang="ko-KR" sz="1800">
+                <a:solidFill>
+                  <a:srgbClr val="1F2025"/>
+                </a:solidFill>
+                <a:latin typeface="Calibri" panose="020F0502020204030204" pitchFamily="34" charset="0"/>
+                <a:cs typeface="Calibri" panose="020F0502020204030204" pitchFamily="34" charset="0"/>
+              </a:rPr>
+              <a:t>ư</a:t>
+            </a:r>
+            <a:r>
+              <a:rPr lang="en-US" altLang="ko-KR" sz="1800">
+                <a:solidFill>
+                  <a:srgbClr val="1F2025"/>
+                </a:solidFill>
+                <a:latin typeface="Calibri" panose="020F0502020204030204" pitchFamily="34" charset="0"/>
+                <a:cs typeface="Calibri" panose="020F0502020204030204" pitchFamily="34" charset="0"/>
+              </a:rPr>
+              <a:t>ớc đó trong NLP nh</a:t>
+            </a:r>
+            <a:r>
+              <a:rPr lang="vi-VN" altLang="ko-KR" sz="1800">
+                <a:solidFill>
+                  <a:srgbClr val="1F2025"/>
+                </a:solidFill>
+                <a:latin typeface="Calibri" panose="020F0502020204030204" pitchFamily="34" charset="0"/>
+                <a:cs typeface="Calibri" panose="020F0502020204030204" pitchFamily="34" charset="0"/>
+              </a:rPr>
+              <a:t>ư</a:t>
+            </a:r>
+            <a:r>
+              <a:rPr lang="en-US" altLang="ko-KR" sz="1800">
+                <a:solidFill>
+                  <a:srgbClr val="1F2025"/>
+                </a:solidFill>
+                <a:latin typeface="Calibri" panose="020F0502020204030204" pitchFamily="34" charset="0"/>
+                <a:cs typeface="Calibri" panose="020F0502020204030204" pitchFamily="34" charset="0"/>
+              </a:rPr>
+              <a:t> RNN, LSTM… cả về độ chính xác và tốc độ huấn luyện cũng nh</a:t>
+            </a:r>
+            <a:r>
+              <a:rPr lang="vi-VN" altLang="ko-KR" sz="1800">
+                <a:solidFill>
+                  <a:srgbClr val="1F2025"/>
+                </a:solidFill>
+                <a:latin typeface="Calibri" panose="020F0502020204030204" pitchFamily="34" charset="0"/>
+                <a:cs typeface="Calibri" panose="020F0502020204030204" pitchFamily="34" charset="0"/>
+              </a:rPr>
+              <a:t>ư</a:t>
+            </a:r>
+            <a:r>
+              <a:rPr lang="en-US" altLang="ko-KR" sz="1800">
+                <a:solidFill>
+                  <a:srgbClr val="1F2025"/>
+                </a:solidFill>
+                <a:latin typeface="Calibri" panose="020F0502020204030204" pitchFamily="34" charset="0"/>
+                <a:cs typeface="Calibri" panose="020F0502020204030204" pitchFamily="34" charset="0"/>
+              </a:rPr>
+              <a:t> suy diễn.</a:t>
+            </a:r>
+          </a:p>
+          <a:p>
+            <a:pPr marL="285750" indent="-285750">
+              <a:buFontTx/>
+              <a:buChar char="-"/>
+            </a:pPr>
+            <a:r>
+              <a:rPr lang="en-US" altLang="ko-KR" sz="1800">
+                <a:solidFill>
+                  <a:srgbClr val="1F2025"/>
+                </a:solidFill>
+                <a:latin typeface="Calibri" panose="020F0502020204030204" pitchFamily="34" charset="0"/>
+                <a:cs typeface="Calibri" panose="020F0502020204030204" pitchFamily="34" charset="0"/>
+              </a:rPr>
+              <a:t>Giúp huấn luyện đ</a:t>
+            </a:r>
+            <a:r>
+              <a:rPr lang="vi-VN" altLang="ko-KR" sz="1800">
+                <a:solidFill>
+                  <a:srgbClr val="1F2025"/>
+                </a:solidFill>
+                <a:latin typeface="Calibri" panose="020F0502020204030204" pitchFamily="34" charset="0"/>
+                <a:cs typeface="Calibri" panose="020F0502020204030204" pitchFamily="34" charset="0"/>
+              </a:rPr>
+              <a:t>ư</a:t>
+            </a:r>
+            <a:r>
+              <a:rPr lang="en-US" altLang="ko-KR" sz="1800">
+                <a:solidFill>
+                  <a:srgbClr val="1F2025"/>
+                </a:solidFill>
+                <a:latin typeface="Calibri" panose="020F0502020204030204" pitchFamily="34" charset="0"/>
+                <a:cs typeface="Calibri" panose="020F0502020204030204" pitchFamily="34" charset="0"/>
+              </a:rPr>
+              <a:t>ợc những mô hình sâu h</a:t>
+            </a:r>
+            <a:r>
+              <a:rPr lang="vi-VN" altLang="ko-KR" sz="1800">
+                <a:solidFill>
+                  <a:srgbClr val="1F2025"/>
+                </a:solidFill>
+                <a:latin typeface="Calibri" panose="020F0502020204030204" pitchFamily="34" charset="0"/>
+                <a:cs typeface="Calibri" panose="020F0502020204030204" pitchFamily="34" charset="0"/>
+              </a:rPr>
+              <a:t>ơ</a:t>
+            </a:r>
+            <a:r>
+              <a:rPr lang="en-US" altLang="ko-KR" sz="1800">
+                <a:solidFill>
+                  <a:srgbClr val="1F2025"/>
+                </a:solidFill>
+                <a:latin typeface="Calibri" panose="020F0502020204030204" pitchFamily="34" charset="0"/>
+                <a:cs typeface="Calibri" panose="020F0502020204030204" pitchFamily="34" charset="0"/>
+              </a:rPr>
+              <a:t>n rất nhiều, lên tới cả trăm tỷ tham số.</a:t>
             </a:r>
           </a:p>
         </p:txBody>
@@ -9891,7 +10224,7 @@
         <p:spPr>
           <a:xfrm>
             <a:off x="977522" y="1447438"/>
-            <a:ext cx="3772898" cy="2862322"/>
+            <a:ext cx="3772898" cy="3416320"/>
           </a:xfrm>
           <a:prstGeom prst="rect">
             <a:avLst/>
@@ -10051,7 +10384,7 @@
               <a:t> </a:t>
             </a:r>
             <a:r>
-              <a:rPr lang="en-US" altLang="ko-KR" sz="1800" dirty="0" err="1">
+              <a:rPr lang="en-US" altLang="ko-KR" sz="1800" err="1">
                 <a:solidFill>
                   <a:srgbClr val="1F2025"/>
                 </a:solidFill>
@@ -10059,7 +10392,7 @@
               <a:t>từ</a:t>
             </a:r>
             <a:r>
-              <a:rPr lang="en-US" altLang="ko-KR" sz="1800" dirty="0">
+              <a:rPr lang="en-US" altLang="ko-KR" sz="1800">
                 <a:solidFill>
                   <a:srgbClr val="1F2025"/>
                 </a:solidFill>
@@ -10072,6 +10405,17 @@
               <a:buFontTx/>
               <a:buChar char="-"/>
             </a:pPr>
+            <a:endParaRPr lang="en-US" altLang="ko-KR" sz="1800" dirty="0">
+              <a:solidFill>
+                <a:srgbClr val="1F2025"/>
+              </a:solidFill>
+            </a:endParaRPr>
+          </a:p>
+          <a:p>
+            <a:pPr marL="285750" indent="-285750">
+              <a:buFontTx/>
+              <a:buChar char="-"/>
+            </a:pPr>
             <a:r>
               <a:rPr lang="en-US" altLang="ko-KR" sz="1800" dirty="0" err="1">
                 <a:solidFill>
@@ -10457,7 +10801,7 @@
               <a:t> </a:t>
             </a:r>
             <a:r>
-              <a:rPr lang="en-US" altLang="ko-KR" sz="1800" dirty="0" err="1">
+              <a:rPr lang="en-US" altLang="ko-KR" sz="1800" err="1">
                 <a:solidFill>
                   <a:srgbClr val="1F2025"/>
                 </a:solidFill>
@@ -10465,13 +10809,24 @@
               <a:t>ngữ</a:t>
             </a:r>
             <a:r>
-              <a:rPr lang="en-US" altLang="ko-KR" sz="1800" dirty="0">
+              <a:rPr lang="en-US" altLang="ko-KR" sz="1800">
                 <a:solidFill>
                   <a:srgbClr val="1F2025"/>
                 </a:solidFill>
               </a:rPr>
               <a:t>.</a:t>
             </a:r>
+          </a:p>
+          <a:p>
+            <a:pPr marL="285750" indent="-285750">
+              <a:buFontTx/>
+              <a:buChar char="-"/>
+            </a:pPr>
+            <a:endParaRPr lang="en-US" altLang="ko-KR" sz="1800" dirty="0">
+              <a:solidFill>
+                <a:srgbClr val="1F2025"/>
+              </a:solidFill>
+            </a:endParaRPr>
           </a:p>
           <a:p>
             <a:pPr marL="285750" indent="-285750">
@@ -11514,8 +11869,38 @@
         </p:blipFill>
         <p:spPr>
           <a:xfrm>
-            <a:off x="2209800" y="3251875"/>
-            <a:ext cx="7772400" cy="1748222"/>
+            <a:off x="2657669" y="2721204"/>
+            <a:ext cx="6673855" cy="1501130"/>
+          </a:xfrm>
+          <a:prstGeom prst="rect">
+            <a:avLst/>
+          </a:prstGeom>
+        </p:spPr>
+      </p:pic>
+      <p:pic>
+        <p:nvPicPr>
+          <p:cNvPr id="5" name="Picture 4">
+            <a:extLst>
+              <a:ext uri="{FF2B5EF4-FFF2-40B4-BE49-F238E27FC236}">
+                <a16:creationId xmlns:a16="http://schemas.microsoft.com/office/drawing/2014/main" id="{AE35FF44-A0F9-42C1-A44E-7D011CBB4433}"/>
+              </a:ext>
+            </a:extLst>
+          </p:cNvPr>
+          <p:cNvPicPr>
+            <a:picLocks noChangeAspect="1"/>
+          </p:cNvPicPr>
+          <p:nvPr/>
+        </p:nvPicPr>
+        <p:blipFill>
+          <a:blip r:embed="rId5"/>
+          <a:stretch>
+            <a:fillRect/>
+          </a:stretch>
+        </p:blipFill>
+        <p:spPr>
+          <a:xfrm>
+            <a:off x="3903014" y="4828786"/>
+            <a:ext cx="4143375" cy="895350"/>
           </a:xfrm>
           <a:prstGeom prst="rect">
             <a:avLst/>
@@ -11614,8 +11999,8 @@
         </p:nvSpPr>
         <p:spPr>
           <a:xfrm>
-            <a:off x="977522" y="1447438"/>
-            <a:ext cx="3772898" cy="2585323"/>
+            <a:off x="977521" y="1680321"/>
+            <a:ext cx="3463849" cy="1477328"/>
           </a:xfrm>
           <a:prstGeom prst="rect">
             <a:avLst/>
@@ -11652,74 +12037,48 @@
                   <a:srgbClr val="1F2025"/>
                 </a:solidFill>
               </a:rPr>
-              <a:t>Cơ chế attention giúp mỗi token đang xét chỉ tập trung vào một số các token khác trong câu</a:t>
-            </a:r>
-            <a:r>
-              <a:rPr lang="en-US" altLang="ko-KR" sz="1800" dirty="0">
-                <a:solidFill>
-                  <a:srgbClr val="1F2025"/>
-                </a:solidFill>
-              </a:rPr>
-              <a:t>.</a:t>
-            </a:r>
-          </a:p>
-          <a:p>
-            <a:pPr marL="285750" indent="-285750">
-              <a:buFontTx/>
-              <a:buChar char="-"/>
-            </a:pPr>
+              <a:t>Cơ chế attention giúp </a:t>
+            </a:r>
+            <a:r>
+              <a:rPr lang="en-US" altLang="ko-KR" sz="1800" err="1">
+                <a:solidFill>
+                  <a:srgbClr val="1F2025"/>
+                </a:solidFill>
+              </a:rPr>
+              <a:t>mỗi </a:t>
+            </a:r>
+            <a:r>
+              <a:rPr lang="en-US" altLang="ko-KR" sz="1800">
+                <a:solidFill>
+                  <a:srgbClr val="1F2025"/>
+                </a:solidFill>
+              </a:rPr>
+              <a:t>từ </a:t>
+            </a:r>
             <a:r>
               <a:rPr lang="en-US" altLang="ko-KR" sz="1800" dirty="0" err="1">
                 <a:solidFill>
                   <a:srgbClr val="1F2025"/>
                 </a:solidFill>
               </a:rPr>
-              <a:t>Multi-head attention là một cách thực hiện việc tính toán attention theo cơ chế song song</a:t>
-            </a:r>
-            <a:r>
-              <a:rPr lang="en-US" altLang="ko-KR" sz="1800" dirty="0">
-                <a:solidFill>
-                  <a:srgbClr val="1F2025"/>
-                </a:solidFill>
-              </a:rPr>
-              <a:t>.</a:t>
-            </a:r>
-          </a:p>
-          <a:p>
-            <a:pPr marL="285750" indent="-285750">
-              <a:buFontTx/>
-              <a:buChar char="-"/>
-            </a:pPr>
-            <a:r>
-              <a:rPr lang="en-US" altLang="ko-KR" sz="1800" dirty="0" err="1">
-                <a:solidFill>
-                  <a:srgbClr val="1F2025"/>
-                </a:solidFill>
-              </a:rPr>
-              <a:t>Transformers sử dụng.</a:t>
-            </a:r>
-          </a:p>
-          <a:p>
-            <a:pPr marL="285750" indent="-285750">
-              <a:buFontTx/>
-              <a:buChar char="-"/>
-            </a:pPr>
-            <a:endParaRPr lang="en-US" altLang="ko-KR" sz="1800" dirty="0">
-              <a:solidFill>
-                <a:srgbClr val="1F2025"/>
-              </a:solidFill>
-            </a:endParaRPr>
-          </a:p>
-          <a:p>
-            <a:pPr marL="285750" indent="-285750">
-              <a:buFontTx/>
-              <a:buChar char="-"/>
-            </a:pPr>
-            <a:endParaRPr lang="en-US" altLang="ko-KR" sz="1800" dirty="0">
-              <a:solidFill>
-                <a:srgbClr val="1F2025"/>
-              </a:solidFill>
-            </a:endParaRPr>
+              <a:t>đang xét chỉ tập trung </a:t>
+            </a:r>
+            <a:r>
+              <a:rPr lang="en-US" altLang="ko-KR" sz="1800" err="1">
+                <a:solidFill>
+                  <a:srgbClr val="1F2025"/>
+                </a:solidFill>
+              </a:rPr>
+              <a:t>vào </a:t>
+            </a:r>
+            <a:r>
+              <a:rPr lang="en-US" altLang="ko-KR" sz="1800">
+                <a:solidFill>
+                  <a:srgbClr val="1F2025"/>
+                </a:solidFill>
+              </a:rPr>
+              <a:t>một số các thông tin quan trọng, dựa trên bộ trọng số mà mô hình học được từ ngữ cảnh.</a:t>
+            </a:r>
           </a:p>
         </p:txBody>
       </p:sp>
@@ -11831,14 +12190,14 @@
           <a:lstStyle/>
           <a:p>
             <a:r>
-              <a:rPr lang="vi-VN" altLang="ko-KR" dirty="0">
+              <a:rPr lang="vi-VN" altLang="ko-KR">
                 <a:solidFill>
                   <a:srgbClr val="1F2025"/>
                 </a:solidFill>
                 <a:latin typeface="Calibri" panose="020F0502020204030204" pitchFamily="34" charset="0"/>
                 <a:cs typeface="Calibri" panose="020F0502020204030204" pitchFamily="34" charset="0"/>
               </a:rPr>
-              <a:t>MULTI-HEAD ATTENTION</a:t>
+              <a:t>ATTENTION</a:t>
             </a:r>
             <a:endParaRPr lang="ko-KR" altLang="en-US" dirty="0">
               <a:solidFill>
@@ -11850,10 +12209,46 @@
           </a:p>
         </p:txBody>
       </p:sp>
+      <p:pic>
+        <p:nvPicPr>
+          <p:cNvPr id="7" name="Picture 6">
+            <a:extLst>
+              <a:ext uri="{FF2B5EF4-FFF2-40B4-BE49-F238E27FC236}">
+                <a16:creationId xmlns:a16="http://schemas.microsoft.com/office/drawing/2014/main" id="{1C211CCD-062B-4445-A0BC-71A9A5DA14E7}"/>
+              </a:ext>
+            </a:extLst>
+          </p:cNvPr>
+          <p:cNvPicPr>
+            <a:picLocks noChangeAspect="1"/>
+          </p:cNvPicPr>
+          <p:nvPr/>
+        </p:nvPicPr>
+        <p:blipFill>
+          <a:blip r:embed="rId4">
+            <a:extLst>
+              <a:ext uri="{28A0092B-C50C-407E-A947-70E740481C1C}">
+                <a14:useLocalDpi xmlns:a14="http://schemas.microsoft.com/office/drawing/2010/main" val="0"/>
+              </a:ext>
+            </a:extLst>
+          </a:blip>
+          <a:stretch>
+            <a:fillRect/>
+          </a:stretch>
+        </p:blipFill>
+        <p:spPr>
+          <a:xfrm>
+            <a:off x="5434367" y="932993"/>
+            <a:ext cx="5471710" cy="3373709"/>
+          </a:xfrm>
+          <a:prstGeom prst="rect">
+            <a:avLst/>
+          </a:prstGeom>
+        </p:spPr>
+      </p:pic>
     </p:spTree>
     <p:extLst>
       <p:ext uri="{BB962C8B-B14F-4D97-AF65-F5344CB8AC3E}">
-        <p14:creationId xmlns:p14="http://schemas.microsoft.com/office/powerpoint/2010/main" val="1568784399"/>
+        <p14:creationId xmlns:p14="http://schemas.microsoft.com/office/powerpoint/2010/main" val="3113519770"/>
       </p:ext>
     </p:extLst>
   </p:cSld>

--- a/slide1.pptx
+++ b/slide1.pptx
@@ -5,10 +5,10 @@
     <p:sldMasterId id="2147483648" r:id="rId1"/>
   </p:sldMasterIdLst>
   <p:notesMasterIdLst>
-    <p:notesMasterId r:id="rId28"/>
+    <p:notesMasterId r:id="rId39"/>
   </p:notesMasterIdLst>
   <p:handoutMasterIdLst>
-    <p:handoutMasterId r:id="rId29"/>
+    <p:handoutMasterId r:id="rId40"/>
   </p:handoutMasterIdLst>
   <p:sldIdLst>
     <p:sldId id="277" r:id="rId2"/>
@@ -18,25 +18,36 @@
     <p:sldId id="375" r:id="rId6"/>
     <p:sldId id="380" r:id="rId7"/>
     <p:sldId id="387" r:id="rId8"/>
-    <p:sldId id="394" r:id="rId9"/>
-    <p:sldId id="399" r:id="rId10"/>
-    <p:sldId id="395" r:id="rId11"/>
-    <p:sldId id="397" r:id="rId12"/>
-    <p:sldId id="396" r:id="rId13"/>
-    <p:sldId id="385" r:id="rId14"/>
-    <p:sldId id="388" r:id="rId15"/>
-    <p:sldId id="381" r:id="rId16"/>
-    <p:sldId id="389" r:id="rId17"/>
-    <p:sldId id="376" r:id="rId18"/>
-    <p:sldId id="390" r:id="rId19"/>
-    <p:sldId id="384" r:id="rId20"/>
-    <p:sldId id="377" r:id="rId21"/>
-    <p:sldId id="391" r:id="rId22"/>
-    <p:sldId id="392" r:id="rId23"/>
-    <p:sldId id="393" r:id="rId24"/>
-    <p:sldId id="382" r:id="rId25"/>
-    <p:sldId id="383" r:id="rId26"/>
-    <p:sldId id="293" r:id="rId27"/>
+    <p:sldId id="403" r:id="rId9"/>
+    <p:sldId id="394" r:id="rId10"/>
+    <p:sldId id="399" r:id="rId11"/>
+    <p:sldId id="395" r:id="rId12"/>
+    <p:sldId id="405" r:id="rId13"/>
+    <p:sldId id="397" r:id="rId14"/>
+    <p:sldId id="404" r:id="rId15"/>
+    <p:sldId id="396" r:id="rId16"/>
+    <p:sldId id="401" r:id="rId17"/>
+    <p:sldId id="402" r:id="rId18"/>
+    <p:sldId id="410" r:id="rId19"/>
+    <p:sldId id="385" r:id="rId20"/>
+    <p:sldId id="388" r:id="rId21"/>
+    <p:sldId id="406" r:id="rId22"/>
+    <p:sldId id="400" r:id="rId23"/>
+    <p:sldId id="407" r:id="rId24"/>
+    <p:sldId id="409" r:id="rId25"/>
+    <p:sldId id="381" r:id="rId26"/>
+    <p:sldId id="408" r:id="rId27"/>
+    <p:sldId id="389" r:id="rId28"/>
+    <p:sldId id="376" r:id="rId29"/>
+    <p:sldId id="390" r:id="rId30"/>
+    <p:sldId id="384" r:id="rId31"/>
+    <p:sldId id="377" r:id="rId32"/>
+    <p:sldId id="391" r:id="rId33"/>
+    <p:sldId id="392" r:id="rId34"/>
+    <p:sldId id="393" r:id="rId35"/>
+    <p:sldId id="382" r:id="rId36"/>
+    <p:sldId id="383" r:id="rId37"/>
+    <p:sldId id="293" r:id="rId38"/>
   </p:sldIdLst>
   <p:sldSz cx="12192000" cy="6858000"/>
   <p:notesSz cx="6858000" cy="9144000"/>
@@ -387,7 +398,7 @@
           <a:p>
             <a:fld id="{15A49F08-9100-4AF5-BC0A-FC6A093BE3CC}" type="datetimeFigureOut">
               <a:rPr lang="ko-KR" altLang="en-US" smtClean="0"/>
-              <a:t>2022-12-11</a:t>
+              <a:t>2022-12-12</a:t>
             </a:fld>
             <a:endParaRPr lang="ko-KR" altLang="en-US"/>
           </a:p>
@@ -3993,29 +4004,53 @@
               <a:buChar char="-"/>
             </a:pPr>
             <a:r>
+              <a:rPr lang="en-US" altLang="ko-KR" sz="1800" dirty="0" err="1">
+                <a:solidFill>
+                  <a:srgbClr val="1F2025"/>
+                </a:solidFill>
+              </a:rPr>
+              <a:t>Cơ chế attention giúp </a:t>
+            </a:r>
+            <a:r>
+              <a:rPr lang="en-US" altLang="ko-KR" sz="1800" err="1">
+                <a:solidFill>
+                  <a:srgbClr val="1F2025"/>
+                </a:solidFill>
+              </a:rPr>
+              <a:t>mỗi </a:t>
+            </a:r>
+            <a:r>
               <a:rPr lang="en-US" altLang="ko-KR" sz="1800">
                 <a:solidFill>
                   <a:srgbClr val="1F2025"/>
                 </a:solidFill>
               </a:rPr>
-              <a:t>Self attention là cơ chế tập trung mà dựa trên mối liên hệ của từ đang xét đến các từ khác trong chính câu đó.</a:t>
-            </a:r>
-            <a:endParaRPr lang="en-US" altLang="ko-KR" sz="1800" dirty="0">
-              <a:solidFill>
-                <a:srgbClr val="1F2025"/>
-              </a:solidFill>
-            </a:endParaRPr>
-          </a:p>
-          <a:p>
-            <a:pPr marL="285750" indent="-285750">
-              <a:buFontTx/>
-              <a:buChar char="-"/>
-            </a:pPr>
-            <a:endParaRPr lang="en-US" altLang="ko-KR" sz="1800" dirty="0">
-              <a:solidFill>
-                <a:srgbClr val="1F2025"/>
-              </a:solidFill>
-            </a:endParaRPr>
+              <a:t>từ </a:t>
+            </a:r>
+            <a:r>
+              <a:rPr lang="en-US" altLang="ko-KR" sz="1800" dirty="0" err="1">
+                <a:solidFill>
+                  <a:srgbClr val="1F2025"/>
+                </a:solidFill>
+              </a:rPr>
+              <a:t>đang xét chỉ tập trung </a:t>
+            </a:r>
+            <a:r>
+              <a:rPr lang="en-US" altLang="ko-KR" sz="1800" err="1">
+                <a:solidFill>
+                  <a:srgbClr val="1F2025"/>
+                </a:solidFill>
+              </a:rPr>
+              <a:t>vào </a:t>
+            </a:r>
+            <a:r>
+              <a:rPr lang="en-US" altLang="ko-KR" sz="1800">
+                <a:solidFill>
+                  <a:srgbClr val="1F2025"/>
+                </a:solidFill>
+              </a:rPr>
+              <a:t>một số các thông tin quan trọng, dựa trên bộ trọng số mà mô hình học được từ ngữ cảnh.</a:t>
+            </a:r>
           </a:p>
         </p:txBody>
       </p:sp>
@@ -4127,14 +4162,14 @@
           <a:lstStyle/>
           <a:p>
             <a:r>
-              <a:rPr lang="en-US" altLang="ko-KR">
+              <a:rPr lang="vi-VN" altLang="ko-KR">
                 <a:solidFill>
                   <a:srgbClr val="1F2025"/>
                 </a:solidFill>
                 <a:latin typeface="Calibri" panose="020F0502020204030204" pitchFamily="34" charset="0"/>
                 <a:cs typeface="Calibri" panose="020F0502020204030204" pitchFamily="34" charset="0"/>
               </a:rPr>
-              <a:t>SELF ATTENTION</a:t>
+              <a:t>ATTENTION</a:t>
             </a:r>
             <a:endParaRPr lang="ko-KR" altLang="en-US" dirty="0">
               <a:solidFill>
@@ -4148,10 +4183,10 @@
       </p:sp>
       <p:pic>
         <p:nvPicPr>
-          <p:cNvPr id="5" name="Picture 4">
-            <a:extLst>
-              <a:ext uri="{FF2B5EF4-FFF2-40B4-BE49-F238E27FC236}">
-                <a16:creationId xmlns:a16="http://schemas.microsoft.com/office/drawing/2014/main" id="{6EE90ECD-62A5-40B9-BF68-F8179F370421}"/>
+          <p:cNvPr id="7" name="Picture 6">
+            <a:extLst>
+              <a:ext uri="{FF2B5EF4-FFF2-40B4-BE49-F238E27FC236}">
+                <a16:creationId xmlns:a16="http://schemas.microsoft.com/office/drawing/2014/main" id="{1C211CCD-062B-4445-A0BC-71A9A5DA14E7}"/>
               </a:ext>
             </a:extLst>
           </p:cNvPr>
@@ -4161,45 +4196,21 @@
           <p:nvPr/>
         </p:nvPicPr>
         <p:blipFill>
-          <a:blip r:embed="rId4"/>
+          <a:blip r:embed="rId4">
+            <a:extLst>
+              <a:ext uri="{28A0092B-C50C-407E-A947-70E740481C1C}">
+                <a14:useLocalDpi xmlns:a14="http://schemas.microsoft.com/office/drawing/2010/main" val="0"/>
+              </a:ext>
+            </a:extLst>
+          </a:blip>
           <a:stretch>
             <a:fillRect/>
           </a:stretch>
         </p:blipFill>
         <p:spPr>
-          <a:xfrm rot="5400000">
-            <a:off x="3978453" y="1715702"/>
-            <a:ext cx="5330714" cy="2681995"/>
-          </a:xfrm>
-          <a:prstGeom prst="rect">
-            <a:avLst/>
-          </a:prstGeom>
-        </p:spPr>
-      </p:pic>
-      <p:pic>
-        <p:nvPicPr>
-          <p:cNvPr id="10" name="Picture 9">
-            <a:extLst>
-              <a:ext uri="{FF2B5EF4-FFF2-40B4-BE49-F238E27FC236}">
-                <a16:creationId xmlns:a16="http://schemas.microsoft.com/office/drawing/2014/main" id="{61F6BAC8-6EB8-4F0A-AF38-AF767ABF48BE}"/>
-              </a:ext>
-            </a:extLst>
-          </p:cNvPr>
-          <p:cNvPicPr>
-            <a:picLocks noChangeAspect="1"/>
-          </p:cNvPicPr>
-          <p:nvPr/>
-        </p:nvPicPr>
-        <p:blipFill>
-          <a:blip r:embed="rId5"/>
-          <a:stretch>
-            <a:fillRect/>
-          </a:stretch>
-        </p:blipFill>
-        <p:spPr>
-          <a:xfrm>
-            <a:off x="8617792" y="1363297"/>
-            <a:ext cx="2495550" cy="3143250"/>
+          <a:xfrm>
+            <a:off x="5434367" y="932993"/>
+            <a:ext cx="5471710" cy="3373709"/>
           </a:xfrm>
           <a:prstGeom prst="rect">
             <a:avLst/>
@@ -4209,7 +4220,7 @@
     </p:spTree>
     <p:extLst>
       <p:ext uri="{BB962C8B-B14F-4D97-AF65-F5344CB8AC3E}">
-        <p14:creationId xmlns:p14="http://schemas.microsoft.com/office/powerpoint/2010/main" val="1568784399"/>
+        <p14:creationId xmlns:p14="http://schemas.microsoft.com/office/powerpoint/2010/main" val="3113519770"/>
       </p:ext>
     </p:extLst>
   </p:cSld>
@@ -4298,8 +4309,8 @@
         </p:nvSpPr>
         <p:spPr>
           <a:xfrm>
-            <a:off x="977522" y="1447438"/>
-            <a:ext cx="2708070" cy="4524315"/>
+            <a:off x="977521" y="1680321"/>
+            <a:ext cx="3463849" cy="1477328"/>
           </a:xfrm>
           <a:prstGeom prst="rect">
             <a:avLst/>
@@ -4335,136 +4346,14 @@
                 <a:solidFill>
                   <a:srgbClr val="1F2025"/>
                 </a:solidFill>
-                <a:latin typeface="Calibri (Body)"/>
-              </a:rPr>
-              <a:t>Multi-head </a:t>
-            </a:r>
-            <a:r>
-              <a:rPr lang="en-US" altLang="ko-KR" sz="1800" dirty="0" err="1">
-                <a:solidFill>
-                  <a:srgbClr val="1F2025"/>
-                </a:solidFill>
-                <a:latin typeface="Calibri (Body)"/>
-              </a:rPr>
-              <a:t>attention là một cách thực hiện việc </a:t>
-            </a:r>
-            <a:r>
-              <a:rPr lang="en-US" altLang="ko-KR" sz="1800" err="1">
-                <a:solidFill>
-                  <a:srgbClr val="1F2025"/>
-                </a:solidFill>
-                <a:latin typeface="Calibri (Body)"/>
-              </a:rPr>
-              <a:t>tính </a:t>
-            </a:r>
-            <a:r>
-              <a:rPr lang="en-US" altLang="ko-KR" sz="1800">
-                <a:solidFill>
-                  <a:srgbClr val="1F2025"/>
-                </a:solidFill>
-                <a:latin typeface="Calibri (Body)"/>
-              </a:rPr>
-              <a:t>toán self </a:t>
-            </a:r>
-            <a:r>
-              <a:rPr lang="en-US" altLang="ko-KR" sz="1800" dirty="0" err="1">
-                <a:solidFill>
-                  <a:srgbClr val="1F2025"/>
-                </a:solidFill>
-                <a:latin typeface="Calibri (Body)"/>
-              </a:rPr>
-              <a:t>attention theo cơ chế song </a:t>
-            </a:r>
-            <a:r>
-              <a:rPr lang="en-US" altLang="ko-KR" sz="1800" err="1">
-                <a:solidFill>
-                  <a:srgbClr val="1F2025"/>
-                </a:solidFill>
-                <a:latin typeface="Calibri (Body)"/>
-              </a:rPr>
-              <a:t>song</a:t>
-            </a:r>
-            <a:r>
-              <a:rPr lang="en-US" altLang="ko-KR" sz="1800">
-                <a:solidFill>
-                  <a:srgbClr val="1F2025"/>
-                </a:solidFill>
-                <a:latin typeface="Calibri (Body)"/>
-              </a:rPr>
-              <a:t>.</a:t>
-            </a:r>
-          </a:p>
-          <a:p>
-            <a:pPr marL="285750" indent="-285750">
-              <a:buFontTx/>
-              <a:buChar char="-"/>
-            </a:pPr>
-            <a:endParaRPr lang="en-US" altLang="ko-KR" sz="1800">
+              </a:rPr>
+              <a:t>Self attention là cơ chế tập trung mà dựa trên mối liên hệ của từ đang xét đến các từ khác trong chính câu đó.</a:t>
+            </a:r>
+            <a:endParaRPr lang="en-US" altLang="ko-KR" sz="1800" dirty="0">
               <a:solidFill>
                 <a:srgbClr val="1F2025"/>
               </a:solidFill>
-              <a:latin typeface="Calibri (Body)"/>
             </a:endParaRPr>
-          </a:p>
-          <a:p>
-            <a:pPr marL="285750" indent="-285750">
-              <a:buFontTx/>
-              <a:buChar char="-"/>
-            </a:pPr>
-            <a:r>
-              <a:rPr lang="en-US" altLang="ko-KR" sz="1800">
-                <a:solidFill>
-                  <a:srgbClr val="1F2025"/>
-                </a:solidFill>
-                <a:latin typeface="Calibri (Body)"/>
-              </a:rPr>
-              <a:t>Mỗi head là 1 self attention với cùng input, chỉ khác nhau ma trận trọng số.</a:t>
-            </a:r>
-          </a:p>
-          <a:p>
-            <a:pPr marL="285750" indent="-285750">
-              <a:buFontTx/>
-              <a:buChar char="-"/>
-            </a:pPr>
-            <a:endParaRPr lang="en-US" altLang="ko-KR" sz="1800">
-              <a:solidFill>
-                <a:srgbClr val="1F2025"/>
-              </a:solidFill>
-              <a:latin typeface="Calibri (Body)"/>
-            </a:endParaRPr>
-          </a:p>
-          <a:p>
-            <a:pPr marL="285750" indent="-285750">
-              <a:buFontTx/>
-              <a:buChar char="-"/>
-            </a:pPr>
-            <a:r>
-              <a:rPr lang="en-US" altLang="ko-KR" sz="1800">
-                <a:solidFill>
-                  <a:srgbClr val="1F2025"/>
-                </a:solidFill>
-                <a:latin typeface="Calibri (Body)"/>
-              </a:rPr>
-              <a:t>Mỗi một head attention sẽ học đ</a:t>
-            </a:r>
-            <a:r>
-              <a:rPr lang="vi-VN" altLang="ko-KR" sz="1800">
-                <a:solidFill>
-                  <a:srgbClr val="1F2025"/>
-                </a:solidFill>
-                <a:latin typeface="Calibri (Body)"/>
-              </a:rPr>
-              <a:t>ư</a:t>
-            </a:r>
-            <a:r>
-              <a:rPr lang="en-US" altLang="ko-KR" sz="1800">
-                <a:solidFill>
-                  <a:srgbClr val="1F2025"/>
-                </a:solidFill>
-                <a:latin typeface="Calibri (Body)"/>
-              </a:rPr>
-              <a:t>ợc những thông tin khác nhau về ngữ cảnh, mối liên hệ giữa các từ.</a:t>
-            </a:r>
           </a:p>
           <a:p>
             <a:pPr marL="285750" indent="-285750">
@@ -4475,7 +4364,6 @@
               <a:solidFill>
                 <a:srgbClr val="1F2025"/>
               </a:solidFill>
-              <a:latin typeface="Calibri (Body)"/>
             </a:endParaRPr>
           </a:p>
         </p:txBody>
@@ -4588,14 +4476,14 @@
           <a:lstStyle/>
           <a:p>
             <a:r>
-              <a:rPr lang="vi-VN" altLang="ko-KR" dirty="0">
+              <a:rPr lang="en-US" altLang="ko-KR">
                 <a:solidFill>
                   <a:srgbClr val="1F2025"/>
                 </a:solidFill>
                 <a:latin typeface="Calibri" panose="020F0502020204030204" pitchFamily="34" charset="0"/>
                 <a:cs typeface="Calibri" panose="020F0502020204030204" pitchFamily="34" charset="0"/>
               </a:rPr>
-              <a:t>MULTI-HEAD ATTENTION</a:t>
+              <a:t>SELF ATTENTION</a:t>
             </a:r>
             <a:endParaRPr lang="ko-KR" altLang="en-US" dirty="0">
               <a:solidFill>
@@ -4609,10 +4497,10 @@
       </p:sp>
       <p:pic>
         <p:nvPicPr>
-          <p:cNvPr id="7" name="Picture 6">
-            <a:extLst>
-              <a:ext uri="{FF2B5EF4-FFF2-40B4-BE49-F238E27FC236}">
-                <a16:creationId xmlns:a16="http://schemas.microsoft.com/office/drawing/2014/main" id="{30BB715A-5F31-4F15-A58A-F046D2E94DBD}"/>
+          <p:cNvPr id="5" name="Picture 4">
+            <a:extLst>
+              <a:ext uri="{FF2B5EF4-FFF2-40B4-BE49-F238E27FC236}">
+                <a16:creationId xmlns:a16="http://schemas.microsoft.com/office/drawing/2014/main" id="{6EE90ECD-62A5-40B9-BF68-F8179F370421}"/>
               </a:ext>
             </a:extLst>
           </p:cNvPr>
@@ -4622,21 +4510,15 @@
           <p:nvPr/>
         </p:nvPicPr>
         <p:blipFill>
-          <a:blip r:embed="rId4">
-            <a:extLst>
-              <a:ext uri="{28A0092B-C50C-407E-A947-70E740481C1C}">
-                <a14:useLocalDpi xmlns:a14="http://schemas.microsoft.com/office/drawing/2010/main" val="0"/>
-              </a:ext>
-            </a:extLst>
-          </a:blip>
+          <a:blip r:embed="rId4"/>
           <a:stretch>
             <a:fillRect/>
           </a:stretch>
         </p:blipFill>
         <p:spPr>
-          <a:xfrm>
-            <a:off x="3917709" y="1680321"/>
-            <a:ext cx="2289427" cy="3111273"/>
+          <a:xfrm rot="5400000">
+            <a:off x="3978453" y="1715702"/>
+            <a:ext cx="5330714" cy="2681995"/>
           </a:xfrm>
           <a:prstGeom prst="rect">
             <a:avLst/>
@@ -4645,10 +4527,10 @@
       </p:pic>
       <p:pic>
         <p:nvPicPr>
-          <p:cNvPr id="6" name="Picture 5">
-            <a:extLst>
-              <a:ext uri="{FF2B5EF4-FFF2-40B4-BE49-F238E27FC236}">
-                <a16:creationId xmlns:a16="http://schemas.microsoft.com/office/drawing/2014/main" id="{736DA09A-8FF6-4924-8C7A-89CC480D761D}"/>
+          <p:cNvPr id="10" name="Picture 9">
+            <a:extLst>
+              <a:ext uri="{FF2B5EF4-FFF2-40B4-BE49-F238E27FC236}">
+                <a16:creationId xmlns:a16="http://schemas.microsoft.com/office/drawing/2014/main" id="{61F6BAC8-6EB8-4F0A-AF38-AF767ABF48BE}"/>
               </a:ext>
             </a:extLst>
           </p:cNvPr>
@@ -4665,8 +4547,8 @@
         </p:blipFill>
         <p:spPr>
           <a:xfrm>
-            <a:off x="6412920" y="1680321"/>
-            <a:ext cx="5436180" cy="2994640"/>
+            <a:off x="8617792" y="1363297"/>
+            <a:ext cx="2495550" cy="3143250"/>
           </a:xfrm>
           <a:prstGeom prst="rect">
             <a:avLst/>
@@ -4676,7 +4558,7 @@
     </p:spTree>
     <p:extLst>
       <p:ext uri="{BB962C8B-B14F-4D97-AF65-F5344CB8AC3E}">
-        <p14:creationId xmlns:p14="http://schemas.microsoft.com/office/powerpoint/2010/main" val="2068383419"/>
+        <p14:creationId xmlns:p14="http://schemas.microsoft.com/office/powerpoint/2010/main" val="1568784399"/>
       </p:ext>
     </p:extLst>
   </p:cSld>
@@ -4765,8 +4647,8 @@
         </p:nvSpPr>
         <p:spPr>
           <a:xfrm>
-            <a:off x="977522" y="1447438"/>
-            <a:ext cx="3772898" cy="2031325"/>
+            <a:off x="977521" y="1680321"/>
+            <a:ext cx="3463849" cy="646331"/>
           </a:xfrm>
           <a:prstGeom prst="rect">
             <a:avLst/>
@@ -4803,35 +4685,7 @@
                   <a:srgbClr val="1F2025"/>
                 </a:solidFill>
               </a:rPr>
-              <a:t>Add là Skip Connection.</a:t>
-            </a:r>
-          </a:p>
-          <a:p>
-            <a:pPr marL="285750" indent="-285750">
-              <a:buFontTx/>
-              <a:buChar char="-"/>
-            </a:pPr>
-            <a:r>
-              <a:rPr lang="en-US" altLang="ko-KR" sz="1800">
-                <a:solidFill>
-                  <a:srgbClr val="1F2025"/>
-                </a:solidFill>
-              </a:rPr>
-              <a:t>Norm là Layer Normalization.</a:t>
-            </a:r>
-          </a:p>
-          <a:p>
-            <a:pPr marL="285750" indent="-285750">
-              <a:buFontTx/>
-              <a:buChar char="-"/>
-            </a:pPr>
-            <a:r>
-              <a:rPr lang="en-US" altLang="ko-KR" sz="1800">
-                <a:solidFill>
-                  <a:srgbClr val="1F2025"/>
-                </a:solidFill>
-              </a:rPr>
-              <a:t>Hai phương pháp này giúp mô hình ổn định trong quá trình huấn luyện và giúp xây dựng được mô hình sâu hơn.</a:t>
+              <a:t>Placeholder.</a:t>
             </a:r>
             <a:endParaRPr lang="en-US" altLang="ko-KR" sz="1800" dirty="0">
               <a:solidFill>
@@ -4967,7 +4821,7 @@
                 <a:latin typeface="Calibri" panose="020F0502020204030204" pitchFamily="34" charset="0"/>
                 <a:cs typeface="Calibri" panose="020F0502020204030204" pitchFamily="34" charset="0"/>
               </a:rPr>
-              <a:t>ADD &amp; NORM</a:t>
+              <a:t>QUERY, KEY, VALUE</a:t>
             </a:r>
             <a:endParaRPr lang="ko-KR" altLang="en-US" dirty="0">
               <a:solidFill>
@@ -4979,76 +4833,10 @@
           </a:p>
         </p:txBody>
       </p:sp>
-      <p:pic>
-        <p:nvPicPr>
-          <p:cNvPr id="6" name="Picture 5">
-            <a:extLst>
-              <a:ext uri="{FF2B5EF4-FFF2-40B4-BE49-F238E27FC236}">
-                <a16:creationId xmlns:a16="http://schemas.microsoft.com/office/drawing/2014/main" id="{E5CC43A9-15B5-4BE8-ABC6-865A33D2D1DF}"/>
-              </a:ext>
-            </a:extLst>
-          </p:cNvPr>
-          <p:cNvPicPr>
-            <a:picLocks noChangeAspect="1"/>
-          </p:cNvPicPr>
-          <p:nvPr/>
-        </p:nvPicPr>
-        <p:blipFill>
-          <a:blip r:embed="rId4">
-            <a:extLst>
-              <a:ext uri="{28A0092B-C50C-407E-A947-70E740481C1C}">
-                <a14:useLocalDpi xmlns:a14="http://schemas.microsoft.com/office/drawing/2010/main" val="0"/>
-              </a:ext>
-            </a:extLst>
-          </a:blip>
-          <a:stretch>
-            <a:fillRect/>
-          </a:stretch>
-        </p:blipFill>
-        <p:spPr>
-          <a:xfrm>
-            <a:off x="6295404" y="661885"/>
-            <a:ext cx="3979813" cy="2268066"/>
-          </a:xfrm>
-          <a:prstGeom prst="rect">
-            <a:avLst/>
-          </a:prstGeom>
-        </p:spPr>
-      </p:pic>
-      <p:pic>
-        <p:nvPicPr>
-          <p:cNvPr id="7" name="Picture 6">
-            <a:extLst>
-              <a:ext uri="{FF2B5EF4-FFF2-40B4-BE49-F238E27FC236}">
-                <a16:creationId xmlns:a16="http://schemas.microsoft.com/office/drawing/2014/main" id="{84BCB9DB-9DFA-4290-862E-C230022BF3F3}"/>
-              </a:ext>
-            </a:extLst>
-          </p:cNvPr>
-          <p:cNvPicPr>
-            <a:picLocks noChangeAspect="1"/>
-          </p:cNvPicPr>
-          <p:nvPr/>
-        </p:nvPicPr>
-        <p:blipFill>
-          <a:blip r:embed="rId5"/>
-          <a:stretch>
-            <a:fillRect/>
-          </a:stretch>
-        </p:blipFill>
-        <p:spPr>
-          <a:xfrm>
-            <a:off x="6484267" y="3429000"/>
-            <a:ext cx="3790950" cy="2133600"/>
-          </a:xfrm>
-          <a:prstGeom prst="rect">
-            <a:avLst/>
-          </a:prstGeom>
-        </p:spPr>
-      </p:pic>
     </p:spTree>
     <p:extLst>
       <p:ext uri="{BB962C8B-B14F-4D97-AF65-F5344CB8AC3E}">
-        <p14:creationId xmlns:p14="http://schemas.microsoft.com/office/powerpoint/2010/main" val="1123020763"/>
+        <p14:creationId xmlns:p14="http://schemas.microsoft.com/office/powerpoint/2010/main" val="3399392042"/>
       </p:ext>
     </p:extLst>
   </p:cSld>
@@ -5104,14 +4892,14 @@
           <a:lstStyle/>
           <a:p>
             <a:r>
-              <a:rPr lang="en-US" altLang="ko-KR" sz="2400" b="1">
+              <a:rPr lang="en-US" altLang="ko-KR" sz="2400" b="1" dirty="0">
                 <a:solidFill>
                   <a:srgbClr val="1F2025"/>
                 </a:solidFill>
                 <a:latin typeface="+mj-lt"/>
                 <a:cs typeface="Arial" panose="020B0604020202020204" pitchFamily="34" charset="0"/>
               </a:rPr>
-              <a:t>VISION TRANSFORMER</a:t>
+              <a:t>TRANSFORMER</a:t>
             </a:r>
             <a:endParaRPr lang="ko-KR" altLang="en-US" sz="2400" b="1" dirty="0">
               <a:solidFill>
@@ -5137,8 +4925,8 @@
         </p:nvSpPr>
         <p:spPr>
           <a:xfrm>
-            <a:off x="487881" y="1596414"/>
-            <a:ext cx="3682903" cy="3139321"/>
+            <a:off x="977522" y="1447438"/>
+            <a:ext cx="2708070" cy="4524315"/>
           </a:xfrm>
           <a:prstGeom prst="rect">
             <a:avLst/>
@@ -5165,7 +4953,7 @@
             </a:lvl1pPr>
           </a:lstStyle>
           <a:p>
-            <a:pPr marL="171450" indent="-171450">
+            <a:pPr marL="285750" indent="-285750">
               <a:buFontTx/>
               <a:buChar char="-"/>
             </a:pPr>
@@ -5174,26 +4962,79 @@
                 <a:solidFill>
                   <a:srgbClr val="1F2025"/>
                 </a:solidFill>
-              </a:rPr>
-              <a:t>Ra mắt tháng 10/2020</a:t>
-            </a:r>
-          </a:p>
-          <a:p>
-            <a:pPr marL="171450" indent="-171450">
+                <a:latin typeface="Calibri (Body)"/>
+              </a:rPr>
+              <a:t>Multi-head </a:t>
+            </a:r>
+            <a:r>
+              <a:rPr lang="en-US" altLang="ko-KR" sz="1800" dirty="0" err="1">
+                <a:solidFill>
+                  <a:srgbClr val="1F2025"/>
+                </a:solidFill>
+                <a:latin typeface="Calibri (Body)"/>
+              </a:rPr>
+              <a:t>attention là một cách thực hiện việc </a:t>
+            </a:r>
+            <a:r>
+              <a:rPr lang="en-US" altLang="ko-KR" sz="1800" err="1">
+                <a:solidFill>
+                  <a:srgbClr val="1F2025"/>
+                </a:solidFill>
+                <a:latin typeface="Calibri (Body)"/>
+              </a:rPr>
+              <a:t>tính </a:t>
+            </a:r>
+            <a:r>
+              <a:rPr lang="en-US" altLang="ko-KR" sz="1800">
+                <a:solidFill>
+                  <a:srgbClr val="1F2025"/>
+                </a:solidFill>
+                <a:latin typeface="Calibri (Body)"/>
+              </a:rPr>
+              <a:t>toán self </a:t>
+            </a:r>
+            <a:r>
+              <a:rPr lang="en-US" altLang="ko-KR" sz="1800" dirty="0" err="1">
+                <a:solidFill>
+                  <a:srgbClr val="1F2025"/>
+                </a:solidFill>
+                <a:latin typeface="Calibri (Body)"/>
+              </a:rPr>
+              <a:t>attention theo cơ chế song </a:t>
+            </a:r>
+            <a:r>
+              <a:rPr lang="en-US" altLang="ko-KR" sz="1800" err="1">
+                <a:solidFill>
+                  <a:srgbClr val="1F2025"/>
+                </a:solidFill>
+                <a:latin typeface="Calibri (Body)"/>
+              </a:rPr>
+              <a:t>song</a:t>
+            </a:r>
+            <a:r>
+              <a:rPr lang="en-US" altLang="ko-KR" sz="1800">
+                <a:solidFill>
+                  <a:srgbClr val="1F2025"/>
+                </a:solidFill>
+                <a:latin typeface="Calibri (Body)"/>
+              </a:rPr>
+              <a:t>.</a:t>
+            </a:r>
+          </a:p>
+          <a:p>
+            <a:pPr marL="285750" indent="-285750">
               <a:buFontTx/>
               <a:buChar char="-"/>
             </a:pPr>
-            <a:r>
-              <a:rPr lang="en-US" altLang="ko-KR" sz="1800">
-                <a:solidFill>
-                  <a:srgbClr val="1F2025"/>
-                </a:solidFill>
-              </a:rPr>
-              <a:t>Là biến thể của Transformer ứng dụng cho các bài toán về thị giác máy tính.</a:t>
-            </a:r>
-          </a:p>
-          <a:p>
-            <a:pPr marL="171450" indent="-171450">
+            <a:endParaRPr lang="en-US" altLang="ko-KR" sz="1800">
+              <a:solidFill>
+                <a:srgbClr val="1F2025"/>
+              </a:solidFill>
+              <a:latin typeface="Calibri (Body)"/>
+            </a:endParaRPr>
+          </a:p>
+          <a:p>
+            <a:pPr marL="285750" indent="-285750">
               <a:buFontTx/>
               <a:buChar char="-"/>
             </a:pPr>
@@ -5202,58 +5043,58 @@
                 <a:solidFill>
                   <a:srgbClr val="1F2025"/>
                 </a:solidFill>
-              </a:rPr>
-              <a:t>Kiến trúc đ</a:t>
-            </a:r>
-            <a:r>
-              <a:rPr lang="vi-VN" altLang="ko-KR" sz="1800">
-                <a:solidFill>
-                  <a:srgbClr val="1F2025"/>
-                </a:solidFill>
-              </a:rPr>
-              <a:t>ơ</a:t>
-            </a:r>
-            <a:r>
-              <a:rPr lang="en-US" altLang="ko-KR" sz="1800">
-                <a:solidFill>
-                  <a:srgbClr val="1F2025"/>
-                </a:solidFill>
-              </a:rPr>
-              <a:t>n giản h</a:t>
-            </a:r>
-            <a:r>
-              <a:rPr lang="vi-VN" altLang="ko-KR" sz="1800">
-                <a:solidFill>
-                  <a:srgbClr val="1F2025"/>
-                </a:solidFill>
-              </a:rPr>
-              <a:t>ơ</a:t>
-            </a:r>
-            <a:r>
-              <a:rPr lang="en-US" altLang="ko-KR" sz="1800">
-                <a:solidFill>
-                  <a:srgbClr val="1F2025"/>
-                </a:solidFill>
-              </a:rPr>
-              <a:t>n các mạng CNN, tốn ít tài nguyên hơn khi huấn luyện.</a:t>
-            </a:r>
-          </a:p>
-          <a:p>
-            <a:pPr marL="171450" indent="-171450">
+                <a:latin typeface="Calibri (Body)"/>
+              </a:rPr>
+              <a:t>Mỗi head là 1 self attention với cùng input, chỉ khác nhau ma trận trọng số.</a:t>
+            </a:r>
+          </a:p>
+          <a:p>
+            <a:pPr marL="285750" indent="-285750">
               <a:buFontTx/>
               <a:buChar char="-"/>
             </a:pPr>
+            <a:endParaRPr lang="en-US" altLang="ko-KR" sz="1800">
+              <a:solidFill>
+                <a:srgbClr val="1F2025"/>
+              </a:solidFill>
+              <a:latin typeface="Calibri (Body)"/>
+            </a:endParaRPr>
+          </a:p>
+          <a:p>
+            <a:pPr marL="285750" indent="-285750">
+              <a:buFontTx/>
+              <a:buChar char="-"/>
+            </a:pPr>
             <a:r>
               <a:rPr lang="en-US" altLang="ko-KR" sz="1800">
                 <a:solidFill>
                   <a:srgbClr val="1F2025"/>
                 </a:solidFill>
-              </a:rPr>
-              <a:t>Đạt kết quả tương đương với các mạng CNN SOTA khác tại thời điểm ra mắt.</a:t>
-            </a:r>
-          </a:p>
-          <a:p>
-            <a:pPr marL="171450" indent="-171450">
+                <a:latin typeface="Calibri (Body)"/>
+              </a:rPr>
+              <a:t>Mỗi một head attention sẽ học đ</a:t>
+            </a:r>
+            <a:r>
+              <a:rPr lang="vi-VN" altLang="ko-KR" sz="1800">
+                <a:solidFill>
+                  <a:srgbClr val="1F2025"/>
+                </a:solidFill>
+                <a:latin typeface="Calibri (Body)"/>
+              </a:rPr>
+              <a:t>ư</a:t>
+            </a:r>
+            <a:r>
+              <a:rPr lang="en-US" altLang="ko-KR" sz="1800">
+                <a:solidFill>
+                  <a:srgbClr val="1F2025"/>
+                </a:solidFill>
+                <a:latin typeface="Calibri (Body)"/>
+              </a:rPr>
+              <a:t>ợc những thông tin khác nhau về ngữ cảnh, mối liên hệ giữa các từ.</a:t>
+            </a:r>
+          </a:p>
+          <a:p>
+            <a:pPr marL="285750" indent="-285750">
               <a:buFontTx/>
               <a:buChar char="-"/>
             </a:pPr>
@@ -5261,6 +5102,7 @@
               <a:solidFill>
                 <a:srgbClr val="1F2025"/>
               </a:solidFill>
+              <a:latin typeface="Calibri (Body)"/>
             </a:endParaRPr>
           </a:p>
         </p:txBody>
@@ -5344,12 +5186,60 @@
           </a:prstGeom>
         </p:spPr>
       </p:pic>
+      <p:sp>
+        <p:nvSpPr>
+          <p:cNvPr id="4" name="TextBox 3">
+            <a:extLst>
+              <a:ext uri="{FF2B5EF4-FFF2-40B4-BE49-F238E27FC236}">
+                <a16:creationId xmlns:a16="http://schemas.microsoft.com/office/drawing/2014/main" id="{D8F91711-CAFD-776A-5977-7294952FDCA4}"/>
+              </a:ext>
+            </a:extLst>
+          </p:cNvPr>
+          <p:cNvSpPr txBox="1"/>
+          <p:nvPr/>
+        </p:nvSpPr>
+        <p:spPr>
+          <a:xfrm>
+            <a:off x="977521" y="888487"/>
+            <a:ext cx="5317883" cy="369332"/>
+          </a:xfrm>
+          <a:prstGeom prst="rect">
+            <a:avLst/>
+          </a:prstGeom>
+          <a:noFill/>
+        </p:spPr>
+        <p:txBody>
+          <a:bodyPr wrap="square" rtlCol="0">
+            <a:spAutoFit/>
+          </a:bodyPr>
+          <a:lstStyle/>
+          <a:p>
+            <a:r>
+              <a:rPr lang="vi-VN" altLang="ko-KR" dirty="0">
+                <a:solidFill>
+                  <a:srgbClr val="1F2025"/>
+                </a:solidFill>
+                <a:latin typeface="Calibri" panose="020F0502020204030204" pitchFamily="34" charset="0"/>
+                <a:cs typeface="Calibri" panose="020F0502020204030204" pitchFamily="34" charset="0"/>
+              </a:rPr>
+              <a:t>MULTI-HEAD ATTENTION</a:t>
+            </a:r>
+            <a:endParaRPr lang="ko-KR" altLang="en-US" dirty="0">
+              <a:solidFill>
+                <a:srgbClr val="1F2025"/>
+              </a:solidFill>
+              <a:latin typeface="Calibri" panose="020F0502020204030204" pitchFamily="34" charset="0"/>
+              <a:cs typeface="Calibri" panose="020F0502020204030204" pitchFamily="34" charset="0"/>
+            </a:endParaRPr>
+          </a:p>
+        </p:txBody>
+      </p:sp>
       <p:pic>
         <p:nvPicPr>
-          <p:cNvPr id="4" name="Picture 3">
-            <a:extLst>
-              <a:ext uri="{FF2B5EF4-FFF2-40B4-BE49-F238E27FC236}">
-                <a16:creationId xmlns:a16="http://schemas.microsoft.com/office/drawing/2014/main" id="{D27C7F96-7F2A-46ED-A9B7-15BDFBD0E28F}"/>
+          <p:cNvPr id="7" name="Picture 6">
+            <a:extLst>
+              <a:ext uri="{FF2B5EF4-FFF2-40B4-BE49-F238E27FC236}">
+                <a16:creationId xmlns:a16="http://schemas.microsoft.com/office/drawing/2014/main" id="{30BB715A-5F31-4F15-A58A-F046D2E94DBD}"/>
               </a:ext>
             </a:extLst>
           </p:cNvPr>
@@ -5359,15 +5249,51 @@
           <p:nvPr/>
         </p:nvPicPr>
         <p:blipFill>
-          <a:blip r:embed="rId4"/>
+          <a:blip r:embed="rId4">
+            <a:extLst>
+              <a:ext uri="{28A0092B-C50C-407E-A947-70E740481C1C}">
+                <a14:useLocalDpi xmlns:a14="http://schemas.microsoft.com/office/drawing/2010/main" val="0"/>
+              </a:ext>
+            </a:extLst>
+          </a:blip>
           <a:stretch>
             <a:fillRect/>
           </a:stretch>
         </p:blipFill>
         <p:spPr>
           <a:xfrm>
-            <a:off x="4591100" y="1027843"/>
-            <a:ext cx="7469835" cy="3934161"/>
+            <a:off x="3917709" y="1680321"/>
+            <a:ext cx="2289427" cy="3111273"/>
+          </a:xfrm>
+          <a:prstGeom prst="rect">
+            <a:avLst/>
+          </a:prstGeom>
+        </p:spPr>
+      </p:pic>
+      <p:pic>
+        <p:nvPicPr>
+          <p:cNvPr id="6" name="Picture 5">
+            <a:extLst>
+              <a:ext uri="{FF2B5EF4-FFF2-40B4-BE49-F238E27FC236}">
+                <a16:creationId xmlns:a16="http://schemas.microsoft.com/office/drawing/2014/main" id="{736DA09A-8FF6-4924-8C7A-89CC480D761D}"/>
+              </a:ext>
+            </a:extLst>
+          </p:cNvPr>
+          <p:cNvPicPr>
+            <a:picLocks noChangeAspect="1"/>
+          </p:cNvPicPr>
+          <p:nvPr/>
+        </p:nvPicPr>
+        <p:blipFill>
+          <a:blip r:embed="rId5"/>
+          <a:stretch>
+            <a:fillRect/>
+          </a:stretch>
+        </p:blipFill>
+        <p:spPr>
+          <a:xfrm>
+            <a:off x="6412920" y="1680321"/>
+            <a:ext cx="5436180" cy="2994640"/>
           </a:xfrm>
           <a:prstGeom prst="rect">
             <a:avLst/>
@@ -5377,7 +5303,7 @@
     </p:spTree>
     <p:extLst>
       <p:ext uri="{BB962C8B-B14F-4D97-AF65-F5344CB8AC3E}">
-        <p14:creationId xmlns:p14="http://schemas.microsoft.com/office/powerpoint/2010/main" val="3018345107"/>
+        <p14:creationId xmlns:p14="http://schemas.microsoft.com/office/powerpoint/2010/main" val="2068383419"/>
       </p:ext>
     </p:extLst>
   </p:cSld>
@@ -5433,14 +5359,14 @@
           <a:lstStyle/>
           <a:p>
             <a:r>
-              <a:rPr lang="en-US" altLang="ko-KR" sz="2400" b="1">
+              <a:rPr lang="en-US" altLang="ko-KR" sz="2400" b="1" dirty="0">
                 <a:solidFill>
                   <a:srgbClr val="1F2025"/>
                 </a:solidFill>
                 <a:latin typeface="+mj-lt"/>
                 <a:cs typeface="Arial" panose="020B0604020202020204" pitchFamily="34" charset="0"/>
               </a:rPr>
-              <a:t>VISION TRANSFORMER</a:t>
+              <a:t>TRANSFORMER</a:t>
             </a:r>
             <a:endParaRPr lang="ko-KR" altLang="en-US" sz="2400" b="1" dirty="0">
               <a:solidFill>
@@ -5466,8 +5392,8 @@
         </p:nvSpPr>
         <p:spPr>
           <a:xfrm>
-            <a:off x="977521" y="1452788"/>
-            <a:ext cx="7900339" cy="923330"/>
+            <a:off x="977522" y="1447438"/>
+            <a:ext cx="2708070" cy="369332"/>
           </a:xfrm>
           <a:prstGeom prst="rect">
             <a:avLst/>
@@ -5494,7 +5420,7 @@
             </a:lvl1pPr>
           </a:lstStyle>
           <a:p>
-            <a:pPr marL="171450" indent="-171450">
+            <a:pPr marL="285750" indent="-285750">
               <a:buFontTx/>
               <a:buChar char="-"/>
             </a:pPr>
@@ -5503,33 +5429,15 @@
                 <a:solidFill>
                   <a:srgbClr val="1F2025"/>
                 </a:solidFill>
-              </a:rPr>
-              <a:t>Chia bức ảnh thành 16x16 ô.</a:t>
-            </a:r>
-          </a:p>
-          <a:p>
-            <a:pPr marL="171450" indent="-171450">
-              <a:buFontTx/>
-              <a:buChar char="-"/>
-            </a:pPr>
-            <a:r>
-              <a:rPr lang="en-US" altLang="ko-KR" sz="1800">
-                <a:solidFill>
-                  <a:srgbClr val="1F2025"/>
-                </a:solidFill>
-              </a:rPr>
-              <a:t>Mỗi ô là 1 patch, tương ứng 1 từ trong Transformer.</a:t>
-            </a:r>
-          </a:p>
-          <a:p>
-            <a:pPr marL="171450" indent="-171450">
-              <a:buFontTx/>
-              <a:buChar char="-"/>
-            </a:pPr>
+                <a:latin typeface="Calibri (Body)"/>
+              </a:rPr>
+              <a:t>Placeholder</a:t>
+            </a:r>
             <a:endParaRPr lang="en-US" altLang="ko-KR" sz="1800" dirty="0">
               <a:solidFill>
                 <a:srgbClr val="1F2025"/>
               </a:solidFill>
+              <a:latin typeface="Calibri (Body)"/>
             </a:endParaRPr>
           </a:p>
         </p:txBody>
@@ -5615,10 +5523,10 @@
       </p:pic>
       <p:sp>
         <p:nvSpPr>
-          <p:cNvPr id="6" name="TextBox 5">
-            <a:extLst>
-              <a:ext uri="{FF2B5EF4-FFF2-40B4-BE49-F238E27FC236}">
-                <a16:creationId xmlns:a16="http://schemas.microsoft.com/office/drawing/2014/main" id="{4F60B7A2-B232-4BE3-BE08-DE29AF3787C0}"/>
+          <p:cNvPr id="4" name="TextBox 3">
+            <a:extLst>
+              <a:ext uri="{FF2B5EF4-FFF2-40B4-BE49-F238E27FC236}">
+                <a16:creationId xmlns:a16="http://schemas.microsoft.com/office/drawing/2014/main" id="{D8F91711-CAFD-776A-5977-7294952FDCA4}"/>
               </a:ext>
             </a:extLst>
           </p:cNvPr>
@@ -5649,7 +5557,27 @@
                 <a:latin typeface="Calibri" panose="020F0502020204030204" pitchFamily="34" charset="0"/>
                 <a:cs typeface="Calibri" panose="020F0502020204030204" pitchFamily="34" charset="0"/>
               </a:rPr>
-              <a:t>PATCHES &amp; CLASSIFICATION EMBEDDING</a:t>
+              <a:t>MASKED </a:t>
+            </a:r>
+            <a:r>
+              <a:rPr lang="vi-VN" altLang="ko-KR">
+                <a:solidFill>
+                  <a:srgbClr val="1F2025"/>
+                </a:solidFill>
+                <a:latin typeface="Calibri" panose="020F0502020204030204" pitchFamily="34" charset="0"/>
+                <a:cs typeface="Calibri" panose="020F0502020204030204" pitchFamily="34" charset="0"/>
+              </a:rPr>
+              <a:t>MULTI-HEAD </a:t>
+            </a:r>
+            <a:r>
+              <a:rPr lang="vi-VN" altLang="ko-KR" dirty="0">
+                <a:solidFill>
+                  <a:srgbClr val="1F2025"/>
+                </a:solidFill>
+                <a:latin typeface="Calibri" panose="020F0502020204030204" pitchFamily="34" charset="0"/>
+                <a:cs typeface="Calibri" panose="020F0502020204030204" pitchFamily="34" charset="0"/>
+              </a:rPr>
+              <a:t>ATTENTION</a:t>
             </a:r>
             <a:endParaRPr lang="ko-KR" altLang="en-US" dirty="0">
               <a:solidFill>
@@ -5664,7 +5592,7 @@
     </p:spTree>
     <p:extLst>
       <p:ext uri="{BB962C8B-B14F-4D97-AF65-F5344CB8AC3E}">
-        <p14:creationId xmlns:p14="http://schemas.microsoft.com/office/powerpoint/2010/main" val="1732409390"/>
+        <p14:creationId xmlns:p14="http://schemas.microsoft.com/office/powerpoint/2010/main" val="353610549"/>
       </p:ext>
     </p:extLst>
   </p:cSld>
@@ -5720,14 +5648,14 @@
           <a:lstStyle/>
           <a:p>
             <a:r>
-              <a:rPr lang="en-US" altLang="ko-KR" sz="2400" b="1">
+              <a:rPr lang="en-US" altLang="ko-KR" sz="2400" b="1" dirty="0">
                 <a:solidFill>
                   <a:srgbClr val="1F2025"/>
                 </a:solidFill>
                 <a:latin typeface="+mj-lt"/>
                 <a:cs typeface="Arial" panose="020B0604020202020204" pitchFamily="34" charset="0"/>
               </a:rPr>
-              <a:t>SWIN TRANSFORMER V1</a:t>
+              <a:t>TRANSFORMER</a:t>
             </a:r>
             <a:endParaRPr lang="ko-KR" altLang="en-US" sz="2400" b="1" dirty="0">
               <a:solidFill>
@@ -5753,8 +5681,8 @@
         </p:nvSpPr>
         <p:spPr>
           <a:xfrm>
-            <a:off x="435356" y="5079117"/>
-            <a:ext cx="4799117" cy="923330"/>
+            <a:off x="977522" y="1447438"/>
+            <a:ext cx="3772898" cy="2031325"/>
           </a:xfrm>
           <a:prstGeom prst="rect">
             <a:avLst/>
@@ -5781,7 +5709,7 @@
             </a:lvl1pPr>
           </a:lstStyle>
           <a:p>
-            <a:pPr marL="171450" indent="-171450">
+            <a:pPr marL="285750" indent="-285750">
               <a:buFontTx/>
               <a:buChar char="-"/>
             </a:pPr>
@@ -5791,11 +5719,11 @@
                   <a:srgbClr val="1F2025"/>
                 </a:solidFill>
               </a:rPr>
-              <a:t>Ra mắt tháng 3/2021.</a:t>
-            </a:r>
-          </a:p>
-          <a:p>
-            <a:pPr marL="171450" indent="-171450">
+              <a:t>Add là Skip Connection.</a:t>
+            </a:r>
+          </a:p>
+          <a:p>
+            <a:pPr marL="285750" indent="-285750">
               <a:buFontTx/>
               <a:buChar char="-"/>
             </a:pPr>
@@ -5805,27 +5733,30 @@
                   <a:srgbClr val="1F2025"/>
                 </a:solidFill>
               </a:rPr>
-              <a:t>Cải tiến có thừa kế các ý t</a:t>
-            </a:r>
-            <a:r>
-              <a:rPr lang="vi-VN" altLang="ko-KR" sz="1800">
-                <a:solidFill>
-                  <a:srgbClr val="1F2025"/>
-                </a:solidFill>
-              </a:rPr>
-              <a:t>ư</a:t>
-            </a:r>
+              <a:t>Norm là Layer Normalization.</a:t>
+            </a:r>
+          </a:p>
+          <a:p>
+            <a:pPr marL="285750" indent="-285750">
+              <a:buFontTx/>
+              <a:buChar char="-"/>
+            </a:pPr>
             <a:r>
               <a:rPr lang="en-US" altLang="ko-KR" sz="1800">
                 <a:solidFill>
                   <a:srgbClr val="1F2025"/>
                 </a:solidFill>
               </a:rPr>
-              <a:t>ởng từ ViT.</a:t>
-            </a:r>
-          </a:p>
-          <a:p>
-            <a:pPr marL="171450" indent="-171450">
+              <a:t>Hai phương pháp này giúp mô hình ổn định trong quá trình huấn luyện và giúp xây dựng được mô hình sâu hơn.</a:t>
+            </a:r>
+            <a:endParaRPr lang="en-US" altLang="ko-KR" sz="1800" dirty="0">
+              <a:solidFill>
+                <a:srgbClr val="1F2025"/>
+              </a:solidFill>
+            </a:endParaRPr>
+          </a:p>
+          <a:p>
+            <a:pPr marL="285750" indent="-285750">
               <a:buFontTx/>
               <a:buChar char="-"/>
             </a:pPr>
@@ -5916,12 +5847,60 @@
           </a:prstGeom>
         </p:spPr>
       </p:pic>
+      <p:sp>
+        <p:nvSpPr>
+          <p:cNvPr id="4" name="TextBox 3">
+            <a:extLst>
+              <a:ext uri="{FF2B5EF4-FFF2-40B4-BE49-F238E27FC236}">
+                <a16:creationId xmlns:a16="http://schemas.microsoft.com/office/drawing/2014/main" id="{D8F91711-CAFD-776A-5977-7294952FDCA4}"/>
+              </a:ext>
+            </a:extLst>
+          </p:cNvPr>
+          <p:cNvSpPr txBox="1"/>
+          <p:nvPr/>
+        </p:nvSpPr>
+        <p:spPr>
+          <a:xfrm>
+            <a:off x="977521" y="888487"/>
+            <a:ext cx="5317883" cy="369332"/>
+          </a:xfrm>
+          <a:prstGeom prst="rect">
+            <a:avLst/>
+          </a:prstGeom>
+          <a:noFill/>
+        </p:spPr>
+        <p:txBody>
+          <a:bodyPr wrap="square" rtlCol="0">
+            <a:spAutoFit/>
+          </a:bodyPr>
+          <a:lstStyle/>
+          <a:p>
+            <a:r>
+              <a:rPr lang="en-US" altLang="ko-KR">
+                <a:solidFill>
+                  <a:srgbClr val="1F2025"/>
+                </a:solidFill>
+                <a:latin typeface="Calibri" panose="020F0502020204030204" pitchFamily="34" charset="0"/>
+                <a:cs typeface="Calibri" panose="020F0502020204030204" pitchFamily="34" charset="0"/>
+              </a:rPr>
+              <a:t>ADD &amp; NORM</a:t>
+            </a:r>
+            <a:endParaRPr lang="ko-KR" altLang="en-US" dirty="0">
+              <a:solidFill>
+                <a:srgbClr val="1F2025"/>
+              </a:solidFill>
+              <a:latin typeface="Calibri" panose="020F0502020204030204" pitchFamily="34" charset="0"/>
+              <a:cs typeface="Calibri" panose="020F0502020204030204" pitchFamily="34" charset="0"/>
+            </a:endParaRPr>
+          </a:p>
+        </p:txBody>
+      </p:sp>
       <p:pic>
         <p:nvPicPr>
-          <p:cNvPr id="4" name="Picture 3">
-            <a:extLst>
-              <a:ext uri="{FF2B5EF4-FFF2-40B4-BE49-F238E27FC236}">
-                <a16:creationId xmlns:a16="http://schemas.microsoft.com/office/drawing/2014/main" id="{70808757-4523-4701-9A19-7A588FA5A931}"/>
+          <p:cNvPr id="6" name="Picture 5">
+            <a:extLst>
+              <a:ext uri="{FF2B5EF4-FFF2-40B4-BE49-F238E27FC236}">
+                <a16:creationId xmlns:a16="http://schemas.microsoft.com/office/drawing/2014/main" id="{E5CC43A9-15B5-4BE8-ABC6-865A33D2D1DF}"/>
               </a:ext>
             </a:extLst>
           </p:cNvPr>
@@ -5931,15 +5910,51 @@
           <p:nvPr/>
         </p:nvPicPr>
         <p:blipFill>
-          <a:blip r:embed="rId4"/>
+          <a:blip r:embed="rId4">
+            <a:extLst>
+              <a:ext uri="{28A0092B-C50C-407E-A947-70E740481C1C}">
+                <a14:useLocalDpi xmlns:a14="http://schemas.microsoft.com/office/drawing/2010/main" val="0"/>
+              </a:ext>
+            </a:extLst>
+          </a:blip>
           <a:stretch>
             <a:fillRect/>
           </a:stretch>
         </p:blipFill>
         <p:spPr>
           <a:xfrm>
-            <a:off x="530271" y="927650"/>
-            <a:ext cx="11318829" cy="3576582"/>
+            <a:off x="6295404" y="661885"/>
+            <a:ext cx="3979813" cy="2268066"/>
+          </a:xfrm>
+          <a:prstGeom prst="rect">
+            <a:avLst/>
+          </a:prstGeom>
+        </p:spPr>
+      </p:pic>
+      <p:pic>
+        <p:nvPicPr>
+          <p:cNvPr id="7" name="Picture 6">
+            <a:extLst>
+              <a:ext uri="{FF2B5EF4-FFF2-40B4-BE49-F238E27FC236}">
+                <a16:creationId xmlns:a16="http://schemas.microsoft.com/office/drawing/2014/main" id="{84BCB9DB-9DFA-4290-862E-C230022BF3F3}"/>
+              </a:ext>
+            </a:extLst>
+          </p:cNvPr>
+          <p:cNvPicPr>
+            <a:picLocks noChangeAspect="1"/>
+          </p:cNvPicPr>
+          <p:nvPr/>
+        </p:nvPicPr>
+        <p:blipFill>
+          <a:blip r:embed="rId5"/>
+          <a:stretch>
+            <a:fillRect/>
+          </a:stretch>
+        </p:blipFill>
+        <p:spPr>
+          <a:xfrm>
+            <a:off x="6484267" y="3429000"/>
+            <a:ext cx="3790950" cy="2133600"/>
           </a:xfrm>
           <a:prstGeom prst="rect">
             <a:avLst/>
@@ -5949,7 +5964,7 @@
     </p:spTree>
     <p:extLst>
       <p:ext uri="{BB962C8B-B14F-4D97-AF65-F5344CB8AC3E}">
-        <p14:creationId xmlns:p14="http://schemas.microsoft.com/office/powerpoint/2010/main" val="2093296912"/>
+        <p14:creationId xmlns:p14="http://schemas.microsoft.com/office/powerpoint/2010/main" val="1123020763"/>
       </p:ext>
     </p:extLst>
   </p:cSld>
@@ -6005,14 +6020,14 @@
           <a:lstStyle/>
           <a:p>
             <a:r>
-              <a:rPr lang="en-US" altLang="ko-KR" sz="2400" b="1">
+              <a:rPr lang="en-US" altLang="ko-KR" sz="2400" b="1" dirty="0">
                 <a:solidFill>
                   <a:srgbClr val="1F2025"/>
                 </a:solidFill>
                 <a:latin typeface="+mj-lt"/>
                 <a:cs typeface="Arial" panose="020B0604020202020204" pitchFamily="34" charset="0"/>
               </a:rPr>
-              <a:t>SWIN TRANSFORMER V1</a:t>
+              <a:t>TRANSFORMER</a:t>
             </a:r>
             <a:endParaRPr lang="ko-KR" altLang="en-US" sz="2400" b="1" dirty="0">
               <a:solidFill>
@@ -6038,8 +6053,8 @@
         </p:nvSpPr>
         <p:spPr>
           <a:xfrm>
-            <a:off x="388703" y="1813403"/>
-            <a:ext cx="4799117" cy="1200329"/>
+            <a:off x="977521" y="1447438"/>
+            <a:ext cx="5600832" cy="646331"/>
           </a:xfrm>
           <a:prstGeom prst="rect">
             <a:avLst/>
@@ -6066,7 +6081,7 @@
             </a:lvl1pPr>
           </a:lstStyle>
           <a:p>
-            <a:pPr marL="171450" indent="-171450">
+            <a:pPr marL="285750" indent="-285750">
               <a:buFontTx/>
               <a:buChar char="-"/>
             </a:pPr>
@@ -6076,39 +6091,16 @@
                   <a:srgbClr val="1F2025"/>
                 </a:solidFill>
               </a:rPr>
-              <a:t>Shifted Window</a:t>
-            </a:r>
-          </a:p>
-          <a:p>
-            <a:pPr marL="171450" indent="-171450">
-              <a:buFontTx/>
-              <a:buChar char="-"/>
-            </a:pPr>
-            <a:r>
-              <a:rPr lang="en-US" altLang="ko-KR" sz="1800">
-                <a:solidFill>
-                  <a:srgbClr val="1F2025"/>
-                </a:solidFill>
-              </a:rPr>
-              <a:t>Swin Transformer Block</a:t>
-            </a:r>
-          </a:p>
-          <a:p>
-            <a:pPr marL="171450" indent="-171450">
-              <a:buFontTx/>
-              <a:buChar char="-"/>
-            </a:pPr>
-            <a:r>
-              <a:rPr lang="en-US" altLang="ko-KR" sz="1800">
-                <a:solidFill>
-                  <a:srgbClr val="1F2025"/>
-                </a:solidFill>
-              </a:rPr>
-              <a:t>Shifted Window based Self-Attention</a:t>
-            </a:r>
-          </a:p>
-          <a:p>
-            <a:pPr marL="171450" indent="-171450">
+              <a:t>Placeholder.</a:t>
+            </a:r>
+            <a:endParaRPr lang="en-US" altLang="ko-KR" sz="1800" dirty="0">
+              <a:solidFill>
+                <a:srgbClr val="1F2025"/>
+              </a:solidFill>
+            </a:endParaRPr>
+          </a:p>
+          <a:p>
+            <a:pPr marL="285750" indent="-285750">
               <a:buFontTx/>
               <a:buChar char="-"/>
             </a:pPr>
@@ -6199,70 +6191,58 @@
           </a:prstGeom>
         </p:spPr>
       </p:pic>
-      <p:pic>
-        <p:nvPicPr>
-          <p:cNvPr id="5" name="Picture 4">
-            <a:extLst>
-              <a:ext uri="{FF2B5EF4-FFF2-40B4-BE49-F238E27FC236}">
-                <a16:creationId xmlns:a16="http://schemas.microsoft.com/office/drawing/2014/main" id="{1D689946-F1FF-44EF-96B2-C71C18C4F1CF}"/>
-              </a:ext>
-            </a:extLst>
-          </p:cNvPr>
-          <p:cNvPicPr>
-            <a:picLocks noChangeAspect="1"/>
-          </p:cNvPicPr>
-          <p:nvPr/>
-        </p:nvPicPr>
-        <p:blipFill>
-          <a:blip r:embed="rId4"/>
-          <a:stretch>
-            <a:fillRect/>
-          </a:stretch>
-        </p:blipFill>
-        <p:spPr>
-          <a:xfrm>
-            <a:off x="5896598" y="465985"/>
-            <a:ext cx="4429125" cy="2647950"/>
-          </a:xfrm>
-          <a:prstGeom prst="rect">
-            <a:avLst/>
-          </a:prstGeom>
-        </p:spPr>
-      </p:pic>
-      <p:pic>
-        <p:nvPicPr>
-          <p:cNvPr id="6" name="Picture 5">
-            <a:extLst>
-              <a:ext uri="{FF2B5EF4-FFF2-40B4-BE49-F238E27FC236}">
-                <a16:creationId xmlns:a16="http://schemas.microsoft.com/office/drawing/2014/main" id="{BEF9F38E-199C-41AE-9A89-477CD931F49C}"/>
-              </a:ext>
-            </a:extLst>
-          </p:cNvPr>
-          <p:cNvPicPr>
-            <a:picLocks noChangeAspect="1"/>
-          </p:cNvPicPr>
-          <p:nvPr/>
-        </p:nvPicPr>
-        <p:blipFill>
-          <a:blip r:embed="rId5"/>
-          <a:stretch>
-            <a:fillRect/>
-          </a:stretch>
-        </p:blipFill>
-        <p:spPr>
-          <a:xfrm>
-            <a:off x="6096000" y="3811480"/>
-            <a:ext cx="4467225" cy="1828800"/>
-          </a:xfrm>
-          <a:prstGeom prst="rect">
-            <a:avLst/>
-          </a:prstGeom>
-        </p:spPr>
-      </p:pic>
+      <p:sp>
+        <p:nvSpPr>
+          <p:cNvPr id="4" name="TextBox 3">
+            <a:extLst>
+              <a:ext uri="{FF2B5EF4-FFF2-40B4-BE49-F238E27FC236}">
+                <a16:creationId xmlns:a16="http://schemas.microsoft.com/office/drawing/2014/main" id="{D8F91711-CAFD-776A-5977-7294952FDCA4}"/>
+              </a:ext>
+            </a:extLst>
+          </p:cNvPr>
+          <p:cNvSpPr txBox="1"/>
+          <p:nvPr/>
+        </p:nvSpPr>
+        <p:spPr>
+          <a:xfrm>
+            <a:off x="977521" y="888487"/>
+            <a:ext cx="5317883" cy="369332"/>
+          </a:xfrm>
+          <a:prstGeom prst="rect">
+            <a:avLst/>
+          </a:prstGeom>
+          <a:noFill/>
+        </p:spPr>
+        <p:txBody>
+          <a:bodyPr wrap="square" rtlCol="0">
+            <a:spAutoFit/>
+          </a:bodyPr>
+          <a:lstStyle/>
+          <a:p>
+            <a:r>
+              <a:rPr lang="en-US" altLang="ko-KR">
+                <a:solidFill>
+                  <a:srgbClr val="1F2025"/>
+                </a:solidFill>
+                <a:latin typeface="Calibri" panose="020F0502020204030204" pitchFamily="34" charset="0"/>
+                <a:cs typeface="Calibri" panose="020F0502020204030204" pitchFamily="34" charset="0"/>
+              </a:rPr>
+              <a:t>FEEDFORWARD &amp; LINEAR</a:t>
+            </a:r>
+            <a:endParaRPr lang="ko-KR" altLang="en-US" dirty="0">
+              <a:solidFill>
+                <a:srgbClr val="1F2025"/>
+              </a:solidFill>
+              <a:latin typeface="Calibri" panose="020F0502020204030204" pitchFamily="34" charset="0"/>
+              <a:cs typeface="Calibri" panose="020F0502020204030204" pitchFamily="34" charset="0"/>
+            </a:endParaRPr>
+          </a:p>
+        </p:txBody>
+      </p:sp>
     </p:spTree>
     <p:extLst>
       <p:ext uri="{BB962C8B-B14F-4D97-AF65-F5344CB8AC3E}">
-        <p14:creationId xmlns:p14="http://schemas.microsoft.com/office/powerpoint/2010/main" val="647424283"/>
+        <p14:creationId xmlns:p14="http://schemas.microsoft.com/office/powerpoint/2010/main" val="3931225555"/>
       </p:ext>
     </p:extLst>
   </p:cSld>
@@ -6273,7 +6253,7 @@
 </file>
 
 <file path=ppt/slides/slide17.xml><?xml version="1.0" encoding="utf-8"?>
-<p:sld xmlns:a="http://schemas.openxmlformats.org/drawingml/2006/main" xmlns:r="http://schemas.openxmlformats.org/officeDocument/2006/relationships" xmlns:p="http://schemas.openxmlformats.org/presentationml/2006/main" showMasterSp="0">
+<p:sld xmlns:a="http://schemas.openxmlformats.org/drawingml/2006/main" xmlns:r="http://schemas.openxmlformats.org/officeDocument/2006/relationships" xmlns:p="http://schemas.openxmlformats.org/presentationml/2006/main">
   <p:cSld>
     <p:spTree>
       <p:nvGrpSpPr>
@@ -6294,7 +6274,7 @@
           <p:cNvPr id="2" name="TextBox 1">
             <a:extLst>
               <a:ext uri="{FF2B5EF4-FFF2-40B4-BE49-F238E27FC236}">
-                <a16:creationId xmlns:a16="http://schemas.microsoft.com/office/drawing/2014/main" id="{D142F346-FC6A-493B-995E-DB2FC357CBE3}"/>
+                <a16:creationId xmlns:a16="http://schemas.microsoft.com/office/drawing/2014/main" id="{4ECC80F9-88DA-415C-B69B-55F6C7756629}"/>
               </a:ext>
             </a:extLst>
           </p:cNvPr>
@@ -6303,8 +6283,8 @@
         </p:nvSpPr>
         <p:spPr>
           <a:xfrm>
-            <a:off x="3336212" y="2782669"/>
-            <a:ext cx="5519576" cy="646331"/>
+            <a:off x="578715" y="465985"/>
+            <a:ext cx="5317883" cy="461665"/>
           </a:xfrm>
           <a:prstGeom prst="rect">
             <a:avLst/>
@@ -6317,38 +6297,17 @@
           </a:bodyPr>
           <a:lstStyle/>
           <a:p>
-            <a:pPr algn="ctr"/>
-            <a:r>
-              <a:rPr lang="en-US" altLang="ko-KR" sz="3600" b="1">
+            <a:r>
+              <a:rPr lang="en-US" altLang="ko-KR" sz="2400" b="1" dirty="0">
                 <a:solidFill>
                   <a:srgbClr val="1F2025"/>
                 </a:solidFill>
                 <a:latin typeface="+mj-lt"/>
                 <a:cs typeface="Arial" panose="020B0604020202020204" pitchFamily="34" charset="0"/>
               </a:rPr>
-              <a:t>III</a:t>
-            </a:r>
-            <a:r>
-              <a:rPr lang="vi-VN" altLang="ko-KR" sz="3600" b="1">
-                <a:solidFill>
-                  <a:srgbClr val="1F2025"/>
-                </a:solidFill>
-                <a:latin typeface="+mj-lt"/>
-                <a:cs typeface="Arial" panose="020B0604020202020204" pitchFamily="34" charset="0"/>
-              </a:rPr>
-              <a:t>. </a:t>
-            </a:r>
-            <a:r>
-              <a:rPr lang="en-US" altLang="ko-KR" sz="3600" b="1">
-                <a:solidFill>
-                  <a:srgbClr val="1F2025"/>
-                </a:solidFill>
-                <a:latin typeface="+mj-lt"/>
-                <a:cs typeface="Arial" panose="020B0604020202020204" pitchFamily="34" charset="0"/>
-              </a:rPr>
-              <a:t>KIẾN TRÚC TỔNG QUAN</a:t>
-            </a:r>
-            <a:endParaRPr lang="ko-KR" altLang="en-US" sz="3600" b="1" dirty="0">
+              <a:t>TRANSFORMER</a:t>
+            </a:r>
+            <a:endParaRPr lang="ko-KR" altLang="en-US" sz="2400" b="1" dirty="0">
               <a:solidFill>
                 <a:srgbClr val="1F2025"/>
               </a:solidFill>
@@ -6358,12 +6317,142 @@
           </a:p>
         </p:txBody>
       </p:sp>
+      <p:sp>
+        <p:nvSpPr>
+          <p:cNvPr id="3" name="TextBox 2">
+            <a:extLst>
+              <a:ext uri="{FF2B5EF4-FFF2-40B4-BE49-F238E27FC236}">
+                <a16:creationId xmlns:a16="http://schemas.microsoft.com/office/drawing/2014/main" id="{4A5778BD-E06C-4169-AA97-F60816239A15}"/>
+              </a:ext>
+            </a:extLst>
+          </p:cNvPr>
+          <p:cNvSpPr txBox="1"/>
+          <p:nvPr/>
+        </p:nvSpPr>
+        <p:spPr>
+          <a:xfrm>
+            <a:off x="977521" y="1447438"/>
+            <a:ext cx="5600832" cy="1200329"/>
+          </a:xfrm>
+          <a:prstGeom prst="rect">
+            <a:avLst/>
+          </a:prstGeom>
+          <a:noFill/>
+        </p:spPr>
+        <p:txBody>
+          <a:bodyPr wrap="square" rtlCol="0">
+            <a:spAutoFit/>
+          </a:bodyPr>
+          <a:lstStyle>
+            <a:defPPr>
+              <a:defRPr lang="ko-KR"/>
+            </a:defPPr>
+            <a:lvl1pPr>
+              <a:defRPr sz="1100">
+                <a:solidFill>
+                  <a:schemeClr val="tx1">
+                    <a:lumMod val="75000"/>
+                    <a:lumOff val="25000"/>
+                  </a:schemeClr>
+                </a:solidFill>
+              </a:defRPr>
+            </a:lvl1pPr>
+          </a:lstStyle>
+          <a:p>
+            <a:pPr marL="285750" indent="-285750">
+              <a:buFontTx/>
+              <a:buChar char="-"/>
+            </a:pPr>
+            <a:r>
+              <a:rPr lang="en-US" altLang="ko-KR" sz="1800">
+                <a:solidFill>
+                  <a:srgbClr val="1F2025"/>
+                </a:solidFill>
+              </a:rPr>
+              <a:t>Dùng cho multi classification.</a:t>
+            </a:r>
+          </a:p>
+          <a:p>
+            <a:pPr marL="285750" indent="-285750">
+              <a:buFontTx/>
+              <a:buChar char="-"/>
+            </a:pPr>
+            <a:r>
+              <a:rPr lang="en-US" altLang="ko-KR" sz="1800">
+                <a:solidFill>
+                  <a:srgbClr val="1F2025"/>
+                </a:solidFill>
+              </a:rPr>
+              <a:t>Hàm này làm cường điệu hóa các giá trị đầu vào, giúp mô hình tự nhiên hơn khi huấn luyện hoặc suy diễn.</a:t>
+            </a:r>
+            <a:endParaRPr lang="en-US" altLang="ko-KR" sz="1800" dirty="0">
+              <a:solidFill>
+                <a:srgbClr val="1F2025"/>
+              </a:solidFill>
+            </a:endParaRPr>
+          </a:p>
+          <a:p>
+            <a:pPr marL="285750" indent="-285750">
+              <a:buFontTx/>
+              <a:buChar char="-"/>
+            </a:pPr>
+            <a:endParaRPr lang="en-US" altLang="ko-KR" sz="1800" dirty="0">
+              <a:solidFill>
+                <a:srgbClr val="1F2025"/>
+              </a:solidFill>
+            </a:endParaRPr>
+          </a:p>
+        </p:txBody>
+      </p:sp>
+      <p:sp>
+        <p:nvSpPr>
+          <p:cNvPr id="16" name="직사각형 15">
+            <a:extLst>
+              <a:ext uri="{FF2B5EF4-FFF2-40B4-BE49-F238E27FC236}">
+                <a16:creationId xmlns:a16="http://schemas.microsoft.com/office/drawing/2014/main" id="{B73FE535-94A1-4E5D-B190-1D99674EF915}"/>
+              </a:ext>
+            </a:extLst>
+          </p:cNvPr>
+          <p:cNvSpPr/>
+          <p:nvPr/>
+        </p:nvSpPr>
+        <p:spPr>
+          <a:xfrm>
+            <a:off x="0" y="6206532"/>
+            <a:ext cx="12192000" cy="651468"/>
+          </a:xfrm>
+          <a:prstGeom prst="rect">
+            <a:avLst/>
+          </a:prstGeom>
+          <a:solidFill>
+            <a:srgbClr val="1F2025"/>
+          </a:solidFill>
+          <a:ln w="9525" cap="flat">
+            <a:noFill/>
+            <a:prstDash val="solid"/>
+            <a:miter/>
+          </a:ln>
+        </p:spPr>
+        <p:txBody>
+          <a:bodyPr rot="0" spcFirstLastPara="0" vertOverflow="overflow" horzOverflow="overflow" vert="horz" wrap="square" lIns="91440" tIns="45720" rIns="91440" bIns="45720" numCol="1" spcCol="0" rtlCol="0" fromWordArt="0" anchor="ctr" anchorCtr="0" forceAA="0" compatLnSpc="1">
+            <a:prstTxWarp prst="textNoShape">
+              <a:avLst/>
+            </a:prstTxWarp>
+            <a:noAutofit/>
+          </a:bodyPr>
+          <a:lstStyle/>
+          <a:p>
+            <a:pPr algn="l"/>
+            <a:endParaRPr lang="ko-KR" altLang="en-US"/>
+          </a:p>
+        </p:txBody>
+      </p:sp>
       <p:pic>
         <p:nvPicPr>
-          <p:cNvPr id="7" name="그래픽 6">
-            <a:extLst>
-              <a:ext uri="{FF2B5EF4-FFF2-40B4-BE49-F238E27FC236}">
-                <a16:creationId xmlns:a16="http://schemas.microsoft.com/office/drawing/2014/main" id="{174595B1-92CE-44ED-97FE-F6A897FE48EF}"/>
+          <p:cNvPr id="17" name="그래픽 16">
+            <a:extLst>
+              <a:ext uri="{FF2B5EF4-FFF2-40B4-BE49-F238E27FC236}">
+                <a16:creationId xmlns:a16="http://schemas.microsoft.com/office/drawing/2014/main" id="{7A988829-597B-495C-9112-A39D40EF9F77}"/>
               </a:ext>
             </a:extLst>
           </p:cNvPr>
@@ -6386,8 +6475,116 @@
         </p:blipFill>
         <p:spPr>
           <a:xfrm>
-            <a:off x="272402" y="217015"/>
-            <a:ext cx="834391" cy="488942"/>
+            <a:off x="11222584" y="6348701"/>
+            <a:ext cx="626516" cy="367130"/>
+          </a:xfrm>
+          <a:prstGeom prst="rect">
+            <a:avLst/>
+          </a:prstGeom>
+        </p:spPr>
+      </p:pic>
+      <p:sp>
+        <p:nvSpPr>
+          <p:cNvPr id="4" name="TextBox 3">
+            <a:extLst>
+              <a:ext uri="{FF2B5EF4-FFF2-40B4-BE49-F238E27FC236}">
+                <a16:creationId xmlns:a16="http://schemas.microsoft.com/office/drawing/2014/main" id="{D8F91711-CAFD-776A-5977-7294952FDCA4}"/>
+              </a:ext>
+            </a:extLst>
+          </p:cNvPr>
+          <p:cNvSpPr txBox="1"/>
+          <p:nvPr/>
+        </p:nvSpPr>
+        <p:spPr>
+          <a:xfrm>
+            <a:off x="977521" y="888487"/>
+            <a:ext cx="5317883" cy="369332"/>
+          </a:xfrm>
+          <a:prstGeom prst="rect">
+            <a:avLst/>
+          </a:prstGeom>
+          <a:noFill/>
+        </p:spPr>
+        <p:txBody>
+          <a:bodyPr wrap="square" rtlCol="0">
+            <a:spAutoFit/>
+          </a:bodyPr>
+          <a:lstStyle/>
+          <a:p>
+            <a:r>
+              <a:rPr lang="en-US" altLang="ko-KR">
+                <a:solidFill>
+                  <a:srgbClr val="1F2025"/>
+                </a:solidFill>
+                <a:latin typeface="Calibri" panose="020F0502020204030204" pitchFamily="34" charset="0"/>
+                <a:cs typeface="Calibri" panose="020F0502020204030204" pitchFamily="34" charset="0"/>
+              </a:rPr>
+              <a:t>SOFTMAX</a:t>
+            </a:r>
+            <a:endParaRPr lang="ko-KR" altLang="en-US" dirty="0">
+              <a:solidFill>
+                <a:srgbClr val="1F2025"/>
+              </a:solidFill>
+              <a:latin typeface="Calibri" panose="020F0502020204030204" pitchFamily="34" charset="0"/>
+              <a:cs typeface="Calibri" panose="020F0502020204030204" pitchFamily="34" charset="0"/>
+            </a:endParaRPr>
+          </a:p>
+        </p:txBody>
+      </p:sp>
+      <p:pic>
+        <p:nvPicPr>
+          <p:cNvPr id="5" name="Picture 4">
+            <a:extLst>
+              <a:ext uri="{FF2B5EF4-FFF2-40B4-BE49-F238E27FC236}">
+                <a16:creationId xmlns:a16="http://schemas.microsoft.com/office/drawing/2014/main" id="{216EF829-3C32-48B2-A7C5-DBAFE676DEBA}"/>
+              </a:ext>
+            </a:extLst>
+          </p:cNvPr>
+          <p:cNvPicPr>
+            <a:picLocks noChangeAspect="1"/>
+          </p:cNvPicPr>
+          <p:nvPr/>
+        </p:nvPicPr>
+        <p:blipFill>
+          <a:blip r:embed="rId4"/>
+          <a:stretch>
+            <a:fillRect/>
+          </a:stretch>
+        </p:blipFill>
+        <p:spPr>
+          <a:xfrm>
+            <a:off x="3958910" y="2389096"/>
+            <a:ext cx="5080545" cy="3580417"/>
+          </a:xfrm>
+          <a:prstGeom prst="rect">
+            <a:avLst/>
+          </a:prstGeom>
+        </p:spPr>
+      </p:pic>
+      <p:pic>
+        <p:nvPicPr>
+          <p:cNvPr id="8" name="Picture 7">
+            <a:extLst>
+              <a:ext uri="{FF2B5EF4-FFF2-40B4-BE49-F238E27FC236}">
+                <a16:creationId xmlns:a16="http://schemas.microsoft.com/office/drawing/2014/main" id="{D4892D53-8EF6-4137-8B19-ED4801E3A804}"/>
+              </a:ext>
+            </a:extLst>
+          </p:cNvPr>
+          <p:cNvPicPr>
+            <a:picLocks noChangeAspect="1"/>
+          </p:cNvPicPr>
+          <p:nvPr/>
+        </p:nvPicPr>
+        <p:blipFill>
+          <a:blip r:embed="rId5"/>
+          <a:stretch>
+            <a:fillRect/>
+          </a:stretch>
+        </p:blipFill>
+        <p:spPr>
+          <a:xfrm>
+            <a:off x="7801205" y="1073153"/>
+            <a:ext cx="2476500" cy="942975"/>
           </a:xfrm>
           <a:prstGeom prst="rect">
             <a:avLst/>
@@ -6397,7 +6594,7 @@
     </p:spTree>
     <p:extLst>
       <p:ext uri="{BB962C8B-B14F-4D97-AF65-F5344CB8AC3E}">
-        <p14:creationId xmlns:p14="http://schemas.microsoft.com/office/powerpoint/2010/main" val="2428148938"/>
+        <p14:creationId xmlns:p14="http://schemas.microsoft.com/office/powerpoint/2010/main" val="3564569072"/>
       </p:ext>
     </p:extLst>
   </p:cSld>
@@ -6453,16 +6650,16 @@
           <a:lstStyle/>
           <a:p>
             <a:r>
-              <a:rPr lang="en-US" altLang="ko-KR" sz="2400">
+              <a:rPr lang="en-US" altLang="ko-KR" sz="2400" b="1" dirty="0">
                 <a:solidFill>
                   <a:srgbClr val="1F2025"/>
                 </a:solidFill>
                 <a:latin typeface="+mj-lt"/>
                 <a:cs typeface="Arial" panose="020B0604020202020204" pitchFamily="34" charset="0"/>
               </a:rPr>
-              <a:t>SWIN TRANSFORMER V2</a:t>
-            </a:r>
-            <a:endParaRPr lang="ko-KR" altLang="en-US" sz="2400" dirty="0">
+              <a:t>TRANSFORMER</a:t>
+            </a:r>
+            <a:endParaRPr lang="ko-KR" altLang="en-US" sz="2400" b="1" dirty="0">
               <a:solidFill>
                 <a:srgbClr val="1F2025"/>
               </a:solidFill>
@@ -6486,8 +6683,8 @@
         </p:nvSpPr>
         <p:spPr>
           <a:xfrm>
-            <a:off x="388703" y="1813403"/>
-            <a:ext cx="4799117" cy="2585323"/>
+            <a:off x="977521" y="1447438"/>
+            <a:ext cx="5600832" cy="2585323"/>
           </a:xfrm>
           <a:prstGeom prst="rect">
             <a:avLst/>
@@ -6514,7 +6711,7 @@
             </a:lvl1pPr>
           </a:lstStyle>
           <a:p>
-            <a:pPr marL="171450" indent="-171450">
+            <a:pPr marL="285750" indent="-285750">
               <a:buFontTx/>
               <a:buChar char="-"/>
             </a:pPr>
@@ -6524,11 +6721,53 @@
                   <a:srgbClr val="1F2025"/>
                 </a:solidFill>
               </a:rPr>
-              <a:t>Được giới thiệu tháng 11/2021.</a:t>
-            </a:r>
-          </a:p>
-          <a:p>
-            <a:pPr marL="171450" indent="-171450">
+              <a:t>Ưu điểm:</a:t>
+            </a:r>
+          </a:p>
+          <a:p>
+            <a:pPr marL="800100" lvl="1" indent="-342900">
+              <a:buFont typeface="Wingdings" panose="05000000000000000000" pitchFamily="2" charset="2"/>
+              <a:buChar char="§"/>
+            </a:pPr>
+            <a:r>
+              <a:rPr lang="en-US" altLang="ko-KR">
+                <a:solidFill>
+                  <a:srgbClr val="1F2025"/>
+                </a:solidFill>
+              </a:rPr>
+              <a:t>Kiến trúc đơn giản.</a:t>
+            </a:r>
+          </a:p>
+          <a:p>
+            <a:pPr marL="800100" lvl="1" indent="-342900">
+              <a:buFont typeface="Wingdings" panose="05000000000000000000" pitchFamily="2" charset="2"/>
+              <a:buChar char="§"/>
+            </a:pPr>
+            <a:r>
+              <a:rPr lang="en-US" altLang="ko-KR">
+                <a:solidFill>
+                  <a:srgbClr val="1F2025"/>
+                </a:solidFill>
+              </a:rPr>
+              <a:t>Tốc độ huấn luyện và suy diễn nhanh hơn các phương pháp trước đó.</a:t>
+            </a:r>
+          </a:p>
+          <a:p>
+            <a:pPr marL="800100" lvl="1" indent="-342900">
+              <a:buFont typeface="Wingdings" panose="05000000000000000000" pitchFamily="2" charset="2"/>
+              <a:buChar char="§"/>
+            </a:pPr>
+            <a:r>
+              <a:rPr lang="en-US" altLang="ko-KR">
+                <a:solidFill>
+                  <a:srgbClr val="1F2025"/>
+                </a:solidFill>
+              </a:rPr>
+              <a:t>Có thể xây dựng được các mạng rất sâu.</a:t>
+            </a:r>
+          </a:p>
+          <a:p>
+            <a:pPr marL="285750" indent="-285750">
               <a:buFontTx/>
               <a:buChar char="-"/>
             </a:pPr>
@@ -6538,55 +6777,30 @@
                   <a:srgbClr val="1F2025"/>
                 </a:solidFill>
               </a:rPr>
-              <a:t>Dựa trên kiến trúc của Swin Transformer V1, có thêm một số cải tiến để cải thiện hiệu năng cũng nh</a:t>
-            </a:r>
-            <a:r>
-              <a:rPr lang="vi-VN" altLang="ko-KR" sz="1800">
-                <a:solidFill>
-                  <a:srgbClr val="1F2025"/>
-                </a:solidFill>
-              </a:rPr>
-              <a:t>ư</a:t>
-            </a:r>
-            <a:r>
-              <a:rPr lang="en-US" altLang="ko-KR" sz="1800">
-                <a:solidFill>
-                  <a:srgbClr val="1F2025"/>
-                </a:solidFill>
-              </a:rPr>
-              <a:t> độ phân giải đầu vào.</a:t>
-            </a:r>
-          </a:p>
-          <a:p>
-            <a:pPr marL="171450" indent="-171450">
-              <a:buFontTx/>
-              <a:buChar char="-"/>
+              <a:t>Hạn chế:</a:t>
+            </a:r>
+          </a:p>
+          <a:p>
+            <a:pPr marL="800100" lvl="1" indent="-342900">
+              <a:buFont typeface="Wingdings" panose="05000000000000000000" pitchFamily="2" charset="2"/>
+              <a:buChar char="§"/>
             </a:pPr>
             <a:r>
-              <a:rPr lang="en-US" altLang="ko-KR" sz="1800">
-                <a:solidFill>
-                  <a:srgbClr val="1F2025"/>
-                </a:solidFill>
-              </a:rPr>
-              <a:t>Mô hình lên tới 3 tỷ tham số, huấn luyện với độ phân giải lên tới 1536x1536 pixels.</a:t>
-            </a:r>
-          </a:p>
-          <a:p>
-            <a:pPr marL="171450" indent="-171450">
-              <a:buFontTx/>
-              <a:buChar char="-"/>
-            </a:pPr>
-            <a:r>
-              <a:rPr lang="en-US" altLang="ko-KR" sz="1800">
-                <a:solidFill>
-                  <a:srgbClr val="1F2025"/>
-                </a:solidFill>
-              </a:rPr>
-              <a:t>Thiết lập SOTA trên các thang đo đại diện cho các bài toán về thị giác máy tính.</a:t>
-            </a:r>
-          </a:p>
-          <a:p>
-            <a:pPr marL="171450" indent="-171450">
+              <a:rPr lang="en-US" altLang="ko-KR">
+                <a:solidFill>
+                  <a:srgbClr val="1F2025"/>
+                </a:solidFill>
+              </a:rPr>
+              <a:t>Chưa sử dụng được để giải quyết các bài toán của thị giác máy tính.</a:t>
+            </a:r>
+            <a:endParaRPr lang="en-US" altLang="ko-KR" dirty="0">
+              <a:solidFill>
+                <a:srgbClr val="1F2025"/>
+              </a:solidFill>
+            </a:endParaRPr>
+          </a:p>
+          <a:p>
+            <a:pPr marL="285750" indent="-285750">
               <a:buFontTx/>
               <a:buChar char="-"/>
             </a:pPr>
@@ -6677,40 +6891,58 @@
           </a:prstGeom>
         </p:spPr>
       </p:pic>
-      <p:pic>
-        <p:nvPicPr>
-          <p:cNvPr id="4" name="Picture 3">
-            <a:extLst>
-              <a:ext uri="{FF2B5EF4-FFF2-40B4-BE49-F238E27FC236}">
-                <a16:creationId xmlns:a16="http://schemas.microsoft.com/office/drawing/2014/main" id="{4180287D-0413-4A11-9FC5-C6A843A853A5}"/>
-              </a:ext>
-            </a:extLst>
-          </p:cNvPr>
-          <p:cNvPicPr>
-            <a:picLocks noChangeAspect="1"/>
-          </p:cNvPicPr>
-          <p:nvPr/>
-        </p:nvPicPr>
-        <p:blipFill>
-          <a:blip r:embed="rId4"/>
-          <a:stretch>
-            <a:fillRect/>
-          </a:stretch>
-        </p:blipFill>
-        <p:spPr>
-          <a:xfrm>
-            <a:off x="5705281" y="706092"/>
-            <a:ext cx="5372100" cy="5000625"/>
-          </a:xfrm>
-          <a:prstGeom prst="rect">
-            <a:avLst/>
-          </a:prstGeom>
-        </p:spPr>
-      </p:pic>
+      <p:sp>
+        <p:nvSpPr>
+          <p:cNvPr id="4" name="TextBox 3">
+            <a:extLst>
+              <a:ext uri="{FF2B5EF4-FFF2-40B4-BE49-F238E27FC236}">
+                <a16:creationId xmlns:a16="http://schemas.microsoft.com/office/drawing/2014/main" id="{D8F91711-CAFD-776A-5977-7294952FDCA4}"/>
+              </a:ext>
+            </a:extLst>
+          </p:cNvPr>
+          <p:cNvSpPr txBox="1"/>
+          <p:nvPr/>
+        </p:nvSpPr>
+        <p:spPr>
+          <a:xfrm>
+            <a:off x="977521" y="888487"/>
+            <a:ext cx="5317883" cy="369332"/>
+          </a:xfrm>
+          <a:prstGeom prst="rect">
+            <a:avLst/>
+          </a:prstGeom>
+          <a:noFill/>
+        </p:spPr>
+        <p:txBody>
+          <a:bodyPr wrap="square" rtlCol="0">
+            <a:spAutoFit/>
+          </a:bodyPr>
+          <a:lstStyle/>
+          <a:p>
+            <a:r>
+              <a:rPr lang="en-US" altLang="ko-KR">
+                <a:solidFill>
+                  <a:srgbClr val="1F2025"/>
+                </a:solidFill>
+                <a:latin typeface="Calibri" panose="020F0502020204030204" pitchFamily="34" charset="0"/>
+                <a:cs typeface="Calibri" panose="020F0502020204030204" pitchFamily="34" charset="0"/>
+              </a:rPr>
+              <a:t>PROS &amp; CONS</a:t>
+            </a:r>
+            <a:endParaRPr lang="ko-KR" altLang="en-US" dirty="0">
+              <a:solidFill>
+                <a:srgbClr val="1F2025"/>
+              </a:solidFill>
+              <a:latin typeface="Calibri" panose="020F0502020204030204" pitchFamily="34" charset="0"/>
+              <a:cs typeface="Calibri" panose="020F0502020204030204" pitchFamily="34" charset="0"/>
+            </a:endParaRPr>
+          </a:p>
+        </p:txBody>
+      </p:sp>
     </p:spTree>
     <p:extLst>
       <p:ext uri="{BB962C8B-B14F-4D97-AF65-F5344CB8AC3E}">
-        <p14:creationId xmlns:p14="http://schemas.microsoft.com/office/powerpoint/2010/main" val="829733736"/>
+        <p14:creationId xmlns:p14="http://schemas.microsoft.com/office/powerpoint/2010/main" val="1434564050"/>
       </p:ext>
     </p:extLst>
   </p:cSld>
@@ -6742,7 +6974,7 @@
           <p:cNvPr id="2" name="TextBox 1">
             <a:extLst>
               <a:ext uri="{FF2B5EF4-FFF2-40B4-BE49-F238E27FC236}">
-                <a16:creationId xmlns:a16="http://schemas.microsoft.com/office/drawing/2014/main" id="{D142F346-FC6A-493B-995E-DB2FC357CBE3}"/>
+                <a16:creationId xmlns:a16="http://schemas.microsoft.com/office/drawing/2014/main" id="{4ECC80F9-88DA-415C-B69B-55F6C7756629}"/>
               </a:ext>
             </a:extLst>
           </p:cNvPr>
@@ -6751,8 +6983,8 @@
         </p:nvSpPr>
         <p:spPr>
           <a:xfrm>
-            <a:off x="3708400" y="2759168"/>
-            <a:ext cx="4775200" cy="1200329"/>
+            <a:off x="578715" y="465985"/>
+            <a:ext cx="5317883" cy="461665"/>
           </a:xfrm>
           <a:prstGeom prst="rect">
             <a:avLst/>
@@ -6765,83 +6997,213 @@
           </a:bodyPr>
           <a:lstStyle/>
           <a:p>
-            <a:pPr algn="ctr"/>
-            <a:r>
-              <a:rPr lang="vi-VN" altLang="ko-KR" sz="3600" b="1">
-                <a:solidFill>
-                  <a:srgbClr val="1F2025"/>
-                </a:solidFill>
-                <a:latin typeface="Calibri" panose="020F0502020204030204" pitchFamily="34" charset="0"/>
-                <a:cs typeface="Calibri" panose="020F0502020204030204" pitchFamily="34" charset="0"/>
-              </a:rPr>
-              <a:t>I</a:t>
-            </a:r>
-            <a:r>
-              <a:rPr lang="en-US" altLang="ko-KR" sz="3600" b="1">
-                <a:solidFill>
-                  <a:srgbClr val="1F2025"/>
-                </a:solidFill>
-                <a:latin typeface="Calibri" panose="020F0502020204030204" pitchFamily="34" charset="0"/>
-                <a:cs typeface="Calibri" panose="020F0502020204030204" pitchFamily="34" charset="0"/>
-              </a:rPr>
-              <a:t>V</a:t>
-            </a:r>
-            <a:r>
-              <a:rPr lang="vi-VN" altLang="ko-KR" sz="3600" b="1">
-                <a:solidFill>
-                  <a:srgbClr val="1F2025"/>
-                </a:solidFill>
-                <a:latin typeface="Calibri" panose="020F0502020204030204" pitchFamily="34" charset="0"/>
-                <a:cs typeface="Calibri" panose="020F0502020204030204" pitchFamily="34" charset="0"/>
-              </a:rPr>
-              <a:t>. CÁC </a:t>
-            </a:r>
-            <a:r>
-              <a:rPr lang="en-US" altLang="ko-KR" sz="3600" b="1">
-                <a:solidFill>
-                  <a:srgbClr val="1F2025"/>
-                </a:solidFill>
-                <a:latin typeface="Calibri" panose="020F0502020204030204" pitchFamily="34" charset="0"/>
-                <a:cs typeface="Calibri" panose="020F0502020204030204" pitchFamily="34" charset="0"/>
-              </a:rPr>
-              <a:t>KỸ THUẬT MỚI Đ</a:t>
-            </a:r>
-            <a:r>
-              <a:rPr lang="vi-VN" altLang="ko-KR" sz="3600" b="1">
-                <a:solidFill>
-                  <a:srgbClr val="1F2025"/>
-                </a:solidFill>
-                <a:latin typeface="Calibri" panose="020F0502020204030204" pitchFamily="34" charset="0"/>
-                <a:cs typeface="Calibri" panose="020F0502020204030204" pitchFamily="34" charset="0"/>
-              </a:rPr>
-              <a:t>Ư</a:t>
-            </a:r>
-            <a:r>
-              <a:rPr lang="en-US" altLang="ko-KR" sz="3600" b="1">
-                <a:solidFill>
-                  <a:srgbClr val="1F2025"/>
-                </a:solidFill>
-                <a:latin typeface="Calibri" panose="020F0502020204030204" pitchFamily="34" charset="0"/>
-                <a:cs typeface="Calibri" panose="020F0502020204030204" pitchFamily="34" charset="0"/>
-              </a:rPr>
-              <a:t>ỢC ĐỀ XUẤT</a:t>
-            </a:r>
-            <a:endParaRPr lang="ko-KR" altLang="en-US" sz="3600" b="1" dirty="0">
+            <a:r>
+              <a:rPr lang="en-US" altLang="ko-KR" sz="2400" b="1">
+                <a:solidFill>
+                  <a:srgbClr val="1F2025"/>
+                </a:solidFill>
+                <a:latin typeface="+mj-lt"/>
+                <a:cs typeface="Arial" panose="020B0604020202020204" pitchFamily="34" charset="0"/>
+              </a:rPr>
+              <a:t>VISION TRANSFORMER</a:t>
+            </a:r>
+            <a:endParaRPr lang="ko-KR" altLang="en-US" sz="2400" b="1" dirty="0">
               <a:solidFill>
                 <a:srgbClr val="1F2025"/>
               </a:solidFill>
-              <a:latin typeface="Calibri" panose="020F0502020204030204" pitchFamily="34" charset="0"/>
-              <a:cs typeface="Calibri" panose="020F0502020204030204" pitchFamily="34" charset="0"/>
+              <a:latin typeface="+mj-lt"/>
+              <a:cs typeface="Arial" panose="020B0604020202020204" pitchFamily="34" charset="0"/>
             </a:endParaRPr>
+          </a:p>
+        </p:txBody>
+      </p:sp>
+      <p:sp>
+        <p:nvSpPr>
+          <p:cNvPr id="3" name="TextBox 2">
+            <a:extLst>
+              <a:ext uri="{FF2B5EF4-FFF2-40B4-BE49-F238E27FC236}">
+                <a16:creationId xmlns:a16="http://schemas.microsoft.com/office/drawing/2014/main" id="{4A5778BD-E06C-4169-AA97-F60816239A15}"/>
+              </a:ext>
+            </a:extLst>
+          </p:cNvPr>
+          <p:cNvSpPr txBox="1"/>
+          <p:nvPr/>
+        </p:nvSpPr>
+        <p:spPr>
+          <a:xfrm>
+            <a:off x="487881" y="1596414"/>
+            <a:ext cx="3682903" cy="3970318"/>
+          </a:xfrm>
+          <a:prstGeom prst="rect">
+            <a:avLst/>
+          </a:prstGeom>
+          <a:noFill/>
+        </p:spPr>
+        <p:txBody>
+          <a:bodyPr wrap="square" rtlCol="0">
+            <a:spAutoFit/>
+          </a:bodyPr>
+          <a:lstStyle>
+            <a:defPPr>
+              <a:defRPr lang="ko-KR"/>
+            </a:defPPr>
+            <a:lvl1pPr>
+              <a:defRPr sz="1100">
+                <a:solidFill>
+                  <a:schemeClr val="tx1">
+                    <a:lumMod val="75000"/>
+                    <a:lumOff val="25000"/>
+                  </a:schemeClr>
+                </a:solidFill>
+              </a:defRPr>
+            </a:lvl1pPr>
+          </a:lstStyle>
+          <a:p>
+            <a:pPr marL="171450" indent="-171450">
+              <a:buFontTx/>
+              <a:buChar char="-"/>
+            </a:pPr>
+            <a:r>
+              <a:rPr lang="en-US" altLang="ko-KR" sz="1800">
+                <a:solidFill>
+                  <a:srgbClr val="1F2025"/>
+                </a:solidFill>
+              </a:rPr>
+              <a:t>Ra mắt tháng 10/2020</a:t>
+            </a:r>
+          </a:p>
+          <a:p>
+            <a:pPr marL="171450" indent="-171450">
+              <a:buFontTx/>
+              <a:buChar char="-"/>
+            </a:pPr>
+            <a:r>
+              <a:rPr lang="en-US" altLang="ko-KR" sz="1800">
+                <a:solidFill>
+                  <a:srgbClr val="1F2025"/>
+                </a:solidFill>
+              </a:rPr>
+              <a:t>Là biến thể của Transformer ứng dụng cho các bài toán về thị giác máy tính.</a:t>
+            </a:r>
+          </a:p>
+          <a:p>
+            <a:pPr marL="171450" indent="-171450">
+              <a:buFontTx/>
+              <a:buChar char="-"/>
+            </a:pPr>
+            <a:r>
+              <a:rPr lang="en-US" altLang="ko-KR" sz="1800">
+                <a:solidFill>
+                  <a:srgbClr val="1F2025"/>
+                </a:solidFill>
+              </a:rPr>
+              <a:t>Chỉ bao gồm Nx lớp Enconders.</a:t>
+            </a:r>
+          </a:p>
+          <a:p>
+            <a:pPr marL="171450" indent="-171450">
+              <a:buFontTx/>
+              <a:buChar char="-"/>
+            </a:pPr>
+            <a:r>
+              <a:rPr lang="en-US" altLang="ko-KR" sz="1800">
+                <a:solidFill>
+                  <a:srgbClr val="1F2025"/>
+                </a:solidFill>
+              </a:rPr>
+              <a:t>Kiến trúc đơn giản hơn các mạng CNN, tốn ít tài nguyên hơn khi huấn luyện.</a:t>
+            </a:r>
+          </a:p>
+          <a:p>
+            <a:pPr marL="171450" indent="-171450">
+              <a:buFontTx/>
+              <a:buChar char="-"/>
+            </a:pPr>
+            <a:r>
+              <a:rPr lang="en-US" altLang="ko-KR" sz="1800">
+                <a:solidFill>
+                  <a:srgbClr val="1F2025"/>
+                </a:solidFill>
+              </a:rPr>
+              <a:t>Đạt kết quả tương đương với các mạng CNN SOTA khác tại thời điểm ra mắt.</a:t>
+            </a:r>
+          </a:p>
+          <a:p>
+            <a:pPr marL="171450" indent="-171450">
+              <a:buFontTx/>
+              <a:buChar char="-"/>
+            </a:pPr>
+            <a:r>
+              <a:rPr lang="en-US" altLang="ko-KR" sz="1800">
+                <a:solidFill>
+                  <a:srgbClr val="1F2025"/>
+                </a:solidFill>
+              </a:rPr>
+              <a:t>Chỉ dùng cho bài toán image classification.</a:t>
+            </a:r>
+          </a:p>
+          <a:p>
+            <a:pPr marL="171450" indent="-171450">
+              <a:buFontTx/>
+              <a:buChar char="-"/>
+            </a:pPr>
+            <a:endParaRPr lang="en-US" altLang="ko-KR" sz="1800" dirty="0">
+              <a:solidFill>
+                <a:srgbClr val="1F2025"/>
+              </a:solidFill>
+            </a:endParaRPr>
+          </a:p>
+        </p:txBody>
+      </p:sp>
+      <p:sp>
+        <p:nvSpPr>
+          <p:cNvPr id="16" name="직사각형 15">
+            <a:extLst>
+              <a:ext uri="{FF2B5EF4-FFF2-40B4-BE49-F238E27FC236}">
+                <a16:creationId xmlns:a16="http://schemas.microsoft.com/office/drawing/2014/main" id="{B73FE535-94A1-4E5D-B190-1D99674EF915}"/>
+              </a:ext>
+            </a:extLst>
+          </p:cNvPr>
+          <p:cNvSpPr/>
+          <p:nvPr/>
+        </p:nvSpPr>
+        <p:spPr>
+          <a:xfrm>
+            <a:off x="0" y="6206532"/>
+            <a:ext cx="12192000" cy="651468"/>
+          </a:xfrm>
+          <a:prstGeom prst="rect">
+            <a:avLst/>
+          </a:prstGeom>
+          <a:solidFill>
+            <a:srgbClr val="1F2025"/>
+          </a:solidFill>
+          <a:ln w="9525" cap="flat">
+            <a:noFill/>
+            <a:prstDash val="solid"/>
+            <a:miter/>
+          </a:ln>
+        </p:spPr>
+        <p:txBody>
+          <a:bodyPr rot="0" spcFirstLastPara="0" vertOverflow="overflow" horzOverflow="overflow" vert="horz" wrap="square" lIns="91440" tIns="45720" rIns="91440" bIns="45720" numCol="1" spcCol="0" rtlCol="0" fromWordArt="0" anchor="ctr" anchorCtr="0" forceAA="0" compatLnSpc="1">
+            <a:prstTxWarp prst="textNoShape">
+              <a:avLst/>
+            </a:prstTxWarp>
+            <a:noAutofit/>
+          </a:bodyPr>
+          <a:lstStyle/>
+          <a:p>
+            <a:pPr algn="l"/>
+            <a:endParaRPr lang="ko-KR" altLang="en-US"/>
           </a:p>
         </p:txBody>
       </p:sp>
       <p:pic>
         <p:nvPicPr>
-          <p:cNvPr id="7" name="그래픽 6">
-            <a:extLst>
-              <a:ext uri="{FF2B5EF4-FFF2-40B4-BE49-F238E27FC236}">
-                <a16:creationId xmlns:a16="http://schemas.microsoft.com/office/drawing/2014/main" id="{174595B1-92CE-44ED-97FE-F6A897FE48EF}"/>
+          <p:cNvPr id="17" name="그래픽 16">
+            <a:extLst>
+              <a:ext uri="{FF2B5EF4-FFF2-40B4-BE49-F238E27FC236}">
+                <a16:creationId xmlns:a16="http://schemas.microsoft.com/office/drawing/2014/main" id="{7A988829-597B-495C-9112-A39D40EF9F77}"/>
               </a:ext>
             </a:extLst>
           </p:cNvPr>
@@ -6864,8 +7226,38 @@
         </p:blipFill>
         <p:spPr>
           <a:xfrm>
-            <a:off x="272402" y="217015"/>
-            <a:ext cx="834391" cy="488942"/>
+            <a:off x="11222584" y="6348701"/>
+            <a:ext cx="626516" cy="367130"/>
+          </a:xfrm>
+          <a:prstGeom prst="rect">
+            <a:avLst/>
+          </a:prstGeom>
+        </p:spPr>
+      </p:pic>
+      <p:pic>
+        <p:nvPicPr>
+          <p:cNvPr id="4" name="Picture 3">
+            <a:extLst>
+              <a:ext uri="{FF2B5EF4-FFF2-40B4-BE49-F238E27FC236}">
+                <a16:creationId xmlns:a16="http://schemas.microsoft.com/office/drawing/2014/main" id="{D27C7F96-7F2A-46ED-A9B7-15BDFBD0E28F}"/>
+              </a:ext>
+            </a:extLst>
+          </p:cNvPr>
+          <p:cNvPicPr>
+            <a:picLocks noChangeAspect="1"/>
+          </p:cNvPicPr>
+          <p:nvPr/>
+        </p:nvPicPr>
+        <p:blipFill>
+          <a:blip r:embed="rId4"/>
+          <a:stretch>
+            <a:fillRect/>
+          </a:stretch>
+        </p:blipFill>
+        <p:spPr>
+          <a:xfrm>
+            <a:off x="4591100" y="1027843"/>
+            <a:ext cx="7469835" cy="3934161"/>
           </a:xfrm>
           <a:prstGeom prst="rect">
             <a:avLst/>
@@ -6875,7 +7267,7 @@
     </p:spTree>
     <p:extLst>
       <p:ext uri="{BB962C8B-B14F-4D97-AF65-F5344CB8AC3E}">
-        <p14:creationId xmlns:p14="http://schemas.microsoft.com/office/powerpoint/2010/main" val="4267959614"/>
+        <p14:creationId xmlns:p14="http://schemas.microsoft.com/office/powerpoint/2010/main" val="3018345107"/>
       </p:ext>
     </p:extLst>
   </p:cSld>
@@ -7322,7 +7714,7 @@
 </file>
 
 <file path=ppt/slides/slide20.xml><?xml version="1.0" encoding="utf-8"?>
-<p:sld xmlns:a="http://schemas.openxmlformats.org/drawingml/2006/main" xmlns:r="http://schemas.openxmlformats.org/officeDocument/2006/relationships" xmlns:p="http://schemas.openxmlformats.org/presentationml/2006/main" showMasterSp="0">
+<p:sld xmlns:a="http://schemas.openxmlformats.org/drawingml/2006/main" xmlns:r="http://schemas.openxmlformats.org/officeDocument/2006/relationships" xmlns:p="http://schemas.openxmlformats.org/presentationml/2006/main">
   <p:cSld>
     <p:spTree>
       <p:nvGrpSpPr>
@@ -7352,7 +7744,7 @@
         </p:nvSpPr>
         <p:spPr>
           <a:xfrm>
-            <a:off x="578715" y="482981"/>
+            <a:off x="578715" y="465985"/>
             <a:ext cx="5317883" cy="461665"/>
           </a:xfrm>
           <a:prstGeom prst="rect">
@@ -7374,7 +7766,7 @@
                 <a:latin typeface="+mj-lt"/>
                 <a:cs typeface="Arial" panose="020B0604020202020204" pitchFamily="34" charset="0"/>
               </a:rPr>
-              <a:t>MỞ RỘNG NĂNG LỰC MÔ HÌNH</a:t>
+              <a:t>VISION TRANSFORMER</a:t>
             </a:r>
             <a:endParaRPr lang="ko-KR" altLang="en-US" sz="2400" b="1" dirty="0">
               <a:solidFill>
@@ -7400,8 +7792,8 @@
         </p:nvSpPr>
         <p:spPr>
           <a:xfrm>
-            <a:off x="920547" y="2233280"/>
-            <a:ext cx="4677820" cy="923330"/>
+            <a:off x="977521" y="1452788"/>
+            <a:ext cx="7900339" cy="1477328"/>
           </a:xfrm>
           <a:prstGeom prst="rect">
             <a:avLst/>
@@ -7428,7 +7820,7 @@
             </a:lvl1pPr>
           </a:lstStyle>
           <a:p>
-            <a:pPr marL="285750" indent="-285750">
+            <a:pPr marL="171450" indent="-171450">
               <a:buFontTx/>
               <a:buChar char="-"/>
             </a:pPr>
@@ -7438,11 +7830,11 @@
                   <a:srgbClr val="1F2025"/>
                 </a:solidFill>
               </a:rPr>
-              <a:t>Post normalization</a:t>
-            </a:r>
-          </a:p>
-          <a:p>
-            <a:pPr marL="285750" indent="-285750">
+              <a:t>Chia bức ảnh thành 16x16 ô.</a:t>
+            </a:r>
+          </a:p>
+          <a:p>
+            <a:pPr marL="171450" indent="-171450">
               <a:buFontTx/>
               <a:buChar char="-"/>
             </a:pPr>
@@ -7452,11 +7844,36 @@
                   <a:srgbClr val="1F2025"/>
                 </a:solidFill>
               </a:rPr>
-              <a:t>Scaled cosine attention</a:t>
-            </a:r>
-          </a:p>
-          <a:p>
-            <a:pPr marL="285750" indent="-285750">
+              <a:t>Mỗi ô là 1 patch, tương ứng 1 từ (token) trong Transformer.</a:t>
+            </a:r>
+          </a:p>
+          <a:p>
+            <a:pPr marL="171450" indent="-171450">
+              <a:buFontTx/>
+              <a:buChar char="-"/>
+            </a:pPr>
+            <a:r>
+              <a:rPr lang="en-US" altLang="ko-KR" sz="1800">
+                <a:solidFill>
+                  <a:srgbClr val="1F2025"/>
+                </a:solidFill>
+              </a:rPr>
+              <a:t>Các patches được duỗi thẳng ra tương tự như một véc tơ.</a:t>
+            </a:r>
+          </a:p>
+          <a:p>
+            <a:pPr marL="171450" indent="-171450">
+              <a:buFontTx/>
+              <a:buChar char="-"/>
+            </a:pPr>
+            <a:endParaRPr lang="en-US" altLang="ko-KR" sz="1800">
+              <a:solidFill>
+                <a:srgbClr val="1F2025"/>
+              </a:solidFill>
+            </a:endParaRPr>
+          </a:p>
+          <a:p>
+            <a:pPr marL="171450" indent="-171450">
               <a:buFontTx/>
               <a:buChar char="-"/>
             </a:pPr>
@@ -7547,10 +7964,58 @@
           </a:prstGeom>
         </p:spPr>
       </p:pic>
+      <p:sp>
+        <p:nvSpPr>
+          <p:cNvPr id="6" name="TextBox 5">
+            <a:extLst>
+              <a:ext uri="{FF2B5EF4-FFF2-40B4-BE49-F238E27FC236}">
+                <a16:creationId xmlns:a16="http://schemas.microsoft.com/office/drawing/2014/main" id="{4F60B7A2-B232-4BE3-BE08-DE29AF3787C0}"/>
+              </a:ext>
+            </a:extLst>
+          </p:cNvPr>
+          <p:cNvSpPr txBox="1"/>
+          <p:nvPr/>
+        </p:nvSpPr>
+        <p:spPr>
+          <a:xfrm>
+            <a:off x="977521" y="888487"/>
+            <a:ext cx="6266658" cy="369332"/>
+          </a:xfrm>
+          <a:prstGeom prst="rect">
+            <a:avLst/>
+          </a:prstGeom>
+          <a:noFill/>
+        </p:spPr>
+        <p:txBody>
+          <a:bodyPr wrap="square" rtlCol="0">
+            <a:spAutoFit/>
+          </a:bodyPr>
+          <a:lstStyle/>
+          <a:p>
+            <a:r>
+              <a:rPr lang="en-US" altLang="ko-KR">
+                <a:solidFill>
+                  <a:srgbClr val="1F2025"/>
+                </a:solidFill>
+                <a:latin typeface="Calibri" panose="020F0502020204030204" pitchFamily="34" charset="0"/>
+                <a:cs typeface="Calibri" panose="020F0502020204030204" pitchFamily="34" charset="0"/>
+              </a:rPr>
+              <a:t>LINEAR PROJECTION &amp; FLATTENED PATCHES</a:t>
+            </a:r>
+            <a:endParaRPr lang="ko-KR" altLang="en-US" dirty="0">
+              <a:solidFill>
+                <a:srgbClr val="1F2025"/>
+              </a:solidFill>
+              <a:latin typeface="Calibri" panose="020F0502020204030204" pitchFamily="34" charset="0"/>
+              <a:cs typeface="Calibri" panose="020F0502020204030204" pitchFamily="34" charset="0"/>
+            </a:endParaRPr>
+          </a:p>
+        </p:txBody>
+      </p:sp>
     </p:spTree>
     <p:extLst>
       <p:ext uri="{BB962C8B-B14F-4D97-AF65-F5344CB8AC3E}">
-        <p14:creationId xmlns:p14="http://schemas.microsoft.com/office/powerpoint/2010/main" val="3780947865"/>
+        <p14:creationId xmlns:p14="http://schemas.microsoft.com/office/powerpoint/2010/main" val="1732409390"/>
       </p:ext>
     </p:extLst>
   </p:cSld>
@@ -7591,7 +8056,7 @@
         </p:nvSpPr>
         <p:spPr>
           <a:xfrm>
-            <a:off x="578715" y="482981"/>
+            <a:off x="578715" y="465985"/>
             <a:ext cx="5317883" cy="461665"/>
           </a:xfrm>
           <a:prstGeom prst="rect">
@@ -7613,7 +8078,7 @@
                 <a:latin typeface="+mj-lt"/>
                 <a:cs typeface="Arial" panose="020B0604020202020204" pitchFamily="34" charset="0"/>
               </a:rPr>
-              <a:t>MỞ RỘNG ĐỘ PHÂN GIẢI</a:t>
+              <a:t>VISION TRANSFORMER</a:t>
             </a:r>
             <a:endParaRPr lang="ko-KR" altLang="en-US" sz="2400" b="1" dirty="0">
               <a:solidFill>
@@ -7639,8 +8104,8 @@
         </p:nvSpPr>
         <p:spPr>
           <a:xfrm>
-            <a:off x="920547" y="2233280"/>
-            <a:ext cx="4677820" cy="923330"/>
+            <a:off x="977521" y="1452788"/>
+            <a:ext cx="7900339" cy="1754326"/>
           </a:xfrm>
           <a:prstGeom prst="rect">
             <a:avLst/>
@@ -7667,7 +8132,7 @@
             </a:lvl1pPr>
           </a:lstStyle>
           <a:p>
-            <a:pPr marL="285750" indent="-285750">
+            <a:pPr marL="171450" indent="-171450">
               <a:buFontTx/>
               <a:buChar char="-"/>
             </a:pPr>
@@ -7677,11 +8142,11 @@
                   <a:srgbClr val="1F2025"/>
                 </a:solidFill>
               </a:rPr>
-              <a:t>Continuous relative position bias</a:t>
-            </a:r>
-          </a:p>
-          <a:p>
-            <a:pPr marL="285750" indent="-285750">
+              <a:t>Không gian patch được biến đổi tuyến tính thành không gian patch embedding thông qua một Dense Layer.</a:t>
+            </a:r>
+          </a:p>
+          <a:p>
+            <a:pPr marL="171450" indent="-171450">
               <a:buFontTx/>
               <a:buChar char="-"/>
             </a:pPr>
@@ -7691,11 +8156,22 @@
                   <a:srgbClr val="1F2025"/>
                 </a:solidFill>
               </a:rPr>
-              <a:t>Log-spaced coordinates</a:t>
-            </a:r>
-          </a:p>
-          <a:p>
-            <a:pPr marL="285750" indent="-285750">
+              <a:t>Positional embedding sử dụng một embedding matrix có position size bằng số patches.</a:t>
+            </a:r>
+          </a:p>
+          <a:p>
+            <a:pPr marL="171450" indent="-171450">
+              <a:buFontTx/>
+              <a:buChar char="-"/>
+            </a:pPr>
+            <a:endParaRPr lang="en-US" altLang="ko-KR" sz="1800">
+              <a:solidFill>
+                <a:srgbClr val="1F2025"/>
+              </a:solidFill>
+            </a:endParaRPr>
+          </a:p>
+          <a:p>
+            <a:pPr marL="171450" indent="-171450">
               <a:buFontTx/>
               <a:buChar char="-"/>
             </a:pPr>
@@ -7786,10 +8262,58 @@
           </a:prstGeom>
         </p:spPr>
       </p:pic>
+      <p:sp>
+        <p:nvSpPr>
+          <p:cNvPr id="6" name="TextBox 5">
+            <a:extLst>
+              <a:ext uri="{FF2B5EF4-FFF2-40B4-BE49-F238E27FC236}">
+                <a16:creationId xmlns:a16="http://schemas.microsoft.com/office/drawing/2014/main" id="{4F60B7A2-B232-4BE3-BE08-DE29AF3787C0}"/>
+              </a:ext>
+            </a:extLst>
+          </p:cNvPr>
+          <p:cNvSpPr txBox="1"/>
+          <p:nvPr/>
+        </p:nvSpPr>
+        <p:spPr>
+          <a:xfrm>
+            <a:off x="977521" y="888487"/>
+            <a:ext cx="6266658" cy="369332"/>
+          </a:xfrm>
+          <a:prstGeom prst="rect">
+            <a:avLst/>
+          </a:prstGeom>
+          <a:noFill/>
+        </p:spPr>
+        <p:txBody>
+          <a:bodyPr wrap="square" rtlCol="0">
+            <a:spAutoFit/>
+          </a:bodyPr>
+          <a:lstStyle/>
+          <a:p>
+            <a:r>
+              <a:rPr lang="en-US" altLang="ko-KR">
+                <a:solidFill>
+                  <a:srgbClr val="1F2025"/>
+                </a:solidFill>
+                <a:latin typeface="Calibri" panose="020F0502020204030204" pitchFamily="34" charset="0"/>
+                <a:cs typeface="Calibri" panose="020F0502020204030204" pitchFamily="34" charset="0"/>
+              </a:rPr>
+              <a:t>PATCHES &amp; PATCH EMBEDDING &amp; POSITIONAL EMBEDDING</a:t>
+            </a:r>
+            <a:endParaRPr lang="ko-KR" altLang="en-US" dirty="0">
+              <a:solidFill>
+                <a:srgbClr val="1F2025"/>
+              </a:solidFill>
+              <a:latin typeface="Calibri" panose="020F0502020204030204" pitchFamily="34" charset="0"/>
+              <a:cs typeface="Calibri" panose="020F0502020204030204" pitchFamily="34" charset="0"/>
+            </a:endParaRPr>
+          </a:p>
+        </p:txBody>
+      </p:sp>
     </p:spTree>
     <p:extLst>
       <p:ext uri="{BB962C8B-B14F-4D97-AF65-F5344CB8AC3E}">
-        <p14:creationId xmlns:p14="http://schemas.microsoft.com/office/powerpoint/2010/main" val="3004168505"/>
+        <p14:creationId xmlns:p14="http://schemas.microsoft.com/office/powerpoint/2010/main" val="1998175953"/>
       </p:ext>
     </p:extLst>
   </p:cSld>
@@ -7830,7 +8354,7 @@
         </p:nvSpPr>
         <p:spPr>
           <a:xfrm>
-            <a:off x="578715" y="482981"/>
+            <a:off x="578715" y="465985"/>
             <a:ext cx="5317883" cy="461665"/>
           </a:xfrm>
           <a:prstGeom prst="rect">
@@ -7849,14 +8373,16 @@
                 <a:solidFill>
                   <a:srgbClr val="1F2025"/>
                 </a:solidFill>
+                <a:latin typeface="+mj-lt"/>
                 <a:cs typeface="Arial" panose="020B0604020202020204" pitchFamily="34" charset="0"/>
               </a:rPr>
-              <a:t>TIỀN HUẤN LUYỆN TỰ GIÁM SÁT</a:t>
+              <a:t>VISION TRANSFORMER</a:t>
             </a:r>
             <a:endParaRPr lang="ko-KR" altLang="en-US" sz="2400" b="1" dirty="0">
               <a:solidFill>
                 <a:srgbClr val="1F2025"/>
               </a:solidFill>
+              <a:latin typeface="+mj-lt"/>
               <a:cs typeface="Arial" panose="020B0604020202020204" pitchFamily="34" charset="0"/>
             </a:endParaRPr>
           </a:p>
@@ -7876,8 +8402,8 @@
         </p:nvSpPr>
         <p:spPr>
           <a:xfrm>
-            <a:off x="920547" y="2233280"/>
-            <a:ext cx="4677820" cy="923330"/>
+            <a:off x="977521" y="1452788"/>
+            <a:ext cx="3612233" cy="2031325"/>
           </a:xfrm>
           <a:prstGeom prst="rect">
             <a:avLst/>
@@ -7904,7 +8430,7 @@
             </a:lvl1pPr>
           </a:lstStyle>
           <a:p>
-            <a:pPr marL="285750" indent="-285750">
+            <a:pPr marL="171450" indent="-171450">
               <a:buFontTx/>
               <a:buChar char="-"/>
             </a:pPr>
@@ -7914,11 +8440,11 @@
                   <a:srgbClr val="1F2025"/>
                 </a:solidFill>
               </a:rPr>
-              <a:t>Continuous relative position bias</a:t>
-            </a:r>
-          </a:p>
-          <a:p>
-            <a:pPr marL="285750" indent="-285750">
+              <a:t>Dense (Fully connected layer): mỗi nơ ron của lớp đầu ra nhận tín hiệu từ tất cả các nơ ron lớp đầu vào.</a:t>
+            </a:r>
+          </a:p>
+          <a:p>
+            <a:pPr marL="171450" indent="-171450">
               <a:buFontTx/>
               <a:buChar char="-"/>
             </a:pPr>
@@ -7928,15 +8454,15 @@
                   <a:srgbClr val="1F2025"/>
                 </a:solidFill>
               </a:rPr>
-              <a:t>Log-spaced coordinates</a:t>
-            </a:r>
-          </a:p>
-          <a:p>
-            <a:pPr marL="285750" indent="-285750">
+              <a:t>MLP (Multilayer perceptron): gồm nhiều lớp Dense</a:t>
+            </a:r>
+          </a:p>
+          <a:p>
+            <a:pPr marL="171450" indent="-171450">
               <a:buFontTx/>
               <a:buChar char="-"/>
             </a:pPr>
-            <a:endParaRPr lang="en-US" altLang="ko-KR" sz="1800" dirty="0">
+            <a:endParaRPr lang="en-US" altLang="ko-KR" sz="1800">
               <a:solidFill>
                 <a:srgbClr val="1F2025"/>
               </a:solidFill>
@@ -8023,10 +8549,94 @@
           </a:prstGeom>
         </p:spPr>
       </p:pic>
+      <p:sp>
+        <p:nvSpPr>
+          <p:cNvPr id="6" name="TextBox 5">
+            <a:extLst>
+              <a:ext uri="{FF2B5EF4-FFF2-40B4-BE49-F238E27FC236}">
+                <a16:creationId xmlns:a16="http://schemas.microsoft.com/office/drawing/2014/main" id="{4F60B7A2-B232-4BE3-BE08-DE29AF3787C0}"/>
+              </a:ext>
+            </a:extLst>
+          </p:cNvPr>
+          <p:cNvSpPr txBox="1"/>
+          <p:nvPr/>
+        </p:nvSpPr>
+        <p:spPr>
+          <a:xfrm>
+            <a:off x="977521" y="888487"/>
+            <a:ext cx="6266658" cy="369332"/>
+          </a:xfrm>
+          <a:prstGeom prst="rect">
+            <a:avLst/>
+          </a:prstGeom>
+          <a:noFill/>
+        </p:spPr>
+        <p:txBody>
+          <a:bodyPr wrap="square" rtlCol="0">
+            <a:spAutoFit/>
+          </a:bodyPr>
+          <a:lstStyle/>
+          <a:p>
+            <a:r>
+              <a:rPr lang="en-US" altLang="ko-KR">
+                <a:solidFill>
+                  <a:srgbClr val="1F2025"/>
+                </a:solidFill>
+                <a:latin typeface="Calibri" panose="020F0502020204030204" pitchFamily="34" charset="0"/>
+                <a:cs typeface="Calibri" panose="020F0502020204030204" pitchFamily="34" charset="0"/>
+              </a:rPr>
+              <a:t>MLP &amp; DENSE</a:t>
+            </a:r>
+            <a:endParaRPr lang="ko-KR" altLang="en-US" dirty="0">
+              <a:solidFill>
+                <a:srgbClr val="1F2025"/>
+              </a:solidFill>
+              <a:latin typeface="Calibri" panose="020F0502020204030204" pitchFamily="34" charset="0"/>
+              <a:cs typeface="Calibri" panose="020F0502020204030204" pitchFamily="34" charset="0"/>
+            </a:endParaRPr>
+          </a:p>
+        </p:txBody>
+      </p:sp>
+      <p:pic>
+        <p:nvPicPr>
+          <p:cNvPr id="5" name="Picture 4">
+            <a:extLst>
+              <a:ext uri="{FF2B5EF4-FFF2-40B4-BE49-F238E27FC236}">
+                <a16:creationId xmlns:a16="http://schemas.microsoft.com/office/drawing/2014/main" id="{B9BF7D7C-27F6-4D89-A9F8-857B2A7E6894}"/>
+              </a:ext>
+            </a:extLst>
+          </p:cNvPr>
+          <p:cNvPicPr>
+            <a:picLocks noChangeAspect="1"/>
+          </p:cNvPicPr>
+          <p:nvPr/>
+        </p:nvPicPr>
+        <p:blipFill>
+          <a:blip r:embed="rId4">
+            <a:extLst>
+              <a:ext uri="{28A0092B-C50C-407E-A947-70E740481C1C}">
+                <a14:useLocalDpi xmlns:a14="http://schemas.microsoft.com/office/drawing/2010/main" val="0"/>
+              </a:ext>
+            </a:extLst>
+          </a:blip>
+          <a:stretch>
+            <a:fillRect/>
+          </a:stretch>
+        </p:blipFill>
+        <p:spPr>
+          <a:xfrm>
+            <a:off x="6627134" y="1320614"/>
+            <a:ext cx="3990559" cy="3272681"/>
+          </a:xfrm>
+          <a:prstGeom prst="rect">
+            <a:avLst/>
+          </a:prstGeom>
+        </p:spPr>
+      </p:pic>
     </p:spTree>
     <p:extLst>
       <p:ext uri="{BB962C8B-B14F-4D97-AF65-F5344CB8AC3E}">
-        <p14:creationId xmlns:p14="http://schemas.microsoft.com/office/powerpoint/2010/main" val="3832100270"/>
+        <p14:creationId xmlns:p14="http://schemas.microsoft.com/office/powerpoint/2010/main" val="3679992355"/>
       </p:ext>
     </p:extLst>
   </p:cSld>
@@ -8067,7 +8677,7 @@
         </p:nvSpPr>
         <p:spPr>
           <a:xfrm>
-            <a:off x="578715" y="482981"/>
+            <a:off x="578715" y="465985"/>
             <a:ext cx="5317883" cy="461665"/>
           </a:xfrm>
           <a:prstGeom prst="rect">
@@ -8089,7 +8699,7 @@
                 <a:latin typeface="+mj-lt"/>
                 <a:cs typeface="Arial" panose="020B0604020202020204" pitchFamily="34" charset="0"/>
               </a:rPr>
-              <a:t>CÁC KỸ THUẬT TIẾT KIỆM BỘ NHỚ GPU</a:t>
+              <a:t>VISION TRANSFORMER</a:t>
             </a:r>
             <a:endParaRPr lang="ko-KR" altLang="en-US" sz="2400" b="1" dirty="0">
               <a:solidFill>
@@ -8115,8 +8725,8 @@
         </p:nvSpPr>
         <p:spPr>
           <a:xfrm>
-            <a:off x="920547" y="2233280"/>
-            <a:ext cx="4677820" cy="923330"/>
+            <a:off x="977521" y="1452788"/>
+            <a:ext cx="7900339" cy="923330"/>
           </a:xfrm>
           <a:prstGeom prst="rect">
             <a:avLst/>
@@ -8143,7 +8753,7 @@
             </a:lvl1pPr>
           </a:lstStyle>
           <a:p>
-            <a:pPr marL="285750" indent="-285750">
+            <a:pPr marL="171450" indent="-171450">
               <a:buFontTx/>
               <a:buChar char="-"/>
             </a:pPr>
@@ -8153,25 +8763,22 @@
                   <a:srgbClr val="1F2025"/>
                 </a:solidFill>
               </a:rPr>
-              <a:t>Continuous relative position bias</a:t>
-            </a:r>
-          </a:p>
-          <a:p>
-            <a:pPr marL="285750" indent="-285750">
+              <a:t>Placeholder.</a:t>
+            </a:r>
+          </a:p>
+          <a:p>
+            <a:pPr marL="171450" indent="-171450">
               <a:buFontTx/>
               <a:buChar char="-"/>
             </a:pPr>
-            <a:r>
-              <a:rPr lang="en-US" altLang="ko-KR" sz="1800">
-                <a:solidFill>
-                  <a:srgbClr val="1F2025"/>
-                </a:solidFill>
-              </a:rPr>
-              <a:t>Log-spaced coordinates</a:t>
-            </a:r>
-          </a:p>
-          <a:p>
-            <a:pPr marL="285750" indent="-285750">
+            <a:endParaRPr lang="en-US" altLang="ko-KR" sz="1800">
+              <a:solidFill>
+                <a:srgbClr val="1F2025"/>
+              </a:solidFill>
+            </a:endParaRPr>
+          </a:p>
+          <a:p>
+            <a:pPr marL="171450" indent="-171450">
               <a:buFontTx/>
               <a:buChar char="-"/>
             </a:pPr>
@@ -8262,10 +8869,58 @@
           </a:prstGeom>
         </p:spPr>
       </p:pic>
+      <p:sp>
+        <p:nvSpPr>
+          <p:cNvPr id="6" name="TextBox 5">
+            <a:extLst>
+              <a:ext uri="{FF2B5EF4-FFF2-40B4-BE49-F238E27FC236}">
+                <a16:creationId xmlns:a16="http://schemas.microsoft.com/office/drawing/2014/main" id="{4F60B7A2-B232-4BE3-BE08-DE29AF3787C0}"/>
+              </a:ext>
+            </a:extLst>
+          </p:cNvPr>
+          <p:cNvSpPr txBox="1"/>
+          <p:nvPr/>
+        </p:nvSpPr>
+        <p:spPr>
+          <a:xfrm>
+            <a:off x="977521" y="888487"/>
+            <a:ext cx="6266658" cy="369332"/>
+          </a:xfrm>
+          <a:prstGeom prst="rect">
+            <a:avLst/>
+          </a:prstGeom>
+          <a:noFill/>
+        </p:spPr>
+        <p:txBody>
+          <a:bodyPr wrap="square" rtlCol="0">
+            <a:spAutoFit/>
+          </a:bodyPr>
+          <a:lstStyle/>
+          <a:p>
+            <a:r>
+              <a:rPr lang="en-US" altLang="ko-KR">
+                <a:solidFill>
+                  <a:srgbClr val="1F2025"/>
+                </a:solidFill>
+                <a:latin typeface="Calibri" panose="020F0502020204030204" pitchFamily="34" charset="0"/>
+                <a:cs typeface="Calibri" panose="020F0502020204030204" pitchFamily="34" charset="0"/>
+              </a:rPr>
+              <a:t>MLP HEAD</a:t>
+            </a:r>
+            <a:endParaRPr lang="ko-KR" altLang="en-US" dirty="0">
+              <a:solidFill>
+                <a:srgbClr val="1F2025"/>
+              </a:solidFill>
+              <a:latin typeface="Calibri" panose="020F0502020204030204" pitchFamily="34" charset="0"/>
+              <a:cs typeface="Calibri" panose="020F0502020204030204" pitchFamily="34" charset="0"/>
+            </a:endParaRPr>
+          </a:p>
+        </p:txBody>
+      </p:sp>
     </p:spTree>
     <p:extLst>
       <p:ext uri="{BB962C8B-B14F-4D97-AF65-F5344CB8AC3E}">
-        <p14:creationId xmlns:p14="http://schemas.microsoft.com/office/powerpoint/2010/main" val="2627091"/>
+        <p14:creationId xmlns:p14="http://schemas.microsoft.com/office/powerpoint/2010/main" val="2943102827"/>
       </p:ext>
     </p:extLst>
   </p:cSld>
@@ -8297,7 +8952,7 @@
           <p:cNvPr id="2" name="TextBox 1">
             <a:extLst>
               <a:ext uri="{FF2B5EF4-FFF2-40B4-BE49-F238E27FC236}">
-                <a16:creationId xmlns:a16="http://schemas.microsoft.com/office/drawing/2014/main" id="{D142F346-FC6A-493B-995E-DB2FC357CBE3}"/>
+                <a16:creationId xmlns:a16="http://schemas.microsoft.com/office/drawing/2014/main" id="{4ECC80F9-88DA-415C-B69B-55F6C7756629}"/>
               </a:ext>
             </a:extLst>
           </p:cNvPr>
@@ -8306,8 +8961,8 @@
         </p:nvSpPr>
         <p:spPr>
           <a:xfrm>
-            <a:off x="3708400" y="2759168"/>
-            <a:ext cx="4775200" cy="1200329"/>
+            <a:off x="578715" y="465985"/>
+            <a:ext cx="5317883" cy="461665"/>
           </a:xfrm>
           <a:prstGeom prst="rect">
             <a:avLst/>
@@ -8320,38 +8975,17 @@
           </a:bodyPr>
           <a:lstStyle/>
           <a:p>
-            <a:pPr algn="ctr"/>
-            <a:r>
-              <a:rPr lang="en-US" altLang="ko-KR" sz="3600" b="1">
+            <a:r>
+              <a:rPr lang="en-US" altLang="ko-KR" sz="2400" b="1">
                 <a:solidFill>
                   <a:srgbClr val="1F2025"/>
                 </a:solidFill>
                 <a:latin typeface="+mj-lt"/>
                 <a:cs typeface="Arial" panose="020B0604020202020204" pitchFamily="34" charset="0"/>
               </a:rPr>
-              <a:t>V</a:t>
-            </a:r>
-            <a:r>
-              <a:rPr lang="vi-VN" altLang="ko-KR" sz="3600" b="1">
-                <a:solidFill>
-                  <a:srgbClr val="1F2025"/>
-                </a:solidFill>
-                <a:latin typeface="+mj-lt"/>
-                <a:cs typeface="Arial" panose="020B0604020202020204" pitchFamily="34" charset="0"/>
-              </a:rPr>
-              <a:t>. </a:t>
-            </a:r>
-            <a:r>
-              <a:rPr lang="en-US" altLang="ko-KR" sz="3600" b="1">
-                <a:solidFill>
-                  <a:srgbClr val="1F2025"/>
-                </a:solidFill>
-                <a:latin typeface="+mj-lt"/>
-                <a:cs typeface="Arial" panose="020B0604020202020204" pitchFamily="34" charset="0"/>
-              </a:rPr>
-              <a:t>MỘT SỐ KẾT QUẢ ĐÁNH GIÁ</a:t>
-            </a:r>
-            <a:endParaRPr lang="ko-KR" altLang="en-US" sz="3600" b="1" dirty="0">
+              <a:t>VISION TRANSFORMER</a:t>
+            </a:r>
+            <a:endParaRPr lang="ko-KR" altLang="en-US" sz="2400" b="1" dirty="0">
               <a:solidFill>
                 <a:srgbClr val="1F2025"/>
               </a:solidFill>
@@ -8361,12 +8995,162 @@
           </a:p>
         </p:txBody>
       </p:sp>
+      <p:sp>
+        <p:nvSpPr>
+          <p:cNvPr id="3" name="TextBox 2">
+            <a:extLst>
+              <a:ext uri="{FF2B5EF4-FFF2-40B4-BE49-F238E27FC236}">
+                <a16:creationId xmlns:a16="http://schemas.microsoft.com/office/drawing/2014/main" id="{4A5778BD-E06C-4169-AA97-F60816239A15}"/>
+              </a:ext>
+            </a:extLst>
+          </p:cNvPr>
+          <p:cNvSpPr txBox="1"/>
+          <p:nvPr/>
+        </p:nvSpPr>
+        <p:spPr>
+          <a:xfrm>
+            <a:off x="977521" y="1452788"/>
+            <a:ext cx="7900339" cy="1477328"/>
+          </a:xfrm>
+          <a:prstGeom prst="rect">
+            <a:avLst/>
+          </a:prstGeom>
+          <a:noFill/>
+        </p:spPr>
+        <p:txBody>
+          <a:bodyPr wrap="square" rtlCol="0">
+            <a:spAutoFit/>
+          </a:bodyPr>
+          <a:lstStyle>
+            <a:defPPr>
+              <a:defRPr lang="ko-KR"/>
+            </a:defPPr>
+            <a:lvl1pPr>
+              <a:defRPr sz="1100">
+                <a:solidFill>
+                  <a:schemeClr val="tx1">
+                    <a:lumMod val="75000"/>
+                    <a:lumOff val="25000"/>
+                  </a:schemeClr>
+                </a:solidFill>
+              </a:defRPr>
+            </a:lvl1pPr>
+          </a:lstStyle>
+          <a:p>
+            <a:pPr marL="171450" indent="-171450">
+              <a:buFontTx/>
+              <a:buChar char="-"/>
+            </a:pPr>
+            <a:r>
+              <a:rPr lang="en-US" altLang="ko-KR" sz="1800">
+                <a:solidFill>
+                  <a:srgbClr val="1F2025"/>
+                </a:solidFill>
+              </a:rPr>
+              <a:t>Ưu điểm:</a:t>
+            </a:r>
+          </a:p>
+          <a:p>
+            <a:pPr marL="171450" indent="-171450">
+              <a:buFontTx/>
+              <a:buChar char="-"/>
+            </a:pPr>
+            <a:r>
+              <a:rPr lang="en-US" altLang="ko-KR" sz="1800">
+                <a:solidFill>
+                  <a:srgbClr val="1F2025"/>
+                </a:solidFill>
+              </a:rPr>
+              <a:t>Hạn chế:</a:t>
+            </a:r>
+          </a:p>
+          <a:p>
+            <a:pPr marL="628650" lvl="1" indent="-171450">
+              <a:buFontTx/>
+              <a:buChar char="-"/>
+            </a:pPr>
+            <a:r>
+              <a:rPr lang="en-US" altLang="ko-KR">
+                <a:solidFill>
+                  <a:srgbClr val="1F2025"/>
+                </a:solidFill>
+              </a:rPr>
+              <a:t>Chỉ sử dụng được cho bài toán phân loại hình ảnh.</a:t>
+            </a:r>
+          </a:p>
+          <a:p>
+            <a:pPr marL="171450" indent="-171450">
+              <a:buFontTx/>
+              <a:buChar char="-"/>
+            </a:pPr>
+            <a:endParaRPr lang="en-US" altLang="ko-KR" sz="1800">
+              <a:solidFill>
+                <a:srgbClr val="1F2025"/>
+              </a:solidFill>
+            </a:endParaRPr>
+          </a:p>
+          <a:p>
+            <a:pPr marL="171450" indent="-171450">
+              <a:buFontTx/>
+              <a:buChar char="-"/>
+            </a:pPr>
+            <a:endParaRPr lang="en-US" altLang="ko-KR" sz="1800" dirty="0">
+              <a:solidFill>
+                <a:srgbClr val="1F2025"/>
+              </a:solidFill>
+            </a:endParaRPr>
+          </a:p>
+        </p:txBody>
+      </p:sp>
+      <p:sp>
+        <p:nvSpPr>
+          <p:cNvPr id="16" name="직사각형 15">
+            <a:extLst>
+              <a:ext uri="{FF2B5EF4-FFF2-40B4-BE49-F238E27FC236}">
+                <a16:creationId xmlns:a16="http://schemas.microsoft.com/office/drawing/2014/main" id="{B73FE535-94A1-4E5D-B190-1D99674EF915}"/>
+              </a:ext>
+            </a:extLst>
+          </p:cNvPr>
+          <p:cNvSpPr/>
+          <p:nvPr/>
+        </p:nvSpPr>
+        <p:spPr>
+          <a:xfrm>
+            <a:off x="0" y="6206532"/>
+            <a:ext cx="12192000" cy="651468"/>
+          </a:xfrm>
+          <a:prstGeom prst="rect">
+            <a:avLst/>
+          </a:prstGeom>
+          <a:solidFill>
+            <a:srgbClr val="1F2025"/>
+          </a:solidFill>
+          <a:ln w="9525" cap="flat">
+            <a:noFill/>
+            <a:prstDash val="solid"/>
+            <a:miter/>
+          </a:ln>
+        </p:spPr>
+        <p:txBody>
+          <a:bodyPr rot="0" spcFirstLastPara="0" vertOverflow="overflow" horzOverflow="overflow" vert="horz" wrap="square" lIns="91440" tIns="45720" rIns="91440" bIns="45720" numCol="1" spcCol="0" rtlCol="0" fromWordArt="0" anchor="ctr" anchorCtr="0" forceAA="0" compatLnSpc="1">
+            <a:prstTxWarp prst="textNoShape">
+              <a:avLst/>
+            </a:prstTxWarp>
+            <a:noAutofit/>
+          </a:bodyPr>
+          <a:lstStyle/>
+          <a:p>
+            <a:pPr algn="l"/>
+            <a:endParaRPr lang="ko-KR" altLang="en-US"/>
+          </a:p>
+        </p:txBody>
+      </p:sp>
       <p:pic>
         <p:nvPicPr>
-          <p:cNvPr id="7" name="그래픽 6">
-            <a:extLst>
-              <a:ext uri="{FF2B5EF4-FFF2-40B4-BE49-F238E27FC236}">
-                <a16:creationId xmlns:a16="http://schemas.microsoft.com/office/drawing/2014/main" id="{174595B1-92CE-44ED-97FE-F6A897FE48EF}"/>
+          <p:cNvPr id="17" name="그래픽 16">
+            <a:extLst>
+              <a:ext uri="{FF2B5EF4-FFF2-40B4-BE49-F238E27FC236}">
+                <a16:creationId xmlns:a16="http://schemas.microsoft.com/office/drawing/2014/main" id="{7A988829-597B-495C-9112-A39D40EF9F77}"/>
               </a:ext>
             </a:extLst>
           </p:cNvPr>
@@ -8389,18 +9173,66 @@
         </p:blipFill>
         <p:spPr>
           <a:xfrm>
-            <a:off x="272402" y="217015"/>
-            <a:ext cx="834391" cy="488942"/>
+            <a:off x="11222584" y="6348701"/>
+            <a:ext cx="626516" cy="367130"/>
           </a:xfrm>
           <a:prstGeom prst="rect">
             <a:avLst/>
           </a:prstGeom>
         </p:spPr>
       </p:pic>
+      <p:sp>
+        <p:nvSpPr>
+          <p:cNvPr id="6" name="TextBox 5">
+            <a:extLst>
+              <a:ext uri="{FF2B5EF4-FFF2-40B4-BE49-F238E27FC236}">
+                <a16:creationId xmlns:a16="http://schemas.microsoft.com/office/drawing/2014/main" id="{4F60B7A2-B232-4BE3-BE08-DE29AF3787C0}"/>
+              </a:ext>
+            </a:extLst>
+          </p:cNvPr>
+          <p:cNvSpPr txBox="1"/>
+          <p:nvPr/>
+        </p:nvSpPr>
+        <p:spPr>
+          <a:xfrm>
+            <a:off x="977521" y="888487"/>
+            <a:ext cx="6266658" cy="369332"/>
+          </a:xfrm>
+          <a:prstGeom prst="rect">
+            <a:avLst/>
+          </a:prstGeom>
+          <a:noFill/>
+        </p:spPr>
+        <p:txBody>
+          <a:bodyPr wrap="square" rtlCol="0">
+            <a:spAutoFit/>
+          </a:bodyPr>
+          <a:lstStyle/>
+          <a:p>
+            <a:r>
+              <a:rPr lang="en-US" altLang="ko-KR">
+                <a:solidFill>
+                  <a:srgbClr val="1F2025"/>
+                </a:solidFill>
+                <a:latin typeface="Calibri" panose="020F0502020204030204" pitchFamily="34" charset="0"/>
+                <a:cs typeface="Calibri" panose="020F0502020204030204" pitchFamily="34" charset="0"/>
+              </a:rPr>
+              <a:t>PROS &amp; CONS</a:t>
+            </a:r>
+            <a:endParaRPr lang="ko-KR" altLang="en-US" dirty="0">
+              <a:solidFill>
+                <a:srgbClr val="1F2025"/>
+              </a:solidFill>
+              <a:latin typeface="Calibri" panose="020F0502020204030204" pitchFamily="34" charset="0"/>
+              <a:cs typeface="Calibri" panose="020F0502020204030204" pitchFamily="34" charset="0"/>
+            </a:endParaRPr>
+          </a:p>
+        </p:txBody>
+      </p:sp>
     </p:spTree>
     <p:extLst>
       <p:ext uri="{BB962C8B-B14F-4D97-AF65-F5344CB8AC3E}">
-        <p14:creationId xmlns:p14="http://schemas.microsoft.com/office/powerpoint/2010/main" val="2539731867"/>
+        <p14:creationId xmlns:p14="http://schemas.microsoft.com/office/powerpoint/2010/main" val="1486231801"/>
       </p:ext>
     </p:extLst>
   </p:cSld>
@@ -8432,7 +9264,7 @@
           <p:cNvPr id="2" name="TextBox 1">
             <a:extLst>
               <a:ext uri="{FF2B5EF4-FFF2-40B4-BE49-F238E27FC236}">
-                <a16:creationId xmlns:a16="http://schemas.microsoft.com/office/drawing/2014/main" id="{D142F346-FC6A-493B-995E-DB2FC357CBE3}"/>
+                <a16:creationId xmlns:a16="http://schemas.microsoft.com/office/drawing/2014/main" id="{4ECC80F9-88DA-415C-B69B-55F6C7756629}"/>
               </a:ext>
             </a:extLst>
           </p:cNvPr>
@@ -8441,8 +9273,8 @@
         </p:nvSpPr>
         <p:spPr>
           <a:xfrm>
-            <a:off x="3708400" y="2759168"/>
-            <a:ext cx="4775200" cy="646331"/>
+            <a:off x="578715" y="465985"/>
+            <a:ext cx="5317883" cy="461665"/>
           </a:xfrm>
           <a:prstGeom prst="rect">
             <a:avLst/>
@@ -8455,38 +9287,17 @@
           </a:bodyPr>
           <a:lstStyle/>
           <a:p>
-            <a:pPr algn="ctr"/>
-            <a:r>
-              <a:rPr lang="en-US" altLang="ko-KR" sz="3600" b="1">
+            <a:r>
+              <a:rPr lang="en-US" altLang="ko-KR" sz="2400" b="1">
                 <a:solidFill>
                   <a:srgbClr val="1F2025"/>
                 </a:solidFill>
                 <a:latin typeface="+mj-lt"/>
                 <a:cs typeface="Arial" panose="020B0604020202020204" pitchFamily="34" charset="0"/>
               </a:rPr>
-              <a:t>VI</a:t>
-            </a:r>
-            <a:r>
-              <a:rPr lang="vi-VN" altLang="ko-KR" sz="3600" b="1">
-                <a:solidFill>
-                  <a:srgbClr val="1F2025"/>
-                </a:solidFill>
-                <a:latin typeface="+mj-lt"/>
-                <a:cs typeface="Arial" panose="020B0604020202020204" pitchFamily="34" charset="0"/>
-              </a:rPr>
-              <a:t>. </a:t>
-            </a:r>
-            <a:r>
-              <a:rPr lang="en-US" altLang="ko-KR" sz="3600" b="1">
-                <a:solidFill>
-                  <a:srgbClr val="1F2025"/>
-                </a:solidFill>
-                <a:latin typeface="+mj-lt"/>
-                <a:cs typeface="Arial" panose="020B0604020202020204" pitchFamily="34" charset="0"/>
-              </a:rPr>
-              <a:t>KẾT LUẬN</a:t>
-            </a:r>
-            <a:endParaRPr lang="ko-KR" altLang="en-US" sz="3600" b="1" dirty="0">
+              <a:t>SWIN TRANSFORMER V1</a:t>
+            </a:r>
+            <a:endParaRPr lang="ko-KR" altLang="en-US" sz="2400" b="1" dirty="0">
               <a:solidFill>
                 <a:srgbClr val="1F2025"/>
               </a:solidFill>
@@ -8496,12 +9307,137 @@
           </a:p>
         </p:txBody>
       </p:sp>
+      <p:sp>
+        <p:nvSpPr>
+          <p:cNvPr id="3" name="TextBox 2">
+            <a:extLst>
+              <a:ext uri="{FF2B5EF4-FFF2-40B4-BE49-F238E27FC236}">
+                <a16:creationId xmlns:a16="http://schemas.microsoft.com/office/drawing/2014/main" id="{4A5778BD-E06C-4169-AA97-F60816239A15}"/>
+              </a:ext>
+            </a:extLst>
+          </p:cNvPr>
+          <p:cNvSpPr txBox="1"/>
+          <p:nvPr/>
+        </p:nvSpPr>
+        <p:spPr>
+          <a:xfrm>
+            <a:off x="435356" y="5079117"/>
+            <a:ext cx="4799117" cy="923330"/>
+          </a:xfrm>
+          <a:prstGeom prst="rect">
+            <a:avLst/>
+          </a:prstGeom>
+          <a:noFill/>
+        </p:spPr>
+        <p:txBody>
+          <a:bodyPr wrap="square" rtlCol="0">
+            <a:spAutoFit/>
+          </a:bodyPr>
+          <a:lstStyle>
+            <a:defPPr>
+              <a:defRPr lang="ko-KR"/>
+            </a:defPPr>
+            <a:lvl1pPr>
+              <a:defRPr sz="1100">
+                <a:solidFill>
+                  <a:schemeClr val="tx1">
+                    <a:lumMod val="75000"/>
+                    <a:lumOff val="25000"/>
+                  </a:schemeClr>
+                </a:solidFill>
+              </a:defRPr>
+            </a:lvl1pPr>
+          </a:lstStyle>
+          <a:p>
+            <a:pPr marL="171450" indent="-171450">
+              <a:buFontTx/>
+              <a:buChar char="-"/>
+            </a:pPr>
+            <a:r>
+              <a:rPr lang="en-US" altLang="ko-KR" sz="1800">
+                <a:solidFill>
+                  <a:srgbClr val="1F2025"/>
+                </a:solidFill>
+              </a:rPr>
+              <a:t>Ra mắt tháng 3/2021.</a:t>
+            </a:r>
+          </a:p>
+          <a:p>
+            <a:pPr marL="171450" indent="-171450">
+              <a:buFontTx/>
+              <a:buChar char="-"/>
+            </a:pPr>
+            <a:r>
+              <a:rPr lang="en-US" altLang="ko-KR" sz="1800">
+                <a:solidFill>
+                  <a:srgbClr val="1F2025"/>
+                </a:solidFill>
+              </a:rPr>
+              <a:t>Cải tiến có thừa kế các ý tưởng từ ViT.</a:t>
+            </a:r>
+          </a:p>
+          <a:p>
+            <a:pPr marL="171450" indent="-171450">
+              <a:buFontTx/>
+              <a:buChar char="-"/>
+            </a:pPr>
+            <a:endParaRPr lang="en-US" altLang="ko-KR" sz="1800" dirty="0">
+              <a:solidFill>
+                <a:srgbClr val="1F2025"/>
+              </a:solidFill>
+            </a:endParaRPr>
+          </a:p>
+        </p:txBody>
+      </p:sp>
+      <p:sp>
+        <p:nvSpPr>
+          <p:cNvPr id="16" name="직사각형 15">
+            <a:extLst>
+              <a:ext uri="{FF2B5EF4-FFF2-40B4-BE49-F238E27FC236}">
+                <a16:creationId xmlns:a16="http://schemas.microsoft.com/office/drawing/2014/main" id="{B73FE535-94A1-4E5D-B190-1D99674EF915}"/>
+              </a:ext>
+            </a:extLst>
+          </p:cNvPr>
+          <p:cNvSpPr/>
+          <p:nvPr/>
+        </p:nvSpPr>
+        <p:spPr>
+          <a:xfrm>
+            <a:off x="0" y="6206532"/>
+            <a:ext cx="12192000" cy="651468"/>
+          </a:xfrm>
+          <a:prstGeom prst="rect">
+            <a:avLst/>
+          </a:prstGeom>
+          <a:solidFill>
+            <a:srgbClr val="1F2025"/>
+          </a:solidFill>
+          <a:ln w="9525" cap="flat">
+            <a:noFill/>
+            <a:prstDash val="solid"/>
+            <a:miter/>
+          </a:ln>
+        </p:spPr>
+        <p:txBody>
+          <a:bodyPr rot="0" spcFirstLastPara="0" vertOverflow="overflow" horzOverflow="overflow" vert="horz" wrap="square" lIns="91440" tIns="45720" rIns="91440" bIns="45720" numCol="1" spcCol="0" rtlCol="0" fromWordArt="0" anchor="ctr" anchorCtr="0" forceAA="0" compatLnSpc="1">
+            <a:prstTxWarp prst="textNoShape">
+              <a:avLst/>
+            </a:prstTxWarp>
+            <a:noAutofit/>
+          </a:bodyPr>
+          <a:lstStyle/>
+          <a:p>
+            <a:pPr algn="l"/>
+            <a:endParaRPr lang="ko-KR" altLang="en-US"/>
+          </a:p>
+        </p:txBody>
+      </p:sp>
       <p:pic>
         <p:nvPicPr>
-          <p:cNvPr id="7" name="그래픽 6">
-            <a:extLst>
-              <a:ext uri="{FF2B5EF4-FFF2-40B4-BE49-F238E27FC236}">
-                <a16:creationId xmlns:a16="http://schemas.microsoft.com/office/drawing/2014/main" id="{174595B1-92CE-44ED-97FE-F6A897FE48EF}"/>
+          <p:cNvPr id="17" name="그래픽 16">
+            <a:extLst>
+              <a:ext uri="{FF2B5EF4-FFF2-40B4-BE49-F238E27FC236}">
+                <a16:creationId xmlns:a16="http://schemas.microsoft.com/office/drawing/2014/main" id="{7A988829-597B-495C-9112-A39D40EF9F77}"/>
               </a:ext>
             </a:extLst>
           </p:cNvPr>
@@ -8524,8 +9460,38 @@
         </p:blipFill>
         <p:spPr>
           <a:xfrm>
-            <a:off x="272402" y="217015"/>
-            <a:ext cx="834391" cy="488942"/>
+            <a:off x="11222584" y="6348701"/>
+            <a:ext cx="626516" cy="367130"/>
+          </a:xfrm>
+          <a:prstGeom prst="rect">
+            <a:avLst/>
+          </a:prstGeom>
+        </p:spPr>
+      </p:pic>
+      <p:pic>
+        <p:nvPicPr>
+          <p:cNvPr id="4" name="Picture 3">
+            <a:extLst>
+              <a:ext uri="{FF2B5EF4-FFF2-40B4-BE49-F238E27FC236}">
+                <a16:creationId xmlns:a16="http://schemas.microsoft.com/office/drawing/2014/main" id="{70808757-4523-4701-9A19-7A588FA5A931}"/>
+              </a:ext>
+            </a:extLst>
+          </p:cNvPr>
+          <p:cNvPicPr>
+            <a:picLocks noChangeAspect="1"/>
+          </p:cNvPicPr>
+          <p:nvPr/>
+        </p:nvPicPr>
+        <p:blipFill>
+          <a:blip r:embed="rId4"/>
+          <a:stretch>
+            <a:fillRect/>
+          </a:stretch>
+        </p:blipFill>
+        <p:spPr>
+          <a:xfrm>
+            <a:off x="530271" y="927650"/>
+            <a:ext cx="11318829" cy="3576582"/>
           </a:xfrm>
           <a:prstGeom prst="rect">
             <a:avLst/>
@@ -8535,7 +9501,7 @@
     </p:spTree>
     <p:extLst>
       <p:ext uri="{BB962C8B-B14F-4D97-AF65-F5344CB8AC3E}">
-        <p14:creationId xmlns:p14="http://schemas.microsoft.com/office/powerpoint/2010/main" val="2705175859"/>
+        <p14:creationId xmlns:p14="http://schemas.microsoft.com/office/powerpoint/2010/main" val="2093296912"/>
       </p:ext>
     </p:extLst>
   </p:cSld>
@@ -8546,6 +9512,558 @@
 </file>
 
 <file path=ppt/slides/slide26.xml><?xml version="1.0" encoding="utf-8"?>
+<p:sld xmlns:a="http://schemas.openxmlformats.org/drawingml/2006/main" xmlns:r="http://schemas.openxmlformats.org/officeDocument/2006/relationships" xmlns:p="http://schemas.openxmlformats.org/presentationml/2006/main">
+  <p:cSld>
+    <p:spTree>
+      <p:nvGrpSpPr>
+        <p:cNvPr id="1" name=""/>
+        <p:cNvGrpSpPr/>
+        <p:nvPr/>
+      </p:nvGrpSpPr>
+      <p:grpSpPr>
+        <a:xfrm>
+          <a:off x="0" y="0"/>
+          <a:ext cx="0" cy="0"/>
+          <a:chOff x="0" y="0"/>
+          <a:chExt cx="0" cy="0"/>
+        </a:xfrm>
+      </p:grpSpPr>
+      <p:sp>
+        <p:nvSpPr>
+          <p:cNvPr id="2" name="TextBox 1">
+            <a:extLst>
+              <a:ext uri="{FF2B5EF4-FFF2-40B4-BE49-F238E27FC236}">
+                <a16:creationId xmlns:a16="http://schemas.microsoft.com/office/drawing/2014/main" id="{4ECC80F9-88DA-415C-B69B-55F6C7756629}"/>
+              </a:ext>
+            </a:extLst>
+          </p:cNvPr>
+          <p:cNvSpPr txBox="1"/>
+          <p:nvPr/>
+        </p:nvSpPr>
+        <p:spPr>
+          <a:xfrm>
+            <a:off x="578715" y="465985"/>
+            <a:ext cx="5317883" cy="461665"/>
+          </a:xfrm>
+          <a:prstGeom prst="rect">
+            <a:avLst/>
+          </a:prstGeom>
+          <a:noFill/>
+        </p:spPr>
+        <p:txBody>
+          <a:bodyPr wrap="square" rtlCol="0">
+            <a:spAutoFit/>
+          </a:bodyPr>
+          <a:lstStyle/>
+          <a:p>
+            <a:r>
+              <a:rPr lang="en-US" altLang="ko-KR" sz="2400" b="1">
+                <a:solidFill>
+                  <a:srgbClr val="1F2025"/>
+                </a:solidFill>
+                <a:latin typeface="+mj-lt"/>
+                <a:cs typeface="Arial" panose="020B0604020202020204" pitchFamily="34" charset="0"/>
+              </a:rPr>
+              <a:t>SWIN TRANSFORMER V1</a:t>
+            </a:r>
+            <a:endParaRPr lang="ko-KR" altLang="en-US" sz="2400" b="1" dirty="0">
+              <a:solidFill>
+                <a:srgbClr val="1F2025"/>
+              </a:solidFill>
+              <a:latin typeface="+mj-lt"/>
+              <a:cs typeface="Arial" panose="020B0604020202020204" pitchFamily="34" charset="0"/>
+            </a:endParaRPr>
+          </a:p>
+        </p:txBody>
+      </p:sp>
+      <p:sp>
+        <p:nvSpPr>
+          <p:cNvPr id="3" name="TextBox 2">
+            <a:extLst>
+              <a:ext uri="{FF2B5EF4-FFF2-40B4-BE49-F238E27FC236}">
+                <a16:creationId xmlns:a16="http://schemas.microsoft.com/office/drawing/2014/main" id="{4A5778BD-E06C-4169-AA97-F60816239A15}"/>
+              </a:ext>
+            </a:extLst>
+          </p:cNvPr>
+          <p:cNvSpPr txBox="1"/>
+          <p:nvPr/>
+        </p:nvSpPr>
+        <p:spPr>
+          <a:xfrm>
+            <a:off x="578715" y="1235086"/>
+            <a:ext cx="4799117" cy="923330"/>
+          </a:xfrm>
+          <a:prstGeom prst="rect">
+            <a:avLst/>
+          </a:prstGeom>
+          <a:noFill/>
+        </p:spPr>
+        <p:txBody>
+          <a:bodyPr wrap="square" rtlCol="0">
+            <a:spAutoFit/>
+          </a:bodyPr>
+          <a:lstStyle>
+            <a:defPPr>
+              <a:defRPr lang="ko-KR"/>
+            </a:defPPr>
+            <a:lvl1pPr>
+              <a:defRPr sz="1100">
+                <a:solidFill>
+                  <a:schemeClr val="tx1">
+                    <a:lumMod val="75000"/>
+                    <a:lumOff val="25000"/>
+                  </a:schemeClr>
+                </a:solidFill>
+              </a:defRPr>
+            </a:lvl1pPr>
+          </a:lstStyle>
+          <a:p>
+            <a:pPr marL="171450" indent="-171450">
+              <a:buFontTx/>
+              <a:buChar char="-"/>
+            </a:pPr>
+            <a:r>
+              <a:rPr lang="en-US" altLang="ko-KR" sz="1800">
+                <a:solidFill>
+                  <a:srgbClr val="1F2025"/>
+                </a:solidFill>
+              </a:rPr>
+              <a:t>Ra mắt tháng 3/2021.</a:t>
+            </a:r>
+          </a:p>
+          <a:p>
+            <a:pPr marL="171450" indent="-171450">
+              <a:buFontTx/>
+              <a:buChar char="-"/>
+            </a:pPr>
+            <a:r>
+              <a:rPr lang="en-US" altLang="ko-KR" sz="1800">
+                <a:solidFill>
+                  <a:srgbClr val="1F2025"/>
+                </a:solidFill>
+              </a:rPr>
+              <a:t>Cải tiến có thừa kế các ý tưởng từ ViT.</a:t>
+            </a:r>
+          </a:p>
+          <a:p>
+            <a:pPr marL="171450" indent="-171450">
+              <a:buFontTx/>
+              <a:buChar char="-"/>
+            </a:pPr>
+            <a:endParaRPr lang="en-US" altLang="ko-KR" sz="1800" dirty="0">
+              <a:solidFill>
+                <a:srgbClr val="1F2025"/>
+              </a:solidFill>
+            </a:endParaRPr>
+          </a:p>
+        </p:txBody>
+      </p:sp>
+      <p:sp>
+        <p:nvSpPr>
+          <p:cNvPr id="16" name="직사각형 15">
+            <a:extLst>
+              <a:ext uri="{FF2B5EF4-FFF2-40B4-BE49-F238E27FC236}">
+                <a16:creationId xmlns:a16="http://schemas.microsoft.com/office/drawing/2014/main" id="{B73FE535-94A1-4E5D-B190-1D99674EF915}"/>
+              </a:ext>
+            </a:extLst>
+          </p:cNvPr>
+          <p:cNvSpPr/>
+          <p:nvPr/>
+        </p:nvSpPr>
+        <p:spPr>
+          <a:xfrm>
+            <a:off x="0" y="6206532"/>
+            <a:ext cx="12192000" cy="651468"/>
+          </a:xfrm>
+          <a:prstGeom prst="rect">
+            <a:avLst/>
+          </a:prstGeom>
+          <a:solidFill>
+            <a:srgbClr val="1F2025"/>
+          </a:solidFill>
+          <a:ln w="9525" cap="flat">
+            <a:noFill/>
+            <a:prstDash val="solid"/>
+            <a:miter/>
+          </a:ln>
+        </p:spPr>
+        <p:txBody>
+          <a:bodyPr rot="0" spcFirstLastPara="0" vertOverflow="overflow" horzOverflow="overflow" vert="horz" wrap="square" lIns="91440" tIns="45720" rIns="91440" bIns="45720" numCol="1" spcCol="0" rtlCol="0" fromWordArt="0" anchor="ctr" anchorCtr="0" forceAA="0" compatLnSpc="1">
+            <a:prstTxWarp prst="textNoShape">
+              <a:avLst/>
+            </a:prstTxWarp>
+            <a:noAutofit/>
+          </a:bodyPr>
+          <a:lstStyle/>
+          <a:p>
+            <a:pPr algn="l"/>
+            <a:endParaRPr lang="ko-KR" altLang="en-US"/>
+          </a:p>
+        </p:txBody>
+      </p:sp>
+      <p:pic>
+        <p:nvPicPr>
+          <p:cNvPr id="17" name="그래픽 16">
+            <a:extLst>
+              <a:ext uri="{FF2B5EF4-FFF2-40B4-BE49-F238E27FC236}">
+                <a16:creationId xmlns:a16="http://schemas.microsoft.com/office/drawing/2014/main" id="{7A988829-597B-495C-9112-A39D40EF9F77}"/>
+              </a:ext>
+            </a:extLst>
+          </p:cNvPr>
+          <p:cNvPicPr>
+            <a:picLocks noChangeAspect="1"/>
+          </p:cNvPicPr>
+          <p:nvPr/>
+        </p:nvPicPr>
+        <p:blipFill>
+          <a:blip r:embed="rId2">
+            <a:extLst>
+              <a:ext uri="{96DAC541-7B7A-43D3-8B79-37D633B846F1}">
+                <asvg:svgBlip xmlns:asvg="http://schemas.microsoft.com/office/drawing/2016/SVG/main" r:embed="rId3"/>
+              </a:ext>
+            </a:extLst>
+          </a:blip>
+          <a:stretch>
+            <a:fillRect/>
+          </a:stretch>
+        </p:blipFill>
+        <p:spPr>
+          <a:xfrm>
+            <a:off x="11222584" y="6348701"/>
+            <a:ext cx="626516" cy="367130"/>
+          </a:xfrm>
+          <a:prstGeom prst="rect">
+            <a:avLst/>
+          </a:prstGeom>
+        </p:spPr>
+      </p:pic>
+    </p:spTree>
+    <p:extLst>
+      <p:ext uri="{BB962C8B-B14F-4D97-AF65-F5344CB8AC3E}">
+        <p14:creationId xmlns:p14="http://schemas.microsoft.com/office/powerpoint/2010/main" val="1987909045"/>
+      </p:ext>
+    </p:extLst>
+  </p:cSld>
+  <p:clrMapOvr>
+    <a:masterClrMapping/>
+  </p:clrMapOvr>
+</p:sld>
+</file>
+
+<file path=ppt/slides/slide27.xml><?xml version="1.0" encoding="utf-8"?>
+<p:sld xmlns:a="http://schemas.openxmlformats.org/drawingml/2006/main" xmlns:r="http://schemas.openxmlformats.org/officeDocument/2006/relationships" xmlns:p="http://schemas.openxmlformats.org/presentationml/2006/main">
+  <p:cSld>
+    <p:spTree>
+      <p:nvGrpSpPr>
+        <p:cNvPr id="1" name=""/>
+        <p:cNvGrpSpPr/>
+        <p:nvPr/>
+      </p:nvGrpSpPr>
+      <p:grpSpPr>
+        <a:xfrm>
+          <a:off x="0" y="0"/>
+          <a:ext cx="0" cy="0"/>
+          <a:chOff x="0" y="0"/>
+          <a:chExt cx="0" cy="0"/>
+        </a:xfrm>
+      </p:grpSpPr>
+      <p:sp>
+        <p:nvSpPr>
+          <p:cNvPr id="2" name="TextBox 1">
+            <a:extLst>
+              <a:ext uri="{FF2B5EF4-FFF2-40B4-BE49-F238E27FC236}">
+                <a16:creationId xmlns:a16="http://schemas.microsoft.com/office/drawing/2014/main" id="{4ECC80F9-88DA-415C-B69B-55F6C7756629}"/>
+              </a:ext>
+            </a:extLst>
+          </p:cNvPr>
+          <p:cNvSpPr txBox="1"/>
+          <p:nvPr/>
+        </p:nvSpPr>
+        <p:spPr>
+          <a:xfrm>
+            <a:off x="578715" y="465985"/>
+            <a:ext cx="5317883" cy="461665"/>
+          </a:xfrm>
+          <a:prstGeom prst="rect">
+            <a:avLst/>
+          </a:prstGeom>
+          <a:noFill/>
+        </p:spPr>
+        <p:txBody>
+          <a:bodyPr wrap="square" rtlCol="0">
+            <a:spAutoFit/>
+          </a:bodyPr>
+          <a:lstStyle/>
+          <a:p>
+            <a:r>
+              <a:rPr lang="en-US" altLang="ko-KR" sz="2400" b="1">
+                <a:solidFill>
+                  <a:srgbClr val="1F2025"/>
+                </a:solidFill>
+                <a:latin typeface="+mj-lt"/>
+                <a:cs typeface="Arial" panose="020B0604020202020204" pitchFamily="34" charset="0"/>
+              </a:rPr>
+              <a:t>SWIN TRANSFORMER V1</a:t>
+            </a:r>
+            <a:endParaRPr lang="ko-KR" altLang="en-US" sz="2400" b="1" dirty="0">
+              <a:solidFill>
+                <a:srgbClr val="1F2025"/>
+              </a:solidFill>
+              <a:latin typeface="+mj-lt"/>
+              <a:cs typeface="Arial" panose="020B0604020202020204" pitchFamily="34" charset="0"/>
+            </a:endParaRPr>
+          </a:p>
+        </p:txBody>
+      </p:sp>
+      <p:sp>
+        <p:nvSpPr>
+          <p:cNvPr id="3" name="TextBox 2">
+            <a:extLst>
+              <a:ext uri="{FF2B5EF4-FFF2-40B4-BE49-F238E27FC236}">
+                <a16:creationId xmlns:a16="http://schemas.microsoft.com/office/drawing/2014/main" id="{4A5778BD-E06C-4169-AA97-F60816239A15}"/>
+              </a:ext>
+            </a:extLst>
+          </p:cNvPr>
+          <p:cNvSpPr txBox="1"/>
+          <p:nvPr/>
+        </p:nvSpPr>
+        <p:spPr>
+          <a:xfrm>
+            <a:off x="388703" y="1813403"/>
+            <a:ext cx="4799117" cy="1200329"/>
+          </a:xfrm>
+          <a:prstGeom prst="rect">
+            <a:avLst/>
+          </a:prstGeom>
+          <a:noFill/>
+        </p:spPr>
+        <p:txBody>
+          <a:bodyPr wrap="square" rtlCol="0">
+            <a:spAutoFit/>
+          </a:bodyPr>
+          <a:lstStyle>
+            <a:defPPr>
+              <a:defRPr lang="ko-KR"/>
+            </a:defPPr>
+            <a:lvl1pPr>
+              <a:defRPr sz="1100">
+                <a:solidFill>
+                  <a:schemeClr val="tx1">
+                    <a:lumMod val="75000"/>
+                    <a:lumOff val="25000"/>
+                  </a:schemeClr>
+                </a:solidFill>
+              </a:defRPr>
+            </a:lvl1pPr>
+          </a:lstStyle>
+          <a:p>
+            <a:pPr marL="171450" indent="-171450">
+              <a:buFontTx/>
+              <a:buChar char="-"/>
+            </a:pPr>
+            <a:r>
+              <a:rPr lang="en-US" altLang="ko-KR" sz="1800">
+                <a:solidFill>
+                  <a:srgbClr val="1F2025"/>
+                </a:solidFill>
+              </a:rPr>
+              <a:t>Shifted Window</a:t>
+            </a:r>
+          </a:p>
+          <a:p>
+            <a:pPr marL="171450" indent="-171450">
+              <a:buFontTx/>
+              <a:buChar char="-"/>
+            </a:pPr>
+            <a:r>
+              <a:rPr lang="en-US" altLang="ko-KR" sz="1800">
+                <a:solidFill>
+                  <a:srgbClr val="1F2025"/>
+                </a:solidFill>
+              </a:rPr>
+              <a:t>Swin Transformer Block</a:t>
+            </a:r>
+          </a:p>
+          <a:p>
+            <a:pPr marL="171450" indent="-171450">
+              <a:buFontTx/>
+              <a:buChar char="-"/>
+            </a:pPr>
+            <a:r>
+              <a:rPr lang="en-US" altLang="ko-KR" sz="1800">
+                <a:solidFill>
+                  <a:srgbClr val="1F2025"/>
+                </a:solidFill>
+              </a:rPr>
+              <a:t>Shifted Window based Self-Attention</a:t>
+            </a:r>
+          </a:p>
+          <a:p>
+            <a:pPr marL="171450" indent="-171450">
+              <a:buFontTx/>
+              <a:buChar char="-"/>
+            </a:pPr>
+            <a:endParaRPr lang="en-US" altLang="ko-KR" sz="1800" dirty="0">
+              <a:solidFill>
+                <a:srgbClr val="1F2025"/>
+              </a:solidFill>
+            </a:endParaRPr>
+          </a:p>
+        </p:txBody>
+      </p:sp>
+      <p:sp>
+        <p:nvSpPr>
+          <p:cNvPr id="16" name="직사각형 15">
+            <a:extLst>
+              <a:ext uri="{FF2B5EF4-FFF2-40B4-BE49-F238E27FC236}">
+                <a16:creationId xmlns:a16="http://schemas.microsoft.com/office/drawing/2014/main" id="{B73FE535-94A1-4E5D-B190-1D99674EF915}"/>
+              </a:ext>
+            </a:extLst>
+          </p:cNvPr>
+          <p:cNvSpPr/>
+          <p:nvPr/>
+        </p:nvSpPr>
+        <p:spPr>
+          <a:xfrm>
+            <a:off x="0" y="6206532"/>
+            <a:ext cx="12192000" cy="651468"/>
+          </a:xfrm>
+          <a:prstGeom prst="rect">
+            <a:avLst/>
+          </a:prstGeom>
+          <a:solidFill>
+            <a:srgbClr val="1F2025"/>
+          </a:solidFill>
+          <a:ln w="9525" cap="flat">
+            <a:noFill/>
+            <a:prstDash val="solid"/>
+            <a:miter/>
+          </a:ln>
+        </p:spPr>
+        <p:txBody>
+          <a:bodyPr rot="0" spcFirstLastPara="0" vertOverflow="overflow" horzOverflow="overflow" vert="horz" wrap="square" lIns="91440" tIns="45720" rIns="91440" bIns="45720" numCol="1" spcCol="0" rtlCol="0" fromWordArt="0" anchor="ctr" anchorCtr="0" forceAA="0" compatLnSpc="1">
+            <a:prstTxWarp prst="textNoShape">
+              <a:avLst/>
+            </a:prstTxWarp>
+            <a:noAutofit/>
+          </a:bodyPr>
+          <a:lstStyle/>
+          <a:p>
+            <a:pPr algn="l"/>
+            <a:endParaRPr lang="ko-KR" altLang="en-US"/>
+          </a:p>
+        </p:txBody>
+      </p:sp>
+      <p:pic>
+        <p:nvPicPr>
+          <p:cNvPr id="17" name="그래픽 16">
+            <a:extLst>
+              <a:ext uri="{FF2B5EF4-FFF2-40B4-BE49-F238E27FC236}">
+                <a16:creationId xmlns:a16="http://schemas.microsoft.com/office/drawing/2014/main" id="{7A988829-597B-495C-9112-A39D40EF9F77}"/>
+              </a:ext>
+            </a:extLst>
+          </p:cNvPr>
+          <p:cNvPicPr>
+            <a:picLocks noChangeAspect="1"/>
+          </p:cNvPicPr>
+          <p:nvPr/>
+        </p:nvPicPr>
+        <p:blipFill>
+          <a:blip r:embed="rId2">
+            <a:extLst>
+              <a:ext uri="{96DAC541-7B7A-43D3-8B79-37D633B846F1}">
+                <asvg:svgBlip xmlns:asvg="http://schemas.microsoft.com/office/drawing/2016/SVG/main" r:embed="rId3"/>
+              </a:ext>
+            </a:extLst>
+          </a:blip>
+          <a:stretch>
+            <a:fillRect/>
+          </a:stretch>
+        </p:blipFill>
+        <p:spPr>
+          <a:xfrm>
+            <a:off x="11222584" y="6348701"/>
+            <a:ext cx="626516" cy="367130"/>
+          </a:xfrm>
+          <a:prstGeom prst="rect">
+            <a:avLst/>
+          </a:prstGeom>
+        </p:spPr>
+      </p:pic>
+      <p:pic>
+        <p:nvPicPr>
+          <p:cNvPr id="5" name="Picture 4">
+            <a:extLst>
+              <a:ext uri="{FF2B5EF4-FFF2-40B4-BE49-F238E27FC236}">
+                <a16:creationId xmlns:a16="http://schemas.microsoft.com/office/drawing/2014/main" id="{1D689946-F1FF-44EF-96B2-C71C18C4F1CF}"/>
+              </a:ext>
+            </a:extLst>
+          </p:cNvPr>
+          <p:cNvPicPr>
+            <a:picLocks noChangeAspect="1"/>
+          </p:cNvPicPr>
+          <p:nvPr/>
+        </p:nvPicPr>
+        <p:blipFill>
+          <a:blip r:embed="rId4"/>
+          <a:stretch>
+            <a:fillRect/>
+          </a:stretch>
+        </p:blipFill>
+        <p:spPr>
+          <a:xfrm>
+            <a:off x="5896598" y="465985"/>
+            <a:ext cx="4429125" cy="2647950"/>
+          </a:xfrm>
+          <a:prstGeom prst="rect">
+            <a:avLst/>
+          </a:prstGeom>
+        </p:spPr>
+      </p:pic>
+      <p:pic>
+        <p:nvPicPr>
+          <p:cNvPr id="6" name="Picture 5">
+            <a:extLst>
+              <a:ext uri="{FF2B5EF4-FFF2-40B4-BE49-F238E27FC236}">
+                <a16:creationId xmlns:a16="http://schemas.microsoft.com/office/drawing/2014/main" id="{BEF9F38E-199C-41AE-9A89-477CD931F49C}"/>
+              </a:ext>
+            </a:extLst>
+          </p:cNvPr>
+          <p:cNvPicPr>
+            <a:picLocks noChangeAspect="1"/>
+          </p:cNvPicPr>
+          <p:nvPr/>
+        </p:nvPicPr>
+        <p:blipFill>
+          <a:blip r:embed="rId5"/>
+          <a:stretch>
+            <a:fillRect/>
+          </a:stretch>
+        </p:blipFill>
+        <p:spPr>
+          <a:xfrm>
+            <a:off x="6096000" y="3811480"/>
+            <a:ext cx="4467225" cy="1828800"/>
+          </a:xfrm>
+          <a:prstGeom prst="rect">
+            <a:avLst/>
+          </a:prstGeom>
+        </p:spPr>
+      </p:pic>
+    </p:spTree>
+    <p:extLst>
+      <p:ext uri="{BB962C8B-B14F-4D97-AF65-F5344CB8AC3E}">
+        <p14:creationId xmlns:p14="http://schemas.microsoft.com/office/powerpoint/2010/main" val="647424283"/>
+      </p:ext>
+    </p:extLst>
+  </p:cSld>
+  <p:clrMapOvr>
+    <a:masterClrMapping/>
+  </p:clrMapOvr>
+</p:sld>
+</file>
+
+<file path=ppt/slides/slide28.xml><?xml version="1.0" encoding="utf-8"?>
 <p:sld xmlns:a="http://schemas.openxmlformats.org/drawingml/2006/main" xmlns:r="http://schemas.openxmlformats.org/officeDocument/2006/relationships" xmlns:p="http://schemas.openxmlformats.org/presentationml/2006/main" showMasterSp="0">
   <p:cSld>
     <p:spTree>
@@ -8564,53 +10082,193 @@
       </p:grpSpPr>
       <p:sp>
         <p:nvSpPr>
-          <p:cNvPr id="4" name="직사각형 15">
-            <a:extLst>
-              <a:ext uri="{FF2B5EF4-FFF2-40B4-BE49-F238E27FC236}">
-                <a16:creationId xmlns:a16="http://schemas.microsoft.com/office/drawing/2014/main" id="{B73FE535-94A1-4E5D-B190-1D99674EF915}"/>
-              </a:ext>
-            </a:extLst>
-          </p:cNvPr>
-          <p:cNvSpPr/>
+          <p:cNvPr id="2" name="TextBox 1">
+            <a:extLst>
+              <a:ext uri="{FF2B5EF4-FFF2-40B4-BE49-F238E27FC236}">
+                <a16:creationId xmlns:a16="http://schemas.microsoft.com/office/drawing/2014/main" id="{D142F346-FC6A-493B-995E-DB2FC357CBE3}"/>
+              </a:ext>
+            </a:extLst>
+          </p:cNvPr>
+          <p:cNvSpPr txBox="1"/>
           <p:nvPr/>
         </p:nvSpPr>
         <p:spPr>
           <a:xfrm>
-            <a:off x="0" y="0"/>
-            <a:ext cx="12192000" cy="6858000"/>
-          </a:xfrm>
-          <a:prstGeom prst="rect">
-            <a:avLst/>
-          </a:prstGeom>
-          <a:solidFill>
-            <a:srgbClr val="1F2025"/>
-          </a:solidFill>
-          <a:ln w="9525" cap="flat">
-            <a:noFill/>
-            <a:prstDash val="solid"/>
-            <a:miter/>
-          </a:ln>
+            <a:off x="3336212" y="2782669"/>
+            <a:ext cx="5519576" cy="646331"/>
+          </a:xfrm>
+          <a:prstGeom prst="rect">
+            <a:avLst/>
+          </a:prstGeom>
+          <a:noFill/>
         </p:spPr>
         <p:txBody>
-          <a:bodyPr rot="0" spcFirstLastPara="0" vertOverflow="overflow" horzOverflow="overflow" vert="horz" wrap="square" lIns="91440" tIns="45720" rIns="91440" bIns="45720" numCol="1" spcCol="0" rtlCol="0" fromWordArt="0" anchor="ctr" anchorCtr="0" forceAA="0" compatLnSpc="1">
-            <a:prstTxWarp prst="textNoShape">
-              <a:avLst/>
-            </a:prstTxWarp>
-            <a:noAutofit/>
+          <a:bodyPr wrap="square" rtlCol="0">
+            <a:spAutoFit/>
           </a:bodyPr>
           <a:lstStyle/>
           <a:p>
-            <a:pPr algn="l"/>
-            <a:endParaRPr lang="ko-KR" altLang="en-US"/>
+            <a:pPr algn="ctr"/>
+            <a:r>
+              <a:rPr lang="en-US" altLang="ko-KR" sz="3600" b="1">
+                <a:solidFill>
+                  <a:srgbClr val="1F2025"/>
+                </a:solidFill>
+                <a:latin typeface="+mj-lt"/>
+                <a:cs typeface="Arial" panose="020B0604020202020204" pitchFamily="34" charset="0"/>
+              </a:rPr>
+              <a:t>III</a:t>
+            </a:r>
+            <a:r>
+              <a:rPr lang="vi-VN" altLang="ko-KR" sz="3600" b="1">
+                <a:solidFill>
+                  <a:srgbClr val="1F2025"/>
+                </a:solidFill>
+                <a:latin typeface="+mj-lt"/>
+                <a:cs typeface="Arial" panose="020B0604020202020204" pitchFamily="34" charset="0"/>
+              </a:rPr>
+              <a:t>. </a:t>
+            </a:r>
+            <a:r>
+              <a:rPr lang="en-US" altLang="ko-KR" sz="3600" b="1">
+                <a:solidFill>
+                  <a:srgbClr val="1F2025"/>
+                </a:solidFill>
+                <a:latin typeface="+mj-lt"/>
+                <a:cs typeface="Arial" panose="020B0604020202020204" pitchFamily="34" charset="0"/>
+              </a:rPr>
+              <a:t>KIẾN TRÚC TỔNG QUAN</a:t>
+            </a:r>
+            <a:endParaRPr lang="ko-KR" altLang="en-US" sz="3600" b="1" dirty="0">
+              <a:solidFill>
+                <a:srgbClr val="1F2025"/>
+              </a:solidFill>
+              <a:latin typeface="+mj-lt"/>
+              <a:cs typeface="Arial" panose="020B0604020202020204" pitchFamily="34" charset="0"/>
+            </a:endParaRPr>
+          </a:p>
+        </p:txBody>
+      </p:sp>
+      <p:pic>
+        <p:nvPicPr>
+          <p:cNvPr id="7" name="그래픽 6">
+            <a:extLst>
+              <a:ext uri="{FF2B5EF4-FFF2-40B4-BE49-F238E27FC236}">
+                <a16:creationId xmlns:a16="http://schemas.microsoft.com/office/drawing/2014/main" id="{174595B1-92CE-44ED-97FE-F6A897FE48EF}"/>
+              </a:ext>
+            </a:extLst>
+          </p:cNvPr>
+          <p:cNvPicPr>
+            <a:picLocks noChangeAspect="1"/>
+          </p:cNvPicPr>
+          <p:nvPr/>
+        </p:nvPicPr>
+        <p:blipFill>
+          <a:blip r:embed="rId2">
+            <a:extLst>
+              <a:ext uri="{96DAC541-7B7A-43D3-8B79-37D633B846F1}">
+                <asvg:svgBlip xmlns:asvg="http://schemas.microsoft.com/office/drawing/2016/SVG/main" r:embed="rId3"/>
+              </a:ext>
+            </a:extLst>
+          </a:blip>
+          <a:stretch>
+            <a:fillRect/>
+          </a:stretch>
+        </p:blipFill>
+        <p:spPr>
+          <a:xfrm>
+            <a:off x="272402" y="217015"/>
+            <a:ext cx="834391" cy="488942"/>
+          </a:xfrm>
+          <a:prstGeom prst="rect">
+            <a:avLst/>
+          </a:prstGeom>
+        </p:spPr>
+      </p:pic>
+    </p:spTree>
+    <p:extLst>
+      <p:ext uri="{BB962C8B-B14F-4D97-AF65-F5344CB8AC3E}">
+        <p14:creationId xmlns:p14="http://schemas.microsoft.com/office/powerpoint/2010/main" val="2428148938"/>
+      </p:ext>
+    </p:extLst>
+  </p:cSld>
+  <p:clrMapOvr>
+    <a:masterClrMapping/>
+  </p:clrMapOvr>
+</p:sld>
+</file>
+
+<file path=ppt/slides/slide29.xml><?xml version="1.0" encoding="utf-8"?>
+<p:sld xmlns:a="http://schemas.openxmlformats.org/drawingml/2006/main" xmlns:r="http://schemas.openxmlformats.org/officeDocument/2006/relationships" xmlns:p="http://schemas.openxmlformats.org/presentationml/2006/main">
+  <p:cSld>
+    <p:spTree>
+      <p:nvGrpSpPr>
+        <p:cNvPr id="1" name=""/>
+        <p:cNvGrpSpPr/>
+        <p:nvPr/>
+      </p:nvGrpSpPr>
+      <p:grpSpPr>
+        <a:xfrm>
+          <a:off x="0" y="0"/>
+          <a:ext cx="0" cy="0"/>
+          <a:chOff x="0" y="0"/>
+          <a:chExt cx="0" cy="0"/>
+        </a:xfrm>
+      </p:grpSpPr>
+      <p:sp>
+        <p:nvSpPr>
+          <p:cNvPr id="2" name="TextBox 1">
+            <a:extLst>
+              <a:ext uri="{FF2B5EF4-FFF2-40B4-BE49-F238E27FC236}">
+                <a16:creationId xmlns:a16="http://schemas.microsoft.com/office/drawing/2014/main" id="{4ECC80F9-88DA-415C-B69B-55F6C7756629}"/>
+              </a:ext>
+            </a:extLst>
+          </p:cNvPr>
+          <p:cNvSpPr txBox="1"/>
+          <p:nvPr/>
+        </p:nvSpPr>
+        <p:spPr>
+          <a:xfrm>
+            <a:off x="578715" y="465985"/>
+            <a:ext cx="5317883" cy="461665"/>
+          </a:xfrm>
+          <a:prstGeom prst="rect">
+            <a:avLst/>
+          </a:prstGeom>
+          <a:noFill/>
+        </p:spPr>
+        <p:txBody>
+          <a:bodyPr wrap="square" rtlCol="0">
+            <a:spAutoFit/>
+          </a:bodyPr>
+          <a:lstStyle/>
+          <a:p>
+            <a:r>
+              <a:rPr lang="en-US" altLang="ko-KR" sz="2400">
+                <a:solidFill>
+                  <a:srgbClr val="1F2025"/>
+                </a:solidFill>
+                <a:latin typeface="+mj-lt"/>
+                <a:cs typeface="Arial" panose="020B0604020202020204" pitchFamily="34" charset="0"/>
+              </a:rPr>
+              <a:t>SWIN TRANSFORMER V2</a:t>
+            </a:r>
+            <a:endParaRPr lang="ko-KR" altLang="en-US" sz="2400" dirty="0">
+              <a:solidFill>
+                <a:srgbClr val="1F2025"/>
+              </a:solidFill>
+              <a:latin typeface="+mj-lt"/>
+              <a:cs typeface="Arial" panose="020B0604020202020204" pitchFamily="34" charset="0"/>
+            </a:endParaRPr>
           </a:p>
         </p:txBody>
       </p:sp>
       <p:sp>
         <p:nvSpPr>
-          <p:cNvPr id="6" name="TextBox 5">
-            <a:extLst>
-              <a:ext uri="{FF2B5EF4-FFF2-40B4-BE49-F238E27FC236}">
-                <a16:creationId xmlns:a16="http://schemas.microsoft.com/office/drawing/2014/main" id="{101A5185-63D0-4A8C-A249-BDD71C42AE54}"/>
+          <p:cNvPr id="3" name="TextBox 2">
+            <a:extLst>
+              <a:ext uri="{FF2B5EF4-FFF2-40B4-BE49-F238E27FC236}">
+                <a16:creationId xmlns:a16="http://schemas.microsoft.com/office/drawing/2014/main" id="{4A5778BD-E06C-4169-AA97-F60816239A15}"/>
               </a:ext>
             </a:extLst>
           </p:cNvPr>
@@ -8619,8 +10277,8 @@
         </p:nvSpPr>
         <p:spPr>
           <a:xfrm>
-            <a:off x="3796796" y="2770087"/>
-            <a:ext cx="4923801" cy="769441"/>
+            <a:off x="388703" y="1813403"/>
+            <a:ext cx="4799117" cy="2585323"/>
           </a:xfrm>
           <a:prstGeom prst="rect">
             <a:avLst/>
@@ -8636,82 +10294,214 @@
               <a:defRPr lang="ko-KR"/>
             </a:defPPr>
             <a:lvl1pPr>
-              <a:defRPr sz="4000" b="1">
-                <a:latin typeface="+mj-lt"/>
-                <a:cs typeface="Arial" panose="020B0604020202020204" pitchFamily="34" charset="0"/>
+              <a:defRPr sz="1100">
+                <a:solidFill>
+                  <a:schemeClr val="tx1">
+                    <a:lumMod val="75000"/>
+                    <a:lumOff val="25000"/>
+                  </a:schemeClr>
+                </a:solidFill>
               </a:defRPr>
             </a:lvl1pPr>
           </a:lstStyle>
           <a:p>
-            <a:pPr algn="ctr"/>
-            <a:r>
-              <a:rPr lang="vi-VN" altLang="ko-KR" sz="4400" b="0" dirty="0">
-                <a:solidFill>
-                  <a:schemeClr val="bg1"/>
-                </a:solidFill>
-              </a:rPr>
-              <a:t>XIN CẢM ƠN</a:t>
-            </a:r>
-            <a:r>
-              <a:rPr lang="en-US" altLang="ko-KR" sz="4400" b="0" dirty="0">
-                <a:solidFill>
-                  <a:schemeClr val="bg1"/>
-                </a:solidFill>
-              </a:rPr>
-              <a:t>!</a:t>
-            </a:r>
+            <a:pPr marL="171450" indent="-171450">
+              <a:buFontTx/>
+              <a:buChar char="-"/>
+            </a:pPr>
+            <a:r>
+              <a:rPr lang="en-US" altLang="ko-KR" sz="1800">
+                <a:solidFill>
+                  <a:srgbClr val="1F2025"/>
+                </a:solidFill>
+              </a:rPr>
+              <a:t>Được giới thiệu tháng 11/2021.</a:t>
+            </a:r>
+          </a:p>
+          <a:p>
+            <a:pPr marL="171450" indent="-171450">
+              <a:buFontTx/>
+              <a:buChar char="-"/>
+            </a:pPr>
+            <a:r>
+              <a:rPr lang="en-US" altLang="ko-KR" sz="1800">
+                <a:solidFill>
+                  <a:srgbClr val="1F2025"/>
+                </a:solidFill>
+              </a:rPr>
+              <a:t>Dựa trên kiến trúc của Swin Transformer V1, có thêm một số cải tiến để cải thiện hiệu năng cũng nh</a:t>
+            </a:r>
+            <a:r>
+              <a:rPr lang="vi-VN" altLang="ko-KR" sz="1800">
+                <a:solidFill>
+                  <a:srgbClr val="1F2025"/>
+                </a:solidFill>
+              </a:rPr>
+              <a:t>ư</a:t>
+            </a:r>
+            <a:r>
+              <a:rPr lang="en-US" altLang="ko-KR" sz="1800">
+                <a:solidFill>
+                  <a:srgbClr val="1F2025"/>
+                </a:solidFill>
+              </a:rPr>
+              <a:t> độ phân giải đầu vào.</a:t>
+            </a:r>
+          </a:p>
+          <a:p>
+            <a:pPr marL="171450" indent="-171450">
+              <a:buFontTx/>
+              <a:buChar char="-"/>
+            </a:pPr>
+            <a:r>
+              <a:rPr lang="en-US" altLang="ko-KR" sz="1800">
+                <a:solidFill>
+                  <a:srgbClr val="1F2025"/>
+                </a:solidFill>
+              </a:rPr>
+              <a:t>Mô hình lên tới 3 tỷ tham số, huấn luyện với độ phân giải lên tới 1536x1536 pixels.</a:t>
+            </a:r>
+          </a:p>
+          <a:p>
+            <a:pPr marL="171450" indent="-171450">
+              <a:buFontTx/>
+              <a:buChar char="-"/>
+            </a:pPr>
+            <a:r>
+              <a:rPr lang="en-US" altLang="ko-KR" sz="1800">
+                <a:solidFill>
+                  <a:srgbClr val="1F2025"/>
+                </a:solidFill>
+              </a:rPr>
+              <a:t>Thiết lập SOTA trên các thang đo đại diện cho các bài toán về thị giác máy tính.</a:t>
+            </a:r>
+          </a:p>
+          <a:p>
+            <a:pPr marL="171450" indent="-171450">
+              <a:buFontTx/>
+              <a:buChar char="-"/>
+            </a:pPr>
+            <a:endParaRPr lang="en-US" altLang="ko-KR" sz="1800" dirty="0">
+              <a:solidFill>
+                <a:srgbClr val="1F2025"/>
+              </a:solidFill>
+            </a:endParaRPr>
           </a:p>
         </p:txBody>
       </p:sp>
       <p:sp>
         <p:nvSpPr>
-          <p:cNvPr id="7" name="TextBox 6">
-            <a:extLst>
-              <a:ext uri="{FF2B5EF4-FFF2-40B4-BE49-F238E27FC236}">
-                <a16:creationId xmlns:a16="http://schemas.microsoft.com/office/drawing/2014/main" id="{B9A99A32-5752-4F46-90C2-1C48D71440C8}"/>
-              </a:ext>
-            </a:extLst>
-          </p:cNvPr>
-          <p:cNvSpPr txBox="1"/>
+          <p:cNvPr id="16" name="직사각형 15">
+            <a:extLst>
+              <a:ext uri="{FF2B5EF4-FFF2-40B4-BE49-F238E27FC236}">
+                <a16:creationId xmlns:a16="http://schemas.microsoft.com/office/drawing/2014/main" id="{B73FE535-94A1-4E5D-B190-1D99674EF915}"/>
+              </a:ext>
+            </a:extLst>
+          </p:cNvPr>
+          <p:cNvSpPr/>
           <p:nvPr/>
         </p:nvSpPr>
         <p:spPr>
           <a:xfrm>
-            <a:off x="4357586" y="3653377"/>
-            <a:ext cx="3802220" cy="276999"/>
-          </a:xfrm>
-          <a:prstGeom prst="rect">
-            <a:avLst/>
-          </a:prstGeom>
-          <a:noFill/>
+            <a:off x="0" y="6206532"/>
+            <a:ext cx="12192000" cy="651468"/>
+          </a:xfrm>
+          <a:prstGeom prst="rect">
+            <a:avLst/>
+          </a:prstGeom>
+          <a:solidFill>
+            <a:srgbClr val="1F2025"/>
+          </a:solidFill>
+          <a:ln w="9525" cap="flat">
+            <a:noFill/>
+            <a:prstDash val="solid"/>
+            <a:miter/>
+          </a:ln>
         </p:spPr>
         <p:txBody>
-          <a:bodyPr wrap="square" rtlCol="0">
-            <a:spAutoFit/>
+          <a:bodyPr rot="0" spcFirstLastPara="0" vertOverflow="overflow" horzOverflow="overflow" vert="horz" wrap="square" lIns="91440" tIns="45720" rIns="91440" bIns="45720" numCol="1" spcCol="0" rtlCol="0" fromWordArt="0" anchor="ctr" anchorCtr="0" forceAA="0" compatLnSpc="1">
+            <a:prstTxWarp prst="textNoShape">
+              <a:avLst/>
+            </a:prstTxWarp>
+            <a:noAutofit/>
           </a:bodyPr>
           <a:lstStyle/>
           <a:p>
-            <a:pPr algn="ctr"/>
-            <a:r>
-              <a:rPr lang="en-US" altLang="ko-KR" sz="1200" dirty="0">
-                <a:solidFill>
-                  <a:schemeClr val="bg1"/>
-                </a:solidFill>
-              </a:rPr>
-              <a:t>hung.ttkt1@gmail.com</a:t>
-            </a:r>
-            <a:endParaRPr lang="ko-KR" altLang="en-US" sz="1200" dirty="0">
-              <a:solidFill>
-                <a:schemeClr val="bg1"/>
-              </a:solidFill>
-            </a:endParaRPr>
+            <a:pPr algn="l"/>
+            <a:endParaRPr lang="ko-KR" altLang="en-US"/>
           </a:p>
         </p:txBody>
       </p:sp>
+      <p:pic>
+        <p:nvPicPr>
+          <p:cNvPr id="17" name="그래픽 16">
+            <a:extLst>
+              <a:ext uri="{FF2B5EF4-FFF2-40B4-BE49-F238E27FC236}">
+                <a16:creationId xmlns:a16="http://schemas.microsoft.com/office/drawing/2014/main" id="{7A988829-597B-495C-9112-A39D40EF9F77}"/>
+              </a:ext>
+            </a:extLst>
+          </p:cNvPr>
+          <p:cNvPicPr>
+            <a:picLocks noChangeAspect="1"/>
+          </p:cNvPicPr>
+          <p:nvPr/>
+        </p:nvPicPr>
+        <p:blipFill>
+          <a:blip r:embed="rId2">
+            <a:extLst>
+              <a:ext uri="{96DAC541-7B7A-43D3-8B79-37D633B846F1}">
+                <asvg:svgBlip xmlns:asvg="http://schemas.microsoft.com/office/drawing/2016/SVG/main" r:embed="rId3"/>
+              </a:ext>
+            </a:extLst>
+          </a:blip>
+          <a:stretch>
+            <a:fillRect/>
+          </a:stretch>
+        </p:blipFill>
+        <p:spPr>
+          <a:xfrm>
+            <a:off x="11222584" y="6348701"/>
+            <a:ext cx="626516" cy="367130"/>
+          </a:xfrm>
+          <a:prstGeom prst="rect">
+            <a:avLst/>
+          </a:prstGeom>
+        </p:spPr>
+      </p:pic>
+      <p:pic>
+        <p:nvPicPr>
+          <p:cNvPr id="4" name="Picture 3">
+            <a:extLst>
+              <a:ext uri="{FF2B5EF4-FFF2-40B4-BE49-F238E27FC236}">
+                <a16:creationId xmlns:a16="http://schemas.microsoft.com/office/drawing/2014/main" id="{4180287D-0413-4A11-9FC5-C6A843A853A5}"/>
+              </a:ext>
+            </a:extLst>
+          </p:cNvPr>
+          <p:cNvPicPr>
+            <a:picLocks noChangeAspect="1"/>
+          </p:cNvPicPr>
+          <p:nvPr/>
+        </p:nvPicPr>
+        <p:blipFill>
+          <a:blip r:embed="rId4"/>
+          <a:stretch>
+            <a:fillRect/>
+          </a:stretch>
+        </p:blipFill>
+        <p:spPr>
+          <a:xfrm>
+            <a:off x="5705281" y="706092"/>
+            <a:ext cx="5372100" cy="5000625"/>
+          </a:xfrm>
+          <a:prstGeom prst="rect">
+            <a:avLst/>
+          </a:prstGeom>
+        </p:spPr>
+      </p:pic>
     </p:spTree>
     <p:extLst>
       <p:ext uri="{BB962C8B-B14F-4D97-AF65-F5344CB8AC3E}">
-        <p14:creationId xmlns:p14="http://schemas.microsoft.com/office/powerpoint/2010/main" val="1907620479"/>
+        <p14:creationId xmlns:p14="http://schemas.microsoft.com/office/powerpoint/2010/main" val="829733736"/>
       </p:ext>
     </p:extLst>
   </p:cSld>
@@ -8827,6 +10617,1571 @@
     <p:extLst>
       <p:ext uri="{BB962C8B-B14F-4D97-AF65-F5344CB8AC3E}">
         <p14:creationId xmlns:p14="http://schemas.microsoft.com/office/powerpoint/2010/main" val="4046769741"/>
+      </p:ext>
+    </p:extLst>
+  </p:cSld>
+  <p:clrMapOvr>
+    <a:masterClrMapping/>
+  </p:clrMapOvr>
+</p:sld>
+</file>
+
+<file path=ppt/slides/slide30.xml><?xml version="1.0" encoding="utf-8"?>
+<p:sld xmlns:a="http://schemas.openxmlformats.org/drawingml/2006/main" xmlns:r="http://schemas.openxmlformats.org/officeDocument/2006/relationships" xmlns:p="http://schemas.openxmlformats.org/presentationml/2006/main">
+  <p:cSld>
+    <p:spTree>
+      <p:nvGrpSpPr>
+        <p:cNvPr id="1" name=""/>
+        <p:cNvGrpSpPr/>
+        <p:nvPr/>
+      </p:nvGrpSpPr>
+      <p:grpSpPr>
+        <a:xfrm>
+          <a:off x="0" y="0"/>
+          <a:ext cx="0" cy="0"/>
+          <a:chOff x="0" y="0"/>
+          <a:chExt cx="0" cy="0"/>
+        </a:xfrm>
+      </p:grpSpPr>
+      <p:sp>
+        <p:nvSpPr>
+          <p:cNvPr id="2" name="TextBox 1">
+            <a:extLst>
+              <a:ext uri="{FF2B5EF4-FFF2-40B4-BE49-F238E27FC236}">
+                <a16:creationId xmlns:a16="http://schemas.microsoft.com/office/drawing/2014/main" id="{D142F346-FC6A-493B-995E-DB2FC357CBE3}"/>
+              </a:ext>
+            </a:extLst>
+          </p:cNvPr>
+          <p:cNvSpPr txBox="1"/>
+          <p:nvPr/>
+        </p:nvSpPr>
+        <p:spPr>
+          <a:xfrm>
+            <a:off x="3708400" y="2759168"/>
+            <a:ext cx="4775200" cy="1200329"/>
+          </a:xfrm>
+          <a:prstGeom prst="rect">
+            <a:avLst/>
+          </a:prstGeom>
+          <a:noFill/>
+        </p:spPr>
+        <p:txBody>
+          <a:bodyPr wrap="square" rtlCol="0">
+            <a:spAutoFit/>
+          </a:bodyPr>
+          <a:lstStyle/>
+          <a:p>
+            <a:pPr algn="ctr"/>
+            <a:r>
+              <a:rPr lang="vi-VN" altLang="ko-KR" sz="3600" b="1">
+                <a:solidFill>
+                  <a:srgbClr val="1F2025"/>
+                </a:solidFill>
+                <a:latin typeface="Calibri" panose="020F0502020204030204" pitchFamily="34" charset="0"/>
+                <a:cs typeface="Calibri" panose="020F0502020204030204" pitchFamily="34" charset="0"/>
+              </a:rPr>
+              <a:t>I</a:t>
+            </a:r>
+            <a:r>
+              <a:rPr lang="en-US" altLang="ko-KR" sz="3600" b="1">
+                <a:solidFill>
+                  <a:srgbClr val="1F2025"/>
+                </a:solidFill>
+                <a:latin typeface="Calibri" panose="020F0502020204030204" pitchFamily="34" charset="0"/>
+                <a:cs typeface="Calibri" panose="020F0502020204030204" pitchFamily="34" charset="0"/>
+              </a:rPr>
+              <a:t>V</a:t>
+            </a:r>
+            <a:r>
+              <a:rPr lang="vi-VN" altLang="ko-KR" sz="3600" b="1">
+                <a:solidFill>
+                  <a:srgbClr val="1F2025"/>
+                </a:solidFill>
+                <a:latin typeface="Calibri" panose="020F0502020204030204" pitchFamily="34" charset="0"/>
+                <a:cs typeface="Calibri" panose="020F0502020204030204" pitchFamily="34" charset="0"/>
+              </a:rPr>
+              <a:t>. CÁC </a:t>
+            </a:r>
+            <a:r>
+              <a:rPr lang="en-US" altLang="ko-KR" sz="3600" b="1">
+                <a:solidFill>
+                  <a:srgbClr val="1F2025"/>
+                </a:solidFill>
+                <a:latin typeface="Calibri" panose="020F0502020204030204" pitchFamily="34" charset="0"/>
+                <a:cs typeface="Calibri" panose="020F0502020204030204" pitchFamily="34" charset="0"/>
+              </a:rPr>
+              <a:t>KỸ THUẬT MỚI Đ</a:t>
+            </a:r>
+            <a:r>
+              <a:rPr lang="vi-VN" altLang="ko-KR" sz="3600" b="1">
+                <a:solidFill>
+                  <a:srgbClr val="1F2025"/>
+                </a:solidFill>
+                <a:latin typeface="Calibri" panose="020F0502020204030204" pitchFamily="34" charset="0"/>
+                <a:cs typeface="Calibri" panose="020F0502020204030204" pitchFamily="34" charset="0"/>
+              </a:rPr>
+              <a:t>Ư</a:t>
+            </a:r>
+            <a:r>
+              <a:rPr lang="en-US" altLang="ko-KR" sz="3600" b="1">
+                <a:solidFill>
+                  <a:srgbClr val="1F2025"/>
+                </a:solidFill>
+                <a:latin typeface="Calibri" panose="020F0502020204030204" pitchFamily="34" charset="0"/>
+                <a:cs typeface="Calibri" panose="020F0502020204030204" pitchFamily="34" charset="0"/>
+              </a:rPr>
+              <a:t>ỢC ĐỀ XUẤT</a:t>
+            </a:r>
+            <a:endParaRPr lang="ko-KR" altLang="en-US" sz="3600" b="1" dirty="0">
+              <a:solidFill>
+                <a:srgbClr val="1F2025"/>
+              </a:solidFill>
+              <a:latin typeface="Calibri" panose="020F0502020204030204" pitchFamily="34" charset="0"/>
+              <a:cs typeface="Calibri" panose="020F0502020204030204" pitchFamily="34" charset="0"/>
+            </a:endParaRPr>
+          </a:p>
+        </p:txBody>
+      </p:sp>
+      <p:pic>
+        <p:nvPicPr>
+          <p:cNvPr id="7" name="그래픽 6">
+            <a:extLst>
+              <a:ext uri="{FF2B5EF4-FFF2-40B4-BE49-F238E27FC236}">
+                <a16:creationId xmlns:a16="http://schemas.microsoft.com/office/drawing/2014/main" id="{174595B1-92CE-44ED-97FE-F6A897FE48EF}"/>
+              </a:ext>
+            </a:extLst>
+          </p:cNvPr>
+          <p:cNvPicPr>
+            <a:picLocks noChangeAspect="1"/>
+          </p:cNvPicPr>
+          <p:nvPr/>
+        </p:nvPicPr>
+        <p:blipFill>
+          <a:blip r:embed="rId2">
+            <a:extLst>
+              <a:ext uri="{96DAC541-7B7A-43D3-8B79-37D633B846F1}">
+                <asvg:svgBlip xmlns:asvg="http://schemas.microsoft.com/office/drawing/2016/SVG/main" r:embed="rId3"/>
+              </a:ext>
+            </a:extLst>
+          </a:blip>
+          <a:stretch>
+            <a:fillRect/>
+          </a:stretch>
+        </p:blipFill>
+        <p:spPr>
+          <a:xfrm>
+            <a:off x="272402" y="217015"/>
+            <a:ext cx="834391" cy="488942"/>
+          </a:xfrm>
+          <a:prstGeom prst="rect">
+            <a:avLst/>
+          </a:prstGeom>
+        </p:spPr>
+      </p:pic>
+    </p:spTree>
+    <p:extLst>
+      <p:ext uri="{BB962C8B-B14F-4D97-AF65-F5344CB8AC3E}">
+        <p14:creationId xmlns:p14="http://schemas.microsoft.com/office/powerpoint/2010/main" val="4267959614"/>
+      </p:ext>
+    </p:extLst>
+  </p:cSld>
+  <p:clrMapOvr>
+    <a:masterClrMapping/>
+  </p:clrMapOvr>
+</p:sld>
+</file>
+
+<file path=ppt/slides/slide31.xml><?xml version="1.0" encoding="utf-8"?>
+<p:sld xmlns:a="http://schemas.openxmlformats.org/drawingml/2006/main" xmlns:r="http://schemas.openxmlformats.org/officeDocument/2006/relationships" xmlns:p="http://schemas.openxmlformats.org/presentationml/2006/main" showMasterSp="0">
+  <p:cSld>
+    <p:spTree>
+      <p:nvGrpSpPr>
+        <p:cNvPr id="1" name=""/>
+        <p:cNvGrpSpPr/>
+        <p:nvPr/>
+      </p:nvGrpSpPr>
+      <p:grpSpPr>
+        <a:xfrm>
+          <a:off x="0" y="0"/>
+          <a:ext cx="0" cy="0"/>
+          <a:chOff x="0" y="0"/>
+          <a:chExt cx="0" cy="0"/>
+        </a:xfrm>
+      </p:grpSpPr>
+      <p:sp>
+        <p:nvSpPr>
+          <p:cNvPr id="2" name="TextBox 1">
+            <a:extLst>
+              <a:ext uri="{FF2B5EF4-FFF2-40B4-BE49-F238E27FC236}">
+                <a16:creationId xmlns:a16="http://schemas.microsoft.com/office/drawing/2014/main" id="{4ECC80F9-88DA-415C-B69B-55F6C7756629}"/>
+              </a:ext>
+            </a:extLst>
+          </p:cNvPr>
+          <p:cNvSpPr txBox="1"/>
+          <p:nvPr/>
+        </p:nvSpPr>
+        <p:spPr>
+          <a:xfrm>
+            <a:off x="578715" y="482981"/>
+            <a:ext cx="5317883" cy="461665"/>
+          </a:xfrm>
+          <a:prstGeom prst="rect">
+            <a:avLst/>
+          </a:prstGeom>
+          <a:noFill/>
+        </p:spPr>
+        <p:txBody>
+          <a:bodyPr wrap="square" rtlCol="0">
+            <a:spAutoFit/>
+          </a:bodyPr>
+          <a:lstStyle/>
+          <a:p>
+            <a:r>
+              <a:rPr lang="en-US" altLang="ko-KR" sz="2400" b="1">
+                <a:solidFill>
+                  <a:srgbClr val="1F2025"/>
+                </a:solidFill>
+                <a:latin typeface="+mj-lt"/>
+                <a:cs typeface="Arial" panose="020B0604020202020204" pitchFamily="34" charset="0"/>
+              </a:rPr>
+              <a:t>MỞ RỘNG NĂNG LỰC MÔ HÌNH</a:t>
+            </a:r>
+            <a:endParaRPr lang="ko-KR" altLang="en-US" sz="2400" b="1" dirty="0">
+              <a:solidFill>
+                <a:srgbClr val="1F2025"/>
+              </a:solidFill>
+              <a:latin typeface="+mj-lt"/>
+              <a:cs typeface="Arial" panose="020B0604020202020204" pitchFamily="34" charset="0"/>
+            </a:endParaRPr>
+          </a:p>
+        </p:txBody>
+      </p:sp>
+      <p:sp>
+        <p:nvSpPr>
+          <p:cNvPr id="3" name="TextBox 2">
+            <a:extLst>
+              <a:ext uri="{FF2B5EF4-FFF2-40B4-BE49-F238E27FC236}">
+                <a16:creationId xmlns:a16="http://schemas.microsoft.com/office/drawing/2014/main" id="{4A5778BD-E06C-4169-AA97-F60816239A15}"/>
+              </a:ext>
+            </a:extLst>
+          </p:cNvPr>
+          <p:cNvSpPr txBox="1"/>
+          <p:nvPr/>
+        </p:nvSpPr>
+        <p:spPr>
+          <a:xfrm>
+            <a:off x="920547" y="2233280"/>
+            <a:ext cx="4677820" cy="923330"/>
+          </a:xfrm>
+          <a:prstGeom prst="rect">
+            <a:avLst/>
+          </a:prstGeom>
+          <a:noFill/>
+        </p:spPr>
+        <p:txBody>
+          <a:bodyPr wrap="square" rtlCol="0">
+            <a:spAutoFit/>
+          </a:bodyPr>
+          <a:lstStyle>
+            <a:defPPr>
+              <a:defRPr lang="ko-KR"/>
+            </a:defPPr>
+            <a:lvl1pPr>
+              <a:defRPr sz="1100">
+                <a:solidFill>
+                  <a:schemeClr val="tx1">
+                    <a:lumMod val="75000"/>
+                    <a:lumOff val="25000"/>
+                  </a:schemeClr>
+                </a:solidFill>
+              </a:defRPr>
+            </a:lvl1pPr>
+          </a:lstStyle>
+          <a:p>
+            <a:pPr marL="285750" indent="-285750">
+              <a:buFontTx/>
+              <a:buChar char="-"/>
+            </a:pPr>
+            <a:r>
+              <a:rPr lang="en-US" altLang="ko-KR" sz="1800">
+                <a:solidFill>
+                  <a:srgbClr val="1F2025"/>
+                </a:solidFill>
+              </a:rPr>
+              <a:t>Post normalization</a:t>
+            </a:r>
+          </a:p>
+          <a:p>
+            <a:pPr marL="285750" indent="-285750">
+              <a:buFontTx/>
+              <a:buChar char="-"/>
+            </a:pPr>
+            <a:r>
+              <a:rPr lang="en-US" altLang="ko-KR" sz="1800">
+                <a:solidFill>
+                  <a:srgbClr val="1F2025"/>
+                </a:solidFill>
+              </a:rPr>
+              <a:t>Scaled cosine attention</a:t>
+            </a:r>
+          </a:p>
+          <a:p>
+            <a:pPr marL="285750" indent="-285750">
+              <a:buFontTx/>
+              <a:buChar char="-"/>
+            </a:pPr>
+            <a:endParaRPr lang="en-US" altLang="ko-KR" sz="1800" dirty="0">
+              <a:solidFill>
+                <a:srgbClr val="1F2025"/>
+              </a:solidFill>
+            </a:endParaRPr>
+          </a:p>
+        </p:txBody>
+      </p:sp>
+      <p:sp>
+        <p:nvSpPr>
+          <p:cNvPr id="16" name="직사각형 15">
+            <a:extLst>
+              <a:ext uri="{FF2B5EF4-FFF2-40B4-BE49-F238E27FC236}">
+                <a16:creationId xmlns:a16="http://schemas.microsoft.com/office/drawing/2014/main" id="{B73FE535-94A1-4E5D-B190-1D99674EF915}"/>
+              </a:ext>
+            </a:extLst>
+          </p:cNvPr>
+          <p:cNvSpPr/>
+          <p:nvPr/>
+        </p:nvSpPr>
+        <p:spPr>
+          <a:xfrm>
+            <a:off x="0" y="6206532"/>
+            <a:ext cx="12192000" cy="651468"/>
+          </a:xfrm>
+          <a:prstGeom prst="rect">
+            <a:avLst/>
+          </a:prstGeom>
+          <a:solidFill>
+            <a:srgbClr val="1F2025"/>
+          </a:solidFill>
+          <a:ln w="9525" cap="flat">
+            <a:noFill/>
+            <a:prstDash val="solid"/>
+            <a:miter/>
+          </a:ln>
+        </p:spPr>
+        <p:txBody>
+          <a:bodyPr rot="0" spcFirstLastPara="0" vertOverflow="overflow" horzOverflow="overflow" vert="horz" wrap="square" lIns="91440" tIns="45720" rIns="91440" bIns="45720" numCol="1" spcCol="0" rtlCol="0" fromWordArt="0" anchor="ctr" anchorCtr="0" forceAA="0" compatLnSpc="1">
+            <a:prstTxWarp prst="textNoShape">
+              <a:avLst/>
+            </a:prstTxWarp>
+            <a:noAutofit/>
+          </a:bodyPr>
+          <a:lstStyle/>
+          <a:p>
+            <a:pPr algn="l"/>
+            <a:endParaRPr lang="ko-KR" altLang="en-US"/>
+          </a:p>
+        </p:txBody>
+      </p:sp>
+      <p:pic>
+        <p:nvPicPr>
+          <p:cNvPr id="17" name="그래픽 16">
+            <a:extLst>
+              <a:ext uri="{FF2B5EF4-FFF2-40B4-BE49-F238E27FC236}">
+                <a16:creationId xmlns:a16="http://schemas.microsoft.com/office/drawing/2014/main" id="{7A988829-597B-495C-9112-A39D40EF9F77}"/>
+              </a:ext>
+            </a:extLst>
+          </p:cNvPr>
+          <p:cNvPicPr>
+            <a:picLocks noChangeAspect="1"/>
+          </p:cNvPicPr>
+          <p:nvPr/>
+        </p:nvPicPr>
+        <p:blipFill>
+          <a:blip r:embed="rId2">
+            <a:extLst>
+              <a:ext uri="{96DAC541-7B7A-43D3-8B79-37D633B846F1}">
+                <asvg:svgBlip xmlns:asvg="http://schemas.microsoft.com/office/drawing/2016/SVG/main" r:embed="rId3"/>
+              </a:ext>
+            </a:extLst>
+          </a:blip>
+          <a:stretch>
+            <a:fillRect/>
+          </a:stretch>
+        </p:blipFill>
+        <p:spPr>
+          <a:xfrm>
+            <a:off x="11222584" y="6348701"/>
+            <a:ext cx="626516" cy="367130"/>
+          </a:xfrm>
+          <a:prstGeom prst="rect">
+            <a:avLst/>
+          </a:prstGeom>
+        </p:spPr>
+      </p:pic>
+    </p:spTree>
+    <p:extLst>
+      <p:ext uri="{BB962C8B-B14F-4D97-AF65-F5344CB8AC3E}">
+        <p14:creationId xmlns:p14="http://schemas.microsoft.com/office/powerpoint/2010/main" val="3780947865"/>
+      </p:ext>
+    </p:extLst>
+  </p:cSld>
+  <p:clrMapOvr>
+    <a:masterClrMapping/>
+  </p:clrMapOvr>
+</p:sld>
+</file>
+
+<file path=ppt/slides/slide32.xml><?xml version="1.0" encoding="utf-8"?>
+<p:sld xmlns:a="http://schemas.openxmlformats.org/drawingml/2006/main" xmlns:r="http://schemas.openxmlformats.org/officeDocument/2006/relationships" xmlns:p="http://schemas.openxmlformats.org/presentationml/2006/main">
+  <p:cSld>
+    <p:spTree>
+      <p:nvGrpSpPr>
+        <p:cNvPr id="1" name=""/>
+        <p:cNvGrpSpPr/>
+        <p:nvPr/>
+      </p:nvGrpSpPr>
+      <p:grpSpPr>
+        <a:xfrm>
+          <a:off x="0" y="0"/>
+          <a:ext cx="0" cy="0"/>
+          <a:chOff x="0" y="0"/>
+          <a:chExt cx="0" cy="0"/>
+        </a:xfrm>
+      </p:grpSpPr>
+      <p:sp>
+        <p:nvSpPr>
+          <p:cNvPr id="2" name="TextBox 1">
+            <a:extLst>
+              <a:ext uri="{FF2B5EF4-FFF2-40B4-BE49-F238E27FC236}">
+                <a16:creationId xmlns:a16="http://schemas.microsoft.com/office/drawing/2014/main" id="{4ECC80F9-88DA-415C-B69B-55F6C7756629}"/>
+              </a:ext>
+            </a:extLst>
+          </p:cNvPr>
+          <p:cNvSpPr txBox="1"/>
+          <p:nvPr/>
+        </p:nvSpPr>
+        <p:spPr>
+          <a:xfrm>
+            <a:off x="578715" y="482981"/>
+            <a:ext cx="5317883" cy="461665"/>
+          </a:xfrm>
+          <a:prstGeom prst="rect">
+            <a:avLst/>
+          </a:prstGeom>
+          <a:noFill/>
+        </p:spPr>
+        <p:txBody>
+          <a:bodyPr wrap="square" rtlCol="0">
+            <a:spAutoFit/>
+          </a:bodyPr>
+          <a:lstStyle/>
+          <a:p>
+            <a:r>
+              <a:rPr lang="en-US" altLang="ko-KR" sz="2400" b="1">
+                <a:solidFill>
+                  <a:srgbClr val="1F2025"/>
+                </a:solidFill>
+                <a:latin typeface="+mj-lt"/>
+                <a:cs typeface="Arial" panose="020B0604020202020204" pitchFamily="34" charset="0"/>
+              </a:rPr>
+              <a:t>MỞ RỘNG ĐỘ PHÂN GIẢI</a:t>
+            </a:r>
+            <a:endParaRPr lang="ko-KR" altLang="en-US" sz="2400" b="1" dirty="0">
+              <a:solidFill>
+                <a:srgbClr val="1F2025"/>
+              </a:solidFill>
+              <a:latin typeface="+mj-lt"/>
+              <a:cs typeface="Arial" panose="020B0604020202020204" pitchFamily="34" charset="0"/>
+            </a:endParaRPr>
+          </a:p>
+        </p:txBody>
+      </p:sp>
+      <p:sp>
+        <p:nvSpPr>
+          <p:cNvPr id="3" name="TextBox 2">
+            <a:extLst>
+              <a:ext uri="{FF2B5EF4-FFF2-40B4-BE49-F238E27FC236}">
+                <a16:creationId xmlns:a16="http://schemas.microsoft.com/office/drawing/2014/main" id="{4A5778BD-E06C-4169-AA97-F60816239A15}"/>
+              </a:ext>
+            </a:extLst>
+          </p:cNvPr>
+          <p:cNvSpPr txBox="1"/>
+          <p:nvPr/>
+        </p:nvSpPr>
+        <p:spPr>
+          <a:xfrm>
+            <a:off x="920547" y="2233280"/>
+            <a:ext cx="4677820" cy="923330"/>
+          </a:xfrm>
+          <a:prstGeom prst="rect">
+            <a:avLst/>
+          </a:prstGeom>
+          <a:noFill/>
+        </p:spPr>
+        <p:txBody>
+          <a:bodyPr wrap="square" rtlCol="0">
+            <a:spAutoFit/>
+          </a:bodyPr>
+          <a:lstStyle>
+            <a:defPPr>
+              <a:defRPr lang="ko-KR"/>
+            </a:defPPr>
+            <a:lvl1pPr>
+              <a:defRPr sz="1100">
+                <a:solidFill>
+                  <a:schemeClr val="tx1">
+                    <a:lumMod val="75000"/>
+                    <a:lumOff val="25000"/>
+                  </a:schemeClr>
+                </a:solidFill>
+              </a:defRPr>
+            </a:lvl1pPr>
+          </a:lstStyle>
+          <a:p>
+            <a:pPr marL="285750" indent="-285750">
+              <a:buFontTx/>
+              <a:buChar char="-"/>
+            </a:pPr>
+            <a:r>
+              <a:rPr lang="en-US" altLang="ko-KR" sz="1800">
+                <a:solidFill>
+                  <a:srgbClr val="1F2025"/>
+                </a:solidFill>
+              </a:rPr>
+              <a:t>Continuous relative position bias</a:t>
+            </a:r>
+          </a:p>
+          <a:p>
+            <a:pPr marL="285750" indent="-285750">
+              <a:buFontTx/>
+              <a:buChar char="-"/>
+            </a:pPr>
+            <a:r>
+              <a:rPr lang="en-US" altLang="ko-KR" sz="1800">
+                <a:solidFill>
+                  <a:srgbClr val="1F2025"/>
+                </a:solidFill>
+              </a:rPr>
+              <a:t>Log-spaced coordinates</a:t>
+            </a:r>
+          </a:p>
+          <a:p>
+            <a:pPr marL="285750" indent="-285750">
+              <a:buFontTx/>
+              <a:buChar char="-"/>
+            </a:pPr>
+            <a:endParaRPr lang="en-US" altLang="ko-KR" sz="1800" dirty="0">
+              <a:solidFill>
+                <a:srgbClr val="1F2025"/>
+              </a:solidFill>
+            </a:endParaRPr>
+          </a:p>
+        </p:txBody>
+      </p:sp>
+      <p:sp>
+        <p:nvSpPr>
+          <p:cNvPr id="16" name="직사각형 15">
+            <a:extLst>
+              <a:ext uri="{FF2B5EF4-FFF2-40B4-BE49-F238E27FC236}">
+                <a16:creationId xmlns:a16="http://schemas.microsoft.com/office/drawing/2014/main" id="{B73FE535-94A1-4E5D-B190-1D99674EF915}"/>
+              </a:ext>
+            </a:extLst>
+          </p:cNvPr>
+          <p:cNvSpPr/>
+          <p:nvPr/>
+        </p:nvSpPr>
+        <p:spPr>
+          <a:xfrm>
+            <a:off x="0" y="6206532"/>
+            <a:ext cx="12192000" cy="651468"/>
+          </a:xfrm>
+          <a:prstGeom prst="rect">
+            <a:avLst/>
+          </a:prstGeom>
+          <a:solidFill>
+            <a:srgbClr val="1F2025"/>
+          </a:solidFill>
+          <a:ln w="9525" cap="flat">
+            <a:noFill/>
+            <a:prstDash val="solid"/>
+            <a:miter/>
+          </a:ln>
+        </p:spPr>
+        <p:txBody>
+          <a:bodyPr rot="0" spcFirstLastPara="0" vertOverflow="overflow" horzOverflow="overflow" vert="horz" wrap="square" lIns="91440" tIns="45720" rIns="91440" bIns="45720" numCol="1" spcCol="0" rtlCol="0" fromWordArt="0" anchor="ctr" anchorCtr="0" forceAA="0" compatLnSpc="1">
+            <a:prstTxWarp prst="textNoShape">
+              <a:avLst/>
+            </a:prstTxWarp>
+            <a:noAutofit/>
+          </a:bodyPr>
+          <a:lstStyle/>
+          <a:p>
+            <a:pPr algn="l"/>
+            <a:endParaRPr lang="ko-KR" altLang="en-US"/>
+          </a:p>
+        </p:txBody>
+      </p:sp>
+      <p:pic>
+        <p:nvPicPr>
+          <p:cNvPr id="17" name="그래픽 16">
+            <a:extLst>
+              <a:ext uri="{FF2B5EF4-FFF2-40B4-BE49-F238E27FC236}">
+                <a16:creationId xmlns:a16="http://schemas.microsoft.com/office/drawing/2014/main" id="{7A988829-597B-495C-9112-A39D40EF9F77}"/>
+              </a:ext>
+            </a:extLst>
+          </p:cNvPr>
+          <p:cNvPicPr>
+            <a:picLocks noChangeAspect="1"/>
+          </p:cNvPicPr>
+          <p:nvPr/>
+        </p:nvPicPr>
+        <p:blipFill>
+          <a:blip r:embed="rId2">
+            <a:extLst>
+              <a:ext uri="{96DAC541-7B7A-43D3-8B79-37D633B846F1}">
+                <asvg:svgBlip xmlns:asvg="http://schemas.microsoft.com/office/drawing/2016/SVG/main" r:embed="rId3"/>
+              </a:ext>
+            </a:extLst>
+          </a:blip>
+          <a:stretch>
+            <a:fillRect/>
+          </a:stretch>
+        </p:blipFill>
+        <p:spPr>
+          <a:xfrm>
+            <a:off x="11222584" y="6348701"/>
+            <a:ext cx="626516" cy="367130"/>
+          </a:xfrm>
+          <a:prstGeom prst="rect">
+            <a:avLst/>
+          </a:prstGeom>
+        </p:spPr>
+      </p:pic>
+    </p:spTree>
+    <p:extLst>
+      <p:ext uri="{BB962C8B-B14F-4D97-AF65-F5344CB8AC3E}">
+        <p14:creationId xmlns:p14="http://schemas.microsoft.com/office/powerpoint/2010/main" val="3004168505"/>
+      </p:ext>
+    </p:extLst>
+  </p:cSld>
+  <p:clrMapOvr>
+    <a:masterClrMapping/>
+  </p:clrMapOvr>
+</p:sld>
+</file>
+
+<file path=ppt/slides/slide33.xml><?xml version="1.0" encoding="utf-8"?>
+<p:sld xmlns:a="http://schemas.openxmlformats.org/drawingml/2006/main" xmlns:r="http://schemas.openxmlformats.org/officeDocument/2006/relationships" xmlns:p="http://schemas.openxmlformats.org/presentationml/2006/main">
+  <p:cSld>
+    <p:spTree>
+      <p:nvGrpSpPr>
+        <p:cNvPr id="1" name=""/>
+        <p:cNvGrpSpPr/>
+        <p:nvPr/>
+      </p:nvGrpSpPr>
+      <p:grpSpPr>
+        <a:xfrm>
+          <a:off x="0" y="0"/>
+          <a:ext cx="0" cy="0"/>
+          <a:chOff x="0" y="0"/>
+          <a:chExt cx="0" cy="0"/>
+        </a:xfrm>
+      </p:grpSpPr>
+      <p:sp>
+        <p:nvSpPr>
+          <p:cNvPr id="2" name="TextBox 1">
+            <a:extLst>
+              <a:ext uri="{FF2B5EF4-FFF2-40B4-BE49-F238E27FC236}">
+                <a16:creationId xmlns:a16="http://schemas.microsoft.com/office/drawing/2014/main" id="{4ECC80F9-88DA-415C-B69B-55F6C7756629}"/>
+              </a:ext>
+            </a:extLst>
+          </p:cNvPr>
+          <p:cNvSpPr txBox="1"/>
+          <p:nvPr/>
+        </p:nvSpPr>
+        <p:spPr>
+          <a:xfrm>
+            <a:off x="578715" y="482981"/>
+            <a:ext cx="5317883" cy="461665"/>
+          </a:xfrm>
+          <a:prstGeom prst="rect">
+            <a:avLst/>
+          </a:prstGeom>
+          <a:noFill/>
+        </p:spPr>
+        <p:txBody>
+          <a:bodyPr wrap="square" rtlCol="0">
+            <a:spAutoFit/>
+          </a:bodyPr>
+          <a:lstStyle/>
+          <a:p>
+            <a:r>
+              <a:rPr lang="en-US" altLang="ko-KR" sz="2400" b="1">
+                <a:solidFill>
+                  <a:srgbClr val="1F2025"/>
+                </a:solidFill>
+                <a:cs typeface="Arial" panose="020B0604020202020204" pitchFamily="34" charset="0"/>
+              </a:rPr>
+              <a:t>TIỀN HUẤN LUYỆN TỰ GIÁM SÁT</a:t>
+            </a:r>
+            <a:endParaRPr lang="ko-KR" altLang="en-US" sz="2400" b="1" dirty="0">
+              <a:solidFill>
+                <a:srgbClr val="1F2025"/>
+              </a:solidFill>
+              <a:cs typeface="Arial" panose="020B0604020202020204" pitchFamily="34" charset="0"/>
+            </a:endParaRPr>
+          </a:p>
+        </p:txBody>
+      </p:sp>
+      <p:sp>
+        <p:nvSpPr>
+          <p:cNvPr id="3" name="TextBox 2">
+            <a:extLst>
+              <a:ext uri="{FF2B5EF4-FFF2-40B4-BE49-F238E27FC236}">
+                <a16:creationId xmlns:a16="http://schemas.microsoft.com/office/drawing/2014/main" id="{4A5778BD-E06C-4169-AA97-F60816239A15}"/>
+              </a:ext>
+            </a:extLst>
+          </p:cNvPr>
+          <p:cNvSpPr txBox="1"/>
+          <p:nvPr/>
+        </p:nvSpPr>
+        <p:spPr>
+          <a:xfrm>
+            <a:off x="920547" y="2233280"/>
+            <a:ext cx="4677820" cy="923330"/>
+          </a:xfrm>
+          <a:prstGeom prst="rect">
+            <a:avLst/>
+          </a:prstGeom>
+          <a:noFill/>
+        </p:spPr>
+        <p:txBody>
+          <a:bodyPr wrap="square" rtlCol="0">
+            <a:spAutoFit/>
+          </a:bodyPr>
+          <a:lstStyle>
+            <a:defPPr>
+              <a:defRPr lang="ko-KR"/>
+            </a:defPPr>
+            <a:lvl1pPr>
+              <a:defRPr sz="1100">
+                <a:solidFill>
+                  <a:schemeClr val="tx1">
+                    <a:lumMod val="75000"/>
+                    <a:lumOff val="25000"/>
+                  </a:schemeClr>
+                </a:solidFill>
+              </a:defRPr>
+            </a:lvl1pPr>
+          </a:lstStyle>
+          <a:p>
+            <a:pPr marL="285750" indent="-285750">
+              <a:buFontTx/>
+              <a:buChar char="-"/>
+            </a:pPr>
+            <a:r>
+              <a:rPr lang="en-US" altLang="ko-KR" sz="1800">
+                <a:solidFill>
+                  <a:srgbClr val="1F2025"/>
+                </a:solidFill>
+              </a:rPr>
+              <a:t>Continuous relative position bias</a:t>
+            </a:r>
+          </a:p>
+          <a:p>
+            <a:pPr marL="285750" indent="-285750">
+              <a:buFontTx/>
+              <a:buChar char="-"/>
+            </a:pPr>
+            <a:r>
+              <a:rPr lang="en-US" altLang="ko-KR" sz="1800">
+                <a:solidFill>
+                  <a:srgbClr val="1F2025"/>
+                </a:solidFill>
+              </a:rPr>
+              <a:t>Log-spaced coordinates</a:t>
+            </a:r>
+          </a:p>
+          <a:p>
+            <a:pPr marL="285750" indent="-285750">
+              <a:buFontTx/>
+              <a:buChar char="-"/>
+            </a:pPr>
+            <a:endParaRPr lang="en-US" altLang="ko-KR" sz="1800" dirty="0">
+              <a:solidFill>
+                <a:srgbClr val="1F2025"/>
+              </a:solidFill>
+            </a:endParaRPr>
+          </a:p>
+        </p:txBody>
+      </p:sp>
+      <p:sp>
+        <p:nvSpPr>
+          <p:cNvPr id="16" name="직사각형 15">
+            <a:extLst>
+              <a:ext uri="{FF2B5EF4-FFF2-40B4-BE49-F238E27FC236}">
+                <a16:creationId xmlns:a16="http://schemas.microsoft.com/office/drawing/2014/main" id="{B73FE535-94A1-4E5D-B190-1D99674EF915}"/>
+              </a:ext>
+            </a:extLst>
+          </p:cNvPr>
+          <p:cNvSpPr/>
+          <p:nvPr/>
+        </p:nvSpPr>
+        <p:spPr>
+          <a:xfrm>
+            <a:off x="0" y="6206532"/>
+            <a:ext cx="12192000" cy="651468"/>
+          </a:xfrm>
+          <a:prstGeom prst="rect">
+            <a:avLst/>
+          </a:prstGeom>
+          <a:solidFill>
+            <a:srgbClr val="1F2025"/>
+          </a:solidFill>
+          <a:ln w="9525" cap="flat">
+            <a:noFill/>
+            <a:prstDash val="solid"/>
+            <a:miter/>
+          </a:ln>
+        </p:spPr>
+        <p:txBody>
+          <a:bodyPr rot="0" spcFirstLastPara="0" vertOverflow="overflow" horzOverflow="overflow" vert="horz" wrap="square" lIns="91440" tIns="45720" rIns="91440" bIns="45720" numCol="1" spcCol="0" rtlCol="0" fromWordArt="0" anchor="ctr" anchorCtr="0" forceAA="0" compatLnSpc="1">
+            <a:prstTxWarp prst="textNoShape">
+              <a:avLst/>
+            </a:prstTxWarp>
+            <a:noAutofit/>
+          </a:bodyPr>
+          <a:lstStyle/>
+          <a:p>
+            <a:pPr algn="l"/>
+            <a:endParaRPr lang="ko-KR" altLang="en-US"/>
+          </a:p>
+        </p:txBody>
+      </p:sp>
+      <p:pic>
+        <p:nvPicPr>
+          <p:cNvPr id="17" name="그래픽 16">
+            <a:extLst>
+              <a:ext uri="{FF2B5EF4-FFF2-40B4-BE49-F238E27FC236}">
+                <a16:creationId xmlns:a16="http://schemas.microsoft.com/office/drawing/2014/main" id="{7A988829-597B-495C-9112-A39D40EF9F77}"/>
+              </a:ext>
+            </a:extLst>
+          </p:cNvPr>
+          <p:cNvPicPr>
+            <a:picLocks noChangeAspect="1"/>
+          </p:cNvPicPr>
+          <p:nvPr/>
+        </p:nvPicPr>
+        <p:blipFill>
+          <a:blip r:embed="rId2">
+            <a:extLst>
+              <a:ext uri="{96DAC541-7B7A-43D3-8B79-37D633B846F1}">
+                <asvg:svgBlip xmlns:asvg="http://schemas.microsoft.com/office/drawing/2016/SVG/main" r:embed="rId3"/>
+              </a:ext>
+            </a:extLst>
+          </a:blip>
+          <a:stretch>
+            <a:fillRect/>
+          </a:stretch>
+        </p:blipFill>
+        <p:spPr>
+          <a:xfrm>
+            <a:off x="11222584" y="6348701"/>
+            <a:ext cx="626516" cy="367130"/>
+          </a:xfrm>
+          <a:prstGeom prst="rect">
+            <a:avLst/>
+          </a:prstGeom>
+        </p:spPr>
+      </p:pic>
+    </p:spTree>
+    <p:extLst>
+      <p:ext uri="{BB962C8B-B14F-4D97-AF65-F5344CB8AC3E}">
+        <p14:creationId xmlns:p14="http://schemas.microsoft.com/office/powerpoint/2010/main" val="3832100270"/>
+      </p:ext>
+    </p:extLst>
+  </p:cSld>
+  <p:clrMapOvr>
+    <a:masterClrMapping/>
+  </p:clrMapOvr>
+</p:sld>
+</file>
+
+<file path=ppt/slides/slide34.xml><?xml version="1.0" encoding="utf-8"?>
+<p:sld xmlns:a="http://schemas.openxmlformats.org/drawingml/2006/main" xmlns:r="http://schemas.openxmlformats.org/officeDocument/2006/relationships" xmlns:p="http://schemas.openxmlformats.org/presentationml/2006/main">
+  <p:cSld>
+    <p:spTree>
+      <p:nvGrpSpPr>
+        <p:cNvPr id="1" name=""/>
+        <p:cNvGrpSpPr/>
+        <p:nvPr/>
+      </p:nvGrpSpPr>
+      <p:grpSpPr>
+        <a:xfrm>
+          <a:off x="0" y="0"/>
+          <a:ext cx="0" cy="0"/>
+          <a:chOff x="0" y="0"/>
+          <a:chExt cx="0" cy="0"/>
+        </a:xfrm>
+      </p:grpSpPr>
+      <p:sp>
+        <p:nvSpPr>
+          <p:cNvPr id="2" name="TextBox 1">
+            <a:extLst>
+              <a:ext uri="{FF2B5EF4-FFF2-40B4-BE49-F238E27FC236}">
+                <a16:creationId xmlns:a16="http://schemas.microsoft.com/office/drawing/2014/main" id="{4ECC80F9-88DA-415C-B69B-55F6C7756629}"/>
+              </a:ext>
+            </a:extLst>
+          </p:cNvPr>
+          <p:cNvSpPr txBox="1"/>
+          <p:nvPr/>
+        </p:nvSpPr>
+        <p:spPr>
+          <a:xfrm>
+            <a:off x="578715" y="482981"/>
+            <a:ext cx="5317883" cy="461665"/>
+          </a:xfrm>
+          <a:prstGeom prst="rect">
+            <a:avLst/>
+          </a:prstGeom>
+          <a:noFill/>
+        </p:spPr>
+        <p:txBody>
+          <a:bodyPr wrap="square" rtlCol="0">
+            <a:spAutoFit/>
+          </a:bodyPr>
+          <a:lstStyle/>
+          <a:p>
+            <a:r>
+              <a:rPr lang="en-US" altLang="ko-KR" sz="2400" b="1">
+                <a:solidFill>
+                  <a:srgbClr val="1F2025"/>
+                </a:solidFill>
+                <a:latin typeface="+mj-lt"/>
+                <a:cs typeface="Arial" panose="020B0604020202020204" pitchFamily="34" charset="0"/>
+              </a:rPr>
+              <a:t>CÁC KỸ THUẬT TIẾT KIỆM BỘ NHỚ GPU</a:t>
+            </a:r>
+            <a:endParaRPr lang="ko-KR" altLang="en-US" sz="2400" b="1" dirty="0">
+              <a:solidFill>
+                <a:srgbClr val="1F2025"/>
+              </a:solidFill>
+              <a:latin typeface="+mj-lt"/>
+              <a:cs typeface="Arial" panose="020B0604020202020204" pitchFamily="34" charset="0"/>
+            </a:endParaRPr>
+          </a:p>
+        </p:txBody>
+      </p:sp>
+      <p:sp>
+        <p:nvSpPr>
+          <p:cNvPr id="3" name="TextBox 2">
+            <a:extLst>
+              <a:ext uri="{FF2B5EF4-FFF2-40B4-BE49-F238E27FC236}">
+                <a16:creationId xmlns:a16="http://schemas.microsoft.com/office/drawing/2014/main" id="{4A5778BD-E06C-4169-AA97-F60816239A15}"/>
+              </a:ext>
+            </a:extLst>
+          </p:cNvPr>
+          <p:cNvSpPr txBox="1"/>
+          <p:nvPr/>
+        </p:nvSpPr>
+        <p:spPr>
+          <a:xfrm>
+            <a:off x="920547" y="2233280"/>
+            <a:ext cx="4677820" cy="923330"/>
+          </a:xfrm>
+          <a:prstGeom prst="rect">
+            <a:avLst/>
+          </a:prstGeom>
+          <a:noFill/>
+        </p:spPr>
+        <p:txBody>
+          <a:bodyPr wrap="square" rtlCol="0">
+            <a:spAutoFit/>
+          </a:bodyPr>
+          <a:lstStyle>
+            <a:defPPr>
+              <a:defRPr lang="ko-KR"/>
+            </a:defPPr>
+            <a:lvl1pPr>
+              <a:defRPr sz="1100">
+                <a:solidFill>
+                  <a:schemeClr val="tx1">
+                    <a:lumMod val="75000"/>
+                    <a:lumOff val="25000"/>
+                  </a:schemeClr>
+                </a:solidFill>
+              </a:defRPr>
+            </a:lvl1pPr>
+          </a:lstStyle>
+          <a:p>
+            <a:pPr marL="285750" indent="-285750">
+              <a:buFontTx/>
+              <a:buChar char="-"/>
+            </a:pPr>
+            <a:r>
+              <a:rPr lang="en-US" altLang="ko-KR" sz="1800">
+                <a:solidFill>
+                  <a:srgbClr val="1F2025"/>
+                </a:solidFill>
+              </a:rPr>
+              <a:t>Continuous relative position bias</a:t>
+            </a:r>
+          </a:p>
+          <a:p>
+            <a:pPr marL="285750" indent="-285750">
+              <a:buFontTx/>
+              <a:buChar char="-"/>
+            </a:pPr>
+            <a:r>
+              <a:rPr lang="en-US" altLang="ko-KR" sz="1800">
+                <a:solidFill>
+                  <a:srgbClr val="1F2025"/>
+                </a:solidFill>
+              </a:rPr>
+              <a:t>Log-spaced coordinates</a:t>
+            </a:r>
+          </a:p>
+          <a:p>
+            <a:pPr marL="285750" indent="-285750">
+              <a:buFontTx/>
+              <a:buChar char="-"/>
+            </a:pPr>
+            <a:endParaRPr lang="en-US" altLang="ko-KR" sz="1800" dirty="0">
+              <a:solidFill>
+                <a:srgbClr val="1F2025"/>
+              </a:solidFill>
+            </a:endParaRPr>
+          </a:p>
+        </p:txBody>
+      </p:sp>
+      <p:sp>
+        <p:nvSpPr>
+          <p:cNvPr id="16" name="직사각형 15">
+            <a:extLst>
+              <a:ext uri="{FF2B5EF4-FFF2-40B4-BE49-F238E27FC236}">
+                <a16:creationId xmlns:a16="http://schemas.microsoft.com/office/drawing/2014/main" id="{B73FE535-94A1-4E5D-B190-1D99674EF915}"/>
+              </a:ext>
+            </a:extLst>
+          </p:cNvPr>
+          <p:cNvSpPr/>
+          <p:nvPr/>
+        </p:nvSpPr>
+        <p:spPr>
+          <a:xfrm>
+            <a:off x="0" y="6206532"/>
+            <a:ext cx="12192000" cy="651468"/>
+          </a:xfrm>
+          <a:prstGeom prst="rect">
+            <a:avLst/>
+          </a:prstGeom>
+          <a:solidFill>
+            <a:srgbClr val="1F2025"/>
+          </a:solidFill>
+          <a:ln w="9525" cap="flat">
+            <a:noFill/>
+            <a:prstDash val="solid"/>
+            <a:miter/>
+          </a:ln>
+        </p:spPr>
+        <p:txBody>
+          <a:bodyPr rot="0" spcFirstLastPara="0" vertOverflow="overflow" horzOverflow="overflow" vert="horz" wrap="square" lIns="91440" tIns="45720" rIns="91440" bIns="45720" numCol="1" spcCol="0" rtlCol="0" fromWordArt="0" anchor="ctr" anchorCtr="0" forceAA="0" compatLnSpc="1">
+            <a:prstTxWarp prst="textNoShape">
+              <a:avLst/>
+            </a:prstTxWarp>
+            <a:noAutofit/>
+          </a:bodyPr>
+          <a:lstStyle/>
+          <a:p>
+            <a:pPr algn="l"/>
+            <a:endParaRPr lang="ko-KR" altLang="en-US"/>
+          </a:p>
+        </p:txBody>
+      </p:sp>
+      <p:pic>
+        <p:nvPicPr>
+          <p:cNvPr id="17" name="그래픽 16">
+            <a:extLst>
+              <a:ext uri="{FF2B5EF4-FFF2-40B4-BE49-F238E27FC236}">
+                <a16:creationId xmlns:a16="http://schemas.microsoft.com/office/drawing/2014/main" id="{7A988829-597B-495C-9112-A39D40EF9F77}"/>
+              </a:ext>
+            </a:extLst>
+          </p:cNvPr>
+          <p:cNvPicPr>
+            <a:picLocks noChangeAspect="1"/>
+          </p:cNvPicPr>
+          <p:nvPr/>
+        </p:nvPicPr>
+        <p:blipFill>
+          <a:blip r:embed="rId2">
+            <a:extLst>
+              <a:ext uri="{96DAC541-7B7A-43D3-8B79-37D633B846F1}">
+                <asvg:svgBlip xmlns:asvg="http://schemas.microsoft.com/office/drawing/2016/SVG/main" r:embed="rId3"/>
+              </a:ext>
+            </a:extLst>
+          </a:blip>
+          <a:stretch>
+            <a:fillRect/>
+          </a:stretch>
+        </p:blipFill>
+        <p:spPr>
+          <a:xfrm>
+            <a:off x="11222584" y="6348701"/>
+            <a:ext cx="626516" cy="367130"/>
+          </a:xfrm>
+          <a:prstGeom prst="rect">
+            <a:avLst/>
+          </a:prstGeom>
+        </p:spPr>
+      </p:pic>
+    </p:spTree>
+    <p:extLst>
+      <p:ext uri="{BB962C8B-B14F-4D97-AF65-F5344CB8AC3E}">
+        <p14:creationId xmlns:p14="http://schemas.microsoft.com/office/powerpoint/2010/main" val="2627091"/>
+      </p:ext>
+    </p:extLst>
+  </p:cSld>
+  <p:clrMapOvr>
+    <a:masterClrMapping/>
+  </p:clrMapOvr>
+</p:sld>
+</file>
+
+<file path=ppt/slides/slide35.xml><?xml version="1.0" encoding="utf-8"?>
+<p:sld xmlns:a="http://schemas.openxmlformats.org/drawingml/2006/main" xmlns:r="http://schemas.openxmlformats.org/officeDocument/2006/relationships" xmlns:p="http://schemas.openxmlformats.org/presentationml/2006/main">
+  <p:cSld>
+    <p:spTree>
+      <p:nvGrpSpPr>
+        <p:cNvPr id="1" name=""/>
+        <p:cNvGrpSpPr/>
+        <p:nvPr/>
+      </p:nvGrpSpPr>
+      <p:grpSpPr>
+        <a:xfrm>
+          <a:off x="0" y="0"/>
+          <a:ext cx="0" cy="0"/>
+          <a:chOff x="0" y="0"/>
+          <a:chExt cx="0" cy="0"/>
+        </a:xfrm>
+      </p:grpSpPr>
+      <p:sp>
+        <p:nvSpPr>
+          <p:cNvPr id="2" name="TextBox 1">
+            <a:extLst>
+              <a:ext uri="{FF2B5EF4-FFF2-40B4-BE49-F238E27FC236}">
+                <a16:creationId xmlns:a16="http://schemas.microsoft.com/office/drawing/2014/main" id="{D142F346-FC6A-493B-995E-DB2FC357CBE3}"/>
+              </a:ext>
+            </a:extLst>
+          </p:cNvPr>
+          <p:cNvSpPr txBox="1"/>
+          <p:nvPr/>
+        </p:nvSpPr>
+        <p:spPr>
+          <a:xfrm>
+            <a:off x="3708400" y="2759168"/>
+            <a:ext cx="4775200" cy="1200329"/>
+          </a:xfrm>
+          <a:prstGeom prst="rect">
+            <a:avLst/>
+          </a:prstGeom>
+          <a:noFill/>
+        </p:spPr>
+        <p:txBody>
+          <a:bodyPr wrap="square" rtlCol="0">
+            <a:spAutoFit/>
+          </a:bodyPr>
+          <a:lstStyle/>
+          <a:p>
+            <a:pPr algn="ctr"/>
+            <a:r>
+              <a:rPr lang="en-US" altLang="ko-KR" sz="3600" b="1">
+                <a:solidFill>
+                  <a:srgbClr val="1F2025"/>
+                </a:solidFill>
+                <a:latin typeface="+mj-lt"/>
+                <a:cs typeface="Arial" panose="020B0604020202020204" pitchFamily="34" charset="0"/>
+              </a:rPr>
+              <a:t>V</a:t>
+            </a:r>
+            <a:r>
+              <a:rPr lang="vi-VN" altLang="ko-KR" sz="3600" b="1">
+                <a:solidFill>
+                  <a:srgbClr val="1F2025"/>
+                </a:solidFill>
+                <a:latin typeface="+mj-lt"/>
+                <a:cs typeface="Arial" panose="020B0604020202020204" pitchFamily="34" charset="0"/>
+              </a:rPr>
+              <a:t>. </a:t>
+            </a:r>
+            <a:r>
+              <a:rPr lang="en-US" altLang="ko-KR" sz="3600" b="1">
+                <a:solidFill>
+                  <a:srgbClr val="1F2025"/>
+                </a:solidFill>
+                <a:latin typeface="+mj-lt"/>
+                <a:cs typeface="Arial" panose="020B0604020202020204" pitchFamily="34" charset="0"/>
+              </a:rPr>
+              <a:t>MỘT SỐ KẾT QUẢ ĐÁNH GIÁ</a:t>
+            </a:r>
+            <a:endParaRPr lang="ko-KR" altLang="en-US" sz="3600" b="1" dirty="0">
+              <a:solidFill>
+                <a:srgbClr val="1F2025"/>
+              </a:solidFill>
+              <a:latin typeface="+mj-lt"/>
+              <a:cs typeface="Arial" panose="020B0604020202020204" pitchFamily="34" charset="0"/>
+            </a:endParaRPr>
+          </a:p>
+        </p:txBody>
+      </p:sp>
+      <p:pic>
+        <p:nvPicPr>
+          <p:cNvPr id="7" name="그래픽 6">
+            <a:extLst>
+              <a:ext uri="{FF2B5EF4-FFF2-40B4-BE49-F238E27FC236}">
+                <a16:creationId xmlns:a16="http://schemas.microsoft.com/office/drawing/2014/main" id="{174595B1-92CE-44ED-97FE-F6A897FE48EF}"/>
+              </a:ext>
+            </a:extLst>
+          </p:cNvPr>
+          <p:cNvPicPr>
+            <a:picLocks noChangeAspect="1"/>
+          </p:cNvPicPr>
+          <p:nvPr/>
+        </p:nvPicPr>
+        <p:blipFill>
+          <a:blip r:embed="rId2">
+            <a:extLst>
+              <a:ext uri="{96DAC541-7B7A-43D3-8B79-37D633B846F1}">
+                <asvg:svgBlip xmlns:asvg="http://schemas.microsoft.com/office/drawing/2016/SVG/main" r:embed="rId3"/>
+              </a:ext>
+            </a:extLst>
+          </a:blip>
+          <a:stretch>
+            <a:fillRect/>
+          </a:stretch>
+        </p:blipFill>
+        <p:spPr>
+          <a:xfrm>
+            <a:off x="272402" y="217015"/>
+            <a:ext cx="834391" cy="488942"/>
+          </a:xfrm>
+          <a:prstGeom prst="rect">
+            <a:avLst/>
+          </a:prstGeom>
+        </p:spPr>
+      </p:pic>
+    </p:spTree>
+    <p:extLst>
+      <p:ext uri="{BB962C8B-B14F-4D97-AF65-F5344CB8AC3E}">
+        <p14:creationId xmlns:p14="http://schemas.microsoft.com/office/powerpoint/2010/main" val="2539731867"/>
+      </p:ext>
+    </p:extLst>
+  </p:cSld>
+  <p:clrMapOvr>
+    <a:masterClrMapping/>
+  </p:clrMapOvr>
+</p:sld>
+</file>
+
+<file path=ppt/slides/slide36.xml><?xml version="1.0" encoding="utf-8"?>
+<p:sld xmlns:a="http://schemas.openxmlformats.org/drawingml/2006/main" xmlns:r="http://schemas.openxmlformats.org/officeDocument/2006/relationships" xmlns:p="http://schemas.openxmlformats.org/presentationml/2006/main">
+  <p:cSld>
+    <p:spTree>
+      <p:nvGrpSpPr>
+        <p:cNvPr id="1" name=""/>
+        <p:cNvGrpSpPr/>
+        <p:nvPr/>
+      </p:nvGrpSpPr>
+      <p:grpSpPr>
+        <a:xfrm>
+          <a:off x="0" y="0"/>
+          <a:ext cx="0" cy="0"/>
+          <a:chOff x="0" y="0"/>
+          <a:chExt cx="0" cy="0"/>
+        </a:xfrm>
+      </p:grpSpPr>
+      <p:sp>
+        <p:nvSpPr>
+          <p:cNvPr id="2" name="TextBox 1">
+            <a:extLst>
+              <a:ext uri="{FF2B5EF4-FFF2-40B4-BE49-F238E27FC236}">
+                <a16:creationId xmlns:a16="http://schemas.microsoft.com/office/drawing/2014/main" id="{D142F346-FC6A-493B-995E-DB2FC357CBE3}"/>
+              </a:ext>
+            </a:extLst>
+          </p:cNvPr>
+          <p:cNvSpPr txBox="1"/>
+          <p:nvPr/>
+        </p:nvSpPr>
+        <p:spPr>
+          <a:xfrm>
+            <a:off x="3708400" y="2759168"/>
+            <a:ext cx="4775200" cy="646331"/>
+          </a:xfrm>
+          <a:prstGeom prst="rect">
+            <a:avLst/>
+          </a:prstGeom>
+          <a:noFill/>
+        </p:spPr>
+        <p:txBody>
+          <a:bodyPr wrap="square" rtlCol="0">
+            <a:spAutoFit/>
+          </a:bodyPr>
+          <a:lstStyle/>
+          <a:p>
+            <a:pPr algn="ctr"/>
+            <a:r>
+              <a:rPr lang="en-US" altLang="ko-KR" sz="3600" b="1">
+                <a:solidFill>
+                  <a:srgbClr val="1F2025"/>
+                </a:solidFill>
+                <a:latin typeface="+mj-lt"/>
+                <a:cs typeface="Arial" panose="020B0604020202020204" pitchFamily="34" charset="0"/>
+              </a:rPr>
+              <a:t>VI</a:t>
+            </a:r>
+            <a:r>
+              <a:rPr lang="vi-VN" altLang="ko-KR" sz="3600" b="1">
+                <a:solidFill>
+                  <a:srgbClr val="1F2025"/>
+                </a:solidFill>
+                <a:latin typeface="+mj-lt"/>
+                <a:cs typeface="Arial" panose="020B0604020202020204" pitchFamily="34" charset="0"/>
+              </a:rPr>
+              <a:t>. </a:t>
+            </a:r>
+            <a:r>
+              <a:rPr lang="en-US" altLang="ko-KR" sz="3600" b="1">
+                <a:solidFill>
+                  <a:srgbClr val="1F2025"/>
+                </a:solidFill>
+                <a:latin typeface="+mj-lt"/>
+                <a:cs typeface="Arial" panose="020B0604020202020204" pitchFamily="34" charset="0"/>
+              </a:rPr>
+              <a:t>KẾT LUẬN</a:t>
+            </a:r>
+            <a:endParaRPr lang="ko-KR" altLang="en-US" sz="3600" b="1" dirty="0">
+              <a:solidFill>
+                <a:srgbClr val="1F2025"/>
+              </a:solidFill>
+              <a:latin typeface="+mj-lt"/>
+              <a:cs typeface="Arial" panose="020B0604020202020204" pitchFamily="34" charset="0"/>
+            </a:endParaRPr>
+          </a:p>
+        </p:txBody>
+      </p:sp>
+      <p:pic>
+        <p:nvPicPr>
+          <p:cNvPr id="7" name="그래픽 6">
+            <a:extLst>
+              <a:ext uri="{FF2B5EF4-FFF2-40B4-BE49-F238E27FC236}">
+                <a16:creationId xmlns:a16="http://schemas.microsoft.com/office/drawing/2014/main" id="{174595B1-92CE-44ED-97FE-F6A897FE48EF}"/>
+              </a:ext>
+            </a:extLst>
+          </p:cNvPr>
+          <p:cNvPicPr>
+            <a:picLocks noChangeAspect="1"/>
+          </p:cNvPicPr>
+          <p:nvPr/>
+        </p:nvPicPr>
+        <p:blipFill>
+          <a:blip r:embed="rId2">
+            <a:extLst>
+              <a:ext uri="{96DAC541-7B7A-43D3-8B79-37D633B846F1}">
+                <asvg:svgBlip xmlns:asvg="http://schemas.microsoft.com/office/drawing/2016/SVG/main" r:embed="rId3"/>
+              </a:ext>
+            </a:extLst>
+          </a:blip>
+          <a:stretch>
+            <a:fillRect/>
+          </a:stretch>
+        </p:blipFill>
+        <p:spPr>
+          <a:xfrm>
+            <a:off x="272402" y="217015"/>
+            <a:ext cx="834391" cy="488942"/>
+          </a:xfrm>
+          <a:prstGeom prst="rect">
+            <a:avLst/>
+          </a:prstGeom>
+        </p:spPr>
+      </p:pic>
+    </p:spTree>
+    <p:extLst>
+      <p:ext uri="{BB962C8B-B14F-4D97-AF65-F5344CB8AC3E}">
+        <p14:creationId xmlns:p14="http://schemas.microsoft.com/office/powerpoint/2010/main" val="2705175859"/>
+      </p:ext>
+    </p:extLst>
+  </p:cSld>
+  <p:clrMapOvr>
+    <a:masterClrMapping/>
+  </p:clrMapOvr>
+</p:sld>
+</file>
+
+<file path=ppt/slides/slide37.xml><?xml version="1.0" encoding="utf-8"?>
+<p:sld xmlns:a="http://schemas.openxmlformats.org/drawingml/2006/main" xmlns:r="http://schemas.openxmlformats.org/officeDocument/2006/relationships" xmlns:p="http://schemas.openxmlformats.org/presentationml/2006/main" showMasterSp="0">
+  <p:cSld>
+    <p:spTree>
+      <p:nvGrpSpPr>
+        <p:cNvPr id="1" name=""/>
+        <p:cNvGrpSpPr/>
+        <p:nvPr/>
+      </p:nvGrpSpPr>
+      <p:grpSpPr>
+        <a:xfrm>
+          <a:off x="0" y="0"/>
+          <a:ext cx="0" cy="0"/>
+          <a:chOff x="0" y="0"/>
+          <a:chExt cx="0" cy="0"/>
+        </a:xfrm>
+      </p:grpSpPr>
+      <p:sp>
+        <p:nvSpPr>
+          <p:cNvPr id="4" name="직사각형 15">
+            <a:extLst>
+              <a:ext uri="{FF2B5EF4-FFF2-40B4-BE49-F238E27FC236}">
+                <a16:creationId xmlns:a16="http://schemas.microsoft.com/office/drawing/2014/main" id="{B73FE535-94A1-4E5D-B190-1D99674EF915}"/>
+              </a:ext>
+            </a:extLst>
+          </p:cNvPr>
+          <p:cNvSpPr/>
+          <p:nvPr/>
+        </p:nvSpPr>
+        <p:spPr>
+          <a:xfrm>
+            <a:off x="0" y="0"/>
+            <a:ext cx="12192000" cy="6858000"/>
+          </a:xfrm>
+          <a:prstGeom prst="rect">
+            <a:avLst/>
+          </a:prstGeom>
+          <a:solidFill>
+            <a:srgbClr val="1F2025"/>
+          </a:solidFill>
+          <a:ln w="9525" cap="flat">
+            <a:noFill/>
+            <a:prstDash val="solid"/>
+            <a:miter/>
+          </a:ln>
+        </p:spPr>
+        <p:txBody>
+          <a:bodyPr rot="0" spcFirstLastPara="0" vertOverflow="overflow" horzOverflow="overflow" vert="horz" wrap="square" lIns="91440" tIns="45720" rIns="91440" bIns="45720" numCol="1" spcCol="0" rtlCol="0" fromWordArt="0" anchor="ctr" anchorCtr="0" forceAA="0" compatLnSpc="1">
+            <a:prstTxWarp prst="textNoShape">
+              <a:avLst/>
+            </a:prstTxWarp>
+            <a:noAutofit/>
+          </a:bodyPr>
+          <a:lstStyle/>
+          <a:p>
+            <a:pPr algn="l"/>
+            <a:endParaRPr lang="ko-KR" altLang="en-US"/>
+          </a:p>
+        </p:txBody>
+      </p:sp>
+      <p:sp>
+        <p:nvSpPr>
+          <p:cNvPr id="6" name="TextBox 5">
+            <a:extLst>
+              <a:ext uri="{FF2B5EF4-FFF2-40B4-BE49-F238E27FC236}">
+                <a16:creationId xmlns:a16="http://schemas.microsoft.com/office/drawing/2014/main" id="{101A5185-63D0-4A8C-A249-BDD71C42AE54}"/>
+              </a:ext>
+            </a:extLst>
+          </p:cNvPr>
+          <p:cNvSpPr txBox="1"/>
+          <p:nvPr/>
+        </p:nvSpPr>
+        <p:spPr>
+          <a:xfrm>
+            <a:off x="3796796" y="2770087"/>
+            <a:ext cx="4923801" cy="769441"/>
+          </a:xfrm>
+          <a:prstGeom prst="rect">
+            <a:avLst/>
+          </a:prstGeom>
+          <a:noFill/>
+        </p:spPr>
+        <p:txBody>
+          <a:bodyPr wrap="square" rtlCol="0">
+            <a:spAutoFit/>
+          </a:bodyPr>
+          <a:lstStyle>
+            <a:defPPr>
+              <a:defRPr lang="ko-KR"/>
+            </a:defPPr>
+            <a:lvl1pPr>
+              <a:defRPr sz="4000" b="1">
+                <a:latin typeface="+mj-lt"/>
+                <a:cs typeface="Arial" panose="020B0604020202020204" pitchFamily="34" charset="0"/>
+              </a:defRPr>
+            </a:lvl1pPr>
+          </a:lstStyle>
+          <a:p>
+            <a:pPr algn="ctr"/>
+            <a:r>
+              <a:rPr lang="vi-VN" altLang="ko-KR" sz="4400" b="0" dirty="0">
+                <a:solidFill>
+                  <a:schemeClr val="bg1"/>
+                </a:solidFill>
+              </a:rPr>
+              <a:t>XIN CẢM ƠN</a:t>
+            </a:r>
+            <a:r>
+              <a:rPr lang="en-US" altLang="ko-KR" sz="4400" b="0" dirty="0">
+                <a:solidFill>
+                  <a:schemeClr val="bg1"/>
+                </a:solidFill>
+              </a:rPr>
+              <a:t>!</a:t>
+            </a:r>
+          </a:p>
+        </p:txBody>
+      </p:sp>
+      <p:sp>
+        <p:nvSpPr>
+          <p:cNvPr id="7" name="TextBox 6">
+            <a:extLst>
+              <a:ext uri="{FF2B5EF4-FFF2-40B4-BE49-F238E27FC236}">
+                <a16:creationId xmlns:a16="http://schemas.microsoft.com/office/drawing/2014/main" id="{B9A99A32-5752-4F46-90C2-1C48D71440C8}"/>
+              </a:ext>
+            </a:extLst>
+          </p:cNvPr>
+          <p:cNvSpPr txBox="1"/>
+          <p:nvPr/>
+        </p:nvSpPr>
+        <p:spPr>
+          <a:xfrm>
+            <a:off x="4357586" y="3653377"/>
+            <a:ext cx="3802220" cy="276999"/>
+          </a:xfrm>
+          <a:prstGeom prst="rect">
+            <a:avLst/>
+          </a:prstGeom>
+          <a:noFill/>
+        </p:spPr>
+        <p:txBody>
+          <a:bodyPr wrap="square" rtlCol="0">
+            <a:spAutoFit/>
+          </a:bodyPr>
+          <a:lstStyle/>
+          <a:p>
+            <a:pPr algn="ctr"/>
+            <a:r>
+              <a:rPr lang="en-US" altLang="ko-KR" sz="1200" dirty="0">
+                <a:solidFill>
+                  <a:schemeClr val="bg1"/>
+                </a:solidFill>
+              </a:rPr>
+              <a:t>hung.ttkt1@gmail.com</a:t>
+            </a:r>
+            <a:endParaRPr lang="ko-KR" altLang="en-US" sz="1200" dirty="0">
+              <a:solidFill>
+                <a:schemeClr val="bg1"/>
+              </a:solidFill>
+            </a:endParaRPr>
+          </a:p>
+        </p:txBody>
+      </p:sp>
+    </p:spTree>
+    <p:extLst>
+      <p:ext uri="{BB962C8B-B14F-4D97-AF65-F5344CB8AC3E}">
+        <p14:creationId xmlns:p14="http://schemas.microsoft.com/office/powerpoint/2010/main" val="1907620479"/>
       </p:ext>
     </p:extLst>
   </p:cSld>
@@ -10224,7 +13579,7 @@
         <p:spPr>
           <a:xfrm>
             <a:off x="977522" y="1447438"/>
-            <a:ext cx="3772898" cy="3416320"/>
+            <a:ext cx="3772898" cy="3139321"/>
           </a:xfrm>
           <a:prstGeom prst="rect">
             <a:avLst/>
@@ -11074,7 +14429,7 @@
               <a:t> </a:t>
             </a:r>
             <a:r>
-              <a:rPr lang="en-US" altLang="ko-KR" sz="1800" dirty="0" err="1">
+              <a:rPr lang="en-US" altLang="ko-KR" sz="1800" err="1">
                 <a:solidFill>
                   <a:srgbClr val="1F2025"/>
                 </a:solidFill>
@@ -11082,24 +14437,13 @@
               <a:t>nhau</a:t>
             </a:r>
             <a:r>
-              <a:rPr lang="en-US" altLang="ko-KR" sz="1800" dirty="0">
+              <a:rPr lang="en-US" altLang="ko-KR" sz="1800">
                 <a:solidFill>
                   <a:srgbClr val="1F2025"/>
                 </a:solidFill>
               </a:rPr>
               <a:t>.</a:t>
             </a:r>
-          </a:p>
-          <a:p>
-            <a:pPr marL="285750" indent="-285750">
-              <a:buFontTx/>
-              <a:buChar char="-"/>
-            </a:pPr>
-            <a:endParaRPr lang="en-US" altLang="ko-KR" sz="1800" dirty="0">
-              <a:solidFill>
-                <a:srgbClr val="1F2025"/>
-              </a:solidFill>
-            </a:endParaRPr>
           </a:p>
         </p:txBody>
       </p:sp>
@@ -11324,7 +14668,7 @@
           <a:lstStyle/>
           <a:p>
             <a:r>
-              <a:rPr lang="en-US" altLang="ko-KR" sz="2400" b="1">
+              <a:rPr lang="en-US" altLang="ko-KR" sz="2400" b="1" dirty="0">
                 <a:solidFill>
                   <a:srgbClr val="1F2025"/>
                 </a:solidFill>
@@ -11357,8 +14701,8 @@
         </p:nvSpPr>
         <p:spPr>
           <a:xfrm>
-            <a:off x="977521" y="1516183"/>
-            <a:ext cx="6673855" cy="923330"/>
+            <a:off x="977522" y="1447438"/>
+            <a:ext cx="3772898" cy="1477328"/>
           </a:xfrm>
           <a:prstGeom prst="rect">
             <a:avLst/>
@@ -11390,326 +14734,13 @@
               <a:buChar char="-"/>
             </a:pPr>
             <a:r>
-              <a:rPr lang="en-US" altLang="ko-KR" sz="1800" dirty="0" err="1">
-                <a:solidFill>
-                  <a:srgbClr val="1F2025"/>
-                </a:solidFill>
-              </a:rPr>
-              <a:t>Để</a:t>
-            </a:r>
-            <a:r>
-              <a:rPr lang="en-US" altLang="ko-KR" sz="1800" dirty="0">
-                <a:solidFill>
-                  <a:srgbClr val="1F2025"/>
-                </a:solidFill>
-              </a:rPr>
-              <a:t> </a:t>
-            </a:r>
-            <a:r>
-              <a:rPr lang="en-US" altLang="ko-KR" sz="1800" dirty="0" err="1">
-                <a:solidFill>
-                  <a:srgbClr val="1F2025"/>
-                </a:solidFill>
-              </a:rPr>
-              <a:t>biểu</a:t>
-            </a:r>
-            <a:r>
-              <a:rPr lang="en-US" altLang="ko-KR" sz="1800" dirty="0">
-                <a:solidFill>
-                  <a:srgbClr val="1F2025"/>
-                </a:solidFill>
-              </a:rPr>
-              <a:t> </a:t>
-            </a:r>
-            <a:r>
-              <a:rPr lang="en-US" altLang="ko-KR" sz="1800" dirty="0" err="1">
-                <a:solidFill>
-                  <a:srgbClr val="1F2025"/>
-                </a:solidFill>
-              </a:rPr>
-              <a:t>diễn</a:t>
-            </a:r>
-            <a:r>
-              <a:rPr lang="en-US" altLang="ko-KR" sz="1800" dirty="0">
-                <a:solidFill>
-                  <a:srgbClr val="1F2025"/>
-                </a:solidFill>
-              </a:rPr>
-              <a:t> </a:t>
-            </a:r>
-            <a:r>
-              <a:rPr lang="en-US" altLang="ko-KR" sz="1800" dirty="0" err="1">
-                <a:solidFill>
-                  <a:srgbClr val="1F2025"/>
-                </a:solidFill>
-              </a:rPr>
-              <a:t>vị</a:t>
-            </a:r>
-            <a:r>
-              <a:rPr lang="en-US" altLang="ko-KR" sz="1800" dirty="0">
-                <a:solidFill>
-                  <a:srgbClr val="1F2025"/>
-                </a:solidFill>
-              </a:rPr>
-              <a:t> </a:t>
-            </a:r>
-            <a:r>
-              <a:rPr lang="en-US" altLang="ko-KR" sz="1800" dirty="0" err="1">
-                <a:solidFill>
-                  <a:srgbClr val="1F2025"/>
-                </a:solidFill>
-              </a:rPr>
-              <a:t>trí</a:t>
-            </a:r>
-            <a:r>
-              <a:rPr lang="en-US" altLang="ko-KR" sz="1800" dirty="0">
-                <a:solidFill>
-                  <a:srgbClr val="1F2025"/>
-                </a:solidFill>
-              </a:rPr>
-              <a:t> </a:t>
-            </a:r>
-            <a:r>
-              <a:rPr lang="en-US" altLang="ko-KR" sz="1800" dirty="0" err="1">
-                <a:solidFill>
-                  <a:srgbClr val="1F2025"/>
-                </a:solidFill>
-              </a:rPr>
-              <a:t>của</a:t>
-            </a:r>
-            <a:r>
-              <a:rPr lang="en-US" altLang="ko-KR" sz="1800" dirty="0">
-                <a:solidFill>
-                  <a:srgbClr val="1F2025"/>
-                </a:solidFill>
-              </a:rPr>
-              <a:t> </a:t>
-            </a:r>
-            <a:r>
-              <a:rPr lang="en-US" altLang="ko-KR" sz="1800" dirty="0" err="1">
-                <a:solidFill>
-                  <a:srgbClr val="1F2025"/>
-                </a:solidFill>
-              </a:rPr>
-              <a:t>từ</a:t>
-            </a:r>
-            <a:r>
-              <a:rPr lang="en-US" altLang="ko-KR" sz="1800" dirty="0">
-                <a:solidFill>
-                  <a:srgbClr val="1F2025"/>
-                </a:solidFill>
-              </a:rPr>
-              <a:t> (token) </a:t>
-            </a:r>
-            <a:r>
-              <a:rPr lang="en-US" altLang="ko-KR" sz="1800" dirty="0" err="1">
-                <a:solidFill>
-                  <a:srgbClr val="1F2025"/>
-                </a:solidFill>
-              </a:rPr>
-              <a:t>trong</a:t>
-            </a:r>
-            <a:r>
-              <a:rPr lang="en-US" altLang="ko-KR" sz="1800" dirty="0">
-                <a:solidFill>
-                  <a:srgbClr val="1F2025"/>
-                </a:solidFill>
-              </a:rPr>
-              <a:t> </a:t>
-            </a:r>
-            <a:r>
-              <a:rPr lang="en-US" altLang="ko-KR" sz="1800" dirty="0" err="1">
-                <a:solidFill>
-                  <a:srgbClr val="1F2025"/>
-                </a:solidFill>
-              </a:rPr>
-              <a:t>chuỗi</a:t>
-            </a:r>
-            <a:r>
-              <a:rPr lang="en-US" altLang="ko-KR" sz="1800" dirty="0">
-                <a:solidFill>
-                  <a:srgbClr val="1F2025"/>
-                </a:solidFill>
-              </a:rPr>
-              <a:t>.</a:t>
-            </a:r>
-          </a:p>
-          <a:p>
-            <a:pPr marL="285750" indent="-285750">
-              <a:buFontTx/>
-              <a:buChar char="-"/>
-            </a:pPr>
-            <a:r>
-              <a:rPr lang="en-US" altLang="ko-KR" sz="1800" dirty="0" err="1">
-                <a:solidFill>
-                  <a:srgbClr val="1F2025"/>
-                </a:solidFill>
-              </a:rPr>
-              <a:t>Có</a:t>
-            </a:r>
-            <a:r>
-              <a:rPr lang="en-US" altLang="ko-KR" sz="1800" dirty="0">
-                <a:solidFill>
-                  <a:srgbClr val="1F2025"/>
-                </a:solidFill>
-              </a:rPr>
-              <a:t> </a:t>
-            </a:r>
-            <a:r>
-              <a:rPr lang="en-US" altLang="ko-KR" sz="1800" dirty="0" err="1">
-                <a:solidFill>
-                  <a:srgbClr val="1F2025"/>
-                </a:solidFill>
-              </a:rPr>
-              <a:t>số</a:t>
-            </a:r>
-            <a:r>
-              <a:rPr lang="en-US" altLang="ko-KR" sz="1800" dirty="0">
-                <a:solidFill>
-                  <a:srgbClr val="1F2025"/>
-                </a:solidFill>
-              </a:rPr>
-              <a:t> </a:t>
-            </a:r>
-            <a:r>
-              <a:rPr lang="en-US" altLang="ko-KR" sz="1800" dirty="0" err="1">
-                <a:solidFill>
-                  <a:srgbClr val="1F2025"/>
-                </a:solidFill>
-              </a:rPr>
-              <a:t>chiều</a:t>
-            </a:r>
-            <a:r>
-              <a:rPr lang="en-US" altLang="ko-KR" sz="1800" dirty="0">
-                <a:solidFill>
-                  <a:srgbClr val="1F2025"/>
-                </a:solidFill>
-              </a:rPr>
-              <a:t> </a:t>
-            </a:r>
-            <a:r>
-              <a:rPr lang="en-US" altLang="ko-KR" sz="1800" dirty="0" err="1">
-                <a:solidFill>
-                  <a:srgbClr val="1F2025"/>
-                </a:solidFill>
-              </a:rPr>
-              <a:t>bằng</a:t>
-            </a:r>
-            <a:r>
-              <a:rPr lang="en-US" altLang="ko-KR" sz="1800" dirty="0">
-                <a:solidFill>
-                  <a:srgbClr val="1F2025"/>
-                </a:solidFill>
-              </a:rPr>
-              <a:t> </a:t>
-            </a:r>
-            <a:r>
-              <a:rPr lang="en-US" altLang="ko-KR" sz="1800" dirty="0" err="1">
-                <a:solidFill>
-                  <a:srgbClr val="1F2025"/>
-                </a:solidFill>
-              </a:rPr>
-              <a:t>với</a:t>
-            </a:r>
-            <a:r>
-              <a:rPr lang="en-US" altLang="ko-KR" sz="1800" dirty="0">
-                <a:solidFill>
-                  <a:srgbClr val="1F2025"/>
-                </a:solidFill>
-              </a:rPr>
-              <a:t> </a:t>
-            </a:r>
-            <a:r>
-              <a:rPr lang="en-US" altLang="ko-KR" sz="1800" dirty="0" err="1">
-                <a:solidFill>
-                  <a:srgbClr val="1F2025"/>
-                </a:solidFill>
-              </a:rPr>
-              <a:t>số</a:t>
-            </a:r>
-            <a:r>
-              <a:rPr lang="en-US" altLang="ko-KR" sz="1800" dirty="0">
-                <a:solidFill>
-                  <a:srgbClr val="1F2025"/>
-                </a:solidFill>
-              </a:rPr>
-              <a:t> </a:t>
-            </a:r>
-            <a:r>
-              <a:rPr lang="en-US" altLang="ko-KR" sz="1800" dirty="0" err="1">
-                <a:solidFill>
-                  <a:srgbClr val="1F2025"/>
-                </a:solidFill>
-              </a:rPr>
-              <a:t>chiều</a:t>
-            </a:r>
-            <a:r>
-              <a:rPr lang="en-US" altLang="ko-KR" sz="1800" dirty="0">
-                <a:solidFill>
-                  <a:srgbClr val="1F2025"/>
-                </a:solidFill>
-              </a:rPr>
-              <a:t> </a:t>
-            </a:r>
-            <a:r>
-              <a:rPr lang="en-US" altLang="ko-KR" sz="1800" dirty="0" err="1">
-                <a:solidFill>
-                  <a:srgbClr val="1F2025"/>
-                </a:solidFill>
-              </a:rPr>
-              <a:t>của</a:t>
-            </a:r>
-            <a:r>
-              <a:rPr lang="en-US" altLang="ko-KR" sz="1800" dirty="0">
-                <a:solidFill>
-                  <a:srgbClr val="1F2025"/>
-                </a:solidFill>
-              </a:rPr>
-              <a:t> </a:t>
-            </a:r>
-            <a:r>
-              <a:rPr lang="en-US" altLang="ko-KR" sz="1800" dirty="0" err="1">
-                <a:solidFill>
-                  <a:srgbClr val="1F2025"/>
-                </a:solidFill>
-              </a:rPr>
-              <a:t>không</a:t>
-            </a:r>
-            <a:r>
-              <a:rPr lang="en-US" altLang="ko-KR" sz="1800" dirty="0">
-                <a:solidFill>
-                  <a:srgbClr val="1F2025"/>
-                </a:solidFill>
-              </a:rPr>
-              <a:t> </a:t>
-            </a:r>
-            <a:r>
-              <a:rPr lang="en-US" altLang="ko-KR" sz="1800" dirty="0" err="1">
-                <a:solidFill>
-                  <a:srgbClr val="1F2025"/>
-                </a:solidFill>
-              </a:rPr>
-              <a:t>gian</a:t>
-            </a:r>
-            <a:r>
-              <a:rPr lang="en-US" altLang="ko-KR" sz="1800" dirty="0">
-                <a:solidFill>
-                  <a:srgbClr val="1F2025"/>
-                </a:solidFill>
-              </a:rPr>
-              <a:t> embedding.</a:t>
-            </a:r>
-          </a:p>
-          <a:p>
-            <a:pPr marL="285750" indent="-285750">
-              <a:buFontTx/>
-              <a:buChar char="-"/>
-            </a:pPr>
-            <a:endParaRPr lang="en-US" altLang="ko-KR" sz="1800" dirty="0">
-              <a:solidFill>
-                <a:srgbClr val="1F2025"/>
-              </a:solidFill>
-            </a:endParaRPr>
+              <a:rPr lang="en-US" altLang="ko-KR" sz="1800">
+                <a:solidFill>
+                  <a:srgbClr val="1F2025"/>
+                </a:solidFill>
+              </a:rPr>
+              <a:t>Do từ vựng là bất biến và số lượng từ vựng là hữu hạn nên có thể sử dụng sẵn các pre-train embedding matrix đóng vai trò như một bảng tìm kiếm.</a:t>
+            </a:r>
           </a:p>
         </p:txBody>
       </p:sp>
@@ -11797,7 +14828,7 @@
           <p:cNvPr id="4" name="TextBox 3">
             <a:extLst>
               <a:ext uri="{FF2B5EF4-FFF2-40B4-BE49-F238E27FC236}">
-                <a16:creationId xmlns:a16="http://schemas.microsoft.com/office/drawing/2014/main" id="{7C3598F0-F1CF-C399-F5E0-38D8FFF5DB7E}"/>
+                <a16:creationId xmlns:a16="http://schemas.microsoft.com/office/drawing/2014/main" id="{D8F91711-CAFD-776A-5977-7294952FDCA4}"/>
               </a:ext>
             </a:extLst>
           </p:cNvPr>
@@ -11821,14 +14852,24 @@
           <a:lstStyle/>
           <a:p>
             <a:r>
-              <a:rPr lang="vi-VN" altLang="ko-KR" dirty="0">
+              <a:rPr lang="vi-VN" altLang="ko-KR">
                 <a:solidFill>
                   <a:srgbClr val="1F2025"/>
                 </a:solidFill>
                 <a:latin typeface="Calibri" panose="020F0502020204030204" pitchFamily="34" charset="0"/>
                 <a:cs typeface="Calibri" panose="020F0502020204030204" pitchFamily="34" charset="0"/>
               </a:rPr>
-              <a:t>POSITIONAL ENCODING</a:t>
+              <a:t>EMBEDDING</a:t>
+            </a:r>
+            <a:r>
+              <a:rPr lang="en-US" altLang="ko-KR">
+                <a:solidFill>
+                  <a:srgbClr val="1F2025"/>
+                </a:solidFill>
+                <a:latin typeface="Calibri" panose="020F0502020204030204" pitchFamily="34" charset="0"/>
+                <a:cs typeface="Calibri" panose="020F0502020204030204" pitchFamily="34" charset="0"/>
+              </a:rPr>
+              <a:t> MATRIX</a:t>
             </a:r>
             <a:endParaRPr lang="ko-KR" altLang="en-US" dirty="0">
               <a:solidFill>
@@ -11842,10 +14883,10 @@
       </p:sp>
       <p:pic>
         <p:nvPicPr>
-          <p:cNvPr id="6" name="Picture 5">
-            <a:extLst>
-              <a:ext uri="{FF2B5EF4-FFF2-40B4-BE49-F238E27FC236}">
-                <a16:creationId xmlns:a16="http://schemas.microsoft.com/office/drawing/2014/main" id="{D92EB658-D749-38AC-F20C-66400A7012FB}"/>
+          <p:cNvPr id="5" name="Picture 4">
+            <a:extLst>
+              <a:ext uri="{FF2B5EF4-FFF2-40B4-BE49-F238E27FC236}">
+                <a16:creationId xmlns:a16="http://schemas.microsoft.com/office/drawing/2014/main" id="{098D84E1-9D51-4868-BB6E-968C82050DEA}"/>
               </a:ext>
             </a:extLst>
           </p:cNvPr>
@@ -11855,52 +14896,15 @@
           <p:nvPr/>
         </p:nvPicPr>
         <p:blipFill>
-          <a:blip r:embed="rId4">
-            <a:alphaModFix/>
-            <a:extLst>
-              <a:ext uri="{28A0092B-C50C-407E-A947-70E740481C1C}">
-                <a14:useLocalDpi xmlns:a14="http://schemas.microsoft.com/office/drawing/2010/main" val="0"/>
-              </a:ext>
-            </a:extLst>
-          </a:blip>
+          <a:blip r:embed="rId4"/>
           <a:stretch>
             <a:fillRect/>
           </a:stretch>
         </p:blipFill>
         <p:spPr>
           <a:xfrm>
-            <a:off x="2657669" y="2721204"/>
-            <a:ext cx="6673855" cy="1501130"/>
-          </a:xfrm>
-          <a:prstGeom prst="rect">
-            <a:avLst/>
-          </a:prstGeom>
-        </p:spPr>
-      </p:pic>
-      <p:pic>
-        <p:nvPicPr>
-          <p:cNvPr id="5" name="Picture 4">
-            <a:extLst>
-              <a:ext uri="{FF2B5EF4-FFF2-40B4-BE49-F238E27FC236}">
-                <a16:creationId xmlns:a16="http://schemas.microsoft.com/office/drawing/2014/main" id="{AE35FF44-A0F9-42C1-A44E-7D011CBB4433}"/>
-              </a:ext>
-            </a:extLst>
-          </p:cNvPr>
-          <p:cNvPicPr>
-            <a:picLocks noChangeAspect="1"/>
-          </p:cNvPicPr>
-          <p:nvPr/>
-        </p:nvPicPr>
-        <p:blipFill>
-          <a:blip r:embed="rId5"/>
-          <a:stretch>
-            <a:fillRect/>
-          </a:stretch>
-        </p:blipFill>
-        <p:spPr>
-          <a:xfrm>
-            <a:off x="3903014" y="4828786"/>
-            <a:ext cx="4143375" cy="895350"/>
+            <a:off x="5449641" y="696817"/>
+            <a:ext cx="5904899" cy="4611971"/>
           </a:xfrm>
           <a:prstGeom prst="rect">
             <a:avLst/>
@@ -11910,7 +14914,7 @@
     </p:spTree>
     <p:extLst>
       <p:ext uri="{BB962C8B-B14F-4D97-AF65-F5344CB8AC3E}">
-        <p14:creationId xmlns:p14="http://schemas.microsoft.com/office/powerpoint/2010/main" val="516086398"/>
+        <p14:creationId xmlns:p14="http://schemas.microsoft.com/office/powerpoint/2010/main" val="4240897700"/>
       </p:ext>
     </p:extLst>
   </p:cSld>
@@ -11966,7 +14970,7 @@
           <a:lstStyle/>
           <a:p>
             <a:r>
-              <a:rPr lang="en-US" altLang="ko-KR" sz="2400" b="1" dirty="0">
+              <a:rPr lang="en-US" altLang="ko-KR" sz="2400" b="1">
                 <a:solidFill>
                   <a:srgbClr val="1F2025"/>
                 </a:solidFill>
@@ -11999,8 +15003,8 @@
         </p:nvSpPr>
         <p:spPr>
           <a:xfrm>
-            <a:off x="977521" y="1680321"/>
-            <a:ext cx="3463849" cy="1477328"/>
+            <a:off x="977521" y="1516183"/>
+            <a:ext cx="6673855" cy="923330"/>
           </a:xfrm>
           <a:prstGeom prst="rect">
             <a:avLst/>
@@ -12037,23 +15041,15 @@
                   <a:srgbClr val="1F2025"/>
                 </a:solidFill>
               </a:rPr>
-              <a:t>Cơ chế attention giúp </a:t>
-            </a:r>
-            <a:r>
-              <a:rPr lang="en-US" altLang="ko-KR" sz="1800" err="1">
-                <a:solidFill>
-                  <a:srgbClr val="1F2025"/>
-                </a:solidFill>
-              </a:rPr>
-              <a:t>mỗi </a:t>
-            </a:r>
-            <a:r>
-              <a:rPr lang="en-US" altLang="ko-KR" sz="1800">
-                <a:solidFill>
-                  <a:srgbClr val="1F2025"/>
-                </a:solidFill>
-              </a:rPr>
-              <a:t>từ </a:t>
+              <a:t>Để</a:t>
+            </a:r>
+            <a:r>
+              <a:rPr lang="en-US" altLang="ko-KR" sz="1800" dirty="0">
+                <a:solidFill>
+                  <a:srgbClr val="1F2025"/>
+                </a:solidFill>
+              </a:rPr>
+              <a:t> </a:t>
             </a:r>
             <a:r>
               <a:rPr lang="en-US" altLang="ko-KR" sz="1800" dirty="0" err="1">
@@ -12061,24 +15057,305 @@
                   <a:srgbClr val="1F2025"/>
                 </a:solidFill>
               </a:rPr>
-              <a:t>đang xét chỉ tập trung </a:t>
-            </a:r>
-            <a:r>
-              <a:rPr lang="en-US" altLang="ko-KR" sz="1800" err="1">
-                <a:solidFill>
-                  <a:srgbClr val="1F2025"/>
-                </a:solidFill>
-              </a:rPr>
-              <a:t>vào </a:t>
-            </a:r>
-            <a:r>
-              <a:rPr lang="en-US" altLang="ko-KR" sz="1800">
-                <a:solidFill>
-                  <a:srgbClr val="1F2025"/>
-                </a:solidFill>
-              </a:rPr>
-              <a:t>một số các thông tin quan trọng, dựa trên bộ trọng số mà mô hình học được từ ngữ cảnh.</a:t>
-            </a:r>
+              <a:t>biểu</a:t>
+            </a:r>
+            <a:r>
+              <a:rPr lang="en-US" altLang="ko-KR" sz="1800" dirty="0">
+                <a:solidFill>
+                  <a:srgbClr val="1F2025"/>
+                </a:solidFill>
+              </a:rPr>
+              <a:t> </a:t>
+            </a:r>
+            <a:r>
+              <a:rPr lang="en-US" altLang="ko-KR" sz="1800" dirty="0" err="1">
+                <a:solidFill>
+                  <a:srgbClr val="1F2025"/>
+                </a:solidFill>
+              </a:rPr>
+              <a:t>diễn</a:t>
+            </a:r>
+            <a:r>
+              <a:rPr lang="en-US" altLang="ko-KR" sz="1800" dirty="0">
+                <a:solidFill>
+                  <a:srgbClr val="1F2025"/>
+                </a:solidFill>
+              </a:rPr>
+              <a:t> </a:t>
+            </a:r>
+            <a:r>
+              <a:rPr lang="en-US" altLang="ko-KR" sz="1800" dirty="0" err="1">
+                <a:solidFill>
+                  <a:srgbClr val="1F2025"/>
+                </a:solidFill>
+              </a:rPr>
+              <a:t>vị</a:t>
+            </a:r>
+            <a:r>
+              <a:rPr lang="en-US" altLang="ko-KR" sz="1800" dirty="0">
+                <a:solidFill>
+                  <a:srgbClr val="1F2025"/>
+                </a:solidFill>
+              </a:rPr>
+              <a:t> </a:t>
+            </a:r>
+            <a:r>
+              <a:rPr lang="en-US" altLang="ko-KR" sz="1800" dirty="0" err="1">
+                <a:solidFill>
+                  <a:srgbClr val="1F2025"/>
+                </a:solidFill>
+              </a:rPr>
+              <a:t>trí</a:t>
+            </a:r>
+            <a:r>
+              <a:rPr lang="en-US" altLang="ko-KR" sz="1800" dirty="0">
+                <a:solidFill>
+                  <a:srgbClr val="1F2025"/>
+                </a:solidFill>
+              </a:rPr>
+              <a:t> </a:t>
+            </a:r>
+            <a:r>
+              <a:rPr lang="en-US" altLang="ko-KR" sz="1800" dirty="0" err="1">
+                <a:solidFill>
+                  <a:srgbClr val="1F2025"/>
+                </a:solidFill>
+              </a:rPr>
+              <a:t>của</a:t>
+            </a:r>
+            <a:r>
+              <a:rPr lang="en-US" altLang="ko-KR" sz="1800" dirty="0">
+                <a:solidFill>
+                  <a:srgbClr val="1F2025"/>
+                </a:solidFill>
+              </a:rPr>
+              <a:t> </a:t>
+            </a:r>
+            <a:r>
+              <a:rPr lang="en-US" altLang="ko-KR" sz="1800" dirty="0" err="1">
+                <a:solidFill>
+                  <a:srgbClr val="1F2025"/>
+                </a:solidFill>
+              </a:rPr>
+              <a:t>từ</a:t>
+            </a:r>
+            <a:r>
+              <a:rPr lang="en-US" altLang="ko-KR" sz="1800" dirty="0">
+                <a:solidFill>
+                  <a:srgbClr val="1F2025"/>
+                </a:solidFill>
+              </a:rPr>
+              <a:t> (token) </a:t>
+            </a:r>
+            <a:r>
+              <a:rPr lang="en-US" altLang="ko-KR" sz="1800" dirty="0" err="1">
+                <a:solidFill>
+                  <a:srgbClr val="1F2025"/>
+                </a:solidFill>
+              </a:rPr>
+              <a:t>trong</a:t>
+            </a:r>
+            <a:r>
+              <a:rPr lang="en-US" altLang="ko-KR" sz="1800" dirty="0">
+                <a:solidFill>
+                  <a:srgbClr val="1F2025"/>
+                </a:solidFill>
+              </a:rPr>
+              <a:t> </a:t>
+            </a:r>
+            <a:r>
+              <a:rPr lang="en-US" altLang="ko-KR" sz="1800" dirty="0" err="1">
+                <a:solidFill>
+                  <a:srgbClr val="1F2025"/>
+                </a:solidFill>
+              </a:rPr>
+              <a:t>chuỗi</a:t>
+            </a:r>
+            <a:r>
+              <a:rPr lang="en-US" altLang="ko-KR" sz="1800" dirty="0">
+                <a:solidFill>
+                  <a:srgbClr val="1F2025"/>
+                </a:solidFill>
+              </a:rPr>
+              <a:t>.</a:t>
+            </a:r>
+          </a:p>
+          <a:p>
+            <a:pPr marL="285750" indent="-285750">
+              <a:buFontTx/>
+              <a:buChar char="-"/>
+            </a:pPr>
+            <a:r>
+              <a:rPr lang="en-US" altLang="ko-KR" sz="1800" dirty="0" err="1">
+                <a:solidFill>
+                  <a:srgbClr val="1F2025"/>
+                </a:solidFill>
+              </a:rPr>
+              <a:t>Có</a:t>
+            </a:r>
+            <a:r>
+              <a:rPr lang="en-US" altLang="ko-KR" sz="1800" dirty="0">
+                <a:solidFill>
+                  <a:srgbClr val="1F2025"/>
+                </a:solidFill>
+              </a:rPr>
+              <a:t> </a:t>
+            </a:r>
+            <a:r>
+              <a:rPr lang="en-US" altLang="ko-KR" sz="1800" dirty="0" err="1">
+                <a:solidFill>
+                  <a:srgbClr val="1F2025"/>
+                </a:solidFill>
+              </a:rPr>
+              <a:t>số</a:t>
+            </a:r>
+            <a:r>
+              <a:rPr lang="en-US" altLang="ko-KR" sz="1800" dirty="0">
+                <a:solidFill>
+                  <a:srgbClr val="1F2025"/>
+                </a:solidFill>
+              </a:rPr>
+              <a:t> </a:t>
+            </a:r>
+            <a:r>
+              <a:rPr lang="en-US" altLang="ko-KR" sz="1800" dirty="0" err="1">
+                <a:solidFill>
+                  <a:srgbClr val="1F2025"/>
+                </a:solidFill>
+              </a:rPr>
+              <a:t>chiều</a:t>
+            </a:r>
+            <a:r>
+              <a:rPr lang="en-US" altLang="ko-KR" sz="1800" dirty="0">
+                <a:solidFill>
+                  <a:srgbClr val="1F2025"/>
+                </a:solidFill>
+              </a:rPr>
+              <a:t> </a:t>
+            </a:r>
+            <a:r>
+              <a:rPr lang="en-US" altLang="ko-KR" sz="1800" dirty="0" err="1">
+                <a:solidFill>
+                  <a:srgbClr val="1F2025"/>
+                </a:solidFill>
+              </a:rPr>
+              <a:t>bằng</a:t>
+            </a:r>
+            <a:r>
+              <a:rPr lang="en-US" altLang="ko-KR" sz="1800" dirty="0">
+                <a:solidFill>
+                  <a:srgbClr val="1F2025"/>
+                </a:solidFill>
+              </a:rPr>
+              <a:t> </a:t>
+            </a:r>
+            <a:r>
+              <a:rPr lang="en-US" altLang="ko-KR" sz="1800" dirty="0" err="1">
+                <a:solidFill>
+                  <a:srgbClr val="1F2025"/>
+                </a:solidFill>
+              </a:rPr>
+              <a:t>với</a:t>
+            </a:r>
+            <a:r>
+              <a:rPr lang="en-US" altLang="ko-KR" sz="1800" dirty="0">
+                <a:solidFill>
+                  <a:srgbClr val="1F2025"/>
+                </a:solidFill>
+              </a:rPr>
+              <a:t> </a:t>
+            </a:r>
+            <a:r>
+              <a:rPr lang="en-US" altLang="ko-KR" sz="1800" dirty="0" err="1">
+                <a:solidFill>
+                  <a:srgbClr val="1F2025"/>
+                </a:solidFill>
+              </a:rPr>
+              <a:t>số</a:t>
+            </a:r>
+            <a:r>
+              <a:rPr lang="en-US" altLang="ko-KR" sz="1800" dirty="0">
+                <a:solidFill>
+                  <a:srgbClr val="1F2025"/>
+                </a:solidFill>
+              </a:rPr>
+              <a:t> </a:t>
+            </a:r>
+            <a:r>
+              <a:rPr lang="en-US" altLang="ko-KR" sz="1800" dirty="0" err="1">
+                <a:solidFill>
+                  <a:srgbClr val="1F2025"/>
+                </a:solidFill>
+              </a:rPr>
+              <a:t>chiều</a:t>
+            </a:r>
+            <a:r>
+              <a:rPr lang="en-US" altLang="ko-KR" sz="1800" dirty="0">
+                <a:solidFill>
+                  <a:srgbClr val="1F2025"/>
+                </a:solidFill>
+              </a:rPr>
+              <a:t> </a:t>
+            </a:r>
+            <a:r>
+              <a:rPr lang="en-US" altLang="ko-KR" sz="1800" dirty="0" err="1">
+                <a:solidFill>
+                  <a:srgbClr val="1F2025"/>
+                </a:solidFill>
+              </a:rPr>
+              <a:t>của</a:t>
+            </a:r>
+            <a:r>
+              <a:rPr lang="en-US" altLang="ko-KR" sz="1800" dirty="0">
+                <a:solidFill>
+                  <a:srgbClr val="1F2025"/>
+                </a:solidFill>
+              </a:rPr>
+              <a:t> </a:t>
+            </a:r>
+            <a:r>
+              <a:rPr lang="en-US" altLang="ko-KR" sz="1800" dirty="0" err="1">
+                <a:solidFill>
+                  <a:srgbClr val="1F2025"/>
+                </a:solidFill>
+              </a:rPr>
+              <a:t>không</a:t>
+            </a:r>
+            <a:r>
+              <a:rPr lang="en-US" altLang="ko-KR" sz="1800" dirty="0">
+                <a:solidFill>
+                  <a:srgbClr val="1F2025"/>
+                </a:solidFill>
+              </a:rPr>
+              <a:t> </a:t>
+            </a:r>
+            <a:r>
+              <a:rPr lang="en-US" altLang="ko-KR" sz="1800" dirty="0" err="1">
+                <a:solidFill>
+                  <a:srgbClr val="1F2025"/>
+                </a:solidFill>
+              </a:rPr>
+              <a:t>gian</a:t>
+            </a:r>
+            <a:r>
+              <a:rPr lang="en-US" altLang="ko-KR" sz="1800" dirty="0">
+                <a:solidFill>
+                  <a:srgbClr val="1F2025"/>
+                </a:solidFill>
+              </a:rPr>
+              <a:t> embedding.</a:t>
+            </a:r>
+          </a:p>
+          <a:p>
+            <a:pPr marL="285750" indent="-285750">
+              <a:buFontTx/>
+              <a:buChar char="-"/>
+            </a:pPr>
+            <a:endParaRPr lang="en-US" altLang="ko-KR" sz="1800" dirty="0">
+              <a:solidFill>
+                <a:srgbClr val="1F2025"/>
+              </a:solidFill>
+            </a:endParaRPr>
           </a:p>
         </p:txBody>
       </p:sp>
@@ -12166,7 +15443,7 @@
           <p:cNvPr id="4" name="TextBox 3">
             <a:extLst>
               <a:ext uri="{FF2B5EF4-FFF2-40B4-BE49-F238E27FC236}">
-                <a16:creationId xmlns:a16="http://schemas.microsoft.com/office/drawing/2014/main" id="{D8F91711-CAFD-776A-5977-7294952FDCA4}"/>
+                <a16:creationId xmlns:a16="http://schemas.microsoft.com/office/drawing/2014/main" id="{7C3598F0-F1CF-C399-F5E0-38D8FFF5DB7E}"/>
               </a:ext>
             </a:extLst>
           </p:cNvPr>
@@ -12190,14 +15467,14 @@
           <a:lstStyle/>
           <a:p>
             <a:r>
-              <a:rPr lang="vi-VN" altLang="ko-KR">
+              <a:rPr lang="vi-VN" altLang="ko-KR" dirty="0">
                 <a:solidFill>
                   <a:srgbClr val="1F2025"/>
                 </a:solidFill>
                 <a:latin typeface="Calibri" panose="020F0502020204030204" pitchFamily="34" charset="0"/>
                 <a:cs typeface="Calibri" panose="020F0502020204030204" pitchFamily="34" charset="0"/>
               </a:rPr>
-              <a:t>ATTENTION</a:t>
+              <a:t>POSITIONAL ENCODING</a:t>
             </a:r>
             <a:endParaRPr lang="ko-KR" altLang="en-US" dirty="0">
               <a:solidFill>
@@ -12211,10 +15488,10 @@
       </p:sp>
       <p:pic>
         <p:nvPicPr>
-          <p:cNvPr id="7" name="Picture 6">
-            <a:extLst>
-              <a:ext uri="{FF2B5EF4-FFF2-40B4-BE49-F238E27FC236}">
-                <a16:creationId xmlns:a16="http://schemas.microsoft.com/office/drawing/2014/main" id="{1C211CCD-062B-4445-A0BC-71A9A5DA14E7}"/>
+          <p:cNvPr id="6" name="Picture 5">
+            <a:extLst>
+              <a:ext uri="{FF2B5EF4-FFF2-40B4-BE49-F238E27FC236}">
+                <a16:creationId xmlns:a16="http://schemas.microsoft.com/office/drawing/2014/main" id="{D92EB658-D749-38AC-F20C-66400A7012FB}"/>
               </a:ext>
             </a:extLst>
           </p:cNvPr>
@@ -12225,6 +15502,7 @@
         </p:nvPicPr>
         <p:blipFill>
           <a:blip r:embed="rId4">
+            <a:alphaModFix/>
             <a:extLst>
               <a:ext uri="{28A0092B-C50C-407E-A947-70E740481C1C}">
                 <a14:useLocalDpi xmlns:a14="http://schemas.microsoft.com/office/drawing/2010/main" val="0"/>
@@ -12237,8 +15515,38 @@
         </p:blipFill>
         <p:spPr>
           <a:xfrm>
-            <a:off x="5434367" y="932993"/>
-            <a:ext cx="5471710" cy="3373709"/>
+            <a:off x="2657669" y="2721204"/>
+            <a:ext cx="6673855" cy="1501130"/>
+          </a:xfrm>
+          <a:prstGeom prst="rect">
+            <a:avLst/>
+          </a:prstGeom>
+        </p:spPr>
+      </p:pic>
+      <p:pic>
+        <p:nvPicPr>
+          <p:cNvPr id="5" name="Picture 4">
+            <a:extLst>
+              <a:ext uri="{FF2B5EF4-FFF2-40B4-BE49-F238E27FC236}">
+                <a16:creationId xmlns:a16="http://schemas.microsoft.com/office/drawing/2014/main" id="{AE35FF44-A0F9-42C1-A44E-7D011CBB4433}"/>
+              </a:ext>
+            </a:extLst>
+          </p:cNvPr>
+          <p:cNvPicPr>
+            <a:picLocks noChangeAspect="1"/>
+          </p:cNvPicPr>
+          <p:nvPr/>
+        </p:nvPicPr>
+        <p:blipFill>
+          <a:blip r:embed="rId5"/>
+          <a:stretch>
+            <a:fillRect/>
+          </a:stretch>
+        </p:blipFill>
+        <p:spPr>
+          <a:xfrm>
+            <a:off x="3903014" y="4828786"/>
+            <a:ext cx="4143375" cy="895350"/>
           </a:xfrm>
           <a:prstGeom prst="rect">
             <a:avLst/>
@@ -12248,7 +15556,7 @@
     </p:spTree>
     <p:extLst>
       <p:ext uri="{BB962C8B-B14F-4D97-AF65-F5344CB8AC3E}">
-        <p14:creationId xmlns:p14="http://schemas.microsoft.com/office/powerpoint/2010/main" val="3113519770"/>
+        <p14:creationId xmlns:p14="http://schemas.microsoft.com/office/powerpoint/2010/main" val="516086398"/>
       </p:ext>
     </p:extLst>
   </p:cSld>
